--- a/doc/talk/coda.pptx
+++ b/doc/talk/coda.pptx
@@ -22,6 +22,11 @@
     <p:sldId id="271" r:id="rId16"/>
     <p:sldId id="272" r:id="rId17"/>
     <p:sldId id="274" r:id="rId18"/>
+    <p:sldId id="275" r:id="rId19"/>
+    <p:sldId id="276" r:id="rId20"/>
+    <p:sldId id="277" r:id="rId21"/>
+    <p:sldId id="278" r:id="rId22"/>
+    <p:sldId id="279" r:id="rId23"/>
   </p:sldIdLst>
   <p:sldSz cx="12192000" cy="6858000"/>
   <p:notesSz cx="6858000" cy="9144000"/>
@@ -3456,8 +3461,8 @@
         </p:nvSpPr>
         <p:spPr>
           <a:xfrm>
-            <a:off x="328465" y="259696"/>
-            <a:ext cx="11380305" cy="461665"/>
+            <a:off x="338976" y="354289"/>
+            <a:ext cx="11380305" cy="646331"/>
           </a:xfrm>
           <a:prstGeom prst="rect">
             <a:avLst/>
@@ -3471,10 +3476,10 @@
           <a:lstStyle/>
           <a:p>
             <a:r>
-              <a:rPr lang="en-US" sz="2400" dirty="0">
-                <a:latin typeface="+mj-lt"/>
-              </a:rPr>
-              <a:t>There are a couple of points to notice…</a:t>
+              <a:rPr lang="en-US" sz="3600" dirty="0">
+                <a:latin typeface="+mj-lt"/>
+              </a:rPr>
+              <a:t>There a few points to notice…</a:t>
             </a:r>
           </a:p>
         </p:txBody>
@@ -3600,8 +3605,8 @@
         </p:nvSpPr>
         <p:spPr>
           <a:xfrm>
-            <a:off x="49691" y="330220"/>
-            <a:ext cx="11757992" cy="584775"/>
+            <a:off x="49691" y="256752"/>
+            <a:ext cx="11757992" cy="707886"/>
           </a:xfrm>
           <a:prstGeom prst="rect">
             <a:avLst/>
@@ -3616,7 +3621,7 @@
           <a:p>
             <a:pPr algn="ctr"/>
             <a:r>
-              <a:rPr lang="en-US" sz="3200" dirty="0">
+              <a:rPr lang="en-US" sz="4000" dirty="0">
                 <a:latin typeface="+mj-lt"/>
               </a:rPr>
               <a:t>Language</a:t>
@@ -5115,8 +5120,8 @@
         </p:nvSpPr>
         <p:spPr>
           <a:xfrm>
-            <a:off x="0" y="336266"/>
-            <a:ext cx="11757992" cy="584775"/>
+            <a:off x="0" y="315245"/>
+            <a:ext cx="12192000" cy="646331"/>
           </a:xfrm>
           <a:prstGeom prst="rect">
             <a:avLst/>
@@ -5131,7 +5136,7 @@
           <a:p>
             <a:pPr algn="ctr"/>
             <a:r>
-              <a:rPr lang="en-US" sz="3200" dirty="0">
+              <a:rPr lang="en-US" sz="3600" dirty="0">
                 <a:latin typeface="+mj-lt"/>
               </a:rPr>
               <a:t>Is Mathematics Consistent?</a:t>
@@ -5139,212 +5144,311 @@
           </a:p>
         </p:txBody>
       </p:sp>
-      <p:sp>
-        <p:nvSpPr>
-          <p:cNvPr id="3" name="TextBox 2">
-            <a:extLst>
-              <a:ext uri="{FF2B5EF4-FFF2-40B4-BE49-F238E27FC236}">
-                <a16:creationId xmlns:a16="http://schemas.microsoft.com/office/drawing/2014/main" id="{FCE14E08-D999-E84A-A600-71DCCF6E4FF9}"/>
-              </a:ext>
-            </a:extLst>
-          </p:cNvPr>
-          <p:cNvSpPr txBox="1"/>
-          <p:nvPr/>
-        </p:nvSpPr>
-        <p:spPr>
-          <a:xfrm>
-            <a:off x="715773" y="1109820"/>
-            <a:ext cx="10771322" cy="4893647"/>
-          </a:xfrm>
-          <a:prstGeom prst="rect">
-            <a:avLst/>
-          </a:prstGeom>
-          <a:noFill/>
-        </p:spPr>
-        <p:txBody>
-          <a:bodyPr wrap="square" rtlCol="0">
-            <a:spAutoFit/>
-          </a:bodyPr>
-          <a:lstStyle/>
-          <a:p>
-            <a:r>
-              <a:rPr lang="en-US" sz="2400" dirty="0">
-                <a:latin typeface="+mj-lt"/>
-              </a:rPr>
-              <a:t>If one either takes coda to define “Mathematics” or if one takes coda to be a model of mathematics in a Model theory sense, then the issue of the consistency of Mathematics is easily accessible.  </a:t>
-            </a:r>
-          </a:p>
-          <a:p>
-            <a:endParaRPr lang="en-US" sz="2400" dirty="0">
-              <a:latin typeface="+mj-lt"/>
-            </a:endParaRPr>
-          </a:p>
-          <a:p>
-            <a:r>
-              <a:rPr lang="en-US" sz="2400" b="1" dirty="0">
-                <a:solidFill>
-                  <a:srgbClr val="0070C0"/>
-                </a:solidFill>
-                <a:latin typeface="+mj-lt"/>
-              </a:rPr>
-              <a:t>def </a:t>
-            </a:r>
-            <a:r>
-              <a:rPr lang="en-US" sz="2400" b="1" dirty="0" err="1">
-                <a:solidFill>
-                  <a:srgbClr val="0070C0"/>
-                </a:solidFill>
-                <a:latin typeface="+mj-lt"/>
-              </a:rPr>
-              <a:t>Both_true_and_false</a:t>
-            </a:r>
-            <a:r>
-              <a:rPr lang="en-US" sz="2400" b="1" dirty="0">
-                <a:solidFill>
-                  <a:srgbClr val="0070C0"/>
-                </a:solidFill>
-                <a:latin typeface="+mj-lt"/>
-              </a:rPr>
-              <a:t> : {logic : B (</a:t>
-            </a:r>
-            <a:r>
-              <a:rPr lang="en-US" sz="2400" b="1" dirty="0" err="1">
-                <a:solidFill>
-                  <a:srgbClr val="0070C0"/>
-                </a:solidFill>
-                <a:latin typeface="+mj-lt"/>
-              </a:rPr>
-              <a:t>not:B</a:t>
-            </a:r>
-            <a:r>
-              <a:rPr lang="en-US" sz="2400" b="1" dirty="0">
-                <a:solidFill>
-                  <a:srgbClr val="0070C0"/>
-                </a:solidFill>
-                <a:latin typeface="+mj-lt"/>
-              </a:rPr>
-              <a:t>) } </a:t>
-            </a:r>
-          </a:p>
-          <a:p>
-            <a:endParaRPr lang="en-US" sz="2400" b="1" dirty="0">
-              <a:solidFill>
-                <a:srgbClr val="0070C0"/>
-              </a:solidFill>
-              <a:latin typeface="+mj-lt"/>
-            </a:endParaRPr>
-          </a:p>
-          <a:p>
-            <a:r>
-              <a:rPr lang="en-US" sz="2400" dirty="0">
-                <a:latin typeface="+mj-lt"/>
-              </a:rPr>
-              <a:t>Once defined, if (</a:t>
-            </a:r>
-            <a:r>
-              <a:rPr lang="en-US" sz="2400" dirty="0" err="1">
-                <a:latin typeface="+mj-lt"/>
-              </a:rPr>
-              <a:t>Both_true_and_false:B</a:t>
-            </a:r>
-            <a:r>
-              <a:rPr lang="en-US" sz="2400" dirty="0">
-                <a:latin typeface="+mj-lt"/>
-              </a:rPr>
-              <a:t>) is true for any B, then coda is inconsistent.  If no such data exists, coda is consistent.  The consistency of coda is then the data </a:t>
-            </a:r>
-          </a:p>
-          <a:p>
-            <a:endParaRPr lang="en-US" sz="2400" dirty="0">
-              <a:latin typeface="+mj-lt"/>
-            </a:endParaRPr>
-          </a:p>
-          <a:p>
-            <a:r>
-              <a:rPr lang="en-US" sz="2400" b="1" dirty="0" err="1">
-                <a:solidFill>
-                  <a:srgbClr val="0070C0"/>
-                </a:solidFill>
-                <a:latin typeface="+mj-lt"/>
-              </a:rPr>
-              <a:t>ap</a:t>
-            </a:r>
-            <a:r>
-              <a:rPr lang="en-US" sz="2400" b="1" dirty="0">
-                <a:solidFill>
-                  <a:srgbClr val="0070C0"/>
-                </a:solidFill>
-                <a:latin typeface="+mj-lt"/>
-              </a:rPr>
-              <a:t> {not : </a:t>
-            </a:r>
-            <a:r>
-              <a:rPr lang="en-US" sz="2400" b="1" dirty="0" err="1">
-                <a:solidFill>
-                  <a:srgbClr val="0070C0"/>
-                </a:solidFill>
-                <a:latin typeface="+mj-lt"/>
-              </a:rPr>
-              <a:t>Both_true_and_false</a:t>
-            </a:r>
-            <a:r>
-              <a:rPr lang="en-US" sz="2400" b="1" dirty="0">
-                <a:solidFill>
-                  <a:srgbClr val="0070C0"/>
-                </a:solidFill>
-                <a:latin typeface="+mj-lt"/>
-              </a:rPr>
-              <a:t> : coda : B} : </a:t>
-            </a:r>
-            <a:r>
-              <a:rPr lang="en-US" sz="2400" b="1" dirty="0" err="1">
-                <a:solidFill>
-                  <a:srgbClr val="0070C0"/>
-                </a:solidFill>
-                <a:latin typeface="+mj-lt"/>
-              </a:rPr>
-              <a:t>allcodes</a:t>
-            </a:r>
-            <a:r>
-              <a:rPr lang="en-US" sz="2400" b="1" dirty="0">
-                <a:solidFill>
-                  <a:srgbClr val="0070C0"/>
-                </a:solidFill>
-                <a:latin typeface="+mj-lt"/>
-              </a:rPr>
-              <a:t> :  </a:t>
-            </a:r>
-          </a:p>
-          <a:p>
-            <a:endParaRPr lang="en-US" sz="2400" b="1" dirty="0">
-              <a:solidFill>
-                <a:srgbClr val="0070C0"/>
-              </a:solidFill>
-              <a:latin typeface="+mj-lt"/>
-            </a:endParaRPr>
-          </a:p>
-          <a:p>
-            <a:r>
-              <a:rPr lang="en-US" sz="2400" dirty="0">
-                <a:latin typeface="+mj-lt"/>
-              </a:rPr>
-              <a:t>Is the answer to the question (</a:t>
-            </a:r>
-            <a:r>
-              <a:rPr lang="en-US" sz="2400" dirty="0" err="1">
-                <a:latin typeface="+mj-lt"/>
-              </a:rPr>
-              <a:t>allcodes</a:t>
-            </a:r>
-            <a:r>
-              <a:rPr lang="en-US" sz="2400" dirty="0">
-                <a:latin typeface="+mj-lt"/>
-              </a:rPr>
-              <a:t> produces all finite byte strings and coda compiles byte strings into data via x -&gt; {x}: as usual).  </a:t>
-            </a:r>
-          </a:p>
-        </p:txBody>
-      </p:sp>
+      <mc:AlternateContent xmlns:mc="http://schemas.openxmlformats.org/markup-compatibility/2006">
+        <mc:Choice xmlns:a14="http://schemas.microsoft.com/office/drawing/2010/main" Requires="a14">
+          <p:sp>
+            <p:nvSpPr>
+              <p:cNvPr id="3" name="TextBox 2">
+                <a:extLst>
+                  <a:ext uri="{FF2B5EF4-FFF2-40B4-BE49-F238E27FC236}">
+                    <a16:creationId xmlns:a16="http://schemas.microsoft.com/office/drawing/2014/main" id="{FCE14E08-D999-E84A-A600-71DCCF6E4FF9}"/>
+                  </a:ext>
+                </a:extLst>
+              </p:cNvPr>
+              <p:cNvSpPr txBox="1"/>
+              <p:nvPr/>
+            </p:nvSpPr>
+            <p:spPr>
+              <a:xfrm>
+                <a:off x="715773" y="1225433"/>
+                <a:ext cx="10771322" cy="4893647"/>
+              </a:xfrm>
+              <a:prstGeom prst="rect">
+                <a:avLst/>
+              </a:prstGeom>
+              <a:noFill/>
+            </p:spPr>
+            <p:txBody>
+              <a:bodyPr wrap="square" rtlCol="0">
+                <a:spAutoFit/>
+              </a:bodyPr>
+              <a:lstStyle/>
+              <a:p>
+                <a:r>
+                  <a:rPr lang="en-US" sz="2400" dirty="0">
+                    <a:latin typeface="+mj-lt"/>
+                  </a:rPr>
+                  <a:t>If one either takes coda to define “Mathematics” or if one takes coda to be a model of mathematics in a Model theory sense, then the issue of the consistency of Mathematics is easily accessible.  </a:t>
+                </a:r>
+              </a:p>
+              <a:p>
+                <a:endParaRPr lang="en-US" sz="2400" dirty="0">
+                  <a:latin typeface="+mj-lt"/>
+                </a:endParaRPr>
+              </a:p>
+              <a:p>
+                <a:r>
+                  <a:rPr lang="en-US" sz="2400" b="1" dirty="0">
+                    <a:solidFill>
+                      <a:srgbClr val="0070C0"/>
+                    </a:solidFill>
+                    <a:latin typeface="+mj-lt"/>
+                  </a:rPr>
+                  <a:t>def </a:t>
+                </a:r>
+                <a:r>
+                  <a:rPr lang="en-US" sz="2400" b="1" dirty="0" err="1">
+                    <a:solidFill>
+                      <a:srgbClr val="0070C0"/>
+                    </a:solidFill>
+                    <a:latin typeface="+mj-lt"/>
+                  </a:rPr>
+                  <a:t>both_true_and_false</a:t>
+                </a:r>
+                <a:r>
+                  <a:rPr lang="en-US" sz="2400" b="1" dirty="0">
+                    <a:solidFill>
+                      <a:srgbClr val="0070C0"/>
+                    </a:solidFill>
+                    <a:latin typeface="+mj-lt"/>
+                  </a:rPr>
+                  <a:t> : {logic : B (</a:t>
+                </a:r>
+                <a:r>
+                  <a:rPr lang="en-US" sz="2400" b="1" dirty="0" err="1">
+                    <a:solidFill>
+                      <a:srgbClr val="0070C0"/>
+                    </a:solidFill>
+                    <a:latin typeface="+mj-lt"/>
+                  </a:rPr>
+                  <a:t>not:B</a:t>
+                </a:r>
+                <a:r>
+                  <a:rPr lang="en-US" sz="2400" b="1" dirty="0">
+                    <a:solidFill>
+                      <a:srgbClr val="0070C0"/>
+                    </a:solidFill>
+                    <a:latin typeface="+mj-lt"/>
+                  </a:rPr>
+                  <a:t>) } </a:t>
+                </a:r>
+              </a:p>
+              <a:p>
+                <a:endParaRPr lang="en-US" sz="2400" b="1" dirty="0">
+                  <a:solidFill>
+                    <a:srgbClr val="0070C0"/>
+                  </a:solidFill>
+                  <a:latin typeface="+mj-lt"/>
+                </a:endParaRPr>
+              </a:p>
+              <a:p>
+                <a:r>
+                  <a:rPr lang="en-US" sz="2400" dirty="0">
+                    <a:latin typeface="+mj-lt"/>
+                  </a:rPr>
+                  <a:t>Once defined, if (</a:t>
+                </a:r>
+                <a:r>
+                  <a:rPr lang="en-US" sz="2400" dirty="0" err="1">
+                    <a:latin typeface="+mj-lt"/>
+                  </a:rPr>
+                  <a:t>Both_true_and_false:B</a:t>
+                </a:r>
+                <a:r>
+                  <a:rPr lang="en-US" sz="2400" dirty="0">
+                    <a:latin typeface="+mj-lt"/>
+                  </a:rPr>
+                  <a:t>) is true for any B, then coda is inconsistent.  If no such data exists, coda is consistent.  The consistency of coda is then the data </a:t>
+                </a:r>
+              </a:p>
+              <a:p>
+                <a:endParaRPr lang="en-US" sz="2400" dirty="0">
+                  <a:latin typeface="+mj-lt"/>
+                </a:endParaRPr>
+              </a:p>
+              <a:p>
+                <a:r>
+                  <a:rPr lang="en-US" sz="2400" b="1" dirty="0" err="1">
+                    <a:solidFill>
+                      <a:srgbClr val="0070C0"/>
+                    </a:solidFill>
+                    <a:latin typeface="+mj-lt"/>
+                  </a:rPr>
+                  <a:t>ap</a:t>
+                </a:r>
+                <a:r>
+                  <a:rPr lang="en-US" sz="2400" b="1" dirty="0">
+                    <a:solidFill>
+                      <a:srgbClr val="0070C0"/>
+                    </a:solidFill>
+                    <a:latin typeface="+mj-lt"/>
+                  </a:rPr>
+                  <a:t> {not : </a:t>
+                </a:r>
+                <a:r>
+                  <a:rPr lang="en-US" sz="2400" b="1" dirty="0" err="1">
+                    <a:solidFill>
+                      <a:srgbClr val="0070C0"/>
+                    </a:solidFill>
+                    <a:latin typeface="+mj-lt"/>
+                  </a:rPr>
+                  <a:t>both_true_and_false</a:t>
+                </a:r>
+                <a:r>
+                  <a:rPr lang="en-US" sz="2400" b="1" dirty="0">
+                    <a:solidFill>
+                      <a:srgbClr val="0070C0"/>
+                    </a:solidFill>
+                    <a:latin typeface="+mj-lt"/>
+                  </a:rPr>
+                  <a:t> : coda : B} : </a:t>
+                </a:r>
+                <a:r>
+                  <a:rPr lang="en-US" sz="2400" b="1" dirty="0" err="1">
+                    <a:solidFill>
+                      <a:srgbClr val="0070C0"/>
+                    </a:solidFill>
+                    <a:latin typeface="+mj-lt"/>
+                  </a:rPr>
+                  <a:t>allcodes</a:t>
+                </a:r>
+                <a:r>
+                  <a:rPr lang="en-US" sz="2400" b="1" dirty="0">
+                    <a:solidFill>
+                      <a:srgbClr val="0070C0"/>
+                    </a:solidFill>
+                    <a:latin typeface="+mj-lt"/>
+                  </a:rPr>
+                  <a:t> :  </a:t>
+                </a:r>
+              </a:p>
+              <a:p>
+                <a:endParaRPr lang="en-US" sz="2400" b="1" dirty="0">
+                  <a:solidFill>
+                    <a:srgbClr val="0070C0"/>
+                  </a:solidFill>
+                  <a:latin typeface="+mj-lt"/>
+                </a:endParaRPr>
+              </a:p>
+              <a:p>
+                <a:r>
+                  <a:rPr lang="en-US" sz="2400" dirty="0">
+                    <a:latin typeface="+mj-lt"/>
+                  </a:rPr>
+                  <a:t>Is the answer to the question (</a:t>
+                </a:r>
+                <a:r>
+                  <a:rPr lang="en-US" sz="2400" dirty="0" err="1">
+                    <a:latin typeface="+mj-lt"/>
+                  </a:rPr>
+                  <a:t>allcodes</a:t>
+                </a:r>
+                <a:r>
+                  <a:rPr lang="en-US" sz="2400" dirty="0">
+                    <a:latin typeface="+mj-lt"/>
+                  </a:rPr>
+                  <a:t> produces all finite byte strings and coda compiles byte strings into data via </a:t>
+                </a:r>
+                <a14:m>
+                  <m:oMath xmlns:m="http://schemas.openxmlformats.org/officeDocument/2006/math">
+                    <m:r>
+                      <a:rPr lang="en-US" sz="2400" b="0" i="1" smtClean="0">
+                        <a:latin typeface="Cambria Math" panose="02040503050406030204" pitchFamily="18" charset="0"/>
+                      </a:rPr>
+                      <m:t>𝑥</m:t>
+                    </m:r>
+                    <m:r>
+                      <a:rPr lang="en-US" sz="2400" b="0" i="1" smtClean="0">
+                        <a:latin typeface="Cambria Math" panose="02040503050406030204" pitchFamily="18" charset="0"/>
+                        <a:ea typeface="Cambria Math" panose="02040503050406030204" pitchFamily="18" charset="0"/>
+                      </a:rPr>
+                      <m:t>→</m:t>
+                    </m:r>
+                    <m:d>
+                      <m:dPr>
+                        <m:begChr m:val="{"/>
+                        <m:endChr m:val="}"/>
+                        <m:ctrlPr>
+                          <a:rPr lang="en-US" sz="2400" b="0" i="1" smtClean="0">
+                            <a:latin typeface="Cambria Math" panose="02040503050406030204" pitchFamily="18" charset="0"/>
+                            <a:ea typeface="Cambria Math" panose="02040503050406030204" pitchFamily="18" charset="0"/>
+                          </a:rPr>
+                        </m:ctrlPr>
+                      </m:dPr>
+                      <m:e>
+                        <m:r>
+                          <a:rPr lang="en-US" sz="2400" b="0" i="1" smtClean="0">
+                            <a:latin typeface="Cambria Math" panose="02040503050406030204" pitchFamily="18" charset="0"/>
+                            <a:ea typeface="Cambria Math" panose="02040503050406030204" pitchFamily="18" charset="0"/>
+                          </a:rPr>
+                          <m:t>𝑥</m:t>
+                        </m:r>
+                      </m:e>
+                    </m:d>
+                    <m:r>
+                      <a:rPr lang="en-US" sz="2400" b="0" i="1" smtClean="0">
+                        <a:latin typeface="Cambria Math" panose="02040503050406030204" pitchFamily="18" charset="0"/>
+                        <a:ea typeface="Cambria Math" panose="02040503050406030204" pitchFamily="18" charset="0"/>
+                      </a:rPr>
+                      <m:t>: </m:t>
+                    </m:r>
+                  </m:oMath>
+                </a14:m>
+                <a:r>
+                  <a:rPr lang="en-US" sz="2400" dirty="0">
+                    <a:latin typeface="+mj-lt"/>
+                  </a:rPr>
+                  <a:t>as usual).  </a:t>
+                </a:r>
+              </a:p>
+            </p:txBody>
+          </p:sp>
+        </mc:Choice>
+        <mc:Fallback>
+          <p:sp>
+            <p:nvSpPr>
+              <p:cNvPr id="3" name="TextBox 2">
+                <a:extLst>
+                  <a:ext uri="{FF2B5EF4-FFF2-40B4-BE49-F238E27FC236}">
+                    <a16:creationId xmlns:a16="http://schemas.microsoft.com/office/drawing/2014/main" id="{FCE14E08-D999-E84A-A600-71DCCF6E4FF9}"/>
+                  </a:ext>
+                </a:extLst>
+              </p:cNvPr>
+              <p:cNvSpPr txBox="1">
+                <a:spLocks noRot="1" noChangeAspect="1" noMove="1" noResize="1" noEditPoints="1" noAdjustHandles="1" noChangeArrowheads="1" noChangeShapeType="1" noTextEdit="1"/>
+              </p:cNvSpPr>
+              <p:nvPr/>
+            </p:nvSpPr>
+            <p:spPr>
+              <a:xfrm>
+                <a:off x="715773" y="1225433"/>
+                <a:ext cx="10771322" cy="4893647"/>
+              </a:xfrm>
+              <a:prstGeom prst="rect">
+                <a:avLst/>
+              </a:prstGeom>
+              <a:blipFill>
+                <a:blip r:embed="rId2"/>
+                <a:stretch>
+                  <a:fillRect l="-824" t="-1036" r="-942" b="-1554"/>
+                </a:stretch>
+              </a:blipFill>
+            </p:spPr>
+            <p:txBody>
+              <a:bodyPr/>
+              <a:lstStyle/>
+              <a:p>
+                <a:r>
+                  <a:rPr lang="en-US">
+                    <a:noFill/>
+                  </a:rPr>
+                  <a:t> </a:t>
+                </a:r>
+              </a:p>
+            </p:txBody>
+          </p:sp>
+        </mc:Fallback>
+      </mc:AlternateContent>
     </p:spTree>
     <p:extLst>
       <p:ext uri="{BB962C8B-B14F-4D97-AF65-F5344CB8AC3E}">
@@ -5653,7 +5757,7 @@
               <a:rPr lang="en-US" sz="2400" dirty="0">
                 <a:latin typeface="+mj-lt"/>
               </a:rPr>
-              <a:t>the expression above will recursively never finish. </a:t>
+              <a:t>and so the expression above will recursively never finish. </a:t>
             </a:r>
           </a:p>
         </p:txBody>
@@ -5688,10 +5792,214 @@
           <a:chExt cx="0" cy="0"/>
         </a:xfrm>
       </p:grpSpPr>
+      <p:sp>
+        <p:nvSpPr>
+          <p:cNvPr id="2" name="TextBox 1">
+            <a:extLst>
+              <a:ext uri="{FF2B5EF4-FFF2-40B4-BE49-F238E27FC236}">
+                <a16:creationId xmlns:a16="http://schemas.microsoft.com/office/drawing/2014/main" id="{0D326E0B-0E11-BE49-AD5E-4E7E79A13ECA}"/>
+              </a:ext>
+            </a:extLst>
+          </p:cNvPr>
+          <p:cNvSpPr txBox="1"/>
+          <p:nvPr/>
+        </p:nvSpPr>
+        <p:spPr>
+          <a:xfrm>
+            <a:off x="0" y="257448"/>
+            <a:ext cx="12192000" cy="646331"/>
+          </a:xfrm>
+          <a:prstGeom prst="rect">
+            <a:avLst/>
+          </a:prstGeom>
+          <a:noFill/>
+        </p:spPr>
+        <p:txBody>
+          <a:bodyPr wrap="square" rtlCol="0">
+            <a:spAutoFit/>
+          </a:bodyPr>
+          <a:lstStyle/>
+          <a:p>
+            <a:pPr algn="ctr"/>
+            <a:r>
+              <a:rPr lang="en-US" sz="3600" dirty="0">
+                <a:latin typeface="+mj-lt"/>
+              </a:rPr>
+              <a:t>Spaces</a:t>
+            </a:r>
+          </a:p>
+        </p:txBody>
+      </p:sp>
     </p:spTree>
     <p:extLst>
       <p:ext uri="{BB962C8B-B14F-4D97-AF65-F5344CB8AC3E}">
         <p14:creationId xmlns:p14="http://schemas.microsoft.com/office/powerpoint/2010/main" val="3024053096"/>
+      </p:ext>
+    </p:extLst>
+  </p:cSld>
+  <p:clrMapOvr>
+    <a:masterClrMapping/>
+  </p:clrMapOvr>
+</p:sld>
+</file>
+
+<file path=ppt/slides/slide18.xml><?xml version="1.0" encoding="utf-8"?>
+<p:sld xmlns:a="http://schemas.openxmlformats.org/drawingml/2006/main" xmlns:r="http://schemas.openxmlformats.org/officeDocument/2006/relationships" xmlns:p="http://schemas.openxmlformats.org/presentationml/2006/main">
+  <p:cSld>
+    <p:spTree>
+      <p:nvGrpSpPr>
+        <p:cNvPr id="1" name=""/>
+        <p:cNvGrpSpPr/>
+        <p:nvPr/>
+      </p:nvGrpSpPr>
+      <p:grpSpPr>
+        <a:xfrm>
+          <a:off x="0" y="0"/>
+          <a:ext cx="0" cy="0"/>
+          <a:chOff x="0" y="0"/>
+          <a:chExt cx="0" cy="0"/>
+        </a:xfrm>
+      </p:grpSpPr>
+      <p:sp>
+        <p:nvSpPr>
+          <p:cNvPr id="2" name="TextBox 1">
+            <a:extLst>
+              <a:ext uri="{FF2B5EF4-FFF2-40B4-BE49-F238E27FC236}">
+                <a16:creationId xmlns:a16="http://schemas.microsoft.com/office/drawing/2014/main" id="{8C501194-0F88-E146-B41B-7D9624A794F6}"/>
+              </a:ext>
+            </a:extLst>
+          </p:cNvPr>
+          <p:cNvSpPr txBox="1"/>
+          <p:nvPr/>
+        </p:nvSpPr>
+        <p:spPr>
+          <a:xfrm>
+            <a:off x="0" y="257448"/>
+            <a:ext cx="12192000" cy="646331"/>
+          </a:xfrm>
+          <a:prstGeom prst="rect">
+            <a:avLst/>
+          </a:prstGeom>
+          <a:noFill/>
+        </p:spPr>
+        <p:txBody>
+          <a:bodyPr wrap="square" rtlCol="0">
+            <a:spAutoFit/>
+          </a:bodyPr>
+          <a:lstStyle/>
+          <a:p>
+            <a:pPr algn="ctr"/>
+            <a:r>
+              <a:rPr lang="en-US" sz="3600" dirty="0">
+                <a:latin typeface="+mj-lt"/>
+              </a:rPr>
+              <a:t>Paradoxes</a:t>
+            </a:r>
+          </a:p>
+        </p:txBody>
+      </p:sp>
+    </p:spTree>
+    <p:extLst>
+      <p:ext uri="{BB962C8B-B14F-4D97-AF65-F5344CB8AC3E}">
+        <p14:creationId xmlns:p14="http://schemas.microsoft.com/office/powerpoint/2010/main" val="3361622783"/>
+      </p:ext>
+    </p:extLst>
+  </p:cSld>
+  <p:clrMapOvr>
+    <a:masterClrMapping/>
+  </p:clrMapOvr>
+</p:sld>
+</file>
+
+<file path=ppt/slides/slide19.xml><?xml version="1.0" encoding="utf-8"?>
+<p:sld xmlns:a="http://schemas.openxmlformats.org/drawingml/2006/main" xmlns:r="http://schemas.openxmlformats.org/officeDocument/2006/relationships" xmlns:p="http://schemas.openxmlformats.org/presentationml/2006/main">
+  <p:cSld>
+    <p:spTree>
+      <p:nvGrpSpPr>
+        <p:cNvPr id="1" name=""/>
+        <p:cNvGrpSpPr/>
+        <p:nvPr/>
+      </p:nvGrpSpPr>
+      <p:grpSpPr>
+        <a:xfrm>
+          <a:off x="0" y="0"/>
+          <a:ext cx="0" cy="0"/>
+          <a:chOff x="0" y="0"/>
+          <a:chExt cx="0" cy="0"/>
+        </a:xfrm>
+      </p:grpSpPr>
+      <p:sp>
+        <p:nvSpPr>
+          <p:cNvPr id="2" name="TextBox 1">
+            <a:extLst>
+              <a:ext uri="{FF2B5EF4-FFF2-40B4-BE49-F238E27FC236}">
+                <a16:creationId xmlns:a16="http://schemas.microsoft.com/office/drawing/2014/main" id="{A0313AFA-B10B-F64E-BABB-8DDB53B3EDA0}"/>
+              </a:ext>
+            </a:extLst>
+          </p:cNvPr>
+          <p:cNvSpPr txBox="1"/>
+          <p:nvPr/>
+        </p:nvSpPr>
+        <p:spPr>
+          <a:xfrm>
+            <a:off x="0" y="394082"/>
+            <a:ext cx="12192000" cy="646331"/>
+          </a:xfrm>
+          <a:prstGeom prst="rect">
+            <a:avLst/>
+          </a:prstGeom>
+          <a:noFill/>
+        </p:spPr>
+        <p:txBody>
+          <a:bodyPr wrap="square" rtlCol="0">
+            <a:spAutoFit/>
+          </a:bodyPr>
+          <a:lstStyle/>
+          <a:p>
+            <a:pPr algn="ctr"/>
+            <a:r>
+              <a:rPr lang="en-US" sz="3600" dirty="0">
+                <a:latin typeface="+mj-lt"/>
+              </a:rPr>
+              <a:t>Data can be undecidable</a:t>
+            </a:r>
+          </a:p>
+        </p:txBody>
+      </p:sp>
+      <p:pic>
+        <p:nvPicPr>
+          <p:cNvPr id="6" name="Picture 5">
+            <a:extLst>
+              <a:ext uri="{FF2B5EF4-FFF2-40B4-BE49-F238E27FC236}">
+                <a16:creationId xmlns:a16="http://schemas.microsoft.com/office/drawing/2014/main" id="{9F7E2A45-027B-0041-9134-BE3AA562BC74}"/>
+              </a:ext>
+            </a:extLst>
+          </p:cNvPr>
+          <p:cNvPicPr>
+            <a:picLocks noChangeAspect="1"/>
+          </p:cNvPicPr>
+          <p:nvPr/>
+        </p:nvPicPr>
+        <p:blipFill>
+          <a:blip r:embed="rId2"/>
+          <a:stretch>
+            <a:fillRect/>
+          </a:stretch>
+        </p:blipFill>
+        <p:spPr>
+          <a:xfrm>
+            <a:off x="69850" y="1428532"/>
+            <a:ext cx="12052300" cy="4064000"/>
+          </a:xfrm>
+          <a:prstGeom prst="rect">
+            <a:avLst/>
+          </a:prstGeom>
+        </p:spPr>
+      </p:pic>
+    </p:spTree>
+    <p:extLst>
+      <p:ext uri="{BB962C8B-B14F-4D97-AF65-F5344CB8AC3E}">
+        <p14:creationId xmlns:p14="http://schemas.microsoft.com/office/powerpoint/2010/main" val="3730271482"/>
       </p:ext>
     </p:extLst>
   </p:cSld>
@@ -5732,7 +6040,7 @@
         </p:nvSpPr>
         <p:spPr>
           <a:xfrm>
-            <a:off x="623455" y="421846"/>
+            <a:off x="623455" y="737154"/>
             <a:ext cx="10185715" cy="954107"/>
           </a:xfrm>
           <a:prstGeom prst="rect">
@@ -5821,8 +6129,8 @@
         </p:nvSpPr>
         <p:spPr>
           <a:xfrm>
-            <a:off x="623455" y="2406316"/>
-            <a:ext cx="10474474" cy="3108543"/>
+            <a:off x="623455" y="2721624"/>
+            <a:ext cx="10474474" cy="954107"/>
           </a:xfrm>
           <a:prstGeom prst="rect">
             <a:avLst/>
@@ -5868,81 +6176,6 @@
               <a:t>denotes the data consisting of a single coda made from A and B.</a:t>
             </a:r>
           </a:p>
-          <a:p>
-            <a:endParaRPr lang="en-US" sz="2800" dirty="0">
-              <a:latin typeface="+mj-lt"/>
-            </a:endParaRPr>
-          </a:p>
-          <a:p>
-            <a:endParaRPr lang="en-US" sz="2800" dirty="0">
-              <a:latin typeface="+mj-lt"/>
-            </a:endParaRPr>
-          </a:p>
-          <a:p>
-            <a:r>
-              <a:rPr lang="en-US" sz="2800" dirty="0">
-                <a:solidFill>
-                  <a:srgbClr val="0070C0"/>
-                </a:solidFill>
-                <a:latin typeface="+mj-lt"/>
-              </a:rPr>
-              <a:t>( )     </a:t>
-            </a:r>
-            <a:r>
-              <a:rPr lang="en-US" sz="2800" dirty="0">
-                <a:latin typeface="+mj-lt"/>
-              </a:rPr>
-              <a:t>- the empty sequence of codas.</a:t>
-            </a:r>
-          </a:p>
-          <a:p>
-            <a:r>
-              <a:rPr lang="en-US" sz="2800" dirty="0">
-                <a:solidFill>
-                  <a:srgbClr val="0070C0"/>
-                </a:solidFill>
-                <a:latin typeface="+mj-lt"/>
-              </a:rPr>
-              <a:t>(:)</a:t>
-            </a:r>
-            <a:r>
-              <a:rPr lang="en-US" sz="2800" dirty="0">
-                <a:latin typeface="+mj-lt"/>
-              </a:rPr>
-              <a:t>     - the data consisting of one coda made from the pair () and ().</a:t>
-            </a:r>
-          </a:p>
-          <a:p>
-            <a:r>
-              <a:rPr lang="en-US" sz="2800" dirty="0">
-                <a:solidFill>
-                  <a:srgbClr val="0070C0"/>
-                </a:solidFill>
-                <a:latin typeface="+mj-lt"/>
-              </a:rPr>
-              <a:t>(:) (</a:t>
-            </a:r>
-            <a:r>
-              <a:rPr lang="en-US" sz="2800" dirty="0">
-                <a:solidFill>
-                  <a:srgbClr val="0070C0"/>
-                </a:solidFill>
-                <a:latin typeface="+mj-lt"/>
-                <a:sym typeface="Wingdings" pitchFamily="2" charset="2"/>
-              </a:rPr>
-              <a:t>:) ((:):(:))  </a:t>
-            </a:r>
-            <a:r>
-              <a:rPr lang="en-US" sz="2800" dirty="0">
-                <a:latin typeface="+mj-lt"/>
-                <a:sym typeface="Wingdings" pitchFamily="2" charset="2"/>
-              </a:rPr>
-              <a:t>- a sequence of three codas.</a:t>
-            </a:r>
-            <a:endParaRPr lang="en-US" sz="2800" dirty="0">
-              <a:latin typeface="+mj-lt"/>
-            </a:endParaRPr>
-          </a:p>
         </p:txBody>
       </p:sp>
       <p:sp>
@@ -5959,7 +6192,7 @@
         </p:nvSpPr>
         <p:spPr>
           <a:xfrm>
-            <a:off x="690832" y="1600587"/>
+            <a:off x="690832" y="1915895"/>
             <a:ext cx="10185715" cy="523220"/>
           </a:xfrm>
           <a:prstGeom prst="rect">
@@ -5996,7 +6229,7 @@
         </p:nvSpPr>
         <p:spPr>
           <a:xfrm>
-            <a:off x="487098" y="321383"/>
+            <a:off x="487098" y="636691"/>
             <a:ext cx="10678208" cy="1155032"/>
           </a:xfrm>
           <a:prstGeom prst="rect">
@@ -6043,7 +6276,7 @@
         </p:nvSpPr>
         <p:spPr>
           <a:xfrm>
-            <a:off x="487098" y="2331984"/>
+            <a:off x="487098" y="2647292"/>
             <a:ext cx="10678208" cy="1155032"/>
           </a:xfrm>
           <a:prstGeom prst="rect">
@@ -6113,10 +6346,204 @@
           </a:p>
         </p:txBody>
       </p:sp>
+      <p:sp>
+        <p:nvSpPr>
+          <p:cNvPr id="14" name="TextBox 13">
+            <a:extLst>
+              <a:ext uri="{FF2B5EF4-FFF2-40B4-BE49-F238E27FC236}">
+                <a16:creationId xmlns:a16="http://schemas.microsoft.com/office/drawing/2014/main" id="{4F1573CC-26D4-834E-810A-AAB867B91624}"/>
+              </a:ext>
+            </a:extLst>
+          </p:cNvPr>
+          <p:cNvSpPr txBox="1"/>
+          <p:nvPr/>
+        </p:nvSpPr>
+        <p:spPr>
+          <a:xfrm>
+            <a:off x="690832" y="3294684"/>
+            <a:ext cx="10474474" cy="2246769"/>
+          </a:xfrm>
+          <a:prstGeom prst="rect">
+            <a:avLst/>
+          </a:prstGeom>
+          <a:noFill/>
+        </p:spPr>
+        <p:txBody>
+          <a:bodyPr wrap="square" rtlCol="0">
+            <a:spAutoFit/>
+          </a:bodyPr>
+          <a:lstStyle/>
+          <a:p>
+            <a:endParaRPr lang="en-US" sz="2800" dirty="0">
+              <a:latin typeface="+mj-lt"/>
+            </a:endParaRPr>
+          </a:p>
+          <a:p>
+            <a:endParaRPr lang="en-US" sz="2800" dirty="0">
+              <a:latin typeface="+mj-lt"/>
+            </a:endParaRPr>
+          </a:p>
+          <a:p>
+            <a:r>
+              <a:rPr lang="en-US" sz="2800" dirty="0">
+                <a:solidFill>
+                  <a:srgbClr val="0070C0"/>
+                </a:solidFill>
+                <a:latin typeface="+mj-lt"/>
+              </a:rPr>
+              <a:t>( )     </a:t>
+            </a:r>
+            <a:r>
+              <a:rPr lang="en-US" sz="2800" dirty="0">
+                <a:latin typeface="+mj-lt"/>
+              </a:rPr>
+              <a:t>- the empty sequence of codas.</a:t>
+            </a:r>
+          </a:p>
+          <a:p>
+            <a:r>
+              <a:rPr lang="en-US" sz="2800" dirty="0">
+                <a:solidFill>
+                  <a:srgbClr val="0070C0"/>
+                </a:solidFill>
+                <a:latin typeface="+mj-lt"/>
+              </a:rPr>
+              <a:t>(:)</a:t>
+            </a:r>
+            <a:r>
+              <a:rPr lang="en-US" sz="2800" dirty="0">
+                <a:latin typeface="+mj-lt"/>
+              </a:rPr>
+              <a:t>     - the data consisting of one coda made from the pair () and ().</a:t>
+            </a:r>
+          </a:p>
+          <a:p>
+            <a:r>
+              <a:rPr lang="en-US" sz="2800" dirty="0">
+                <a:solidFill>
+                  <a:srgbClr val="0070C0"/>
+                </a:solidFill>
+                <a:latin typeface="+mj-lt"/>
+              </a:rPr>
+              <a:t>(:) (</a:t>
+            </a:r>
+            <a:r>
+              <a:rPr lang="en-US" sz="2800" dirty="0">
+                <a:solidFill>
+                  <a:srgbClr val="0070C0"/>
+                </a:solidFill>
+                <a:latin typeface="+mj-lt"/>
+                <a:sym typeface="Wingdings" pitchFamily="2" charset="2"/>
+              </a:rPr>
+              <a:t>:) ((:):(:))  </a:t>
+            </a:r>
+            <a:r>
+              <a:rPr lang="en-US" sz="2800" dirty="0">
+                <a:latin typeface="+mj-lt"/>
+                <a:sym typeface="Wingdings" pitchFamily="2" charset="2"/>
+              </a:rPr>
+              <a:t>- a sequence of three codas.</a:t>
+            </a:r>
+            <a:endParaRPr lang="en-US" sz="2800" dirty="0">
+              <a:latin typeface="+mj-lt"/>
+            </a:endParaRPr>
+          </a:p>
+        </p:txBody>
+      </p:sp>
     </p:spTree>
     <p:extLst>
       <p:ext uri="{BB962C8B-B14F-4D97-AF65-F5344CB8AC3E}">
         <p14:creationId xmlns:p14="http://schemas.microsoft.com/office/powerpoint/2010/main" val="1265450613"/>
+      </p:ext>
+    </p:extLst>
+  </p:cSld>
+  <p:clrMapOvr>
+    <a:masterClrMapping/>
+  </p:clrMapOvr>
+</p:sld>
+</file>
+
+<file path=ppt/slides/slide20.xml><?xml version="1.0" encoding="utf-8"?>
+<p:sld xmlns:a="http://schemas.openxmlformats.org/drawingml/2006/main" xmlns:r="http://schemas.openxmlformats.org/officeDocument/2006/relationships" xmlns:p="http://schemas.openxmlformats.org/presentationml/2006/main">
+  <p:cSld>
+    <p:spTree>
+      <p:nvGrpSpPr>
+        <p:cNvPr id="1" name=""/>
+        <p:cNvGrpSpPr/>
+        <p:nvPr/>
+      </p:nvGrpSpPr>
+      <p:grpSpPr>
+        <a:xfrm>
+          <a:off x="0" y="0"/>
+          <a:ext cx="0" cy="0"/>
+          <a:chOff x="0" y="0"/>
+          <a:chExt cx="0" cy="0"/>
+        </a:xfrm>
+      </p:grpSpPr>
+    </p:spTree>
+    <p:extLst>
+      <p:ext uri="{BB962C8B-B14F-4D97-AF65-F5344CB8AC3E}">
+        <p14:creationId xmlns:p14="http://schemas.microsoft.com/office/powerpoint/2010/main" val="3663749059"/>
+      </p:ext>
+    </p:extLst>
+  </p:cSld>
+  <p:clrMapOvr>
+    <a:masterClrMapping/>
+  </p:clrMapOvr>
+</p:sld>
+</file>
+
+<file path=ppt/slides/slide21.xml><?xml version="1.0" encoding="utf-8"?>
+<p:sld xmlns:a="http://schemas.openxmlformats.org/drawingml/2006/main" xmlns:r="http://schemas.openxmlformats.org/officeDocument/2006/relationships" xmlns:p="http://schemas.openxmlformats.org/presentationml/2006/main">
+  <p:cSld>
+    <p:spTree>
+      <p:nvGrpSpPr>
+        <p:cNvPr id="1" name=""/>
+        <p:cNvGrpSpPr/>
+        <p:nvPr/>
+      </p:nvGrpSpPr>
+      <p:grpSpPr>
+        <a:xfrm>
+          <a:off x="0" y="0"/>
+          <a:ext cx="0" cy="0"/>
+          <a:chOff x="0" y="0"/>
+          <a:chExt cx="0" cy="0"/>
+        </a:xfrm>
+      </p:grpSpPr>
+    </p:spTree>
+    <p:extLst>
+      <p:ext uri="{BB962C8B-B14F-4D97-AF65-F5344CB8AC3E}">
+        <p14:creationId xmlns:p14="http://schemas.microsoft.com/office/powerpoint/2010/main" val="966747722"/>
+      </p:ext>
+    </p:extLst>
+  </p:cSld>
+  <p:clrMapOvr>
+    <a:masterClrMapping/>
+  </p:clrMapOvr>
+</p:sld>
+</file>
+
+<file path=ppt/slides/slide22.xml><?xml version="1.0" encoding="utf-8"?>
+<p:sld xmlns:a="http://schemas.openxmlformats.org/drawingml/2006/main" xmlns:r="http://schemas.openxmlformats.org/officeDocument/2006/relationships" xmlns:p="http://schemas.openxmlformats.org/presentationml/2006/main">
+  <p:cSld>
+    <p:spTree>
+      <p:nvGrpSpPr>
+        <p:cNvPr id="1" name=""/>
+        <p:cNvGrpSpPr/>
+        <p:nvPr/>
+      </p:nvGrpSpPr>
+      <p:grpSpPr>
+        <a:xfrm>
+          <a:off x="0" y="0"/>
+          <a:ext cx="0" cy="0"/>
+          <a:chOff x="0" y="0"/>
+          <a:chExt cx="0" cy="0"/>
+        </a:xfrm>
+      </p:grpSpPr>
+    </p:spTree>
+    <p:extLst>
+      <p:ext uri="{BB962C8B-B14F-4D97-AF65-F5344CB8AC3E}">
+        <p14:creationId xmlns:p14="http://schemas.microsoft.com/office/powerpoint/2010/main" val="2527567062"/>
       </p:ext>
     </p:extLst>
   </p:cSld>
@@ -7555,8 +7982,8 @@
         </p:blipFill>
         <p:spPr>
           <a:xfrm>
-            <a:off x="5736476" y="882161"/>
-            <a:ext cx="6350016" cy="2648348"/>
+            <a:off x="5284557" y="693683"/>
+            <a:ext cx="6801935" cy="2836826"/>
           </a:xfrm>
           <a:prstGeom prst="rect">
             <a:avLst/>
@@ -7608,7 +8035,7 @@
         <p:spPr>
           <a:xfrm>
             <a:off x="304800" y="1178233"/>
-            <a:ext cx="5326168" cy="2246769"/>
+            <a:ext cx="4834759" cy="1938992"/>
           </a:xfrm>
           <a:prstGeom prst="rect">
             <a:avLst/>
@@ -7622,7 +8049,7 @@
           <a:lstStyle/>
           <a:p>
             <a:r>
-              <a:rPr lang="en-US" sz="2800" dirty="0">
+              <a:rPr lang="en-US" sz="2400" dirty="0">
                 <a:latin typeface="+mj-lt"/>
               </a:rPr>
               <a:t>The 0 and 1 bit, bit sequences, byte sequences, functions, variables, categories, morphisms, types, theorems, language expressions,… are represented by pure data. </a:t>
@@ -7674,7 +8101,7 @@
         </p:nvSpPr>
         <p:spPr>
           <a:xfrm>
-            <a:off x="514796" y="384313"/>
+            <a:off x="504286" y="552480"/>
             <a:ext cx="11031415" cy="3416320"/>
           </a:xfrm>
           <a:prstGeom prst="rect">
@@ -7737,7 +8164,7 @@
         </p:nvSpPr>
         <p:spPr>
           <a:xfrm>
-            <a:off x="1858617" y="4263886"/>
+            <a:off x="1848107" y="4432053"/>
             <a:ext cx="8030818" cy="1384995"/>
           </a:xfrm>
           <a:prstGeom prst="rect">
@@ -7847,7 +8274,7 @@
         </p:nvSpPr>
         <p:spPr>
           <a:xfrm>
-            <a:off x="1560443" y="4147504"/>
+            <a:off x="1549933" y="4315671"/>
             <a:ext cx="8328992" cy="1617757"/>
           </a:xfrm>
           <a:prstGeom prst="rect">
@@ -8528,13 +8955,43 @@
               <a:rPr lang="en-US" sz="2400" dirty="0">
                 <a:latin typeface="+mj-lt"/>
               </a:rPr>
-              <a:t>Any sequence A=D1=D2=…=</a:t>
+              <a:t>Any sequence A=D</a:t>
+            </a:r>
+            <a:r>
+              <a:rPr lang="en-US" sz="2400" baseline="-25000" dirty="0">
+                <a:latin typeface="+mj-lt"/>
+              </a:rPr>
+              <a:t>1</a:t>
+            </a:r>
+            <a:r>
+              <a:rPr lang="en-US" sz="2400" dirty="0">
+                <a:latin typeface="+mj-lt"/>
+              </a:rPr>
+              <a:t>=D</a:t>
+            </a:r>
+            <a:r>
+              <a:rPr lang="en-US" sz="2400" baseline="-25000" dirty="0">
+                <a:latin typeface="+mj-lt"/>
+              </a:rPr>
+              <a:t>2</a:t>
+            </a:r>
+            <a:r>
+              <a:rPr lang="en-US" sz="2400" dirty="0">
+                <a:latin typeface="+mj-lt"/>
+              </a:rPr>
+              <a:t>=…=</a:t>
             </a:r>
             <a:r>
               <a:rPr lang="en-US" sz="2400" dirty="0" err="1">
                 <a:latin typeface="+mj-lt"/>
               </a:rPr>
-              <a:t>Dn</a:t>
+              <a:t>D</a:t>
+            </a:r>
+            <a:r>
+              <a:rPr lang="en-US" sz="2400" baseline="-25000" dirty="0" err="1">
+                <a:latin typeface="+mj-lt"/>
+              </a:rPr>
+              <a:t>n</a:t>
             </a:r>
             <a:r>
               <a:rPr lang="en-US" sz="2400" dirty="0">
@@ -9180,7 +9637,7 @@
         </p:nvSpPr>
         <p:spPr>
           <a:xfrm>
-            <a:off x="4703803" y="4372087"/>
+            <a:off x="5037814" y="4387032"/>
             <a:ext cx="6301409" cy="496957"/>
           </a:xfrm>
           <a:custGeom>
@@ -10732,7 +11189,7 @@
               <a:rPr lang="en-US" sz="2400" dirty="0">
                 <a:latin typeface="+mj-lt"/>
               </a:rPr>
-              <a:t>There are a couple of points to notice…</a:t>
+              <a:t>There are a few points to notice…</a:t>
             </a:r>
           </a:p>
         </p:txBody>

--- a/doc/talk/coda.pptx
+++ b/doc/talk/coda.pptx
@@ -10,7 +10,7 @@
   <p:sldIdLst>
     <p:sldId id="256" r:id="rId2"/>
     <p:sldId id="283" r:id="rId3"/>
-    <p:sldId id="292" r:id="rId4"/>
+    <p:sldId id="302" r:id="rId4"/>
     <p:sldId id="284" r:id="rId5"/>
     <p:sldId id="287" r:id="rId6"/>
     <p:sldId id="265" r:id="rId7"/>
@@ -12855,7 +12855,7 @@
         </p:nvSpPr>
         <p:spPr>
           <a:xfrm>
-            <a:off x="4146997" y="3982291"/>
+            <a:off x="3248094" y="4114026"/>
             <a:ext cx="2678806" cy="2341236"/>
           </a:xfrm>
           <a:prstGeom prst="sun">
@@ -13098,7 +13098,7 @@
         </p:nvSpPr>
         <p:spPr>
           <a:xfrm>
-            <a:off x="4868215" y="4745397"/>
+            <a:off x="3969312" y="4877132"/>
             <a:ext cx="1400578" cy="769441"/>
           </a:xfrm>
           <a:prstGeom prst="rect">
@@ -13217,8 +13217,8 @@
         </p:nvSpPr>
         <p:spPr>
           <a:xfrm>
-            <a:off x="7397339" y="3694130"/>
-            <a:ext cx="4539981" cy="3139321"/>
+            <a:off x="6367064" y="3991982"/>
+            <a:ext cx="5296296" cy="2585323"/>
           </a:xfrm>
           <a:prstGeom prst="rect">
             <a:avLst/>
@@ -13231,7 +13231,7 @@
           </a:bodyPr>
           <a:lstStyle/>
           <a:p>
-            <a:pPr marL="285750" indent="-285750">
+            <a:pPr marL="285750" indent="-285750" algn="just">
               <a:buFont typeface="Arial" panose="020B0604020202020204" pitchFamily="34" charset="0"/>
               <a:buChar char="•"/>
             </a:pPr>
@@ -13241,7 +13241,7 @@
             </a:r>
           </a:p>
           <a:p>
-            <a:pPr marL="285750" indent="-285750">
+            <a:pPr marL="285750" indent="-285750" algn="just">
               <a:buFont typeface="Arial" panose="020B0604020202020204" pitchFamily="34" charset="0"/>
               <a:buChar char="•"/>
             </a:pPr>
@@ -13251,31 +13251,88 @@
             </a:r>
           </a:p>
           <a:p>
-            <a:pPr marL="285750" indent="-285750">
+            <a:pPr marL="285750" indent="-285750" algn="just">
               <a:buFont typeface="Arial" panose="020B0604020202020204" pitchFamily="34" charset="0"/>
               <a:buChar char="•"/>
             </a:pPr>
             <a:r>
               <a:rPr lang="en-US" dirty="0"/>
-              <a:t>Applications are mathematical exploration, proof assistance, “mathematical machine learning.”</a:t>
-            </a:r>
-          </a:p>
-          <a:p>
-            <a:pPr marL="285750" indent="-285750">
+              <a:t>A theory of categories and types appears naturally.</a:t>
+            </a:r>
+          </a:p>
+          <a:p>
+            <a:pPr marL="285750" indent="-285750" algn="just">
               <a:buFont typeface="Arial" panose="020B0604020202020204" pitchFamily="34" charset="0"/>
               <a:buChar char="•"/>
             </a:pPr>
             <a:r>
               <a:rPr lang="en-US" dirty="0"/>
+              <a:t>Applications are mathematical exploration, proof assistance, “mathematical machine learning.”</a:t>
+            </a:r>
+          </a:p>
+          <a:p>
+            <a:pPr marL="285750" indent="-285750" algn="just">
+              <a:buFont typeface="Arial" panose="020B0604020202020204" pitchFamily="34" charset="0"/>
+              <a:buChar char="•"/>
+            </a:pPr>
+            <a:r>
+              <a:rPr lang="en-US" dirty="0"/>
               <a:t>This is Model theory-like in the sense that we can address issues like the consistency of Mathematics.</a:t>
             </a:r>
+          </a:p>
+        </p:txBody>
+      </p:sp>
+      <p:sp>
+        <p:nvSpPr>
+          <p:cNvPr id="12" name="Rectangle 11">
+            <a:extLst>
+              <a:ext uri="{FF2B5EF4-FFF2-40B4-BE49-F238E27FC236}">
+                <a16:creationId xmlns:a16="http://schemas.microsoft.com/office/drawing/2014/main" id="{1020EAEF-77B8-1344-8569-E22A90FD0C92}"/>
+              </a:ext>
+            </a:extLst>
+          </p:cNvPr>
+          <p:cNvSpPr/>
+          <p:nvPr/>
+        </p:nvSpPr>
+        <p:spPr>
+          <a:xfrm flipV="1">
+            <a:off x="6367063" y="3936568"/>
+            <a:ext cx="5442645" cy="2735451"/>
+          </a:xfrm>
+          <a:prstGeom prst="rect">
+            <a:avLst/>
+          </a:prstGeom>
+          <a:noFill/>
+        </p:spPr>
+        <p:style>
+          <a:lnRef idx="2">
+            <a:schemeClr val="accent1">
+              <a:shade val="50000"/>
+            </a:schemeClr>
+          </a:lnRef>
+          <a:fillRef idx="1">
+            <a:schemeClr val="accent1"/>
+          </a:fillRef>
+          <a:effectRef idx="0">
+            <a:schemeClr val="accent1"/>
+          </a:effectRef>
+          <a:fontRef idx="minor">
+            <a:schemeClr val="lt1"/>
+          </a:fontRef>
+        </p:style>
+        <p:txBody>
+          <a:bodyPr rtlCol="0" anchor="ctr"/>
+          <a:lstStyle/>
+          <a:p>
+            <a:pPr algn="ctr"/>
+            <a:endParaRPr lang="en-US" dirty="0"/>
           </a:p>
         </p:txBody>
       </p:sp>
     </p:spTree>
     <p:extLst>
       <p:ext uri="{BB962C8B-B14F-4D97-AF65-F5344CB8AC3E}">
-        <p14:creationId xmlns:p14="http://schemas.microsoft.com/office/powerpoint/2010/main" val="2136021756"/>
+        <p14:creationId xmlns:p14="http://schemas.microsoft.com/office/powerpoint/2010/main" val="4172572636"/>
       </p:ext>
     </p:extLst>
   </p:cSld>

--- a/doc/talk/coda.pptx
+++ b/doc/talk/coda.pptx
@@ -10111,7 +10111,7 @@
               <a:rPr lang="en-US" sz="2400" dirty="0">
                 <a:latin typeface="+mj-lt"/>
               </a:rPr>
-              <a:t>This is actually proving a bit more.  It is a proof that the coda </a:t>
+              <a:t>This is actually proving a bit more.  It is a proof that the data </a:t>
             </a:r>
             <a:r>
               <a:rPr lang="en-US" sz="2400" b="1" dirty="0">
@@ -10120,7 +10120,7 @@
                 </a:solidFill>
                 <a:latin typeface="+mj-lt"/>
               </a:rPr>
-              <a:t>({sum n: 1 1}</a:t>
+              <a:t>({sum n: 1 1} :</a:t>
             </a:r>
             <a:r>
               <a:rPr lang="en-US" sz="2400" b="1" dirty="0">
@@ -12644,8 +12644,17 @@
               <a:rPr lang="en-US" sz="2800" dirty="0">
                 <a:latin typeface="+mj-lt"/>
               </a:rPr>
-              <a:t>Three of these data successfully distinguish the two samples.  For instance… </a:t>
-            </a:r>
+              <a:t>Three of these data successfully distinguish the two samples.  One of </a:t>
+            </a:r>
+            <a:r>
+              <a:rPr lang="en-US" sz="2800">
+                <a:latin typeface="+mj-lt"/>
+              </a:rPr>
+              <a:t>these is… </a:t>
+            </a:r>
+            <a:endParaRPr lang="en-US" sz="2800" dirty="0">
+              <a:latin typeface="+mj-lt"/>
+            </a:endParaRPr>
           </a:p>
         </p:txBody>
       </p:sp>

--- a/doc/talk/coda.pptx
+++ b/doc/talk/coda.pptx
@@ -238,7 +238,7 @@
           <a:p>
             <a:fld id="{851D2614-20D2-104D-876C-68C46E9C3B04}" type="datetimeFigureOut">
               <a:rPr lang="en-US" smtClean="0"/>
-              <a:t>4/13/23</a:t>
+              <a:t>4/19/23</a:t>
             </a:fld>
             <a:endParaRPr lang="en-US"/>
           </a:p>
@@ -549,7 +549,7 @@
           <a:bodyPr/>
           <a:lstStyle/>
           <a:p>
-            <a:endParaRPr lang="en-US"/>
+            <a:endParaRPr lang="en-US" dirty="0"/>
           </a:p>
         </p:txBody>
       </p:sp>
@@ -570,7 +570,7 @@
           <a:p>
             <a:fld id="{C00E507D-50E5-514C-BC0E-259B2BFA561B}" type="slidenum">
               <a:rPr lang="en-US" smtClean="0"/>
-              <a:t>12</a:t>
+              <a:t>8</a:t>
             </a:fld>
             <a:endParaRPr lang="en-US"/>
           </a:p>
@@ -579,7 +579,7 @@
     </p:spTree>
     <p:extLst>
       <p:ext uri="{BB962C8B-B14F-4D97-AF65-F5344CB8AC3E}">
-        <p14:creationId xmlns:p14="http://schemas.microsoft.com/office/powerpoint/2010/main" val="2203588528"/>
+        <p14:creationId xmlns:p14="http://schemas.microsoft.com/office/powerpoint/2010/main" val="1828706313"/>
       </p:ext>
     </p:extLst>
   </p:cSld>
@@ -654,6 +654,90 @@
           <a:p>
             <a:fld id="{C00E507D-50E5-514C-BC0E-259B2BFA561B}" type="slidenum">
               <a:rPr lang="en-US" smtClean="0"/>
+              <a:t>12</a:t>
+            </a:fld>
+            <a:endParaRPr lang="en-US"/>
+          </a:p>
+        </p:txBody>
+      </p:sp>
+    </p:spTree>
+    <p:extLst>
+      <p:ext uri="{BB962C8B-B14F-4D97-AF65-F5344CB8AC3E}">
+        <p14:creationId xmlns:p14="http://schemas.microsoft.com/office/powerpoint/2010/main" val="2203588528"/>
+      </p:ext>
+    </p:extLst>
+  </p:cSld>
+  <p:clrMapOvr>
+    <a:masterClrMapping/>
+  </p:clrMapOvr>
+</p:notes>
+</file>
+
+<file path=ppt/notesSlides/notesSlide3.xml><?xml version="1.0" encoding="utf-8"?>
+<p:notes xmlns:a="http://schemas.openxmlformats.org/drawingml/2006/main" xmlns:r="http://schemas.openxmlformats.org/officeDocument/2006/relationships" xmlns:p="http://schemas.openxmlformats.org/presentationml/2006/main">
+  <p:cSld>
+    <p:spTree>
+      <p:nvGrpSpPr>
+        <p:cNvPr id="1" name=""/>
+        <p:cNvGrpSpPr/>
+        <p:nvPr/>
+      </p:nvGrpSpPr>
+      <p:grpSpPr>
+        <a:xfrm>
+          <a:off x="0" y="0"/>
+          <a:ext cx="0" cy="0"/>
+          <a:chOff x="0" y="0"/>
+          <a:chExt cx="0" cy="0"/>
+        </a:xfrm>
+      </p:grpSpPr>
+      <p:sp>
+        <p:nvSpPr>
+          <p:cNvPr id="2" name="Slide Image Placeholder 1"/>
+          <p:cNvSpPr>
+            <a:spLocks noGrp="1" noRot="1" noChangeAspect="1"/>
+          </p:cNvSpPr>
+          <p:nvPr>
+            <p:ph type="sldImg"/>
+          </p:nvPr>
+        </p:nvSpPr>
+        <p:spPr/>
+      </p:sp>
+      <p:sp>
+        <p:nvSpPr>
+          <p:cNvPr id="3" name="Notes Placeholder 2"/>
+          <p:cNvSpPr>
+            <a:spLocks noGrp="1"/>
+          </p:cNvSpPr>
+          <p:nvPr>
+            <p:ph type="body" idx="1"/>
+          </p:nvPr>
+        </p:nvSpPr>
+        <p:spPr/>
+        <p:txBody>
+          <a:bodyPr/>
+          <a:lstStyle/>
+          <a:p>
+            <a:endParaRPr lang="en-US"/>
+          </a:p>
+        </p:txBody>
+      </p:sp>
+      <p:sp>
+        <p:nvSpPr>
+          <p:cNvPr id="4" name="Slide Number Placeholder 3"/>
+          <p:cNvSpPr>
+            <a:spLocks noGrp="1"/>
+          </p:cNvSpPr>
+          <p:nvPr>
+            <p:ph type="sldNum" sz="quarter" idx="5"/>
+          </p:nvPr>
+        </p:nvSpPr>
+        <p:spPr/>
+        <p:txBody>
+          <a:bodyPr/>
+          <a:lstStyle/>
+          <a:p>
+            <a:fld id="{C00E507D-50E5-514C-BC0E-259B2BFA561B}" type="slidenum">
+              <a:rPr lang="en-US" smtClean="0"/>
               <a:t>40</a:t>
             </a:fld>
             <a:endParaRPr lang="en-US"/>
@@ -673,7 +757,7 @@
 </p:notes>
 </file>
 
-<file path=ppt/notesSlides/notesSlide3.xml><?xml version="1.0" encoding="utf-8"?>
+<file path=ppt/notesSlides/notesSlide4.xml><?xml version="1.0" encoding="utf-8"?>
 <p:notes xmlns:a="http://schemas.openxmlformats.org/drawingml/2006/main" xmlns:r="http://schemas.openxmlformats.org/officeDocument/2006/relationships" xmlns:p="http://schemas.openxmlformats.org/presentationml/2006/main">
   <p:cSld>
     <p:spTree>
@@ -904,7 +988,7 @@
           <a:p>
             <a:fld id="{C8AF9E6B-4137-DD45-811B-1D1601D99F07}" type="datetimeFigureOut">
               <a:rPr lang="en-US" smtClean="0"/>
-              <a:t>4/13/23</a:t>
+              <a:t>4/19/23</a:t>
             </a:fld>
             <a:endParaRPr lang="en-US"/>
           </a:p>
@@ -1102,7 +1186,7 @@
           <a:p>
             <a:fld id="{C8AF9E6B-4137-DD45-811B-1D1601D99F07}" type="datetimeFigureOut">
               <a:rPr lang="en-US" smtClean="0"/>
-              <a:t>4/13/23</a:t>
+              <a:t>4/19/23</a:t>
             </a:fld>
             <a:endParaRPr lang="en-US"/>
           </a:p>
@@ -1310,7 +1394,7 @@
           <a:p>
             <a:fld id="{C8AF9E6B-4137-DD45-811B-1D1601D99F07}" type="datetimeFigureOut">
               <a:rPr lang="en-US" smtClean="0"/>
-              <a:t>4/13/23</a:t>
+              <a:t>4/19/23</a:t>
             </a:fld>
             <a:endParaRPr lang="en-US"/>
           </a:p>
@@ -1508,7 +1592,7 @@
           <a:p>
             <a:fld id="{C8AF9E6B-4137-DD45-811B-1D1601D99F07}" type="datetimeFigureOut">
               <a:rPr lang="en-US" smtClean="0"/>
-              <a:t>4/13/23</a:t>
+              <a:t>4/19/23</a:t>
             </a:fld>
             <a:endParaRPr lang="en-US"/>
           </a:p>
@@ -1783,7 +1867,7 @@
           <a:p>
             <a:fld id="{C8AF9E6B-4137-DD45-811B-1D1601D99F07}" type="datetimeFigureOut">
               <a:rPr lang="en-US" smtClean="0"/>
-              <a:t>4/13/23</a:t>
+              <a:t>4/19/23</a:t>
             </a:fld>
             <a:endParaRPr lang="en-US"/>
           </a:p>
@@ -2048,7 +2132,7 @@
           <a:p>
             <a:fld id="{C8AF9E6B-4137-DD45-811B-1D1601D99F07}" type="datetimeFigureOut">
               <a:rPr lang="en-US" smtClean="0"/>
-              <a:t>4/13/23</a:t>
+              <a:t>4/19/23</a:t>
             </a:fld>
             <a:endParaRPr lang="en-US"/>
           </a:p>
@@ -2460,7 +2544,7 @@
           <a:p>
             <a:fld id="{C8AF9E6B-4137-DD45-811B-1D1601D99F07}" type="datetimeFigureOut">
               <a:rPr lang="en-US" smtClean="0"/>
-              <a:t>4/13/23</a:t>
+              <a:t>4/19/23</a:t>
             </a:fld>
             <a:endParaRPr lang="en-US"/>
           </a:p>
@@ -2601,7 +2685,7 @@
           <a:p>
             <a:fld id="{C8AF9E6B-4137-DD45-811B-1D1601D99F07}" type="datetimeFigureOut">
               <a:rPr lang="en-US" smtClean="0"/>
-              <a:t>4/13/23</a:t>
+              <a:t>4/19/23</a:t>
             </a:fld>
             <a:endParaRPr lang="en-US"/>
           </a:p>
@@ -2714,7 +2798,7 @@
           <a:p>
             <a:fld id="{C8AF9E6B-4137-DD45-811B-1D1601D99F07}" type="datetimeFigureOut">
               <a:rPr lang="en-US" smtClean="0"/>
-              <a:t>4/13/23</a:t>
+              <a:t>4/19/23</a:t>
             </a:fld>
             <a:endParaRPr lang="en-US"/>
           </a:p>
@@ -3025,7 +3109,7 @@
           <a:p>
             <a:fld id="{C8AF9E6B-4137-DD45-811B-1D1601D99F07}" type="datetimeFigureOut">
               <a:rPr lang="en-US" smtClean="0"/>
-              <a:t>4/13/23</a:t>
+              <a:t>4/19/23</a:t>
             </a:fld>
             <a:endParaRPr lang="en-US"/>
           </a:p>
@@ -3313,7 +3397,7 @@
           <a:p>
             <a:fld id="{C8AF9E6B-4137-DD45-811B-1D1601D99F07}" type="datetimeFigureOut">
               <a:rPr lang="en-US" smtClean="0"/>
-              <a:t>4/13/23</a:t>
+              <a:t>4/19/23</a:t>
             </a:fld>
             <a:endParaRPr lang="en-US"/>
           </a:p>
@@ -3554,7 +3638,7 @@
           <a:p>
             <a:fld id="{C8AF9E6B-4137-DD45-811B-1D1601D99F07}" type="datetimeFigureOut">
               <a:rPr lang="en-US" smtClean="0"/>
-              <a:t>4/13/23</a:t>
+              <a:t>4/19/23</a:t>
             </a:fld>
             <a:endParaRPr lang="en-US"/>
           </a:p>
@@ -4299,8 +4383,8 @@
         </p:nvSpPr>
         <p:spPr>
           <a:xfrm>
-            <a:off x="1826841" y="4836093"/>
-            <a:ext cx="8030818" cy="1384995"/>
+            <a:off x="3758278" y="4892077"/>
+            <a:ext cx="5208441" cy="1384995"/>
           </a:xfrm>
           <a:prstGeom prst="rect">
             <a:avLst/>
@@ -4321,7 +4405,7 @@
               <a:rPr lang="en-US" sz="2800" dirty="0">
                 <a:latin typeface="+mj-lt"/>
               </a:rPr>
-              <a:t>Data A is </a:t>
+              <a:t>Data is </a:t>
             </a:r>
             <a:r>
               <a:rPr lang="en-US" sz="2800" b="1" dirty="0">
@@ -4336,7 +4420,7 @@
               <a:rPr lang="en-US" sz="2800" dirty="0">
                 <a:latin typeface="+mj-lt"/>
               </a:rPr>
-              <a:t> if A is equal to the empty data.</a:t>
+              <a:t> if it is empty.</a:t>
             </a:r>
           </a:p>
           <a:p>
@@ -4348,7 +4432,7 @@
               <a:rPr lang="en-US" sz="2800" dirty="0">
                 <a:latin typeface="+mj-lt"/>
               </a:rPr>
-              <a:t>Data A is </a:t>
+              <a:t>Data is </a:t>
             </a:r>
             <a:r>
               <a:rPr lang="en-US" sz="2800" b="1" dirty="0">
@@ -4363,7 +4447,7 @@
               <a:rPr lang="en-US" sz="2800" dirty="0">
                 <a:latin typeface="+mj-lt"/>
               </a:rPr>
-              <a:t> if A as a sequence contains an atom.</a:t>
+              <a:t> if it is atomic.</a:t>
             </a:r>
           </a:p>
           <a:p>
@@ -4375,7 +4459,7 @@
               <a:rPr lang="en-US" sz="2800" dirty="0">
                 <a:latin typeface="+mj-lt"/>
               </a:rPr>
-              <a:t>Data A is </a:t>
+              <a:t>Data is </a:t>
             </a:r>
             <a:r>
               <a:rPr lang="en-US" sz="2800" b="1" dirty="0">
@@ -4409,8 +4493,8 @@
         </p:nvSpPr>
         <p:spPr>
           <a:xfrm>
-            <a:off x="1578933" y="4719711"/>
-            <a:ext cx="8278725" cy="1617757"/>
+            <a:off x="3510370" y="4775695"/>
+            <a:ext cx="5213753" cy="1617757"/>
           </a:xfrm>
           <a:prstGeom prst="rect">
             <a:avLst/>
@@ -12644,17 +12728,8 @@
               <a:rPr lang="en-US" sz="2800" dirty="0">
                 <a:latin typeface="+mj-lt"/>
               </a:rPr>
-              <a:t>Three of these data successfully distinguish the two samples.  One of </a:t>
-            </a:r>
-            <a:r>
-              <a:rPr lang="en-US" sz="2800">
-                <a:latin typeface="+mj-lt"/>
-              </a:rPr>
-              <a:t>these is… </a:t>
-            </a:r>
-            <a:endParaRPr lang="en-US" sz="2800" dirty="0">
-              <a:latin typeface="+mj-lt"/>
-            </a:endParaRPr>
+              <a:t>Three of these data successfully distinguish the two samples.  One of these is… </a:t>
+            </a:r>
           </a:p>
         </p:txBody>
       </p:sp>
@@ -14797,7 +14872,7 @@
         </p:blipFill>
         <p:spPr>
           <a:xfrm>
-            <a:off x="0" y="98334"/>
+            <a:off x="0" y="0"/>
             <a:ext cx="12192000" cy="6605914"/>
           </a:xfrm>
           <a:prstGeom prst="rect">
@@ -15896,7 +15971,7 @@
         <p:spPr>
           <a:xfrm>
             <a:off x="700391" y="418289"/>
-            <a:ext cx="11050622" cy="5262979"/>
+            <a:ext cx="11050622" cy="5632311"/>
           </a:xfrm>
           <a:prstGeom prst="rect">
             <a:avLst/>
@@ -15925,7 +16000,20 @@
               <a:rPr lang="en-US" sz="2400" dirty="0">
                 <a:latin typeface="+mj-lt"/>
               </a:rPr>
-              <a:t> 2d incompleteness argument…</a:t>
+              <a:t> 2d incompleteness argument.</a:t>
+            </a:r>
+          </a:p>
+          <a:p>
+            <a:endParaRPr lang="en-US" sz="2400" dirty="0">
+              <a:latin typeface="+mj-lt"/>
+            </a:endParaRPr>
+          </a:p>
+          <a:p>
+            <a:r>
+              <a:rPr lang="en-US" sz="2400" dirty="0">
+                <a:latin typeface="+mj-lt"/>
+              </a:rPr>
+              <a:t>Assume: </a:t>
             </a:r>
           </a:p>
           <a:p>
@@ -15942,7 +16030,7 @@
               <a:rPr lang="en-US" sz="2400" dirty="0">
                 <a:latin typeface="+mj-lt"/>
               </a:rPr>
-              <a:t>We have a </a:t>
+              <a:t>…a </a:t>
             </a:r>
             <a:r>
               <a:rPr lang="en-US" sz="2400" dirty="0" err="1">
@@ -15954,7 +16042,7 @@
               <a:rPr lang="en-US" sz="2400" dirty="0">
                 <a:latin typeface="+mj-lt"/>
               </a:rPr>
-              <a:t> sentence G that says of itself that G is not provable in PA.</a:t>
+              <a:t> sentence G exists that says of itself that G is not provable in PA.</a:t>
             </a:r>
           </a:p>
           <a:p>
@@ -15966,7 +16054,7 @@
               <a:rPr lang="en-US" sz="2400" dirty="0">
                 <a:latin typeface="+mj-lt"/>
               </a:rPr>
-              <a:t>We assume that PA is consistent, meaning that a proved sentence in PA is actually true.</a:t>
+              <a:t>…that PA is consistent, meaning that PA proved sentences are platonically true.</a:t>
             </a:r>
           </a:p>
           <a:p>
@@ -16048,7 +16136,7 @@
               <a:rPr lang="en-US" sz="2400" dirty="0">
                 <a:latin typeface="+mj-lt"/>
               </a:rPr>
-              <a:t>Thus, we G is true and G is not provable within PA.</a:t>
+              <a:t>Thus, G is platonically true, but G is not provable within PA.</a:t>
             </a:r>
           </a:p>
         </p:txBody>
@@ -18781,7 +18869,7 @@
           <p:nvPr/>
         </p:nvPicPr>
         <p:blipFill>
-          <a:blip r:embed="rId2"/>
+          <a:blip r:embed="rId3"/>
           <a:stretch>
             <a:fillRect/>
           </a:stretch>
@@ -18811,7 +18899,7 @@
           <p:nvPr/>
         </p:nvPicPr>
         <p:blipFill>
-          <a:blip r:embed="rId3"/>
+          <a:blip r:embed="rId4"/>
           <a:stretch>
             <a:fillRect/>
           </a:stretch>
@@ -18880,7 +18968,7 @@
             <p:spPr>
               <a:xfrm>
                 <a:off x="304801" y="3188396"/>
-                <a:ext cx="11081288" cy="1323439"/>
+                <a:ext cx="11081288" cy="1015663"/>
               </a:xfrm>
               <a:prstGeom prst="rect">
                 <a:avLst/>
@@ -18897,17 +18985,7 @@
                   <a:rPr lang="en-US" sz="2000" dirty="0">
                     <a:latin typeface="+mj-lt"/>
                   </a:rPr>
-                  <a:t>Data A is an </a:t>
-                </a:r>
-                <a:r>
-                  <a:rPr lang="en-US" sz="2000" b="1" dirty="0"/>
-                  <a:t>atom</a:t>
-                </a:r>
-                <a:r>
-                  <a:rPr lang="en-US" sz="2000" dirty="0">
-                    <a:latin typeface="+mj-lt"/>
-                  </a:rPr>
-                  <a:t> if </a:t>
+                  <a:t>In a context </a:t>
                 </a:r>
                 <a14:m>
                   <m:oMath xmlns:m="http://schemas.openxmlformats.org/officeDocument/2006/math">
@@ -18924,7 +19002,34 @@
                   <a:rPr lang="en-US" sz="2000" dirty="0">
                     <a:latin typeface="+mj-lt"/>
                   </a:rPr>
-                  <a:t>(A)=A and if |A|=|B|=1 for any A=B.  By the axiom of definition, |A|=1 independent of any new definitions added to the context.  In the above, the “hydrogen atom” (</a:t>
+                  <a:t>, if </a:t>
+                </a:r>
+                <a14:m>
+                  <m:oMath xmlns:m="http://schemas.openxmlformats.org/officeDocument/2006/math">
+                    <m:r>
+                      <a:rPr lang="en-US" sz="2000" i="1">
+                        <a:latin typeface="Cambria Math" panose="02040503050406030204" pitchFamily="18" charset="0"/>
+                        <a:ea typeface="Cambria Math" panose="02040503050406030204" pitchFamily="18" charset="0"/>
+                      </a:rPr>
+                      <m:t>𝛿</m:t>
+                    </m:r>
+                  </m:oMath>
+                </a14:m>
+                <a:r>
+                  <a:rPr lang="en-US" sz="2000" dirty="0">
+                    <a:latin typeface="+mj-lt"/>
+                  </a:rPr>
+                  <a:t>(c) = c for coda c, then c is called an </a:t>
+                </a:r>
+                <a:r>
+                  <a:rPr lang="en-US" sz="2000" b="1" dirty="0"/>
+                  <a:t>atom</a:t>
+                </a:r>
+                <a:r>
+                  <a:rPr lang="en-US" sz="2000" dirty="0">
+                    <a:latin typeface="+mj-lt"/>
+                  </a:rPr>
+                  <a:t>.  In the above, the “hydrogen atom” (</a:t>
                 </a:r>
                 <a:r>
                   <a:rPr lang="en-US" sz="2000" dirty="0">
@@ -18971,15 +19076,15 @@
             <p:spPr>
               <a:xfrm>
                 <a:off x="304801" y="3188396"/>
-                <a:ext cx="11081288" cy="1323439"/>
+                <a:ext cx="11081288" cy="1015663"/>
               </a:xfrm>
               <a:prstGeom prst="rect">
                 <a:avLst/>
               </a:prstGeom>
               <a:blipFill>
-                <a:blip r:embed="rId4"/>
+                <a:blip r:embed="rId5"/>
                 <a:stretch>
-                  <a:fillRect l="-573" t="-1905" b="-6667"/>
+                  <a:fillRect l="-573" t="-2469" r="-802" b="-8642"/>
                 </a:stretch>
               </a:blipFill>
             </p:spPr>
@@ -19092,7 +19197,7 @@
             <p:spPr>
               <a:xfrm>
                 <a:off x="506306" y="998567"/>
-                <a:ext cx="10886173" cy="4401205"/>
+                <a:ext cx="10886173" cy="5262979"/>
               </a:xfrm>
               <a:prstGeom prst="rect">
                 <a:avLst/>
@@ -19105,24 +19210,72 @@
               </a:bodyPr>
               <a:lstStyle/>
               <a:p>
-                <a:pPr marL="514350" indent="-514350">
-                  <a:buFont typeface="+mj-lt"/>
-                  <a:buAutoNum type="arabicPeriod"/>
+                <a:pPr marL="342900" indent="-342900">
+                  <a:buFont typeface="Arial" panose="020B0604020202020204" pitchFamily="34" charset="0"/>
+                  <a:buChar char="•"/>
                 </a:pPr>
                 <a:r>
-                  <a:rPr lang="en-US" sz="2800" dirty="0">
+                  <a:rPr lang="en-US" sz="2400" dirty="0">
+                    <a:latin typeface="+mj-lt"/>
+                  </a:rPr>
+                  <a:t>Doing nothing to “input”</a:t>
+                </a:r>
+              </a:p>
+              <a:p>
+                <a:pPr marL="800100" lvl="1" indent="-342900">
+                  <a:buFont typeface="Arial" panose="020B0604020202020204" pitchFamily="34" charset="0"/>
+                  <a:buChar char="•"/>
+                </a:pPr>
+                <a:r>
+                  <a:rPr lang="en-US" sz="2400" dirty="0">
+                    <a:latin typeface="+mj-lt"/>
+                  </a:rPr>
+                  <a:t>(pass A:B) -&gt; B</a:t>
+                </a:r>
+              </a:p>
+              <a:p>
+                <a:pPr marL="342900" indent="-342900">
+                  <a:buFont typeface="Arial" panose="020B0604020202020204" pitchFamily="34" charset="0"/>
+                  <a:buChar char="•"/>
+                </a:pPr>
+                <a:r>
+                  <a:rPr lang="en-US" sz="2400" dirty="0">
+                    <a:latin typeface="+mj-lt"/>
+                  </a:rPr>
+                  <a:t>Null data for any A,B</a:t>
+                </a:r>
+              </a:p>
+              <a:p>
+                <a:pPr marL="800100" lvl="1" indent="-342900">
+                  <a:buFont typeface="Arial" panose="020B0604020202020204" pitchFamily="34" charset="0"/>
+                  <a:buChar char="•"/>
+                </a:pPr>
+                <a:r>
+                  <a:rPr lang="en-US" sz="2400" dirty="0">
+                    <a:latin typeface="+mj-lt"/>
+                  </a:rPr>
+                  <a:t>(null A : B) -&gt; ()</a:t>
+                </a:r>
+              </a:p>
+              <a:p>
+                <a:pPr marL="342900" indent="-342900">
+                  <a:buFont typeface="Arial" panose="020B0604020202020204" pitchFamily="34" charset="0"/>
+                  <a:buChar char="•"/>
+                </a:pPr>
+                <a:r>
+                  <a:rPr lang="en-US" sz="2400" dirty="0">
                     <a:latin typeface="+mj-lt"/>
                   </a:rPr>
                   <a:t>Reversing the order of data</a:t>
                 </a:r>
               </a:p>
               <a:p>
-                <a:pPr marL="971550" lvl="1" indent="-514350">
+                <a:pPr marL="800100" lvl="1" indent="-342900">
                   <a:buFont typeface="Arial" panose="020B0604020202020204" pitchFamily="34" charset="0"/>
                   <a:buChar char="•"/>
                 </a:pPr>
                 <a:r>
-                  <a:rPr lang="en-US" sz="2800" dirty="0">
+                  <a:rPr lang="en-US" sz="2400" dirty="0">
                     <a:latin typeface="+mj-lt"/>
                   </a:rPr>
                   <a:t>(rev : A B) </a:t>
@@ -19130,7 +19283,7 @@
                 <a14:m>
                   <m:oMath xmlns:m="http://schemas.openxmlformats.org/officeDocument/2006/math">
                     <m:r>
-                      <a:rPr lang="en-US" sz="2800" i="1" smtClean="0">
+                      <a:rPr lang="en-US" sz="2400" i="1" smtClean="0">
                         <a:latin typeface="Cambria Math" panose="02040503050406030204" pitchFamily="18" charset="0"/>
                         <a:ea typeface="Cambria Math" panose="02040503050406030204" pitchFamily="18" charset="0"/>
                       </a:rPr>
@@ -19139,19 +19292,19 @@
                   </m:oMath>
                 </a14:m>
                 <a:r>
-                  <a:rPr lang="en-US" sz="2800" dirty="0">
+                  <a:rPr lang="en-US" sz="2400" dirty="0">
                     <a:latin typeface="+mj-lt"/>
                   </a:rPr>
                   <a:t> (rev : B) (rev : A)</a:t>
                 </a:r>
               </a:p>
               <a:p>
-                <a:pPr marL="971550" lvl="1" indent="-514350">
+                <a:pPr marL="800100" lvl="1" indent="-342900">
                   <a:buFont typeface="Arial" panose="020B0604020202020204" pitchFamily="34" charset="0"/>
                   <a:buChar char="•"/>
                 </a:pPr>
                 <a:r>
-                  <a:rPr lang="en-US" sz="2800" dirty="0">
+                  <a:rPr lang="en-US" sz="2400" dirty="0">
                     <a:latin typeface="+mj-lt"/>
                   </a:rPr>
                   <a:t>(rev : a ) </a:t>
@@ -19159,7 +19312,7 @@
                 <a14:m>
                   <m:oMath xmlns:m="http://schemas.openxmlformats.org/officeDocument/2006/math">
                     <m:r>
-                      <a:rPr lang="en-US" sz="2800" i="1" smtClean="0">
+                      <a:rPr lang="en-US" sz="2400" i="1" smtClean="0">
                         <a:latin typeface="Cambria Math" panose="02040503050406030204" pitchFamily="18" charset="0"/>
                         <a:ea typeface="Cambria Math" panose="02040503050406030204" pitchFamily="18" charset="0"/>
                       </a:rPr>
@@ -19168,13 +19321,13 @@
                   </m:oMath>
                 </a14:m>
                 <a:r>
-                  <a:rPr lang="en-US" sz="2800" dirty="0">
+                  <a:rPr lang="en-US" sz="2400" dirty="0">
                     <a:latin typeface="+mj-lt"/>
                   </a:rPr>
                   <a:t> a  if a is an </a:t>
                 </a:r>
                 <a:r>
-                  <a:rPr lang="en-US" sz="2800" b="1" dirty="0">
+                  <a:rPr lang="en-US" sz="2400" b="1" dirty="0">
                     <a:solidFill>
                       <a:srgbClr val="0070C0"/>
                     </a:solidFill>
@@ -19184,12 +19337,12 @@
                 </a:r>
               </a:p>
               <a:p>
-                <a:pPr marL="971550" lvl="1" indent="-514350">
+                <a:pPr marL="800100" lvl="1" indent="-342900">
                   <a:buFont typeface="Arial" panose="020B0604020202020204" pitchFamily="34" charset="0"/>
                   <a:buChar char="•"/>
                 </a:pPr>
                 <a:r>
-                  <a:rPr lang="en-US" sz="2800" dirty="0">
+                  <a:rPr lang="en-US" sz="2400" dirty="0">
                     <a:latin typeface="+mj-lt"/>
                   </a:rPr>
                   <a:t>(rev : () ) </a:t>
@@ -19197,7 +19350,7 @@
                 <a14:m>
                   <m:oMath xmlns:m="http://schemas.openxmlformats.org/officeDocument/2006/math">
                     <m:r>
-                      <a:rPr lang="en-US" sz="2800" i="1" smtClean="0">
+                      <a:rPr lang="en-US" sz="2400" i="1" smtClean="0">
                         <a:latin typeface="Cambria Math" panose="02040503050406030204" pitchFamily="18" charset="0"/>
                         <a:ea typeface="Cambria Math" panose="02040503050406030204" pitchFamily="18" charset="0"/>
                       </a:rPr>
@@ -19206,43 +19359,43 @@
                   </m:oMath>
                 </a14:m>
                 <a:r>
-                  <a:rPr lang="en-US" sz="2800" dirty="0">
+                  <a:rPr lang="en-US" sz="2400" dirty="0">
                     <a:latin typeface="+mj-lt"/>
                   </a:rPr>
                   <a:t> ()</a:t>
                 </a:r>
               </a:p>
               <a:p>
-                <a:pPr marL="514350" indent="-514350">
-                  <a:buFont typeface="+mj-lt"/>
-                  <a:buAutoNum type="arabicPeriod"/>
+                <a:pPr marL="342900" indent="-342900">
+                  <a:buFont typeface="Arial" panose="020B0604020202020204" pitchFamily="34" charset="0"/>
+                  <a:buChar char="•"/>
                 </a:pPr>
                 <a:r>
-                  <a:rPr lang="en-US" sz="2800" dirty="0">
+                  <a:rPr lang="en-US" sz="2400" dirty="0">
                     <a:latin typeface="+mj-lt"/>
                   </a:rPr>
                   <a:t>Typical combinatorics</a:t>
                 </a:r>
               </a:p>
               <a:p>
-                <a:pPr marL="971550" lvl="1" indent="-514350">
+                <a:pPr marL="800100" lvl="1" indent="-342900">
                   <a:buFont typeface="Arial" panose="020B0604020202020204" pitchFamily="34" charset="0"/>
                   <a:buChar char="•"/>
                 </a:pPr>
                 <a:r>
-                  <a:rPr lang="en-US" sz="2800" dirty="0">
+                  <a:rPr lang="en-US" sz="2400" dirty="0">
                     <a:latin typeface="+mj-lt"/>
                   </a:rPr>
                   <a:t>(</a:t>
                 </a:r>
                 <a:r>
-                  <a:rPr lang="en-US" sz="2800" dirty="0" err="1">
+                  <a:rPr lang="en-US" sz="2400" dirty="0" err="1">
                     <a:latin typeface="+mj-lt"/>
                   </a:rPr>
                   <a:t>ap</a:t>
                 </a:r>
                 <a:r>
-                  <a:rPr lang="en-US" sz="2800" dirty="0">
+                  <a:rPr lang="en-US" sz="2400" dirty="0">
                     <a:latin typeface="+mj-lt"/>
                   </a:rPr>
                   <a:t> A : B C) </a:t>
@@ -19250,7 +19403,7 @@
                 <a14:m>
                   <m:oMath xmlns:m="http://schemas.openxmlformats.org/officeDocument/2006/math">
                     <m:r>
-                      <a:rPr lang="en-US" sz="2800" i="1" smtClean="0">
+                      <a:rPr lang="en-US" sz="2400" i="1" smtClean="0">
                         <a:latin typeface="Cambria Math" panose="02040503050406030204" pitchFamily="18" charset="0"/>
                         <a:ea typeface="Cambria Math" panose="02040503050406030204" pitchFamily="18" charset="0"/>
                       </a:rPr>
@@ -19259,55 +19412,55 @@
                   </m:oMath>
                 </a14:m>
                 <a:r>
-                  <a:rPr lang="en-US" sz="2800" dirty="0">
+                  <a:rPr lang="en-US" sz="2400" dirty="0">
                     <a:latin typeface="+mj-lt"/>
                   </a:rPr>
                   <a:t> (</a:t>
                 </a:r>
                 <a:r>
-                  <a:rPr lang="en-US" sz="2800" dirty="0" err="1">
+                  <a:rPr lang="en-US" sz="2400" dirty="0" err="1">
                     <a:latin typeface="+mj-lt"/>
                   </a:rPr>
                   <a:t>ap</a:t>
                 </a:r>
                 <a:r>
-                  <a:rPr lang="en-US" sz="2800" dirty="0">
+                  <a:rPr lang="en-US" sz="2400" dirty="0">
                     <a:latin typeface="+mj-lt"/>
                   </a:rPr>
                   <a:t> A:B) (</a:t>
                 </a:r>
                 <a:r>
-                  <a:rPr lang="en-US" sz="2800" dirty="0" err="1">
+                  <a:rPr lang="en-US" sz="2400" dirty="0" err="1">
                     <a:latin typeface="+mj-lt"/>
                   </a:rPr>
                   <a:t>ap</a:t>
                 </a:r>
                 <a:r>
-                  <a:rPr lang="en-US" sz="2800" dirty="0">
+                  <a:rPr lang="en-US" sz="2400" dirty="0">
                     <a:latin typeface="+mj-lt"/>
                   </a:rPr>
                   <a:t> A : C)</a:t>
                 </a:r>
               </a:p>
               <a:p>
-                <a:pPr marL="971550" lvl="1" indent="-514350">
+                <a:pPr marL="800100" lvl="1" indent="-342900">
                   <a:buFont typeface="Arial" panose="020B0604020202020204" pitchFamily="34" charset="0"/>
                   <a:buChar char="•"/>
                 </a:pPr>
                 <a:r>
-                  <a:rPr lang="en-US" sz="2800" dirty="0">
+                  <a:rPr lang="en-US" sz="2400" dirty="0">
                     <a:latin typeface="+mj-lt"/>
                   </a:rPr>
                   <a:t>(</a:t>
                 </a:r>
                 <a:r>
-                  <a:rPr lang="en-US" sz="2800" dirty="0" err="1">
+                  <a:rPr lang="en-US" sz="2400" dirty="0" err="1">
                     <a:latin typeface="+mj-lt"/>
                   </a:rPr>
                   <a:t>ap</a:t>
                 </a:r>
                 <a:r>
-                  <a:rPr lang="en-US" sz="2800" dirty="0">
+                  <a:rPr lang="en-US" sz="2400" dirty="0">
                     <a:latin typeface="+mj-lt"/>
                   </a:rPr>
                   <a:t> A : b ) </a:t>
@@ -19315,7 +19468,7 @@
                 <a14:m>
                   <m:oMath xmlns:m="http://schemas.openxmlformats.org/officeDocument/2006/math">
                     <m:r>
-                      <a:rPr lang="en-US" sz="2800" i="1" smtClean="0">
+                      <a:rPr lang="en-US" sz="2400" i="1" smtClean="0">
                         <a:latin typeface="Cambria Math" panose="02040503050406030204" pitchFamily="18" charset="0"/>
                         <a:ea typeface="Cambria Math" panose="02040503050406030204" pitchFamily="18" charset="0"/>
                       </a:rPr>
@@ -19324,25 +19477,25 @@
                   </m:oMath>
                 </a14:m>
                 <a:r>
-                  <a:rPr lang="en-US" sz="2800" dirty="0">
+                  <a:rPr lang="en-US" sz="2400" dirty="0">
                     <a:latin typeface="+mj-lt"/>
                   </a:rPr>
                   <a:t> </a:t>
                 </a:r>
                 <a:r>
-                  <a:rPr lang="en-US" sz="2800" dirty="0" err="1">
+                  <a:rPr lang="en-US" sz="2400" dirty="0" err="1">
                     <a:latin typeface="+mj-lt"/>
                   </a:rPr>
                   <a:t>A:b</a:t>
                 </a:r>
                 <a:r>
-                  <a:rPr lang="en-US" sz="2800" dirty="0">
+                  <a:rPr lang="en-US" sz="2400" dirty="0">
                     <a:latin typeface="+mj-lt"/>
                   </a:rPr>
                   <a:t> if b is an </a:t>
                 </a:r>
                 <a:r>
-                  <a:rPr lang="en-US" sz="2800" b="1" dirty="0">
+                  <a:rPr lang="en-US" sz="2400" b="1" dirty="0">
                     <a:solidFill>
                       <a:srgbClr val="0070C0"/>
                     </a:solidFill>
@@ -19351,31 +19504,31 @@
                   <a:t>atom</a:t>
                 </a:r>
                 <a:r>
-                  <a:rPr lang="en-US" sz="2800" dirty="0">
+                  <a:rPr lang="en-US" sz="2400" dirty="0">
                     <a:latin typeface="+mj-lt"/>
                   </a:rPr>
                   <a:t> </a:t>
                 </a:r>
               </a:p>
               <a:p>
-                <a:pPr marL="971550" lvl="1" indent="-514350">
+                <a:pPr marL="800100" lvl="1" indent="-342900">
                   <a:buFont typeface="Arial" panose="020B0604020202020204" pitchFamily="34" charset="0"/>
                   <a:buChar char="•"/>
                 </a:pPr>
                 <a:r>
-                  <a:rPr lang="en-US" sz="2800" dirty="0">
+                  <a:rPr lang="en-US" sz="2400" dirty="0">
                     <a:latin typeface="+mj-lt"/>
                   </a:rPr>
                   <a:t>(</a:t>
                 </a:r>
                 <a:r>
-                  <a:rPr lang="en-US" sz="2800" dirty="0" err="1">
+                  <a:rPr lang="en-US" sz="2400" dirty="0" err="1">
                     <a:latin typeface="+mj-lt"/>
                   </a:rPr>
                   <a:t>ap</a:t>
                 </a:r>
                 <a:r>
-                  <a:rPr lang="en-US" sz="2800" dirty="0">
+                  <a:rPr lang="en-US" sz="2400" dirty="0">
                     <a:latin typeface="+mj-lt"/>
                   </a:rPr>
                   <a:t> A : () ) </a:t>
@@ -19383,7 +19536,7 @@
                 <a14:m>
                   <m:oMath xmlns:m="http://schemas.openxmlformats.org/officeDocument/2006/math">
                     <m:r>
-                      <a:rPr lang="en-US" sz="2800" i="1" smtClean="0">
+                      <a:rPr lang="en-US" sz="2400" i="1" smtClean="0">
                         <a:latin typeface="Cambria Math" panose="02040503050406030204" pitchFamily="18" charset="0"/>
                         <a:ea typeface="Cambria Math" panose="02040503050406030204" pitchFamily="18" charset="0"/>
                       </a:rPr>
@@ -19392,43 +19545,43 @@
                   </m:oMath>
                 </a14:m>
                 <a:r>
-                  <a:rPr lang="en-US" sz="2800" dirty="0">
+                  <a:rPr lang="en-US" sz="2400" dirty="0">
                     <a:latin typeface="+mj-lt"/>
                   </a:rPr>
                   <a:t> ()</a:t>
                 </a:r>
               </a:p>
               <a:p>
-                <a:pPr marL="514350" indent="-514350">
-                  <a:buFont typeface="+mj-lt"/>
-                  <a:buAutoNum type="arabicPeriod"/>
+                <a:pPr marL="342900" indent="-342900">
+                  <a:buFont typeface="Arial" panose="020B0604020202020204" pitchFamily="34" charset="0"/>
+                  <a:buChar char="•"/>
                 </a:pPr>
                 <a:r>
-                  <a:rPr lang="en-US" sz="2800" dirty="0">
+                  <a:rPr lang="en-US" sz="2400" dirty="0">
                     <a:latin typeface="+mj-lt"/>
                   </a:rPr>
                   <a:t>The natural numbers</a:t>
                 </a:r>
               </a:p>
               <a:p>
-                <a:pPr marL="971550" lvl="1" indent="-514350">
+                <a:pPr marL="800100" lvl="1" indent="-342900">
                   <a:buFont typeface="Arial" panose="020B0604020202020204" pitchFamily="34" charset="0"/>
                   <a:buChar char="•"/>
                 </a:pPr>
                 <a:r>
-                  <a:rPr lang="en-US" sz="2800" dirty="0">
+                  <a:rPr lang="en-US" sz="2400" dirty="0">
                     <a:latin typeface="+mj-lt"/>
                   </a:rPr>
                   <a:t>(</a:t>
                 </a:r>
                 <a:r>
-                  <a:rPr lang="en-US" sz="2800" dirty="0" err="1">
+                  <a:rPr lang="en-US" sz="2400" dirty="0" err="1">
                     <a:latin typeface="+mj-lt"/>
                   </a:rPr>
                   <a:t>nat</a:t>
                 </a:r>
                 <a:r>
-                  <a:rPr lang="en-US" sz="2800" dirty="0">
+                  <a:rPr lang="en-US" sz="2400" dirty="0">
                     <a:latin typeface="+mj-lt"/>
                   </a:rPr>
                   <a:t> : n) </a:t>
@@ -19436,7 +19589,7 @@
                 <a14:m>
                   <m:oMath xmlns:m="http://schemas.openxmlformats.org/officeDocument/2006/math">
                     <m:r>
-                      <a:rPr lang="en-US" sz="2800" i="1" smtClean="0">
+                      <a:rPr lang="en-US" sz="2400" i="1" smtClean="0">
                         <a:latin typeface="Cambria Math" panose="02040503050406030204" pitchFamily="18" charset="0"/>
                         <a:ea typeface="Cambria Math" panose="02040503050406030204" pitchFamily="18" charset="0"/>
                       </a:rPr>
@@ -19445,23 +19598,26 @@
                   </m:oMath>
                 </a14:m>
                 <a:r>
-                  <a:rPr lang="en-US" sz="2800" dirty="0">
+                  <a:rPr lang="en-US" sz="2400" dirty="0">
                     <a:latin typeface="+mj-lt"/>
                   </a:rPr>
                   <a:t> n (</a:t>
                 </a:r>
                 <a:r>
-                  <a:rPr lang="en-US" sz="2800" dirty="0" err="1">
+                  <a:rPr lang="en-US" sz="2400" dirty="0" err="1">
                     <a:latin typeface="+mj-lt"/>
                   </a:rPr>
                   <a:t>nat</a:t>
                 </a:r>
                 <a:r>
-                  <a:rPr lang="en-US" sz="2800" dirty="0">
+                  <a:rPr lang="en-US" sz="2400" dirty="0">
                     <a:latin typeface="+mj-lt"/>
                   </a:rPr>
                   <a:t>: n+1)</a:t>
                 </a:r>
+                <a:endParaRPr lang="en-US" sz="2800" dirty="0">
+                  <a:latin typeface="+mj-lt"/>
+                </a:endParaRPr>
               </a:p>
             </p:txBody>
           </p:sp>
@@ -19484,7 +19640,7 @@
             <p:spPr>
               <a:xfrm>
                 <a:off x="506306" y="998567"/>
-                <a:ext cx="10886173" cy="4401205"/>
+                <a:ext cx="10886173" cy="5262979"/>
               </a:xfrm>
               <a:prstGeom prst="rect">
                 <a:avLst/>
@@ -19492,7 +19648,7 @@
               <a:blipFill>
                 <a:blip r:embed="rId2"/>
                 <a:stretch>
-                  <a:fillRect l="-1166" t="-1729" b="-2882"/>
+                  <a:fillRect l="-699" t="-964" b="-1687"/>
                 </a:stretch>
               </a:blipFill>
             </p:spPr>
@@ -19543,7 +19699,7 @@
               <a:rPr lang="en-US" sz="2800" dirty="0">
                 <a:latin typeface="+mj-lt"/>
               </a:rPr>
-              <a:t>Typical definitions with disjoint domains:</a:t>
+              <a:t>Typical definitions:</a:t>
             </a:r>
           </a:p>
         </p:txBody>

--- a/doc/talk/coda.pptx
+++ b/doc/talk/coda.pptx
@@ -238,7 +238,7 @@
           <a:p>
             <a:fld id="{851D2614-20D2-104D-876C-68C46E9C3B04}" type="datetimeFigureOut">
               <a:rPr lang="en-US" smtClean="0"/>
-              <a:t>4/19/23</a:t>
+              <a:t>4/22/23</a:t>
             </a:fld>
             <a:endParaRPr lang="en-US"/>
           </a:p>
@@ -988,7 +988,7 @@
           <a:p>
             <a:fld id="{C8AF9E6B-4137-DD45-811B-1D1601D99F07}" type="datetimeFigureOut">
               <a:rPr lang="en-US" smtClean="0"/>
-              <a:t>4/19/23</a:t>
+              <a:t>4/22/23</a:t>
             </a:fld>
             <a:endParaRPr lang="en-US"/>
           </a:p>
@@ -1186,7 +1186,7 @@
           <a:p>
             <a:fld id="{C8AF9E6B-4137-DD45-811B-1D1601D99F07}" type="datetimeFigureOut">
               <a:rPr lang="en-US" smtClean="0"/>
-              <a:t>4/19/23</a:t>
+              <a:t>4/22/23</a:t>
             </a:fld>
             <a:endParaRPr lang="en-US"/>
           </a:p>
@@ -1394,7 +1394,7 @@
           <a:p>
             <a:fld id="{C8AF9E6B-4137-DD45-811B-1D1601D99F07}" type="datetimeFigureOut">
               <a:rPr lang="en-US" smtClean="0"/>
-              <a:t>4/19/23</a:t>
+              <a:t>4/22/23</a:t>
             </a:fld>
             <a:endParaRPr lang="en-US"/>
           </a:p>
@@ -1592,7 +1592,7 @@
           <a:p>
             <a:fld id="{C8AF9E6B-4137-DD45-811B-1D1601D99F07}" type="datetimeFigureOut">
               <a:rPr lang="en-US" smtClean="0"/>
-              <a:t>4/19/23</a:t>
+              <a:t>4/22/23</a:t>
             </a:fld>
             <a:endParaRPr lang="en-US"/>
           </a:p>
@@ -1867,7 +1867,7 @@
           <a:p>
             <a:fld id="{C8AF9E6B-4137-DD45-811B-1D1601D99F07}" type="datetimeFigureOut">
               <a:rPr lang="en-US" smtClean="0"/>
-              <a:t>4/19/23</a:t>
+              <a:t>4/22/23</a:t>
             </a:fld>
             <a:endParaRPr lang="en-US"/>
           </a:p>
@@ -2132,7 +2132,7 @@
           <a:p>
             <a:fld id="{C8AF9E6B-4137-DD45-811B-1D1601D99F07}" type="datetimeFigureOut">
               <a:rPr lang="en-US" smtClean="0"/>
-              <a:t>4/19/23</a:t>
+              <a:t>4/22/23</a:t>
             </a:fld>
             <a:endParaRPr lang="en-US"/>
           </a:p>
@@ -2544,7 +2544,7 @@
           <a:p>
             <a:fld id="{C8AF9E6B-4137-DD45-811B-1D1601D99F07}" type="datetimeFigureOut">
               <a:rPr lang="en-US" smtClean="0"/>
-              <a:t>4/19/23</a:t>
+              <a:t>4/22/23</a:t>
             </a:fld>
             <a:endParaRPr lang="en-US"/>
           </a:p>
@@ -2685,7 +2685,7 @@
           <a:p>
             <a:fld id="{C8AF9E6B-4137-DD45-811B-1D1601D99F07}" type="datetimeFigureOut">
               <a:rPr lang="en-US" smtClean="0"/>
-              <a:t>4/19/23</a:t>
+              <a:t>4/22/23</a:t>
             </a:fld>
             <a:endParaRPr lang="en-US"/>
           </a:p>
@@ -2798,7 +2798,7 @@
           <a:p>
             <a:fld id="{C8AF9E6B-4137-DD45-811B-1D1601D99F07}" type="datetimeFigureOut">
               <a:rPr lang="en-US" smtClean="0"/>
-              <a:t>4/19/23</a:t>
+              <a:t>4/22/23</a:t>
             </a:fld>
             <a:endParaRPr lang="en-US"/>
           </a:p>
@@ -3109,7 +3109,7 @@
           <a:p>
             <a:fld id="{C8AF9E6B-4137-DD45-811B-1D1601D99F07}" type="datetimeFigureOut">
               <a:rPr lang="en-US" smtClean="0"/>
-              <a:t>4/19/23</a:t>
+              <a:t>4/22/23</a:t>
             </a:fld>
             <a:endParaRPr lang="en-US"/>
           </a:p>
@@ -3397,7 +3397,7 @@
           <a:p>
             <a:fld id="{C8AF9E6B-4137-DD45-811B-1D1601D99F07}" type="datetimeFigureOut">
               <a:rPr lang="en-US" smtClean="0"/>
-              <a:t>4/19/23</a:t>
+              <a:t>4/22/23</a:t>
             </a:fld>
             <a:endParaRPr lang="en-US"/>
           </a:p>
@@ -3638,7 +3638,7 @@
           <a:p>
             <a:fld id="{C8AF9E6B-4137-DD45-811B-1D1601D99F07}" type="datetimeFigureOut">
               <a:rPr lang="en-US" smtClean="0"/>
-              <a:t>4/19/23</a:t>
+              <a:t>4/22/23</a:t>
             </a:fld>
             <a:endParaRPr lang="en-US"/>
           </a:p>
@@ -7062,7 +7062,7 @@
               <a:rPr lang="en-US" sz="3200" dirty="0">
                 <a:latin typeface="+mj-lt"/>
               </a:rPr>
-              <a:t>Notice…</a:t>
+              <a:t>Note…</a:t>
             </a:r>
           </a:p>
         </p:txBody>
@@ -10311,7 +10311,7 @@
               <a:rPr lang="en-US" sz="3600" dirty="0">
                 <a:latin typeface="+mj-lt"/>
               </a:rPr>
-              <a:t>Notice…</a:t>
+              <a:t>Note…</a:t>
             </a:r>
           </a:p>
         </p:txBody>
@@ -13737,7 +13737,7 @@
               <a:rPr lang="en-US" sz="2800" dirty="0">
                 <a:latin typeface="+mj-lt"/>
               </a:rPr>
-              <a:t>Here is a potential criticism of coda….</a:t>
+              <a:t>Here is a potential criticism….</a:t>
             </a:r>
           </a:p>
           <a:p>
@@ -14198,8 +14198,8 @@
           </a:p>
         </p:txBody>
       </p:sp>
-      <mc:AlternateContent xmlns:mc="http://schemas.openxmlformats.org/markup-compatibility/2006" xmlns:a14="http://schemas.microsoft.com/office/drawing/2010/main">
-        <mc:Choice Requires="a14">
+      <mc:AlternateContent xmlns:mc="http://schemas.openxmlformats.org/markup-compatibility/2006">
+        <mc:Choice xmlns:a14="http://schemas.microsoft.com/office/drawing/2010/main" Requires="a14">
           <p:sp>
             <p:nvSpPr>
               <p:cNvPr id="3" name="TextBox 2">
@@ -14505,13 +14505,13 @@
                   <a:rPr lang="en-US" sz="2400" dirty="0">
                     <a:latin typeface="+mj-lt"/>
                   </a:rPr>
-                  <a:t>and so, CONSISTENT? recursively never evaluates.</a:t>
+                  <a:t>and so, CONSISTENT? recursively never quite becomes ``true’’ in the coda sense.</a:t>
                 </a:r>
               </a:p>
             </p:txBody>
           </p:sp>
         </mc:Choice>
-        <mc:Fallback xmlns="">
+        <mc:Fallback>
           <p:sp>
             <p:nvSpPr>
               <p:cNvPr id="3" name="TextBox 2">

--- a/doc/talk/coda.pptx
+++ b/doc/talk/coda.pptx
@@ -5,7 +5,7 @@
     <p:sldMasterId id="2147483648" r:id="rId1"/>
   </p:sldMasterIdLst>
   <p:notesMasterIdLst>
-    <p:notesMasterId r:id="rId44"/>
+    <p:notesMasterId r:id="rId46"/>
   </p:notesMasterIdLst>
   <p:sldIdLst>
     <p:sldId id="256" r:id="rId2"/>
@@ -33,8 +33,8 @@
     <p:sldId id="280" r:id="rId24"/>
     <p:sldId id="282" r:id="rId25"/>
     <p:sldId id="275" r:id="rId26"/>
-    <p:sldId id="290" r:id="rId27"/>
-    <p:sldId id="278" r:id="rId28"/>
+    <p:sldId id="278" r:id="rId27"/>
+    <p:sldId id="290" r:id="rId28"/>
     <p:sldId id="288" r:id="rId29"/>
     <p:sldId id="286" r:id="rId30"/>
     <p:sldId id="289" r:id="rId31"/>
@@ -45,11 +45,13 @@
     <p:sldId id="272" r:id="rId36"/>
     <p:sldId id="291" r:id="rId37"/>
     <p:sldId id="300" r:id="rId38"/>
-    <p:sldId id="285" r:id="rId39"/>
-    <p:sldId id="260" r:id="rId40"/>
-    <p:sldId id="298" r:id="rId41"/>
-    <p:sldId id="301" r:id="rId42"/>
-    <p:sldId id="299" r:id="rId43"/>
+    <p:sldId id="303" r:id="rId39"/>
+    <p:sldId id="304" r:id="rId40"/>
+    <p:sldId id="305" r:id="rId41"/>
+    <p:sldId id="285" r:id="rId42"/>
+    <p:sldId id="298" r:id="rId43"/>
+    <p:sldId id="301" r:id="rId44"/>
+    <p:sldId id="299" r:id="rId45"/>
   </p:sldIdLst>
   <p:sldSz cx="12192000" cy="6858000"/>
   <p:notesSz cx="6858000" cy="9144000"/>
@@ -238,7 +240,7 @@
           <a:p>
             <a:fld id="{851D2614-20D2-104D-876C-68C46E9C3B04}" type="datetimeFigureOut">
               <a:rPr lang="en-US" smtClean="0"/>
-              <a:t>4/22/23</a:t>
+              <a:t>4/27/23</a:t>
             </a:fld>
             <a:endParaRPr lang="en-US"/>
           </a:p>
@@ -717,7 +719,7 @@
           <a:bodyPr/>
           <a:lstStyle/>
           <a:p>
-            <a:endParaRPr lang="en-US"/>
+            <a:endParaRPr lang="en-US" dirty="0"/>
           </a:p>
         </p:txBody>
       </p:sp>
@@ -747,7 +749,7 @@
     </p:spTree>
     <p:extLst>
       <p:ext uri="{BB962C8B-B14F-4D97-AF65-F5344CB8AC3E}">
-        <p14:creationId xmlns:p14="http://schemas.microsoft.com/office/powerpoint/2010/main" val="2491724056"/>
+        <p14:creationId xmlns:p14="http://schemas.microsoft.com/office/powerpoint/2010/main" val="3765990235"/>
       </p:ext>
     </p:extLst>
   </p:cSld>
@@ -822,7 +824,91 @@
           <a:p>
             <a:fld id="{C00E507D-50E5-514C-BC0E-259B2BFA561B}" type="slidenum">
               <a:rPr lang="en-US" smtClean="0"/>
-              <a:t>41</a:t>
+              <a:t>42</a:t>
+            </a:fld>
+            <a:endParaRPr lang="en-US"/>
+          </a:p>
+        </p:txBody>
+      </p:sp>
+    </p:spTree>
+    <p:extLst>
+      <p:ext uri="{BB962C8B-B14F-4D97-AF65-F5344CB8AC3E}">
+        <p14:creationId xmlns:p14="http://schemas.microsoft.com/office/powerpoint/2010/main" val="2491724056"/>
+      </p:ext>
+    </p:extLst>
+  </p:cSld>
+  <p:clrMapOvr>
+    <a:masterClrMapping/>
+  </p:clrMapOvr>
+</p:notes>
+</file>
+
+<file path=ppt/notesSlides/notesSlide5.xml><?xml version="1.0" encoding="utf-8"?>
+<p:notes xmlns:a="http://schemas.openxmlformats.org/drawingml/2006/main" xmlns:r="http://schemas.openxmlformats.org/officeDocument/2006/relationships" xmlns:p="http://schemas.openxmlformats.org/presentationml/2006/main">
+  <p:cSld>
+    <p:spTree>
+      <p:nvGrpSpPr>
+        <p:cNvPr id="1" name=""/>
+        <p:cNvGrpSpPr/>
+        <p:nvPr/>
+      </p:nvGrpSpPr>
+      <p:grpSpPr>
+        <a:xfrm>
+          <a:off x="0" y="0"/>
+          <a:ext cx="0" cy="0"/>
+          <a:chOff x="0" y="0"/>
+          <a:chExt cx="0" cy="0"/>
+        </a:xfrm>
+      </p:grpSpPr>
+      <p:sp>
+        <p:nvSpPr>
+          <p:cNvPr id="2" name="Slide Image Placeholder 1"/>
+          <p:cNvSpPr>
+            <a:spLocks noGrp="1" noRot="1" noChangeAspect="1"/>
+          </p:cNvSpPr>
+          <p:nvPr>
+            <p:ph type="sldImg"/>
+          </p:nvPr>
+        </p:nvSpPr>
+        <p:spPr/>
+      </p:sp>
+      <p:sp>
+        <p:nvSpPr>
+          <p:cNvPr id="3" name="Notes Placeholder 2"/>
+          <p:cNvSpPr>
+            <a:spLocks noGrp="1"/>
+          </p:cNvSpPr>
+          <p:nvPr>
+            <p:ph type="body" idx="1"/>
+          </p:nvPr>
+        </p:nvSpPr>
+        <p:spPr/>
+        <p:txBody>
+          <a:bodyPr/>
+          <a:lstStyle/>
+          <a:p>
+            <a:endParaRPr lang="en-US"/>
+          </a:p>
+        </p:txBody>
+      </p:sp>
+      <p:sp>
+        <p:nvSpPr>
+          <p:cNvPr id="4" name="Slide Number Placeholder 3"/>
+          <p:cNvSpPr>
+            <a:spLocks noGrp="1"/>
+          </p:cNvSpPr>
+          <p:nvPr>
+            <p:ph type="sldNum" sz="quarter" idx="5"/>
+          </p:nvPr>
+        </p:nvSpPr>
+        <p:spPr/>
+        <p:txBody>
+          <a:bodyPr/>
+          <a:lstStyle/>
+          <a:p>
+            <a:fld id="{C00E507D-50E5-514C-BC0E-259B2BFA561B}" type="slidenum">
+              <a:rPr lang="en-US" smtClean="0"/>
+              <a:t>43</a:t>
             </a:fld>
             <a:endParaRPr lang="en-US"/>
           </a:p>
@@ -988,7 +1074,7 @@
           <a:p>
             <a:fld id="{C8AF9E6B-4137-DD45-811B-1D1601D99F07}" type="datetimeFigureOut">
               <a:rPr lang="en-US" smtClean="0"/>
-              <a:t>4/22/23</a:t>
+              <a:t>4/27/23</a:t>
             </a:fld>
             <a:endParaRPr lang="en-US"/>
           </a:p>
@@ -1186,7 +1272,7 @@
           <a:p>
             <a:fld id="{C8AF9E6B-4137-DD45-811B-1D1601D99F07}" type="datetimeFigureOut">
               <a:rPr lang="en-US" smtClean="0"/>
-              <a:t>4/22/23</a:t>
+              <a:t>4/27/23</a:t>
             </a:fld>
             <a:endParaRPr lang="en-US"/>
           </a:p>
@@ -1394,7 +1480,7 @@
           <a:p>
             <a:fld id="{C8AF9E6B-4137-DD45-811B-1D1601D99F07}" type="datetimeFigureOut">
               <a:rPr lang="en-US" smtClean="0"/>
-              <a:t>4/22/23</a:t>
+              <a:t>4/27/23</a:t>
             </a:fld>
             <a:endParaRPr lang="en-US"/>
           </a:p>
@@ -1592,7 +1678,7 @@
           <a:p>
             <a:fld id="{C8AF9E6B-4137-DD45-811B-1D1601D99F07}" type="datetimeFigureOut">
               <a:rPr lang="en-US" smtClean="0"/>
-              <a:t>4/22/23</a:t>
+              <a:t>4/27/23</a:t>
             </a:fld>
             <a:endParaRPr lang="en-US"/>
           </a:p>
@@ -1867,7 +1953,7 @@
           <a:p>
             <a:fld id="{C8AF9E6B-4137-DD45-811B-1D1601D99F07}" type="datetimeFigureOut">
               <a:rPr lang="en-US" smtClean="0"/>
-              <a:t>4/22/23</a:t>
+              <a:t>4/27/23</a:t>
             </a:fld>
             <a:endParaRPr lang="en-US"/>
           </a:p>
@@ -2132,7 +2218,7 @@
           <a:p>
             <a:fld id="{C8AF9E6B-4137-DD45-811B-1D1601D99F07}" type="datetimeFigureOut">
               <a:rPr lang="en-US" smtClean="0"/>
-              <a:t>4/22/23</a:t>
+              <a:t>4/27/23</a:t>
             </a:fld>
             <a:endParaRPr lang="en-US"/>
           </a:p>
@@ -2544,7 +2630,7 @@
           <a:p>
             <a:fld id="{C8AF9E6B-4137-DD45-811B-1D1601D99F07}" type="datetimeFigureOut">
               <a:rPr lang="en-US" smtClean="0"/>
-              <a:t>4/22/23</a:t>
+              <a:t>4/27/23</a:t>
             </a:fld>
             <a:endParaRPr lang="en-US"/>
           </a:p>
@@ -2685,7 +2771,7 @@
           <a:p>
             <a:fld id="{C8AF9E6B-4137-DD45-811B-1D1601D99F07}" type="datetimeFigureOut">
               <a:rPr lang="en-US" smtClean="0"/>
-              <a:t>4/22/23</a:t>
+              <a:t>4/27/23</a:t>
             </a:fld>
             <a:endParaRPr lang="en-US"/>
           </a:p>
@@ -2798,7 +2884,7 @@
           <a:p>
             <a:fld id="{C8AF9E6B-4137-DD45-811B-1D1601D99F07}" type="datetimeFigureOut">
               <a:rPr lang="en-US" smtClean="0"/>
-              <a:t>4/22/23</a:t>
+              <a:t>4/27/23</a:t>
             </a:fld>
             <a:endParaRPr lang="en-US"/>
           </a:p>
@@ -3109,7 +3195,7 @@
           <a:p>
             <a:fld id="{C8AF9E6B-4137-DD45-811B-1D1601D99F07}" type="datetimeFigureOut">
               <a:rPr lang="en-US" smtClean="0"/>
-              <a:t>4/22/23</a:t>
+              <a:t>4/27/23</a:t>
             </a:fld>
             <a:endParaRPr lang="en-US"/>
           </a:p>
@@ -3397,7 +3483,7 @@
           <a:p>
             <a:fld id="{C8AF9E6B-4137-DD45-811B-1D1601D99F07}" type="datetimeFigureOut">
               <a:rPr lang="en-US" smtClean="0"/>
-              <a:t>4/22/23</a:t>
+              <a:t>4/27/23</a:t>
             </a:fld>
             <a:endParaRPr lang="en-US"/>
           </a:p>
@@ -3638,7 +3724,7 @@
           <a:p>
             <a:fld id="{C8AF9E6B-4137-DD45-811B-1D1601D99F07}" type="datetimeFigureOut">
               <a:rPr lang="en-US" smtClean="0"/>
-              <a:t>4/22/23</a:t>
+              <a:t>4/27/23</a:t>
             </a:fld>
             <a:endParaRPr lang="en-US"/>
           </a:p>
@@ -7122,7 +7208,19 @@
                   <a:rPr lang="en-US" sz="2400" dirty="0">
                     <a:latin typeface="+mj-lt"/>
                   </a:rPr>
-                  <a:t>In predicate calculus with ZFC or dependent type theory, one needs to define a syntax to distinguish meaningful sentences from nonsense sentences like  “</a:t>
+                  <a:t>In </a:t>
+                </a:r>
+                <a:r>
+                  <a:rPr lang="en-US" sz="2400">
+                    <a:latin typeface="+mj-lt"/>
+                  </a:rPr>
+                  <a:t>predicate logic </a:t>
+                </a:r>
+                <a:r>
+                  <a:rPr lang="en-US" sz="2400" dirty="0">
+                    <a:latin typeface="+mj-lt"/>
+                  </a:rPr>
+                  <a:t>with ZFC or dependent type theory, one needs to define a syntax to distinguish meaningful sentences from nonsense sentences like  “</a:t>
                 </a:r>
                 <a14:m>
                   <m:oMath xmlns:m="http://schemas.openxmlformats.org/officeDocument/2006/math">
@@ -12227,10 +12325,246 @@
           <a:chExt cx="0" cy="0"/>
         </a:xfrm>
       </p:grpSpPr>
+      <p:sp>
+        <p:nvSpPr>
+          <p:cNvPr id="2" name="TextBox 1">
+            <a:extLst>
+              <a:ext uri="{FF2B5EF4-FFF2-40B4-BE49-F238E27FC236}">
+                <a16:creationId xmlns:a16="http://schemas.microsoft.com/office/drawing/2014/main" id="{0A09A014-84AB-8C49-9181-570DC1D197E4}"/>
+              </a:ext>
+            </a:extLst>
+          </p:cNvPr>
+          <p:cNvSpPr txBox="1"/>
+          <p:nvPr/>
+        </p:nvSpPr>
+        <p:spPr>
+          <a:xfrm>
+            <a:off x="0" y="109057"/>
+            <a:ext cx="12192000" cy="646331"/>
+          </a:xfrm>
+          <a:prstGeom prst="rect">
+            <a:avLst/>
+          </a:prstGeom>
+          <a:noFill/>
+        </p:spPr>
+        <p:txBody>
+          <a:bodyPr wrap="square" rtlCol="0">
+            <a:spAutoFit/>
+          </a:bodyPr>
+          <a:lstStyle/>
+          <a:p>
+            <a:pPr algn="ctr"/>
+            <a:r>
+              <a:rPr lang="en-US" sz="3600" dirty="0">
+                <a:latin typeface="+mj-lt"/>
+              </a:rPr>
+              <a:t>First steps in “Mathematical Machine Learning”</a:t>
+            </a:r>
+          </a:p>
+        </p:txBody>
+      </p:sp>
+      <p:pic>
+        <p:nvPicPr>
+          <p:cNvPr id="7" name="Picture 6">
+            <a:extLst>
+              <a:ext uri="{FF2B5EF4-FFF2-40B4-BE49-F238E27FC236}">
+                <a16:creationId xmlns:a16="http://schemas.microsoft.com/office/drawing/2014/main" id="{A117B947-83D7-2448-8296-EA771C0DE92C}"/>
+              </a:ext>
+            </a:extLst>
+          </p:cNvPr>
+          <p:cNvPicPr>
+            <a:picLocks noChangeAspect="1"/>
+          </p:cNvPicPr>
+          <p:nvPr/>
+        </p:nvPicPr>
+        <p:blipFill>
+          <a:blip r:embed="rId2"/>
+          <a:stretch>
+            <a:fillRect/>
+          </a:stretch>
+        </p:blipFill>
+        <p:spPr>
+          <a:xfrm>
+            <a:off x="6376774" y="989760"/>
+            <a:ext cx="5049794" cy="5633867"/>
+          </a:xfrm>
+          <a:prstGeom prst="rect">
+            <a:avLst/>
+          </a:prstGeom>
+        </p:spPr>
+      </p:pic>
+      <p:sp>
+        <p:nvSpPr>
+          <p:cNvPr id="8" name="TextBox 7">
+            <a:extLst>
+              <a:ext uri="{FF2B5EF4-FFF2-40B4-BE49-F238E27FC236}">
+                <a16:creationId xmlns:a16="http://schemas.microsoft.com/office/drawing/2014/main" id="{235A560A-493B-3346-BB8F-F3EF5FBDD97E}"/>
+              </a:ext>
+            </a:extLst>
+          </p:cNvPr>
+          <p:cNvSpPr txBox="1"/>
+          <p:nvPr/>
+        </p:nvSpPr>
+        <p:spPr>
+          <a:xfrm>
+            <a:off x="689401" y="1878228"/>
+            <a:ext cx="4326584" cy="1569660"/>
+          </a:xfrm>
+          <a:prstGeom prst="rect">
+            <a:avLst/>
+          </a:prstGeom>
+          <a:noFill/>
+        </p:spPr>
+        <p:txBody>
+          <a:bodyPr wrap="square" rtlCol="0">
+            <a:spAutoFit/>
+          </a:bodyPr>
+          <a:lstStyle/>
+          <a:p>
+            <a:r>
+              <a:rPr lang="en-US" sz="3200" dirty="0">
+                <a:latin typeface="+mj-lt"/>
+              </a:rPr>
+              <a:t>How can we distinguish some kind of mathematical objects…</a:t>
+            </a:r>
+          </a:p>
+        </p:txBody>
+      </p:sp>
+      <p:sp>
+        <p:nvSpPr>
+          <p:cNvPr id="9" name="TextBox 8">
+            <a:extLst>
+              <a:ext uri="{FF2B5EF4-FFF2-40B4-BE49-F238E27FC236}">
+                <a16:creationId xmlns:a16="http://schemas.microsoft.com/office/drawing/2014/main" id="{BEC4A922-6610-DD4E-93F7-277838C057A6}"/>
+              </a:ext>
+            </a:extLst>
+          </p:cNvPr>
+          <p:cNvSpPr txBox="1"/>
+          <p:nvPr/>
+        </p:nvSpPr>
+        <p:spPr>
+          <a:xfrm>
+            <a:off x="689401" y="4835610"/>
+            <a:ext cx="4716849" cy="1077218"/>
+          </a:xfrm>
+          <a:prstGeom prst="rect">
+            <a:avLst/>
+          </a:prstGeom>
+          <a:noFill/>
+        </p:spPr>
+        <p:txBody>
+          <a:bodyPr wrap="square" rtlCol="0">
+            <a:spAutoFit/>
+          </a:bodyPr>
+          <a:lstStyle/>
+          <a:p>
+            <a:r>
+              <a:rPr lang="en-US" sz="3200" dirty="0">
+                <a:latin typeface="+mj-lt"/>
+              </a:rPr>
+              <a:t>…from some other kind of mathematical objects?</a:t>
+            </a:r>
+          </a:p>
+        </p:txBody>
+      </p:sp>
+      <p:sp>
+        <p:nvSpPr>
+          <p:cNvPr id="10" name="Right Arrow 9">
+            <a:extLst>
+              <a:ext uri="{FF2B5EF4-FFF2-40B4-BE49-F238E27FC236}">
+                <a16:creationId xmlns:a16="http://schemas.microsoft.com/office/drawing/2014/main" id="{6061FC7A-C5A9-7743-A5FF-50601AF7C01E}"/>
+              </a:ext>
+            </a:extLst>
+          </p:cNvPr>
+          <p:cNvSpPr/>
+          <p:nvPr/>
+        </p:nvSpPr>
+        <p:spPr>
+          <a:xfrm>
+            <a:off x="5207858" y="2316892"/>
+            <a:ext cx="977042" cy="692332"/>
+          </a:xfrm>
+          <a:prstGeom prst="rightArrow">
+            <a:avLst/>
+          </a:prstGeom>
+          <a:noFill/>
+        </p:spPr>
+        <p:style>
+          <a:lnRef idx="2">
+            <a:schemeClr val="accent1">
+              <a:shade val="50000"/>
+            </a:schemeClr>
+          </a:lnRef>
+          <a:fillRef idx="1">
+            <a:schemeClr val="accent1"/>
+          </a:fillRef>
+          <a:effectRef idx="0">
+            <a:schemeClr val="accent1"/>
+          </a:effectRef>
+          <a:fontRef idx="minor">
+            <a:schemeClr val="lt1"/>
+          </a:fontRef>
+        </p:style>
+        <p:txBody>
+          <a:bodyPr rtlCol="0" anchor="ctr"/>
+          <a:lstStyle/>
+          <a:p>
+            <a:pPr algn="ctr"/>
+            <a:endParaRPr lang="en-US" dirty="0"/>
+          </a:p>
+        </p:txBody>
+      </p:sp>
+      <p:sp>
+        <p:nvSpPr>
+          <p:cNvPr id="12" name="Right Arrow 11">
+            <a:extLst>
+              <a:ext uri="{FF2B5EF4-FFF2-40B4-BE49-F238E27FC236}">
+                <a16:creationId xmlns:a16="http://schemas.microsoft.com/office/drawing/2014/main" id="{99983DF2-0C90-2047-8A86-C3314384A83C}"/>
+              </a:ext>
+            </a:extLst>
+          </p:cNvPr>
+          <p:cNvSpPr/>
+          <p:nvPr/>
+        </p:nvSpPr>
+        <p:spPr>
+          <a:xfrm>
+            <a:off x="5207858" y="5028053"/>
+            <a:ext cx="977042" cy="692332"/>
+          </a:xfrm>
+          <a:prstGeom prst="rightArrow">
+            <a:avLst/>
+          </a:prstGeom>
+          <a:noFill/>
+        </p:spPr>
+        <p:style>
+          <a:lnRef idx="2">
+            <a:schemeClr val="accent1">
+              <a:shade val="50000"/>
+            </a:schemeClr>
+          </a:lnRef>
+          <a:fillRef idx="1">
+            <a:schemeClr val="accent1"/>
+          </a:fillRef>
+          <a:effectRef idx="0">
+            <a:schemeClr val="accent1"/>
+          </a:effectRef>
+          <a:fontRef idx="minor">
+            <a:schemeClr val="lt1"/>
+          </a:fontRef>
+        </p:style>
+        <p:txBody>
+          <a:bodyPr rtlCol="0" anchor="ctr"/>
+          <a:lstStyle/>
+          <a:p>
+            <a:pPr algn="ctr"/>
+            <a:endParaRPr lang="en-US" dirty="0"/>
+          </a:p>
+        </p:txBody>
+      </p:sp>
     </p:spTree>
     <p:extLst>
       <p:ext uri="{BB962C8B-B14F-4D97-AF65-F5344CB8AC3E}">
-        <p14:creationId xmlns:p14="http://schemas.microsoft.com/office/powerpoint/2010/main" val="1403480413"/>
+        <p14:creationId xmlns:p14="http://schemas.microsoft.com/office/powerpoint/2010/main" val="966747722"/>
       </p:ext>
     </p:extLst>
   </p:cSld>
@@ -12257,258 +12591,10 @@
           <a:chExt cx="0" cy="0"/>
         </a:xfrm>
       </p:grpSpPr>
-      <p:sp>
-        <p:nvSpPr>
-          <p:cNvPr id="2" name="TextBox 1">
-            <a:extLst>
-              <a:ext uri="{FF2B5EF4-FFF2-40B4-BE49-F238E27FC236}">
-                <a16:creationId xmlns:a16="http://schemas.microsoft.com/office/drawing/2014/main" id="{0A09A014-84AB-8C49-9181-570DC1D197E4}"/>
-              </a:ext>
-            </a:extLst>
-          </p:cNvPr>
-          <p:cNvSpPr txBox="1"/>
-          <p:nvPr/>
-        </p:nvSpPr>
-        <p:spPr>
-          <a:xfrm>
-            <a:off x="0" y="109057"/>
-            <a:ext cx="12192000" cy="646331"/>
-          </a:xfrm>
-          <a:prstGeom prst="rect">
-            <a:avLst/>
-          </a:prstGeom>
-          <a:noFill/>
-        </p:spPr>
-        <p:txBody>
-          <a:bodyPr wrap="square" rtlCol="0">
-            <a:spAutoFit/>
-          </a:bodyPr>
-          <a:lstStyle/>
-          <a:p>
-            <a:pPr algn="ctr"/>
-            <a:r>
-              <a:rPr lang="en-US" sz="3600" dirty="0">
-                <a:latin typeface="+mj-lt"/>
-              </a:rPr>
-              <a:t>First steps in “Mathematical Machine Learning”</a:t>
-            </a:r>
-          </a:p>
-        </p:txBody>
-      </p:sp>
-      <p:pic>
-        <p:nvPicPr>
-          <p:cNvPr id="7" name="Picture 6">
-            <a:extLst>
-              <a:ext uri="{FF2B5EF4-FFF2-40B4-BE49-F238E27FC236}">
-                <a16:creationId xmlns:a16="http://schemas.microsoft.com/office/drawing/2014/main" id="{A117B947-83D7-2448-8296-EA771C0DE92C}"/>
-              </a:ext>
-            </a:extLst>
-          </p:cNvPr>
-          <p:cNvPicPr>
-            <a:picLocks noChangeAspect="1"/>
-          </p:cNvPicPr>
-          <p:nvPr/>
-        </p:nvPicPr>
-        <p:blipFill>
-          <a:blip r:embed="rId2"/>
-          <a:stretch>
-            <a:fillRect/>
-          </a:stretch>
-        </p:blipFill>
-        <p:spPr>
-          <a:xfrm>
-            <a:off x="6376774" y="989760"/>
-            <a:ext cx="5049794" cy="5633867"/>
-          </a:xfrm>
-          <a:prstGeom prst="rect">
-            <a:avLst/>
-          </a:prstGeom>
-        </p:spPr>
-      </p:pic>
-      <p:sp>
-        <p:nvSpPr>
-          <p:cNvPr id="8" name="TextBox 7">
-            <a:extLst>
-              <a:ext uri="{FF2B5EF4-FFF2-40B4-BE49-F238E27FC236}">
-                <a16:creationId xmlns:a16="http://schemas.microsoft.com/office/drawing/2014/main" id="{235A560A-493B-3346-BB8F-F3EF5FBDD97E}"/>
-              </a:ext>
-            </a:extLst>
-          </p:cNvPr>
-          <p:cNvSpPr txBox="1"/>
-          <p:nvPr/>
-        </p:nvSpPr>
-        <p:spPr>
-          <a:xfrm>
-            <a:off x="689401" y="1878228"/>
-            <a:ext cx="4326584" cy="1569660"/>
-          </a:xfrm>
-          <a:prstGeom prst="rect">
-            <a:avLst/>
-          </a:prstGeom>
-          <a:noFill/>
-        </p:spPr>
-        <p:txBody>
-          <a:bodyPr wrap="square" rtlCol="0">
-            <a:spAutoFit/>
-          </a:bodyPr>
-          <a:lstStyle/>
-          <a:p>
-            <a:r>
-              <a:rPr lang="en-US" sz="3200" dirty="0">
-                <a:latin typeface="+mj-lt"/>
-              </a:rPr>
-              <a:t>How can we distinguish some kind of mathematical objects…</a:t>
-            </a:r>
-          </a:p>
-        </p:txBody>
-      </p:sp>
-      <p:sp>
-        <p:nvSpPr>
-          <p:cNvPr id="9" name="TextBox 8">
-            <a:extLst>
-              <a:ext uri="{FF2B5EF4-FFF2-40B4-BE49-F238E27FC236}">
-                <a16:creationId xmlns:a16="http://schemas.microsoft.com/office/drawing/2014/main" id="{BEC4A922-6610-DD4E-93F7-277838C057A6}"/>
-              </a:ext>
-            </a:extLst>
-          </p:cNvPr>
-          <p:cNvSpPr txBox="1"/>
-          <p:nvPr/>
-        </p:nvSpPr>
-        <p:spPr>
-          <a:xfrm>
-            <a:off x="689401" y="4835610"/>
-            <a:ext cx="4716849" cy="1077218"/>
-          </a:xfrm>
-          <a:prstGeom prst="rect">
-            <a:avLst/>
-          </a:prstGeom>
-          <a:noFill/>
-        </p:spPr>
-        <p:txBody>
-          <a:bodyPr wrap="square" rtlCol="0">
-            <a:spAutoFit/>
-          </a:bodyPr>
-          <a:lstStyle/>
-          <a:p>
-            <a:r>
-              <a:rPr lang="en-US" sz="3200" dirty="0">
-                <a:latin typeface="+mj-lt"/>
-              </a:rPr>
-              <a:t>…from some other kind of </a:t>
-            </a:r>
-            <a:r>
-              <a:rPr lang="en-US" sz="3200" dirty="0" err="1">
-                <a:latin typeface="+mj-lt"/>
-              </a:rPr>
-              <a:t>mathemathical</a:t>
-            </a:r>
-            <a:r>
-              <a:rPr lang="en-US" sz="3200" dirty="0">
-                <a:latin typeface="+mj-lt"/>
-              </a:rPr>
-              <a:t> objects?</a:t>
-            </a:r>
-          </a:p>
-        </p:txBody>
-      </p:sp>
-      <p:sp>
-        <p:nvSpPr>
-          <p:cNvPr id="10" name="Right Arrow 9">
-            <a:extLst>
-              <a:ext uri="{FF2B5EF4-FFF2-40B4-BE49-F238E27FC236}">
-                <a16:creationId xmlns:a16="http://schemas.microsoft.com/office/drawing/2014/main" id="{6061FC7A-C5A9-7743-A5FF-50601AF7C01E}"/>
-              </a:ext>
-            </a:extLst>
-          </p:cNvPr>
-          <p:cNvSpPr/>
-          <p:nvPr/>
-        </p:nvSpPr>
-        <p:spPr>
-          <a:xfrm>
-            <a:off x="5207858" y="2316892"/>
-            <a:ext cx="977042" cy="692332"/>
-          </a:xfrm>
-          <a:prstGeom prst="rightArrow">
-            <a:avLst/>
-          </a:prstGeom>
-          <a:noFill/>
-        </p:spPr>
-        <p:style>
-          <a:lnRef idx="2">
-            <a:schemeClr val="accent1">
-              <a:shade val="50000"/>
-            </a:schemeClr>
-          </a:lnRef>
-          <a:fillRef idx="1">
-            <a:schemeClr val="accent1"/>
-          </a:fillRef>
-          <a:effectRef idx="0">
-            <a:schemeClr val="accent1"/>
-          </a:effectRef>
-          <a:fontRef idx="minor">
-            <a:schemeClr val="lt1"/>
-          </a:fontRef>
-        </p:style>
-        <p:txBody>
-          <a:bodyPr rtlCol="0" anchor="ctr"/>
-          <a:lstStyle/>
-          <a:p>
-            <a:pPr algn="ctr"/>
-            <a:endParaRPr lang="en-US" dirty="0"/>
-          </a:p>
-        </p:txBody>
-      </p:sp>
-      <p:sp>
-        <p:nvSpPr>
-          <p:cNvPr id="12" name="Right Arrow 11">
-            <a:extLst>
-              <a:ext uri="{FF2B5EF4-FFF2-40B4-BE49-F238E27FC236}">
-                <a16:creationId xmlns:a16="http://schemas.microsoft.com/office/drawing/2014/main" id="{99983DF2-0C90-2047-8A86-C3314384A83C}"/>
-              </a:ext>
-            </a:extLst>
-          </p:cNvPr>
-          <p:cNvSpPr/>
-          <p:nvPr/>
-        </p:nvSpPr>
-        <p:spPr>
-          <a:xfrm>
-            <a:off x="5207858" y="5028053"/>
-            <a:ext cx="977042" cy="692332"/>
-          </a:xfrm>
-          <a:prstGeom prst="rightArrow">
-            <a:avLst/>
-          </a:prstGeom>
-          <a:noFill/>
-        </p:spPr>
-        <p:style>
-          <a:lnRef idx="2">
-            <a:schemeClr val="accent1">
-              <a:shade val="50000"/>
-            </a:schemeClr>
-          </a:lnRef>
-          <a:fillRef idx="1">
-            <a:schemeClr val="accent1"/>
-          </a:fillRef>
-          <a:effectRef idx="0">
-            <a:schemeClr val="accent1"/>
-          </a:effectRef>
-          <a:fontRef idx="minor">
-            <a:schemeClr val="lt1"/>
-          </a:fontRef>
-        </p:style>
-        <p:txBody>
-          <a:bodyPr rtlCol="0" anchor="ctr"/>
-          <a:lstStyle/>
-          <a:p>
-            <a:pPr algn="ctr"/>
-            <a:endParaRPr lang="en-US" dirty="0"/>
-          </a:p>
-        </p:txBody>
-      </p:sp>
     </p:spTree>
     <p:extLst>
       <p:ext uri="{BB962C8B-B14F-4D97-AF65-F5344CB8AC3E}">
-        <p14:creationId xmlns:p14="http://schemas.microsoft.com/office/powerpoint/2010/main" val="966747722"/>
+        <p14:creationId xmlns:p14="http://schemas.microsoft.com/office/powerpoint/2010/main" val="1403480413"/>
       </p:ext>
     </p:extLst>
   </p:cSld>
@@ -13875,8 +13961,8 @@
           </a:p>
         </p:txBody>
       </p:sp>
-      <mc:AlternateContent xmlns:mc="http://schemas.openxmlformats.org/markup-compatibility/2006" xmlns:a14="http://schemas.microsoft.com/office/drawing/2010/main">
-        <mc:Choice Requires="a14">
+      <mc:AlternateContent xmlns:mc="http://schemas.openxmlformats.org/markup-compatibility/2006">
+        <mc:Choice xmlns:a14="http://schemas.microsoft.com/office/drawing/2010/main" Requires="a14">
           <p:sp>
             <p:nvSpPr>
               <p:cNvPr id="3" name="TextBox 2">
@@ -13975,7 +14061,25 @@
                     </a:solidFill>
                     <a:latin typeface="+mj-lt"/>
                   </a:rPr>
-                  <a:t> { XOR (</a:t>
+                  <a:t> { </a:t>
+                </a:r>
+                <a:r>
+                  <a:rPr lang="en-US" sz="2400" b="1" dirty="0" err="1">
+                    <a:solidFill>
+                      <a:schemeClr val="accent1"/>
+                    </a:solidFill>
+                    <a:latin typeface="+mj-lt"/>
+                  </a:rPr>
+                  <a:t>xor</a:t>
+                </a:r>
+                <a:r>
+                  <a:rPr lang="en-US" sz="2400" b="1" dirty="0">
+                    <a:solidFill>
+                      <a:schemeClr val="accent1"/>
+                    </a:solidFill>
+                    <a:latin typeface="+mj-lt"/>
+                  </a:rPr>
+                  <a:t> (</a:t>
                 </a:r>
                 <a:r>
                   <a:rPr lang="en-US" sz="2400" b="1" dirty="0" err="1">
@@ -14042,7 +14146,19 @@
                   <a:rPr lang="en-US" sz="2400" dirty="0">
                     <a:latin typeface="+mj-lt"/>
                   </a:rPr>
-                  <a:t>If coda is inconsistent, XOR A : (</a:t>
+                  <a:t>If coda is inconsistent, </a:t>
+                </a:r>
+                <a:r>
+                  <a:rPr lang="en-US" sz="2400" dirty="0" err="1">
+                    <a:latin typeface="+mj-lt"/>
+                  </a:rPr>
+                  <a:t>xor</a:t>
+                </a:r>
+                <a:r>
+                  <a:rPr lang="en-US" sz="2400" dirty="0">
+                    <a:latin typeface="+mj-lt"/>
+                  </a:rPr>
+                  <a:t> A : (</a:t>
                 </a:r>
                 <a:r>
                   <a:rPr lang="en-US" sz="2400" dirty="0" err="1">
@@ -14085,7 +14201,7 @@
             </p:txBody>
           </p:sp>
         </mc:Choice>
-        <mc:Fallback xmlns="">
+        <mc:Fallback>
           <p:sp>
             <p:nvSpPr>
               <p:cNvPr id="3" name="TextBox 2">
@@ -14198,8 +14314,8 @@
           </a:p>
         </p:txBody>
       </p:sp>
-      <mc:AlternateContent xmlns:mc="http://schemas.openxmlformats.org/markup-compatibility/2006">
-        <mc:Choice xmlns:a14="http://schemas.microsoft.com/office/drawing/2010/main" Requires="a14">
+      <mc:AlternateContent xmlns:mc="http://schemas.openxmlformats.org/markup-compatibility/2006" xmlns:a14="http://schemas.microsoft.com/office/drawing/2010/main">
+        <mc:Choice Requires="a14">
           <p:sp>
             <p:nvSpPr>
               <p:cNvPr id="3" name="TextBox 2">
@@ -14280,7 +14396,7 @@
                   <a:rPr lang="en-US" sz="2400" dirty="0">
                     <a:latin typeface="+mj-lt"/>
                   </a:rPr>
-                  <a:t>let CONSISTENT? : </a:t>
+                  <a:t>let CONSISTENT : </a:t>
                 </a:r>
                 <a:r>
                   <a:rPr lang="en-US" sz="2400" b="1" dirty="0" err="1">
@@ -14511,7 +14627,7 @@
             </p:txBody>
           </p:sp>
         </mc:Choice>
-        <mc:Fallback>
+        <mc:Fallback xmlns="">
           <p:sp>
             <p:nvSpPr>
               <p:cNvPr id="3" name="TextBox 2">
@@ -14668,7 +14784,7 @@
               <a:rPr lang="en-US" sz="2400" dirty="0">
                 <a:latin typeface="+mj-lt"/>
               </a:rPr>
-              <a:t>if A=() where “=“ is context equality.  This is true if there is a </a:t>
+              <a:t>if A=() where ”=“ is context equality.  This is true if there is a </a:t>
             </a:r>
             <a:r>
               <a:rPr lang="en-US" sz="2400" i="1" dirty="0">
@@ -14940,40 +15056,10 @@
           <a:chExt cx="0" cy="0"/>
         </a:xfrm>
       </p:grpSpPr>
-      <p:pic>
-        <p:nvPicPr>
-          <p:cNvPr id="3" name="Picture 2">
-            <a:extLst>
-              <a:ext uri="{FF2B5EF4-FFF2-40B4-BE49-F238E27FC236}">
-                <a16:creationId xmlns:a16="http://schemas.microsoft.com/office/drawing/2014/main" id="{69171ABC-8D5B-0F48-BD7D-C0EA1F74E774}"/>
-              </a:ext>
-            </a:extLst>
-          </p:cNvPr>
-          <p:cNvPicPr>
-            <a:picLocks noChangeAspect="1"/>
-          </p:cNvPicPr>
-          <p:nvPr/>
-        </p:nvPicPr>
-        <p:blipFill>
-          <a:blip r:embed="rId2"/>
-          <a:stretch>
-            <a:fillRect/>
-          </a:stretch>
-        </p:blipFill>
-        <p:spPr>
-          <a:xfrm>
-            <a:off x="3803650" y="2057400"/>
-            <a:ext cx="4584700" cy="2743200"/>
-          </a:xfrm>
-          <a:prstGeom prst="rect">
-            <a:avLst/>
-          </a:prstGeom>
-        </p:spPr>
-      </p:pic>
     </p:spTree>
     <p:extLst>
       <p:ext uri="{BB962C8B-B14F-4D97-AF65-F5344CB8AC3E}">
-        <p14:creationId xmlns:p14="http://schemas.microsoft.com/office/powerpoint/2010/main" val="3510782627"/>
+        <p14:creationId xmlns:p14="http://schemas.microsoft.com/office/powerpoint/2010/main" val="3594652426"/>
       </p:ext>
     </p:extLst>
   </p:cSld>
@@ -15000,236 +15086,10 @@
           <a:chExt cx="0" cy="0"/>
         </a:xfrm>
       </p:grpSpPr>
-      <p:sp>
-        <p:nvSpPr>
-          <p:cNvPr id="3" name="TextBox 2">
-            <a:extLst>
-              <a:ext uri="{FF2B5EF4-FFF2-40B4-BE49-F238E27FC236}">
-                <a16:creationId xmlns:a16="http://schemas.microsoft.com/office/drawing/2014/main" id="{7136C39E-D35A-7D44-8A5D-C5A7C4915B7C}"/>
-              </a:ext>
-            </a:extLst>
-          </p:cNvPr>
-          <p:cNvSpPr txBox="1"/>
-          <p:nvPr/>
-        </p:nvSpPr>
-        <p:spPr>
-          <a:xfrm>
-            <a:off x="506895" y="208723"/>
-            <a:ext cx="9084367" cy="9140964"/>
-          </a:xfrm>
-          <a:prstGeom prst="rect">
-            <a:avLst/>
-          </a:prstGeom>
-          <a:noFill/>
-        </p:spPr>
-        <p:txBody>
-          <a:bodyPr wrap="square" rtlCol="0">
-            <a:spAutoFit/>
-          </a:bodyPr>
-          <a:lstStyle/>
-          <a:p>
-            <a:r>
-              <a:rPr lang="en-US" sz="2800" dirty="0">
-                <a:latin typeface="+mj-lt"/>
-              </a:rPr>
-              <a:t>X?....variable  </a:t>
-            </a:r>
-          </a:p>
-          <a:p>
-            <a:endParaRPr lang="en-US" sz="2800" dirty="0">
-              <a:latin typeface="+mj-lt"/>
-            </a:endParaRPr>
-          </a:p>
-          <a:p>
-            <a:r>
-              <a:rPr lang="en-US" sz="2800" dirty="0" err="1">
-                <a:latin typeface="+mj-lt"/>
-              </a:rPr>
-              <a:t>Natural:n</a:t>
-            </a:r>
-            <a:r>
-              <a:rPr lang="en-US" sz="2800" dirty="0">
-                <a:latin typeface="+mj-lt"/>
-              </a:rPr>
-              <a:t> </a:t>
-            </a:r>
-          </a:p>
-          <a:p>
-            <a:endParaRPr lang="en-US" sz="2800" dirty="0">
-              <a:latin typeface="+mj-lt"/>
-            </a:endParaRPr>
-          </a:p>
-          <a:p>
-            <a:r>
-              <a:rPr lang="en-US" sz="2800" dirty="0">
-                <a:latin typeface="+mj-lt"/>
-              </a:rPr>
-              <a:t>def Group : { (Type : B)</a:t>
-            </a:r>
-          </a:p>
-          <a:p>
-            <a:r>
-              <a:rPr lang="en-US" sz="2800" dirty="0">
-                <a:latin typeface="+mj-lt"/>
-              </a:rPr>
-              <a:t>              (Associative : prod B)</a:t>
-            </a:r>
-          </a:p>
-          <a:p>
-            <a:r>
-              <a:rPr lang="en-US" sz="2800" dirty="0">
-                <a:latin typeface="+mj-lt"/>
-              </a:rPr>
-              <a:t>              (Identity prod B : (</a:t>
-            </a:r>
-            <a:r>
-              <a:rPr lang="en-US" sz="2800" dirty="0" err="1">
-                <a:latin typeface="+mj-lt"/>
-              </a:rPr>
-              <a:t>id:B</a:t>
-            </a:r>
-            <a:r>
-              <a:rPr lang="en-US" sz="2800" dirty="0">
-                <a:latin typeface="+mj-lt"/>
-              </a:rPr>
-              <a:t>))</a:t>
-            </a:r>
-          </a:p>
-          <a:p>
-            <a:r>
-              <a:rPr lang="en-US" sz="2800" dirty="0">
-                <a:latin typeface="+mj-lt"/>
-              </a:rPr>
-              <a:t>              (Inverse prod B : (</a:t>
-            </a:r>
-            <a:r>
-              <a:rPr lang="en-US" sz="2800" dirty="0" err="1">
-                <a:latin typeface="+mj-lt"/>
-              </a:rPr>
-              <a:t>inv:B</a:t>
-            </a:r>
-            <a:r>
-              <a:rPr lang="en-US" sz="2800" dirty="0">
-                <a:latin typeface="+mj-lt"/>
-              </a:rPr>
-              <a:t>))</a:t>
-            </a:r>
-          </a:p>
-          <a:p>
-            <a:r>
-              <a:rPr lang="en-US" sz="2800" dirty="0">
-                <a:latin typeface="+mj-lt"/>
-              </a:rPr>
-              <a:t>            }</a:t>
-            </a:r>
-          </a:p>
-          <a:p>
-            <a:endParaRPr lang="en-US" sz="2800" dirty="0">
-              <a:latin typeface="+mj-lt"/>
-            </a:endParaRPr>
-          </a:p>
-          <a:p>
-            <a:r>
-              <a:rPr lang="en-US" sz="2800" dirty="0">
-                <a:latin typeface="+mj-lt"/>
-              </a:rPr>
-              <a:t>skip N? : prime : </a:t>
-            </a:r>
-            <a:r>
-              <a:rPr lang="en-US" sz="2800" dirty="0" err="1">
-                <a:latin typeface="+mj-lt"/>
-              </a:rPr>
-              <a:t>nat</a:t>
-            </a:r>
-            <a:r>
-              <a:rPr lang="en-US" sz="2800" dirty="0">
-                <a:latin typeface="+mj-lt"/>
-              </a:rPr>
-              <a:t> : 0…there are an infinite number of primes.</a:t>
-            </a:r>
-          </a:p>
-          <a:p>
-            <a:endParaRPr lang="en-US" sz="2800" dirty="0">
-              <a:latin typeface="+mj-lt"/>
-            </a:endParaRPr>
-          </a:p>
-          <a:p>
-            <a:r>
-              <a:rPr lang="en-US" sz="2800" dirty="0">
-                <a:latin typeface="+mj-lt"/>
-              </a:rPr>
-              <a:t>sum n : X? Y? = sum n : Y? X?...addition of natural numbers is commutative.</a:t>
-            </a:r>
-          </a:p>
-          <a:p>
-            <a:endParaRPr lang="en-US" sz="2800" dirty="0">
-              <a:latin typeface="+mj-lt"/>
-            </a:endParaRPr>
-          </a:p>
-          <a:p>
-            <a:r>
-              <a:rPr lang="en-US" sz="2800" dirty="0">
-                <a:latin typeface="+mj-lt"/>
-              </a:rPr>
-              <a:t>C : X? Y? = C : (C:X?) (C:Y?) </a:t>
-            </a:r>
-          </a:p>
-          <a:p>
-            <a:endParaRPr lang="en-US" sz="2800" dirty="0">
-              <a:latin typeface="+mj-lt"/>
-            </a:endParaRPr>
-          </a:p>
-          <a:p>
-            <a:r>
-              <a:rPr lang="en-US" sz="2800" dirty="0">
-                <a:latin typeface="+mj-lt"/>
-              </a:rPr>
-              <a:t>M*C = C*M </a:t>
-            </a:r>
-          </a:p>
-          <a:p>
-            <a:endParaRPr lang="en-US" sz="2800" dirty="0">
-              <a:latin typeface="+mj-lt"/>
-            </a:endParaRPr>
-          </a:p>
-          <a:p>
-            <a:r>
-              <a:rPr lang="en-US" sz="2800" dirty="0">
-                <a:latin typeface="+mj-lt"/>
-              </a:rPr>
-              <a:t>let </a:t>
-            </a:r>
-            <a:r>
-              <a:rPr lang="en-US" sz="2800" dirty="0" err="1">
-                <a:latin typeface="+mj-lt"/>
-              </a:rPr>
-              <a:t>this_is_true</a:t>
-            </a:r>
-            <a:r>
-              <a:rPr lang="en-US" sz="2800" dirty="0">
-                <a:latin typeface="+mj-lt"/>
-              </a:rPr>
-              <a:t>? : not : </a:t>
-            </a:r>
-            <a:r>
-              <a:rPr lang="en-US" sz="2800" dirty="0" err="1">
-                <a:latin typeface="+mj-lt"/>
-              </a:rPr>
-              <a:t>this_is_true</a:t>
-            </a:r>
-            <a:r>
-              <a:rPr lang="en-US" sz="2800" dirty="0">
-                <a:latin typeface="+mj-lt"/>
-              </a:rPr>
-              <a:t>? </a:t>
-            </a:r>
-          </a:p>
-        </p:txBody>
-      </p:sp>
     </p:spTree>
     <p:extLst>
       <p:ext uri="{BB962C8B-B14F-4D97-AF65-F5344CB8AC3E}">
-        <p14:creationId xmlns:p14="http://schemas.microsoft.com/office/powerpoint/2010/main" val="2241145906"/>
+        <p14:creationId xmlns:p14="http://schemas.microsoft.com/office/powerpoint/2010/main" val="2272362929"/>
       </p:ext>
     </p:extLst>
   </p:cSld>
@@ -15961,7 +15821,7 @@
           <p:cNvPr id="2" name="TextBox 1">
             <a:extLst>
               <a:ext uri="{FF2B5EF4-FFF2-40B4-BE49-F238E27FC236}">
-                <a16:creationId xmlns:a16="http://schemas.microsoft.com/office/drawing/2014/main" id="{D9AC7596-7751-F647-8DE3-E649927F07B2}"/>
+                <a16:creationId xmlns:a16="http://schemas.microsoft.com/office/drawing/2014/main" id="{43CBD3FA-DBEE-4745-BD00-150285E431D5}"/>
               </a:ext>
             </a:extLst>
           </p:cNvPr>
@@ -15970,8 +15830,8 @@
         </p:nvSpPr>
         <p:spPr>
           <a:xfrm>
-            <a:off x="700391" y="418289"/>
-            <a:ext cx="11050622" cy="5632311"/>
+            <a:off x="1010653" y="356135"/>
+            <a:ext cx="9721515" cy="2862322"/>
           </a:xfrm>
           <a:prstGeom prst="rect">
             <a:avLst/>
@@ -15985,166 +15845,60 @@
           <a:lstStyle/>
           <a:p>
             <a:r>
-              <a:rPr lang="en-US" sz="2400" dirty="0">
-                <a:latin typeface="+mj-lt"/>
-              </a:rPr>
-              <a:t>Recall </a:t>
-            </a:r>
-            <a:r>
-              <a:rPr lang="en-US" sz="2400" dirty="0" err="1">
-                <a:latin typeface="+mj-lt"/>
-              </a:rPr>
-              <a:t>Godel’s</a:t>
-            </a:r>
-            <a:r>
-              <a:rPr lang="en-US" sz="2400" dirty="0">
-                <a:latin typeface="+mj-lt"/>
-              </a:rPr>
-              <a:t> 2d incompleteness argument.</a:t>
-            </a:r>
-          </a:p>
-          <a:p>
-            <a:endParaRPr lang="en-US" sz="2400" dirty="0">
-              <a:latin typeface="+mj-lt"/>
-            </a:endParaRPr>
-          </a:p>
-          <a:p>
-            <a:r>
-              <a:rPr lang="en-US" sz="2400" dirty="0">
-                <a:latin typeface="+mj-lt"/>
-              </a:rPr>
-              <a:t>Assume: </a:t>
-            </a:r>
-          </a:p>
-          <a:p>
-            <a:endParaRPr lang="en-US" sz="2400" dirty="0">
-              <a:latin typeface="+mj-lt"/>
-            </a:endParaRPr>
-          </a:p>
-          <a:p>
-            <a:pPr marL="342900" indent="-342900">
-              <a:buFont typeface="Arial" panose="020B0604020202020204" pitchFamily="34" charset="0"/>
-              <a:buChar char="•"/>
-            </a:pPr>
-            <a:r>
-              <a:rPr lang="en-US" sz="2400" dirty="0">
-                <a:latin typeface="+mj-lt"/>
-              </a:rPr>
-              <a:t>…a </a:t>
-            </a:r>
-            <a:r>
-              <a:rPr lang="en-US" sz="2400" dirty="0" err="1">
-                <a:latin typeface="+mj-lt"/>
-              </a:rPr>
-              <a:t>Godel</a:t>
-            </a:r>
-            <a:r>
-              <a:rPr lang="en-US" sz="2400" dirty="0">
-                <a:latin typeface="+mj-lt"/>
-              </a:rPr>
-              <a:t> sentence G exists that says of itself that G is not provable in PA.</a:t>
-            </a:r>
-          </a:p>
-          <a:p>
-            <a:pPr marL="342900" indent="-342900">
-              <a:buFont typeface="Arial" panose="020B0604020202020204" pitchFamily="34" charset="0"/>
-              <a:buChar char="•"/>
-            </a:pPr>
-            <a:r>
-              <a:rPr lang="en-US" sz="2400" dirty="0">
-                <a:latin typeface="+mj-lt"/>
-              </a:rPr>
-              <a:t>…that PA is consistent, meaning that PA proved sentences are platonically true.</a:t>
-            </a:r>
-          </a:p>
-          <a:p>
-            <a:pPr marL="342900" indent="-342900">
-              <a:buFont typeface="Arial" panose="020B0604020202020204" pitchFamily="34" charset="0"/>
-              <a:buChar char="•"/>
-            </a:pPr>
-            <a:endParaRPr lang="en-US" sz="2400" dirty="0">
-              <a:latin typeface="+mj-lt"/>
-            </a:endParaRPr>
-          </a:p>
-          <a:p>
-            <a:r>
-              <a:rPr lang="en-US" sz="2400" dirty="0">
-                <a:latin typeface="+mj-lt"/>
-              </a:rPr>
-              <a:t>Reasoning outside of PA in human Platonic logic…</a:t>
-            </a:r>
-          </a:p>
-          <a:p>
-            <a:endParaRPr lang="en-US" sz="2400" dirty="0">
-              <a:latin typeface="+mj-lt"/>
-            </a:endParaRPr>
-          </a:p>
-          <a:p>
-            <a:pPr marL="457200" indent="-457200">
-              <a:buAutoNum type="arabicPeriod"/>
-            </a:pPr>
-            <a:r>
-              <a:rPr lang="en-US" sz="2400" dirty="0">
-                <a:latin typeface="+mj-lt"/>
-              </a:rPr>
-              <a:t>Suppose that G is false.  </a:t>
-            </a:r>
-          </a:p>
-          <a:p>
-            <a:pPr marL="457200" indent="-457200">
-              <a:buAutoNum type="arabicPeriod"/>
-            </a:pPr>
-            <a:r>
-              <a:rPr lang="en-US" sz="2400" dirty="0">
-                <a:latin typeface="+mj-lt"/>
-              </a:rPr>
-              <a:t>Then G is provable in PA.</a:t>
-            </a:r>
-          </a:p>
-          <a:p>
-            <a:pPr marL="457200" indent="-457200">
-              <a:buAutoNum type="arabicPeriod"/>
-            </a:pPr>
-            <a:r>
-              <a:rPr lang="en-US" sz="2400" dirty="0">
-                <a:latin typeface="+mj-lt"/>
-              </a:rPr>
-              <a:t>But then G is false, since it says that it’s not provable. =&gt;&lt;=</a:t>
-            </a:r>
-          </a:p>
-          <a:p>
-            <a:pPr marL="457200" indent="-457200">
-              <a:buAutoNum type="arabicPeriod"/>
-            </a:pPr>
-            <a:r>
-              <a:rPr lang="en-US" sz="2400" dirty="0">
-                <a:latin typeface="+mj-lt"/>
-              </a:rPr>
-              <a:t>Therefore, G is true.</a:t>
-            </a:r>
-          </a:p>
-          <a:p>
-            <a:pPr marL="457200" indent="-457200">
-              <a:buAutoNum type="arabicPeriod"/>
-            </a:pPr>
-            <a:endParaRPr lang="en-US" sz="2400" dirty="0">
-              <a:latin typeface="+mj-lt"/>
-            </a:endParaRPr>
-          </a:p>
-          <a:p>
-            <a:r>
-              <a:rPr lang="en-US" sz="2400" dirty="0">
-                <a:latin typeface="+mj-lt"/>
-              </a:rPr>
-              <a:t>Thus, G is platonically true, but G is not provable within PA.</a:t>
-            </a:r>
+              <a:rPr lang="en-US" dirty="0"/>
+              <a:t>Typical Mathematical Questions</a:t>
+            </a:r>
+          </a:p>
+          <a:p>
+            <a:endParaRPr lang="en-US" dirty="0"/>
+          </a:p>
+          <a:p>
+            <a:endParaRPr lang="en-US" dirty="0"/>
+          </a:p>
+          <a:p>
+            <a:r>
+              <a:rPr lang="en-US" dirty="0"/>
+              <a:t>skip n? : prime : </a:t>
+            </a:r>
+            <a:r>
+              <a:rPr lang="en-US" dirty="0" err="1"/>
+              <a:t>nat</a:t>
+            </a:r>
+            <a:r>
+              <a:rPr lang="en-US" dirty="0"/>
+              <a:t> : 0 </a:t>
+            </a:r>
+          </a:p>
+          <a:p>
+            <a:endParaRPr lang="en-US" dirty="0"/>
+          </a:p>
+          <a:p>
+            <a:r>
+              <a:rPr lang="en-US" dirty="0"/>
+              <a:t>sum n : X? Y? = sum n : Y? X? </a:t>
+            </a:r>
+          </a:p>
+          <a:p>
+            <a:endParaRPr lang="en-US" dirty="0"/>
+          </a:p>
+          <a:p>
+            <a:r>
+              <a:rPr lang="en-US" dirty="0"/>
+              <a:t>Coda is consistent </a:t>
+            </a:r>
+          </a:p>
+          <a:p>
+            <a:endParaRPr lang="en-US" dirty="0"/>
+          </a:p>
+          <a:p>
+            <a:endParaRPr lang="en-US" dirty="0"/>
           </a:p>
         </p:txBody>
       </p:sp>
     </p:spTree>
     <p:extLst>
       <p:ext uri="{BB962C8B-B14F-4D97-AF65-F5344CB8AC3E}">
-        <p14:creationId xmlns:p14="http://schemas.microsoft.com/office/powerpoint/2010/main" val="2663033959"/>
+        <p14:creationId xmlns:p14="http://schemas.microsoft.com/office/powerpoint/2010/main" val="527397035"/>
       </p:ext>
     </p:extLst>
   </p:cSld>
@@ -16171,227 +15925,40 @@
           <a:chExt cx="0" cy="0"/>
         </a:xfrm>
       </p:grpSpPr>
-      <p:sp>
-        <p:nvSpPr>
-          <p:cNvPr id="2" name="TextBox 1">
-            <a:extLst>
-              <a:ext uri="{FF2B5EF4-FFF2-40B4-BE49-F238E27FC236}">
-                <a16:creationId xmlns:a16="http://schemas.microsoft.com/office/drawing/2014/main" id="{D9AC7596-7751-F647-8DE3-E649927F07B2}"/>
-              </a:ext>
-            </a:extLst>
-          </p:cNvPr>
-          <p:cNvSpPr txBox="1"/>
+      <p:pic>
+        <p:nvPicPr>
+          <p:cNvPr id="3" name="Picture 2">
+            <a:extLst>
+              <a:ext uri="{FF2B5EF4-FFF2-40B4-BE49-F238E27FC236}">
+                <a16:creationId xmlns:a16="http://schemas.microsoft.com/office/drawing/2014/main" id="{69171ABC-8D5B-0F48-BD7D-C0EA1F74E774}"/>
+              </a:ext>
+            </a:extLst>
+          </p:cNvPr>
+          <p:cNvPicPr>
+            <a:picLocks noChangeAspect="1"/>
+          </p:cNvPicPr>
           <p:nvPr/>
-        </p:nvSpPr>
+        </p:nvPicPr>
+        <p:blipFill>
+          <a:blip r:embed="rId2"/>
+          <a:stretch>
+            <a:fillRect/>
+          </a:stretch>
+        </p:blipFill>
         <p:spPr>
           <a:xfrm>
-            <a:off x="700391" y="418289"/>
-            <a:ext cx="11050622" cy="5262979"/>
+            <a:off x="3803650" y="2057400"/>
+            <a:ext cx="4584700" cy="2743200"/>
           </a:xfrm>
           <a:prstGeom prst="rect">
             <a:avLst/>
           </a:prstGeom>
-          <a:noFill/>
         </p:spPr>
-        <p:txBody>
-          <a:bodyPr wrap="square" rtlCol="0">
-            <a:spAutoFit/>
-          </a:bodyPr>
-          <a:lstStyle/>
-          <a:p>
-            <a:r>
-              <a:rPr lang="en-US" sz="2400" dirty="0">
-                <a:latin typeface="+mj-lt"/>
-              </a:rPr>
-              <a:t>Recall </a:t>
-            </a:r>
-            <a:r>
-              <a:rPr lang="en-US" sz="2400" dirty="0" err="1">
-                <a:latin typeface="+mj-lt"/>
-              </a:rPr>
-              <a:t>Godel’s</a:t>
-            </a:r>
-            <a:r>
-              <a:rPr lang="en-US" sz="2400" dirty="0">
-                <a:latin typeface="+mj-lt"/>
-              </a:rPr>
-              <a:t> 2d incompleteness argument…</a:t>
-            </a:r>
-          </a:p>
-          <a:p>
-            <a:endParaRPr lang="en-US" sz="2400" dirty="0">
-              <a:latin typeface="+mj-lt"/>
-            </a:endParaRPr>
-          </a:p>
-          <a:p>
-            <a:pPr marL="342900" indent="-342900">
-              <a:buFont typeface="Arial" panose="020B0604020202020204" pitchFamily="34" charset="0"/>
-              <a:buChar char="•"/>
-            </a:pPr>
-            <a:r>
-              <a:rPr lang="en-US" sz="2400" dirty="0">
-                <a:latin typeface="+mj-lt"/>
-              </a:rPr>
-              <a:t>We have a </a:t>
-            </a:r>
-            <a:r>
-              <a:rPr lang="en-US" sz="2400" dirty="0" err="1">
-                <a:latin typeface="+mj-lt"/>
-              </a:rPr>
-              <a:t>Godel</a:t>
-            </a:r>
-            <a:r>
-              <a:rPr lang="en-US" sz="2400" dirty="0">
-                <a:latin typeface="+mj-lt"/>
-              </a:rPr>
-              <a:t> sentence G? that says of itself that G? is not provable in </a:t>
-            </a:r>
-            <a:r>
-              <a:rPr lang="en-US" sz="2400" b="1" dirty="0">
-                <a:solidFill>
-                  <a:srgbClr val="FF0000"/>
-                </a:solidFill>
-                <a:latin typeface="+mj-lt"/>
-              </a:rPr>
-              <a:t>coda</a:t>
-            </a:r>
-            <a:r>
-              <a:rPr lang="en-US" sz="2400" dirty="0">
-                <a:latin typeface="+mj-lt"/>
-              </a:rPr>
-              <a:t>.</a:t>
-            </a:r>
-          </a:p>
-          <a:p>
-            <a:pPr marL="342900" indent="-342900">
-              <a:buFont typeface="Arial" panose="020B0604020202020204" pitchFamily="34" charset="0"/>
-              <a:buChar char="•"/>
-            </a:pPr>
-            <a:r>
-              <a:rPr lang="en-US" sz="2400" dirty="0">
-                <a:latin typeface="+mj-lt"/>
-              </a:rPr>
-              <a:t>We assume that </a:t>
-            </a:r>
-            <a:r>
-              <a:rPr lang="en-US" sz="2400" b="1" dirty="0">
-                <a:solidFill>
-                  <a:srgbClr val="FF0000"/>
-                </a:solidFill>
-                <a:latin typeface="+mj-lt"/>
-              </a:rPr>
-              <a:t>coda</a:t>
-            </a:r>
-            <a:r>
-              <a:rPr lang="en-US" sz="2400" dirty="0">
-                <a:latin typeface="+mj-lt"/>
-              </a:rPr>
-              <a:t> is consistent, meaning that a proved sentence in coda is actually true.</a:t>
-            </a:r>
-          </a:p>
-          <a:p>
-            <a:pPr marL="342900" indent="-342900">
-              <a:buFont typeface="Arial" panose="020B0604020202020204" pitchFamily="34" charset="0"/>
-              <a:buChar char="•"/>
-            </a:pPr>
-            <a:endParaRPr lang="en-US" sz="2400" dirty="0">
-              <a:latin typeface="+mj-lt"/>
-            </a:endParaRPr>
-          </a:p>
-          <a:p>
-            <a:r>
-              <a:rPr lang="en-US" sz="2400" dirty="0">
-                <a:latin typeface="+mj-lt"/>
-              </a:rPr>
-              <a:t>Reasoning outside of PA in human Platonic logic…</a:t>
-            </a:r>
-          </a:p>
-          <a:p>
-            <a:endParaRPr lang="en-US" sz="2400" dirty="0">
-              <a:latin typeface="+mj-lt"/>
-            </a:endParaRPr>
-          </a:p>
-          <a:p>
-            <a:pPr marL="457200" indent="-457200">
-              <a:buAutoNum type="arabicPeriod"/>
-            </a:pPr>
-            <a:r>
-              <a:rPr lang="en-US" sz="2400" dirty="0">
-                <a:latin typeface="+mj-lt"/>
-              </a:rPr>
-              <a:t>Suppose that G? is false.  </a:t>
-            </a:r>
-          </a:p>
-          <a:p>
-            <a:pPr marL="457200" indent="-457200">
-              <a:buAutoNum type="arabicPeriod"/>
-            </a:pPr>
-            <a:r>
-              <a:rPr lang="en-US" sz="2400" dirty="0">
-                <a:latin typeface="+mj-lt"/>
-              </a:rPr>
-              <a:t>Then G? is provable in coda.</a:t>
-            </a:r>
-          </a:p>
-          <a:p>
-            <a:pPr marL="457200" indent="-457200">
-              <a:buAutoNum type="arabicPeriod"/>
-            </a:pPr>
-            <a:r>
-              <a:rPr lang="en-US" sz="2400" dirty="0">
-                <a:latin typeface="+mj-lt"/>
-              </a:rPr>
-              <a:t>But then G? is false, since it says that it’s not provable. =&gt;&lt;=</a:t>
-            </a:r>
-          </a:p>
-          <a:p>
-            <a:pPr marL="457200" indent="-457200">
-              <a:buAutoNum type="arabicPeriod"/>
-            </a:pPr>
-            <a:r>
-              <a:rPr lang="en-US" sz="2400" dirty="0">
-                <a:latin typeface="+mj-lt"/>
-              </a:rPr>
-              <a:t>Therefore, G? is true.</a:t>
-            </a:r>
-          </a:p>
-          <a:p>
-            <a:pPr marL="457200" indent="-457200">
-              <a:buAutoNum type="arabicPeriod"/>
-            </a:pPr>
-            <a:endParaRPr lang="en-US" sz="2400" dirty="0">
-              <a:latin typeface="+mj-lt"/>
-            </a:endParaRPr>
-          </a:p>
-          <a:p>
-            <a:r>
-              <a:rPr lang="en-US" sz="2400" dirty="0">
-                <a:latin typeface="+mj-lt"/>
-              </a:rPr>
-              <a:t>Thus, we G? is true and G? is not provable within </a:t>
-            </a:r>
-            <a:r>
-              <a:rPr lang="en-US" sz="2400" b="1" dirty="0">
-                <a:solidFill>
-                  <a:srgbClr val="FF0000"/>
-                </a:solidFill>
-                <a:latin typeface="+mj-lt"/>
-              </a:rPr>
-              <a:t>coda</a:t>
-            </a:r>
-            <a:r>
-              <a:rPr lang="en-US" sz="2400" dirty="0">
-                <a:latin typeface="+mj-lt"/>
-              </a:rPr>
-              <a:t>.</a:t>
-            </a:r>
-          </a:p>
-        </p:txBody>
-      </p:sp>
+      </p:pic>
     </p:spTree>
     <p:extLst>
       <p:ext uri="{BB962C8B-B14F-4D97-AF65-F5344CB8AC3E}">
-        <p14:creationId xmlns:p14="http://schemas.microsoft.com/office/powerpoint/2010/main" val="3749192946"/>
+        <p14:creationId xmlns:p14="http://schemas.microsoft.com/office/powerpoint/2010/main" val="3510782627"/>
       </p:ext>
     </p:extLst>
   </p:cSld>
@@ -16418,6 +15985,468 @@
           <a:chExt cx="0" cy="0"/>
         </a:xfrm>
       </p:grpSpPr>
+      <p:sp>
+        <p:nvSpPr>
+          <p:cNvPr id="2" name="TextBox 1">
+            <a:extLst>
+              <a:ext uri="{FF2B5EF4-FFF2-40B4-BE49-F238E27FC236}">
+                <a16:creationId xmlns:a16="http://schemas.microsoft.com/office/drawing/2014/main" id="{D9AC7596-7751-F647-8DE3-E649927F07B2}"/>
+              </a:ext>
+            </a:extLst>
+          </p:cNvPr>
+          <p:cNvSpPr txBox="1"/>
+          <p:nvPr/>
+        </p:nvSpPr>
+        <p:spPr>
+          <a:xfrm>
+            <a:off x="700391" y="418289"/>
+            <a:ext cx="11050622" cy="5632311"/>
+          </a:xfrm>
+          <a:prstGeom prst="rect">
+            <a:avLst/>
+          </a:prstGeom>
+          <a:noFill/>
+        </p:spPr>
+        <p:txBody>
+          <a:bodyPr wrap="square" rtlCol="0">
+            <a:spAutoFit/>
+          </a:bodyPr>
+          <a:lstStyle/>
+          <a:p>
+            <a:r>
+              <a:rPr lang="en-US" sz="2400" dirty="0">
+                <a:latin typeface="+mj-lt"/>
+              </a:rPr>
+              <a:t>Recall </a:t>
+            </a:r>
+            <a:r>
+              <a:rPr lang="en-US" sz="2400" dirty="0" err="1">
+                <a:latin typeface="+mj-lt"/>
+              </a:rPr>
+              <a:t>Godel’s</a:t>
+            </a:r>
+            <a:r>
+              <a:rPr lang="en-US" sz="2400" dirty="0">
+                <a:latin typeface="+mj-lt"/>
+              </a:rPr>
+              <a:t> 2d incompleteness argument.</a:t>
+            </a:r>
+          </a:p>
+          <a:p>
+            <a:endParaRPr lang="en-US" sz="2400" dirty="0">
+              <a:latin typeface="+mj-lt"/>
+            </a:endParaRPr>
+          </a:p>
+          <a:p>
+            <a:r>
+              <a:rPr lang="en-US" sz="2400" dirty="0">
+                <a:latin typeface="+mj-lt"/>
+              </a:rPr>
+              <a:t>Assume: </a:t>
+            </a:r>
+          </a:p>
+          <a:p>
+            <a:endParaRPr lang="en-US" sz="2400" dirty="0">
+              <a:latin typeface="+mj-lt"/>
+            </a:endParaRPr>
+          </a:p>
+          <a:p>
+            <a:pPr marL="342900" indent="-342900">
+              <a:buFont typeface="Arial" panose="020B0604020202020204" pitchFamily="34" charset="0"/>
+              <a:buChar char="•"/>
+            </a:pPr>
+            <a:r>
+              <a:rPr lang="en-US" sz="2400" dirty="0">
+                <a:latin typeface="+mj-lt"/>
+              </a:rPr>
+              <a:t>…a </a:t>
+            </a:r>
+            <a:r>
+              <a:rPr lang="en-US" sz="2400" dirty="0" err="1">
+                <a:latin typeface="+mj-lt"/>
+              </a:rPr>
+              <a:t>Godel</a:t>
+            </a:r>
+            <a:r>
+              <a:rPr lang="en-US" sz="2400" dirty="0">
+                <a:latin typeface="+mj-lt"/>
+              </a:rPr>
+              <a:t> sentence G exists that says of itself that G is not provable in PA.</a:t>
+            </a:r>
+          </a:p>
+          <a:p>
+            <a:pPr marL="342900" indent="-342900">
+              <a:buFont typeface="Arial" panose="020B0604020202020204" pitchFamily="34" charset="0"/>
+              <a:buChar char="•"/>
+            </a:pPr>
+            <a:r>
+              <a:rPr lang="en-US" sz="2400" dirty="0">
+                <a:latin typeface="+mj-lt"/>
+              </a:rPr>
+              <a:t>…that PA is consistent, meaning that PA proved sentences are platonically true.</a:t>
+            </a:r>
+          </a:p>
+          <a:p>
+            <a:pPr marL="342900" indent="-342900">
+              <a:buFont typeface="Arial" panose="020B0604020202020204" pitchFamily="34" charset="0"/>
+              <a:buChar char="•"/>
+            </a:pPr>
+            <a:endParaRPr lang="en-US" sz="2400" dirty="0">
+              <a:latin typeface="+mj-lt"/>
+            </a:endParaRPr>
+          </a:p>
+          <a:p>
+            <a:r>
+              <a:rPr lang="en-US" sz="2400" dirty="0">
+                <a:latin typeface="+mj-lt"/>
+              </a:rPr>
+              <a:t>Reasoning outside of PA in human Platonic logic…</a:t>
+            </a:r>
+          </a:p>
+          <a:p>
+            <a:endParaRPr lang="en-US" sz="2400" dirty="0">
+              <a:latin typeface="+mj-lt"/>
+            </a:endParaRPr>
+          </a:p>
+          <a:p>
+            <a:pPr marL="457200" indent="-457200">
+              <a:buAutoNum type="arabicPeriod"/>
+            </a:pPr>
+            <a:r>
+              <a:rPr lang="en-US" sz="2400" dirty="0">
+                <a:latin typeface="+mj-lt"/>
+              </a:rPr>
+              <a:t>Suppose that G is false.  </a:t>
+            </a:r>
+          </a:p>
+          <a:p>
+            <a:pPr marL="457200" indent="-457200">
+              <a:buAutoNum type="arabicPeriod"/>
+            </a:pPr>
+            <a:r>
+              <a:rPr lang="en-US" sz="2400" dirty="0">
+                <a:latin typeface="+mj-lt"/>
+              </a:rPr>
+              <a:t>Then G is provable in PA.</a:t>
+            </a:r>
+          </a:p>
+          <a:p>
+            <a:pPr marL="457200" indent="-457200">
+              <a:buAutoNum type="arabicPeriod"/>
+            </a:pPr>
+            <a:r>
+              <a:rPr lang="en-US" sz="2400" dirty="0">
+                <a:latin typeface="+mj-lt"/>
+              </a:rPr>
+              <a:t>But then G is false, since it says that it’s not provable. =&gt;&lt;=</a:t>
+            </a:r>
+          </a:p>
+          <a:p>
+            <a:pPr marL="457200" indent="-457200">
+              <a:buAutoNum type="arabicPeriod"/>
+            </a:pPr>
+            <a:r>
+              <a:rPr lang="en-US" sz="2400" dirty="0">
+                <a:latin typeface="+mj-lt"/>
+              </a:rPr>
+              <a:t>Therefore, G is true.</a:t>
+            </a:r>
+          </a:p>
+          <a:p>
+            <a:pPr marL="457200" indent="-457200">
+              <a:buAutoNum type="arabicPeriod"/>
+            </a:pPr>
+            <a:endParaRPr lang="en-US" sz="2400" dirty="0">
+              <a:latin typeface="+mj-lt"/>
+            </a:endParaRPr>
+          </a:p>
+          <a:p>
+            <a:r>
+              <a:rPr lang="en-US" sz="2400" dirty="0">
+                <a:latin typeface="+mj-lt"/>
+              </a:rPr>
+              <a:t>Thus, G is platonically true, but G is not provable within PA.</a:t>
+            </a:r>
+          </a:p>
+        </p:txBody>
+      </p:sp>
+    </p:spTree>
+    <p:extLst>
+      <p:ext uri="{BB962C8B-B14F-4D97-AF65-F5344CB8AC3E}">
+        <p14:creationId xmlns:p14="http://schemas.microsoft.com/office/powerpoint/2010/main" val="2663033959"/>
+      </p:ext>
+    </p:extLst>
+  </p:cSld>
+  <p:clrMapOvr>
+    <a:masterClrMapping/>
+  </p:clrMapOvr>
+</p:sld>
+</file>
+
+<file path=ppt/slides/slide43.xml><?xml version="1.0" encoding="utf-8"?>
+<p:sld xmlns:a="http://schemas.openxmlformats.org/drawingml/2006/main" xmlns:r="http://schemas.openxmlformats.org/officeDocument/2006/relationships" xmlns:p="http://schemas.openxmlformats.org/presentationml/2006/main">
+  <p:cSld>
+    <p:spTree>
+      <p:nvGrpSpPr>
+        <p:cNvPr id="1" name=""/>
+        <p:cNvGrpSpPr/>
+        <p:nvPr/>
+      </p:nvGrpSpPr>
+      <p:grpSpPr>
+        <a:xfrm>
+          <a:off x="0" y="0"/>
+          <a:ext cx="0" cy="0"/>
+          <a:chOff x="0" y="0"/>
+          <a:chExt cx="0" cy="0"/>
+        </a:xfrm>
+      </p:grpSpPr>
+      <p:sp>
+        <p:nvSpPr>
+          <p:cNvPr id="2" name="TextBox 1">
+            <a:extLst>
+              <a:ext uri="{FF2B5EF4-FFF2-40B4-BE49-F238E27FC236}">
+                <a16:creationId xmlns:a16="http://schemas.microsoft.com/office/drawing/2014/main" id="{D9AC7596-7751-F647-8DE3-E649927F07B2}"/>
+              </a:ext>
+            </a:extLst>
+          </p:cNvPr>
+          <p:cNvSpPr txBox="1"/>
+          <p:nvPr/>
+        </p:nvSpPr>
+        <p:spPr>
+          <a:xfrm>
+            <a:off x="700391" y="418289"/>
+            <a:ext cx="11050622" cy="5262979"/>
+          </a:xfrm>
+          <a:prstGeom prst="rect">
+            <a:avLst/>
+          </a:prstGeom>
+          <a:noFill/>
+        </p:spPr>
+        <p:txBody>
+          <a:bodyPr wrap="square" rtlCol="0">
+            <a:spAutoFit/>
+          </a:bodyPr>
+          <a:lstStyle/>
+          <a:p>
+            <a:r>
+              <a:rPr lang="en-US" sz="2400" dirty="0">
+                <a:latin typeface="+mj-lt"/>
+              </a:rPr>
+              <a:t>Recall </a:t>
+            </a:r>
+            <a:r>
+              <a:rPr lang="en-US" sz="2400" dirty="0" err="1">
+                <a:latin typeface="+mj-lt"/>
+              </a:rPr>
+              <a:t>Godel’s</a:t>
+            </a:r>
+            <a:r>
+              <a:rPr lang="en-US" sz="2400" dirty="0">
+                <a:latin typeface="+mj-lt"/>
+              </a:rPr>
+              <a:t> 2d incompleteness argument…</a:t>
+            </a:r>
+          </a:p>
+          <a:p>
+            <a:endParaRPr lang="en-US" sz="2400" dirty="0">
+              <a:latin typeface="+mj-lt"/>
+            </a:endParaRPr>
+          </a:p>
+          <a:p>
+            <a:pPr marL="342900" indent="-342900">
+              <a:buFont typeface="Arial" panose="020B0604020202020204" pitchFamily="34" charset="0"/>
+              <a:buChar char="•"/>
+            </a:pPr>
+            <a:r>
+              <a:rPr lang="en-US" sz="2400" dirty="0">
+                <a:latin typeface="+mj-lt"/>
+              </a:rPr>
+              <a:t>We have a </a:t>
+            </a:r>
+            <a:r>
+              <a:rPr lang="en-US" sz="2400" dirty="0" err="1">
+                <a:latin typeface="+mj-lt"/>
+              </a:rPr>
+              <a:t>Godel</a:t>
+            </a:r>
+            <a:r>
+              <a:rPr lang="en-US" sz="2400" dirty="0">
+                <a:latin typeface="+mj-lt"/>
+              </a:rPr>
+              <a:t> sentence G? that says of itself that G? is not provable in </a:t>
+            </a:r>
+            <a:r>
+              <a:rPr lang="en-US" sz="2400" b="1" dirty="0">
+                <a:solidFill>
+                  <a:srgbClr val="FF0000"/>
+                </a:solidFill>
+                <a:latin typeface="+mj-lt"/>
+              </a:rPr>
+              <a:t>coda</a:t>
+            </a:r>
+            <a:r>
+              <a:rPr lang="en-US" sz="2400" dirty="0">
+                <a:latin typeface="+mj-lt"/>
+              </a:rPr>
+              <a:t>.</a:t>
+            </a:r>
+          </a:p>
+          <a:p>
+            <a:pPr marL="342900" indent="-342900">
+              <a:buFont typeface="Arial" panose="020B0604020202020204" pitchFamily="34" charset="0"/>
+              <a:buChar char="•"/>
+            </a:pPr>
+            <a:r>
+              <a:rPr lang="en-US" sz="2400" dirty="0">
+                <a:latin typeface="+mj-lt"/>
+              </a:rPr>
+              <a:t>We assume that </a:t>
+            </a:r>
+            <a:r>
+              <a:rPr lang="en-US" sz="2400" b="1" dirty="0">
+                <a:solidFill>
+                  <a:srgbClr val="FF0000"/>
+                </a:solidFill>
+                <a:latin typeface="+mj-lt"/>
+              </a:rPr>
+              <a:t>coda</a:t>
+            </a:r>
+            <a:r>
+              <a:rPr lang="en-US" sz="2400" dirty="0">
+                <a:latin typeface="+mj-lt"/>
+              </a:rPr>
+              <a:t> is consistent, meaning that a proved sentence in coda is actually true.</a:t>
+            </a:r>
+          </a:p>
+          <a:p>
+            <a:pPr marL="342900" indent="-342900">
+              <a:buFont typeface="Arial" panose="020B0604020202020204" pitchFamily="34" charset="0"/>
+              <a:buChar char="•"/>
+            </a:pPr>
+            <a:endParaRPr lang="en-US" sz="2400" dirty="0">
+              <a:latin typeface="+mj-lt"/>
+            </a:endParaRPr>
+          </a:p>
+          <a:p>
+            <a:r>
+              <a:rPr lang="en-US" sz="2400" dirty="0">
+                <a:latin typeface="+mj-lt"/>
+              </a:rPr>
+              <a:t>Reasoning outside of PA in human Platonic logic…</a:t>
+            </a:r>
+          </a:p>
+          <a:p>
+            <a:endParaRPr lang="en-US" sz="2400" dirty="0">
+              <a:latin typeface="+mj-lt"/>
+            </a:endParaRPr>
+          </a:p>
+          <a:p>
+            <a:pPr marL="457200" indent="-457200">
+              <a:buAutoNum type="arabicPeriod"/>
+            </a:pPr>
+            <a:r>
+              <a:rPr lang="en-US" sz="2400" dirty="0">
+                <a:latin typeface="+mj-lt"/>
+              </a:rPr>
+              <a:t>Suppose that G? is false.  </a:t>
+            </a:r>
+          </a:p>
+          <a:p>
+            <a:pPr marL="457200" indent="-457200">
+              <a:buAutoNum type="arabicPeriod"/>
+            </a:pPr>
+            <a:r>
+              <a:rPr lang="en-US" sz="2400" dirty="0">
+                <a:latin typeface="+mj-lt"/>
+              </a:rPr>
+              <a:t>Then G? is provable in coda.</a:t>
+            </a:r>
+          </a:p>
+          <a:p>
+            <a:pPr marL="457200" indent="-457200">
+              <a:buAutoNum type="arabicPeriod"/>
+            </a:pPr>
+            <a:r>
+              <a:rPr lang="en-US" sz="2400" dirty="0">
+                <a:latin typeface="+mj-lt"/>
+              </a:rPr>
+              <a:t>But then G? is false, since it says that it’s not provable. =&gt;&lt;=</a:t>
+            </a:r>
+          </a:p>
+          <a:p>
+            <a:pPr marL="457200" indent="-457200">
+              <a:buAutoNum type="arabicPeriod"/>
+            </a:pPr>
+            <a:r>
+              <a:rPr lang="en-US" sz="2400" dirty="0">
+                <a:latin typeface="+mj-lt"/>
+              </a:rPr>
+              <a:t>Therefore, G? is true.</a:t>
+            </a:r>
+          </a:p>
+          <a:p>
+            <a:pPr marL="457200" indent="-457200">
+              <a:buAutoNum type="arabicPeriod"/>
+            </a:pPr>
+            <a:endParaRPr lang="en-US" sz="2400" dirty="0">
+              <a:latin typeface="+mj-lt"/>
+            </a:endParaRPr>
+          </a:p>
+          <a:p>
+            <a:r>
+              <a:rPr lang="en-US" sz="2400" dirty="0">
+                <a:latin typeface="+mj-lt"/>
+              </a:rPr>
+              <a:t>Thus, we G? is true and G? is not provable within </a:t>
+            </a:r>
+            <a:r>
+              <a:rPr lang="en-US" sz="2400" b="1" dirty="0">
+                <a:solidFill>
+                  <a:srgbClr val="FF0000"/>
+                </a:solidFill>
+                <a:latin typeface="+mj-lt"/>
+              </a:rPr>
+              <a:t>coda</a:t>
+            </a:r>
+            <a:r>
+              <a:rPr lang="en-US" sz="2400" dirty="0">
+                <a:latin typeface="+mj-lt"/>
+              </a:rPr>
+              <a:t>.</a:t>
+            </a:r>
+          </a:p>
+        </p:txBody>
+      </p:sp>
+    </p:spTree>
+    <p:extLst>
+      <p:ext uri="{BB962C8B-B14F-4D97-AF65-F5344CB8AC3E}">
+        <p14:creationId xmlns:p14="http://schemas.microsoft.com/office/powerpoint/2010/main" val="3749192946"/>
+      </p:ext>
+    </p:extLst>
+  </p:cSld>
+  <p:clrMapOvr>
+    <a:masterClrMapping/>
+  </p:clrMapOvr>
+</p:sld>
+</file>
+
+<file path=ppt/slides/slide44.xml><?xml version="1.0" encoding="utf-8"?>
+<p:sld xmlns:a="http://schemas.openxmlformats.org/drawingml/2006/main" xmlns:r="http://schemas.openxmlformats.org/officeDocument/2006/relationships" xmlns:p="http://schemas.openxmlformats.org/presentationml/2006/main">
+  <p:cSld>
+    <p:spTree>
+      <p:nvGrpSpPr>
+        <p:cNvPr id="1" name=""/>
+        <p:cNvGrpSpPr/>
+        <p:nvPr/>
+      </p:nvGrpSpPr>
+      <p:grpSpPr>
+        <a:xfrm>
+          <a:off x="0" y="0"/>
+          <a:ext cx="0" cy="0"/>
+          <a:chOff x="0" y="0"/>
+          <a:chExt cx="0" cy="0"/>
+        </a:xfrm>
+      </p:grpSpPr>
       <p:pic>
         <p:nvPicPr>
           <p:cNvPr id="4" name="Picture 3">
@@ -16493,7 +16522,7 @@
               <a:rPr lang="en-US" dirty="0">
                 <a:latin typeface="+mj-lt"/>
               </a:rPr>
-              <a:t>let G? : not : G? </a:t>
+              <a:t>let G : not : G? </a:t>
             </a:r>
           </a:p>
           <a:p>
@@ -16548,6 +16577,36 @@
           </a:p>
         </p:txBody>
       </p:sp>
+      <p:pic>
+        <p:nvPicPr>
+          <p:cNvPr id="3" name="Picture 2">
+            <a:extLst>
+              <a:ext uri="{FF2B5EF4-FFF2-40B4-BE49-F238E27FC236}">
+                <a16:creationId xmlns:a16="http://schemas.microsoft.com/office/drawing/2014/main" id="{8B77B7D0-8EAD-1246-A22A-DD634F6BF993}"/>
+              </a:ext>
+            </a:extLst>
+          </p:cNvPr>
+          <p:cNvPicPr>
+            <a:picLocks noChangeAspect="1"/>
+          </p:cNvPicPr>
+          <p:nvPr/>
+        </p:nvPicPr>
+        <p:blipFill>
+          <a:blip r:embed="rId3"/>
+          <a:stretch>
+            <a:fillRect/>
+          </a:stretch>
+        </p:blipFill>
+        <p:spPr>
+          <a:xfrm>
+            <a:off x="718457" y="2030469"/>
+            <a:ext cx="8068444" cy="3317135"/>
+          </a:xfrm>
+          <a:prstGeom prst="rect">
+            <a:avLst/>
+          </a:prstGeom>
+        </p:spPr>
+      </p:pic>
     </p:spTree>
     <p:extLst>
       <p:ext uri="{BB962C8B-B14F-4D97-AF65-F5344CB8AC3E}">
@@ -18484,7 +18543,7 @@
                 <a:r>
                   <a:rPr lang="en-US" sz="2800" b="1" dirty="0">
                     <a:solidFill>
-                      <a:srgbClr val="0070C0"/>
+                      <a:srgbClr val="FF0000"/>
                     </a:solidFill>
                     <a:latin typeface="+mj-lt"/>
                   </a:rPr>

--- a/doc/talk/coda.pptx
+++ b/doc/talk/coda.pptx
@@ -32,23 +32,23 @@
     <p:sldId id="281" r:id="rId23"/>
     <p:sldId id="280" r:id="rId24"/>
     <p:sldId id="282" r:id="rId25"/>
-    <p:sldId id="275" r:id="rId26"/>
-    <p:sldId id="278" r:id="rId27"/>
+    <p:sldId id="303" r:id="rId26"/>
+    <p:sldId id="275" r:id="rId27"/>
     <p:sldId id="290" r:id="rId28"/>
-    <p:sldId id="288" r:id="rId29"/>
-    <p:sldId id="286" r:id="rId30"/>
-    <p:sldId id="289" r:id="rId31"/>
-    <p:sldId id="271" r:id="rId32"/>
-    <p:sldId id="295" r:id="rId33"/>
-    <p:sldId id="296" r:id="rId34"/>
-    <p:sldId id="297" r:id="rId35"/>
+    <p:sldId id="278" r:id="rId29"/>
+    <p:sldId id="288" r:id="rId30"/>
+    <p:sldId id="286" r:id="rId31"/>
+    <p:sldId id="289" r:id="rId32"/>
+    <p:sldId id="300" r:id="rId33"/>
+    <p:sldId id="295" r:id="rId34"/>
+    <p:sldId id="306" r:id="rId35"/>
     <p:sldId id="272" r:id="rId36"/>
     <p:sldId id="291" r:id="rId37"/>
-    <p:sldId id="300" r:id="rId38"/>
-    <p:sldId id="303" r:id="rId39"/>
-    <p:sldId id="304" r:id="rId40"/>
-    <p:sldId id="305" r:id="rId41"/>
-    <p:sldId id="285" r:id="rId42"/>
+    <p:sldId id="304" r:id="rId38"/>
+    <p:sldId id="285" r:id="rId39"/>
+    <p:sldId id="307" r:id="rId40"/>
+    <p:sldId id="308" r:id="rId41"/>
+    <p:sldId id="305" r:id="rId42"/>
     <p:sldId id="298" r:id="rId43"/>
     <p:sldId id="301" r:id="rId44"/>
     <p:sldId id="299" r:id="rId45"/>
@@ -740,7 +740,7 @@
           <a:p>
             <a:fld id="{C00E507D-50E5-514C-BC0E-259B2BFA561B}" type="slidenum">
               <a:rPr lang="en-US" smtClean="0"/>
-              <a:t>40</a:t>
+              <a:t>41</a:t>
             </a:fld>
             <a:endParaRPr lang="en-US"/>
           </a:p>
@@ -5933,7 +5933,7 @@
               <a:rPr lang="en-US" sz="2800" dirty="0">
                 <a:latin typeface="+mj-lt"/>
               </a:rPr>
-              <a:t>Values, variables, functions, propositions, theorems, definitions, categories, morphisms live in this space</a:t>
+              <a:t>Values, variables, functions, propositions, theorems, definitions, “spaces”, “morphisms”… live in the space of pure data</a:t>
             </a:r>
           </a:p>
         </p:txBody>
@@ -10657,32 +10657,43 @@
             </a:r>
           </a:p>
           <a:p>
+            <a:pPr algn="ctr"/>
+            <a:r>
+              <a:rPr lang="en-US" sz="3200" dirty="0">
+                <a:latin typeface="+mj-lt"/>
+                <a:sym typeface="Wingdings" pitchFamily="2" charset="2"/>
+              </a:rPr>
+              <a:t>F : A : X = B : F : X </a:t>
+            </a:r>
+          </a:p>
+          <a:p>
+            <a:pPr algn="ctr"/>
             <a:endParaRPr lang="en-US" sz="2400" dirty="0">
               <a:latin typeface="+mj-lt"/>
               <a:sym typeface="Wingdings" pitchFamily="2" charset="2"/>
             </a:endParaRPr>
           </a:p>
           <a:p>
-            <a:pPr algn="ctr"/>
-            <a:r>
-              <a:rPr lang="en-US" sz="3200" dirty="0">
+            <a:r>
+              <a:rPr lang="en-US" sz="2400" dirty="0">
                 <a:latin typeface="+mj-lt"/>
                 <a:sym typeface="Wingdings" pitchFamily="2" charset="2"/>
               </a:rPr>
-              <a:t>F : A : X = B : F : X </a:t>
-            </a:r>
-            <a:endParaRPr lang="en-US" sz="2400" dirty="0">
-              <a:latin typeface="+mj-lt"/>
-              <a:sym typeface="Wingdings" pitchFamily="2" charset="2"/>
-            </a:endParaRPr>
-          </a:p>
-          <a:p>
+              <a:t>For all data X.  If so, we say that F is a </a:t>
+            </a:r>
+            <a:r>
+              <a:rPr lang="en-US" sz="2400" b="1" dirty="0">
+                <a:latin typeface="+mj-lt"/>
+                <a:sym typeface="Wingdings" pitchFamily="2" charset="2"/>
+              </a:rPr>
+              <a:t>morphism</a:t>
+            </a:r>
             <a:r>
               <a:rPr lang="en-US" sz="2400" dirty="0">
                 <a:latin typeface="+mj-lt"/>
                 <a:sym typeface="Wingdings" pitchFamily="2" charset="2"/>
               </a:rPr>
-              <a:t>For all data X.  </a:t>
+              <a:t> from space A to space B.</a:t>
             </a:r>
           </a:p>
         </p:txBody>
@@ -10820,103 +10831,6 @@
           </a:p>
         </p:txBody>
       </p:sp>
-      <mc:AlternateContent xmlns:mc="http://schemas.openxmlformats.org/markup-compatibility/2006" xmlns:a14="http://schemas.microsoft.com/office/drawing/2010/main">
-        <mc:Choice Requires="a14">
-          <p:sp>
-            <p:nvSpPr>
-              <p:cNvPr id="7" name="TextBox 6">
-                <a:extLst>
-                  <a:ext uri="{FF2B5EF4-FFF2-40B4-BE49-F238E27FC236}">
-                    <a16:creationId xmlns:a16="http://schemas.microsoft.com/office/drawing/2014/main" id="{A6FE63A4-BBF6-8446-85DA-0EB67995C6DB}"/>
-                  </a:ext>
-                </a:extLst>
-              </p:cNvPr>
-              <p:cNvSpPr txBox="1"/>
-              <p:nvPr/>
-            </p:nvSpPr>
-            <p:spPr>
-              <a:xfrm>
-                <a:off x="9401175" y="2604407"/>
-                <a:ext cx="226024" cy="276999"/>
-              </a:xfrm>
-              <a:prstGeom prst="rect">
-                <a:avLst/>
-              </a:prstGeom>
-              <a:noFill/>
-            </p:spPr>
-            <p:txBody>
-              <a:bodyPr wrap="square" lIns="0" tIns="0" rIns="0" bIns="0" rtlCol="0">
-                <a:spAutoFit/>
-              </a:bodyPr>
-              <a:lstStyle/>
-              <a:p>
-                <a:pPr/>
-                <a14:m>
-                  <m:oMathPara xmlns:m="http://schemas.openxmlformats.org/officeDocument/2006/math">
-                    <m:oMathParaPr>
-                      <m:jc m:val="centerGroup"/>
-                    </m:oMathParaPr>
-                    <m:oMath xmlns:m="http://schemas.openxmlformats.org/officeDocument/2006/math">
-                      <m:r>
-                        <a:rPr lang="en-US" b="1" i="0" smtClean="0">
-                          <a:latin typeface="Cambria Math" panose="02040503050406030204" pitchFamily="18" charset="0"/>
-                          <a:ea typeface="Cambria Math" panose="02040503050406030204" pitchFamily="18" charset="0"/>
-                        </a:rPr>
-                        <m:t>≤</m:t>
-                      </m:r>
-                    </m:oMath>
-                  </m:oMathPara>
-                </a14:m>
-                <a:endParaRPr lang="en-US" b="1" dirty="0"/>
-              </a:p>
-            </p:txBody>
-          </p:sp>
-        </mc:Choice>
-        <mc:Fallback xmlns="">
-          <p:sp>
-            <p:nvSpPr>
-              <p:cNvPr id="7" name="TextBox 6">
-                <a:extLst>
-                  <a:ext uri="{FF2B5EF4-FFF2-40B4-BE49-F238E27FC236}">
-                    <a16:creationId xmlns:a16="http://schemas.microsoft.com/office/drawing/2014/main" id="{A6FE63A4-BBF6-8446-85DA-0EB67995C6DB}"/>
-                  </a:ext>
-                </a:extLst>
-              </p:cNvPr>
-              <p:cNvSpPr txBox="1">
-                <a:spLocks noRot="1" noChangeAspect="1" noMove="1" noResize="1" noEditPoints="1" noAdjustHandles="1" noChangeArrowheads="1" noChangeShapeType="1" noTextEdit="1"/>
-              </p:cNvSpPr>
-              <p:nvPr/>
-            </p:nvSpPr>
-            <p:spPr>
-              <a:xfrm>
-                <a:off x="9401175" y="2604407"/>
-                <a:ext cx="226024" cy="276999"/>
-              </a:xfrm>
-              <a:prstGeom prst="rect">
-                <a:avLst/>
-              </a:prstGeom>
-              <a:blipFill>
-                <a:blip r:embed="rId2"/>
-                <a:stretch>
-                  <a:fillRect l="-15789" r="-21053" b="-8696"/>
-                </a:stretch>
-              </a:blipFill>
-            </p:spPr>
-            <p:txBody>
-              <a:bodyPr/>
-              <a:lstStyle/>
-              <a:p>
-                <a:r>
-                  <a:rPr lang="en-US">
-                    <a:noFill/>
-                  </a:rPr>
-                  <a:t> </a:t>
-                </a:r>
-              </a:p>
-            </p:txBody>
-          </p:sp>
-        </mc:Fallback>
-      </mc:AlternateContent>
       <p:sp>
         <p:nvSpPr>
           <p:cNvPr id="10" name="TextBox 9">
@@ -10953,7 +10867,7 @@
               <a:rPr lang="en-US" sz="2400" dirty="0">
                 <a:latin typeface="+mj-lt"/>
               </a:rPr>
-              <a:t>make n</a:t>
+              <a:t>type n</a:t>
             </a:r>
           </a:p>
           <a:p>
@@ -11163,7 +11077,7 @@
               <a:rPr lang="en-US" sz="2400" dirty="0">
                 <a:latin typeface="+mj-lt"/>
               </a:rPr>
-              <a:t>make n</a:t>
+              <a:t>type n</a:t>
             </a:r>
           </a:p>
           <a:p>
@@ -11873,6 +11787,2308 @@
           <a:chExt cx="0" cy="0"/>
         </a:xfrm>
       </p:grpSpPr>
+      <mc:AlternateContent xmlns:mc="http://schemas.openxmlformats.org/markup-compatibility/2006">
+        <mc:Choice xmlns:a14="http://schemas.microsoft.com/office/drawing/2010/main" Requires="a14">
+          <p:graphicFrame>
+            <p:nvGraphicFramePr>
+              <p:cNvPr id="4" name="Table 3">
+                <a:extLst>
+                  <a:ext uri="{FF2B5EF4-FFF2-40B4-BE49-F238E27FC236}">
+                    <a16:creationId xmlns:a16="http://schemas.microsoft.com/office/drawing/2014/main" id="{7727A50A-7D57-EF4F-9E08-4D47A6C0E71A}"/>
+                  </a:ext>
+                </a:extLst>
+              </p:cNvPr>
+              <p:cNvGraphicFramePr>
+                <a:graphicFrameLocks noGrp="1"/>
+              </p:cNvGraphicFramePr>
+              <p:nvPr>
+                <p:extLst>
+                  <p:ext uri="{D42A27DB-BD31-4B8C-83A1-F6EECF244321}">
+                    <p14:modId xmlns:p14="http://schemas.microsoft.com/office/powerpoint/2010/main" val="2695902671"/>
+                  </p:ext>
+                </p:extLst>
+              </p:nvPr>
+            </p:nvGraphicFramePr>
+            <p:xfrm>
+              <a:off x="175097" y="253845"/>
+              <a:ext cx="11799651" cy="6270413"/>
+            </p:xfrm>
+            <a:graphic>
+              <a:graphicData uri="http://schemas.openxmlformats.org/drawingml/2006/table">
+                <a:tbl>
+                  <a:tblPr firstRow="1" bandRow="1">
+                    <a:tableStyleId>{5C22544A-7EE6-4342-B048-85BDC9FD1C3A}</a:tableStyleId>
+                  </a:tblPr>
+                  <a:tblGrid>
+                    <a:gridCol w="1312159">
+                      <a:extLst>
+                        <a:ext uri="{9D8B030D-6E8A-4147-A177-3AD203B41FA5}">
+                          <a16:colId xmlns:a16="http://schemas.microsoft.com/office/drawing/2014/main" val="3425095875"/>
+                        </a:ext>
+                      </a:extLst>
+                    </a:gridCol>
+                    <a:gridCol w="3025803">
+                      <a:extLst>
+                        <a:ext uri="{9D8B030D-6E8A-4147-A177-3AD203B41FA5}">
+                          <a16:colId xmlns:a16="http://schemas.microsoft.com/office/drawing/2014/main" val="1728314954"/>
+                        </a:ext>
+                      </a:extLst>
+                    </a:gridCol>
+                    <a:gridCol w="2551200">
+                      <a:extLst>
+                        <a:ext uri="{9D8B030D-6E8A-4147-A177-3AD203B41FA5}">
+                          <a16:colId xmlns:a16="http://schemas.microsoft.com/office/drawing/2014/main" val="583303923"/>
+                        </a:ext>
+                      </a:extLst>
+                    </a:gridCol>
+                    <a:gridCol w="1320984">
+                      <a:extLst>
+                        <a:ext uri="{9D8B030D-6E8A-4147-A177-3AD203B41FA5}">
+                          <a16:colId xmlns:a16="http://schemas.microsoft.com/office/drawing/2014/main" val="2462071841"/>
+                        </a:ext>
+                      </a:extLst>
+                    </a:gridCol>
+                    <a:gridCol w="3589505">
+                      <a:extLst>
+                        <a:ext uri="{9D8B030D-6E8A-4147-A177-3AD203B41FA5}">
+                          <a16:colId xmlns:a16="http://schemas.microsoft.com/office/drawing/2014/main" val="862408566"/>
+                        </a:ext>
+                      </a:extLst>
+                    </a:gridCol>
+                  </a:tblGrid>
+                  <a:tr h="636155">
+                    <a:tc>
+                      <a:txBody>
+                        <a:bodyPr/>
+                        <a:lstStyle/>
+                        <a:p>
+                          <a:r>
+                            <a:rPr lang="en-US" dirty="0"/>
+                            <a:t>Space</a:t>
+                          </a:r>
+                        </a:p>
+                      </a:txBody>
+                      <a:tcPr/>
+                    </a:tc>
+                    <a:tc>
+                      <a:txBody>
+                        <a:bodyPr/>
+                        <a:lstStyle/>
+                        <a:p>
+                          <a:r>
+                            <a:rPr lang="en-US" dirty="0"/>
+                            <a:t>Action</a:t>
+                          </a:r>
+                        </a:p>
+                      </a:txBody>
+                      <a:tcPr/>
+                    </a:tc>
+                    <a:tc>
+                      <a:txBody>
+                        <a:bodyPr/>
+                        <a:lstStyle/>
+                        <a:p>
+                          <a:r>
+                            <a:rPr lang="en-US" dirty="0"/>
+                            <a:t>Data</a:t>
+                          </a:r>
+                        </a:p>
+                      </a:txBody>
+                      <a:tcPr/>
+                    </a:tc>
+                    <a:tc>
+                      <a:txBody>
+                        <a:bodyPr/>
+                        <a:lstStyle/>
+                        <a:p>
+                          <a:r>
+                            <a:rPr lang="en-US" dirty="0"/>
+                            <a:t>Space</a:t>
+                          </a:r>
+                          <a:r>
+                            <a:rPr lang="en-US" dirty="0">
+                              <a:sym typeface="Wingdings" pitchFamily="2" charset="2"/>
+                            </a:rPr>
+                            <a:t>:()</a:t>
+                          </a:r>
+                          <a:endParaRPr lang="en-US" dirty="0"/>
+                        </a:p>
+                      </a:txBody>
+                      <a:tcPr/>
+                    </a:tc>
+                    <a:tc>
+                      <a:txBody>
+                        <a:bodyPr/>
+                        <a:lstStyle/>
+                        <a:p>
+                          <a:r>
+                            <a:rPr lang="en-US" dirty="0"/>
+                            <a:t>F*Space = Space*F</a:t>
+                          </a:r>
+                        </a:p>
+                      </a:txBody>
+                      <a:tcPr/>
+                    </a:tc>
+                    <a:extLst>
+                      <a:ext uri="{0D108BD9-81ED-4DB2-BD59-A6C34878D82A}">
+                        <a16:rowId xmlns:a16="http://schemas.microsoft.com/office/drawing/2014/main" val="252941521"/>
+                      </a:ext>
+                    </a:extLst>
+                  </a:tr>
+                  <a:tr h="363517">
+                    <a:tc>
+                      <a:txBody>
+                        <a:bodyPr/>
+                        <a:lstStyle/>
+                        <a:p>
+                          <a:r>
+                            <a:rPr lang="en-US" dirty="0"/>
+                            <a:t>pass</a:t>
+                          </a:r>
+                        </a:p>
+                      </a:txBody>
+                      <a:tcPr/>
+                    </a:tc>
+                    <a:tc>
+                      <a:txBody>
+                        <a:bodyPr/>
+                        <a:lstStyle/>
+                        <a:p>
+                          <a:r>
+                            <a:rPr lang="en-US" dirty="0"/>
+                            <a:t>A </a:t>
+                          </a:r>
+                          <a14:m>
+                            <m:oMath xmlns:m="http://schemas.openxmlformats.org/officeDocument/2006/math">
+                              <m:r>
+                                <a:rPr lang="en-US" i="1" smtClean="0">
+                                  <a:latin typeface="Cambria Math" panose="02040503050406030204" pitchFamily="18" charset="0"/>
+                                  <a:ea typeface="Cambria Math" panose="02040503050406030204" pitchFamily="18" charset="0"/>
+                                </a:rPr>
+                                <m:t>→</m:t>
+                              </m:r>
+                            </m:oMath>
+                          </a14:m>
+                          <a:r>
+                            <a:rPr lang="en-US" dirty="0"/>
+                            <a:t> A</a:t>
+                          </a:r>
+                        </a:p>
+                      </a:txBody>
+                      <a:tcPr/>
+                    </a:tc>
+                    <a:tc>
+                      <a:txBody>
+                        <a:bodyPr/>
+                        <a:lstStyle/>
+                        <a:p>
+                          <a:r>
+                            <a:rPr lang="en-US" dirty="0"/>
+                            <a:t>All data</a:t>
+                          </a:r>
+                        </a:p>
+                      </a:txBody>
+                      <a:tcPr/>
+                    </a:tc>
+                    <a:tc>
+                      <a:txBody>
+                        <a:bodyPr/>
+                        <a:lstStyle/>
+                        <a:p>
+                          <a:r>
+                            <a:rPr lang="en-US" dirty="0"/>
+                            <a:t>()</a:t>
+                          </a:r>
+                        </a:p>
+                      </a:txBody>
+                      <a:tcPr/>
+                    </a:tc>
+                    <a:tc>
+                      <a:txBody>
+                        <a:bodyPr/>
+                        <a:lstStyle/>
+                        <a:p>
+                          <a:r>
+                            <a:rPr lang="en-US" dirty="0"/>
+                            <a:t>F distributive</a:t>
+                          </a:r>
+                        </a:p>
+                      </a:txBody>
+                      <a:tcPr/>
+                    </a:tc>
+                    <a:extLst>
+                      <a:ext uri="{0D108BD9-81ED-4DB2-BD59-A6C34878D82A}">
+                        <a16:rowId xmlns:a16="http://schemas.microsoft.com/office/drawing/2014/main" val="1798670295"/>
+                      </a:ext>
+                    </a:extLst>
+                  </a:tr>
+                  <a:tr h="363517">
+                    <a:tc>
+                      <a:txBody>
+                        <a:bodyPr/>
+                        <a:lstStyle/>
+                        <a:p>
+                          <a:r>
+                            <a:rPr lang="en-US" dirty="0"/>
+                            <a:t>null</a:t>
+                          </a:r>
+                        </a:p>
+                      </a:txBody>
+                      <a:tcPr/>
+                    </a:tc>
+                    <a:tc>
+                      <a:txBody>
+                        <a:bodyPr/>
+                        <a:lstStyle/>
+                        <a:p>
+                          <a:r>
+                            <a:rPr lang="en-US" dirty="0"/>
+                            <a:t>A </a:t>
+                          </a:r>
+                          <a14:m>
+                            <m:oMath xmlns:m="http://schemas.openxmlformats.org/officeDocument/2006/math">
+                              <m:r>
+                                <a:rPr lang="en-US" i="1" smtClean="0">
+                                  <a:latin typeface="Cambria Math" panose="02040503050406030204" pitchFamily="18" charset="0"/>
+                                  <a:ea typeface="Cambria Math" panose="02040503050406030204" pitchFamily="18" charset="0"/>
+                                </a:rPr>
+                                <m:t>→</m:t>
+                              </m:r>
+                            </m:oMath>
+                          </a14:m>
+                          <a:r>
+                            <a:rPr lang="en-US" dirty="0"/>
+                            <a:t> ()</a:t>
+                          </a:r>
+                        </a:p>
+                      </a:txBody>
+                      <a:tcPr/>
+                    </a:tc>
+                    <a:tc>
+                      <a:txBody>
+                        <a:bodyPr/>
+                        <a:lstStyle/>
+                        <a:p>
+                          <a:r>
+                            <a:rPr lang="en-US" dirty="0"/>
+                            <a:t>() only </a:t>
+                          </a:r>
+                        </a:p>
+                      </a:txBody>
+                      <a:tcPr/>
+                    </a:tc>
+                    <a:tc>
+                      <a:txBody>
+                        <a:bodyPr/>
+                        <a:lstStyle/>
+                        <a:p>
+                          <a:r>
+                            <a:rPr lang="en-US" dirty="0"/>
+                            <a:t>()</a:t>
+                          </a:r>
+                        </a:p>
+                      </a:txBody>
+                      <a:tcPr/>
+                    </a:tc>
+                    <a:tc>
+                      <a:txBody>
+                        <a:bodyPr/>
+                        <a:lstStyle/>
+                        <a:p>
+                          <a:r>
+                            <a:rPr lang="en-US" dirty="0"/>
+                            <a:t>F:X = ()</a:t>
+                          </a:r>
+                        </a:p>
+                      </a:txBody>
+                      <a:tcPr/>
+                    </a:tc>
+                    <a:extLst>
+                      <a:ext uri="{0D108BD9-81ED-4DB2-BD59-A6C34878D82A}">
+                        <a16:rowId xmlns:a16="http://schemas.microsoft.com/office/drawing/2014/main" val="1039888401"/>
+                      </a:ext>
+                    </a:extLst>
+                  </a:tr>
+                  <a:tr h="505662">
+                    <a:tc>
+                      <a:txBody>
+                        <a:bodyPr/>
+                        <a:lstStyle/>
+                        <a:p>
+                          <a:r>
+                            <a:rPr lang="en-US" dirty="0"/>
+                            <a:t>first</a:t>
+                          </a:r>
+                        </a:p>
+                      </a:txBody>
+                      <a:tcPr/>
+                    </a:tc>
+                    <a:tc>
+                      <a:txBody>
+                        <a:bodyPr/>
+                        <a:lstStyle/>
+                        <a:p>
+                          <a:r>
+                            <a:rPr lang="en-US" dirty="0"/>
+                            <a:t>a A </a:t>
+                          </a:r>
+                          <a14:m>
+                            <m:oMath xmlns:m="http://schemas.openxmlformats.org/officeDocument/2006/math">
+                              <m:r>
+                                <a:rPr lang="en-US" i="1" smtClean="0">
+                                  <a:latin typeface="Cambria Math" panose="02040503050406030204" pitchFamily="18" charset="0"/>
+                                  <a:ea typeface="Cambria Math" panose="02040503050406030204" pitchFamily="18" charset="0"/>
+                                </a:rPr>
+                                <m:t>→</m:t>
+                              </m:r>
+                            </m:oMath>
+                          </a14:m>
+                          <a:r>
+                            <a:rPr lang="en-US" dirty="0"/>
+                            <a:t> a</a:t>
+                          </a:r>
+                        </a:p>
+                      </a:txBody>
+                      <a:tcPr/>
+                    </a:tc>
+                    <a:tc>
+                      <a:txBody>
+                        <a:bodyPr/>
+                        <a:lstStyle/>
+                        <a:p>
+                          <a:r>
+                            <a:rPr lang="en-US" dirty="0"/>
+                            <a:t>Single atoms</a:t>
+                          </a:r>
+                        </a:p>
+                      </a:txBody>
+                      <a:tcPr/>
+                    </a:tc>
+                    <a:tc>
+                      <a:txBody>
+                        <a:bodyPr/>
+                        <a:lstStyle/>
+                        <a:p>
+                          <a:r>
+                            <a:rPr lang="en-US" dirty="0"/>
+                            <a:t>()</a:t>
+                          </a:r>
+                        </a:p>
+                      </a:txBody>
+                      <a:tcPr/>
+                    </a:tc>
+                    <a:tc>
+                      <a:txBody>
+                        <a:bodyPr/>
+                        <a:lstStyle/>
+                        <a:p>
+                          <a:r>
+                            <a:rPr lang="en-US" dirty="0"/>
+                            <a:t>F dependent only on the first atom</a:t>
+                          </a:r>
+                        </a:p>
+                      </a:txBody>
+                      <a:tcPr/>
+                    </a:tc>
+                    <a:extLst>
+                      <a:ext uri="{0D108BD9-81ED-4DB2-BD59-A6C34878D82A}">
+                        <a16:rowId xmlns:a16="http://schemas.microsoft.com/office/drawing/2014/main" val="1104856656"/>
+                      </a:ext>
+                    </a:extLst>
+                  </a:tr>
+                  <a:tr h="363517">
+                    <a:tc>
+                      <a:txBody>
+                        <a:bodyPr/>
+                        <a:lstStyle/>
+                        <a:p>
+                          <a:r>
+                            <a:rPr lang="en-US" dirty="0"/>
+                            <a:t>bool</a:t>
+                          </a:r>
+                        </a:p>
+                      </a:txBody>
+                      <a:tcPr/>
+                    </a:tc>
+                    <a:tc>
+                      <a:txBody>
+                        <a:bodyPr/>
+                        <a:lstStyle/>
+                        <a:p>
+                          <a:r>
+                            <a:rPr lang="en-US" dirty="0"/>
+                            <a:t>A </a:t>
+                          </a:r>
+                          <a14:m>
+                            <m:oMath xmlns:m="http://schemas.openxmlformats.org/officeDocument/2006/math">
+                              <m:r>
+                                <a:rPr lang="en-US" i="1" smtClean="0">
+                                  <a:latin typeface="Cambria Math" panose="02040503050406030204" pitchFamily="18" charset="0"/>
+                                  <a:ea typeface="Cambria Math" panose="02040503050406030204" pitchFamily="18" charset="0"/>
+                                </a:rPr>
+                                <m:t>→</m:t>
+                              </m:r>
+                            </m:oMath>
+                          </a14:m>
+                          <a:r>
+                            <a:rPr lang="en-US" dirty="0"/>
+                            <a:t> () or (</a:t>
+                          </a:r>
+                          <a:r>
+                            <a:rPr lang="en-US" dirty="0">
+                              <a:sym typeface="Wingdings" pitchFamily="2" charset="2"/>
+                            </a:rPr>
+                            <a:t>:)</a:t>
+                          </a:r>
+                          <a:endParaRPr lang="en-US" dirty="0"/>
+                        </a:p>
+                      </a:txBody>
+                      <a:tcPr/>
+                    </a:tc>
+                    <a:tc>
+                      <a:txBody>
+                        <a:bodyPr/>
+                        <a:lstStyle/>
+                        <a:p>
+                          <a:r>
+                            <a:rPr lang="en-US" dirty="0"/>
+                            <a:t>True/false</a:t>
+                          </a:r>
+                        </a:p>
+                      </a:txBody>
+                      <a:tcPr/>
+                    </a:tc>
+                    <a:tc>
+                      <a:txBody>
+                        <a:bodyPr/>
+                        <a:lstStyle/>
+                        <a:p>
+                          <a:r>
+                            <a:rPr lang="en-US" dirty="0"/>
+                            <a:t>()</a:t>
+                          </a:r>
+                        </a:p>
+                      </a:txBody>
+                      <a:tcPr/>
+                    </a:tc>
+                    <a:tc>
+                      <a:txBody>
+                        <a:bodyPr/>
+                        <a:lstStyle/>
+                        <a:p>
+                          <a:r>
+                            <a:rPr lang="en-US" dirty="0"/>
+                            <a:t>F:X preserves </a:t>
+                          </a:r>
+                          <a:r>
+                            <a:rPr lang="en-US" dirty="0" err="1"/>
+                            <a:t>bool:X</a:t>
+                          </a:r>
+                          <a:endParaRPr lang="en-US" dirty="0"/>
+                        </a:p>
+                      </a:txBody>
+                      <a:tcPr/>
+                    </a:tc>
+                    <a:extLst>
+                      <a:ext uri="{0D108BD9-81ED-4DB2-BD59-A6C34878D82A}">
+                        <a16:rowId xmlns:a16="http://schemas.microsoft.com/office/drawing/2014/main" val="472330938"/>
+                      </a:ext>
+                    </a:extLst>
+                  </a:tr>
+                  <a:tr h="636155">
+                    <a:tc>
+                      <a:txBody>
+                        <a:bodyPr/>
+                        <a:lstStyle/>
+                        <a:p>
+                          <a:r>
+                            <a:rPr lang="en-US" dirty="0"/>
+                            <a:t>type n</a:t>
+                          </a:r>
+                        </a:p>
+                      </a:txBody>
+                      <a:tcPr/>
+                    </a:tc>
+                    <a:tc>
+                      <a:txBody>
+                        <a:bodyPr/>
+                        <a:lstStyle/>
+                        <a:p>
+                          <a:r>
+                            <a:rPr lang="en-US" sz="1600" dirty="0"/>
+                            <a:t>A -&gt; (n:2) (n:1) (n:5) </a:t>
+                          </a:r>
+                        </a:p>
+                      </a:txBody>
+                      <a:tcPr/>
+                    </a:tc>
+                    <a:tc>
+                      <a:txBody>
+                        <a:bodyPr/>
+                        <a:lstStyle/>
+                        <a:p>
+                          <a:r>
+                            <a:rPr lang="en-US" dirty="0"/>
+                            <a:t>Natural numbers</a:t>
+                          </a:r>
+                        </a:p>
+                      </a:txBody>
+                      <a:tcPr/>
+                    </a:tc>
+                    <a:tc>
+                      <a:txBody>
+                        <a:bodyPr/>
+                        <a:lstStyle/>
+                        <a:p>
+                          <a:r>
+                            <a:rPr lang="en-US" dirty="0"/>
+                            <a:t>(n:0)</a:t>
+                          </a:r>
+                        </a:p>
+                      </a:txBody>
+                      <a:tcPr/>
+                    </a:tc>
+                    <a:tc>
+                      <a:txBody>
+                        <a:bodyPr/>
+                        <a:lstStyle/>
+                        <a:p>
+                          <a:r>
+                            <a:rPr lang="en-US" dirty="0"/>
+                            <a:t>(type n) * F * (type n) for any F</a:t>
+                          </a:r>
+                        </a:p>
+                      </a:txBody>
+                      <a:tcPr/>
+                    </a:tc>
+                    <a:extLst>
+                      <a:ext uri="{0D108BD9-81ED-4DB2-BD59-A6C34878D82A}">
+                        <a16:rowId xmlns:a16="http://schemas.microsoft.com/office/drawing/2014/main" val="219725921"/>
+                      </a:ext>
+                    </a:extLst>
+                  </a:tr>
+                  <a:tr h="505662">
+                    <a:tc>
+                      <a:txBody>
+                        <a:bodyPr/>
+                        <a:lstStyle/>
+                        <a:p>
+                          <a:r>
+                            <a:rPr lang="en-US" dirty="0"/>
+                            <a:t>sum n</a:t>
+                          </a:r>
+                        </a:p>
+                      </a:txBody>
+                      <a:tcPr/>
+                    </a:tc>
+                    <a:tc>
+                      <a:txBody>
+                        <a:bodyPr/>
+                        <a:lstStyle/>
+                        <a:p>
+                          <a:r>
+                            <a:rPr lang="en-US" sz="1600" dirty="0"/>
+                            <a:t>(n:2) (n:1) (n:5) </a:t>
+                          </a:r>
+                          <a14:m>
+                            <m:oMath xmlns:m="http://schemas.openxmlformats.org/officeDocument/2006/math">
+                              <m:r>
+                                <a:rPr lang="en-US" sz="1600" i="1" smtClean="0">
+                                  <a:latin typeface="Cambria Math" panose="02040503050406030204" pitchFamily="18" charset="0"/>
+                                  <a:ea typeface="Cambria Math" panose="02040503050406030204" pitchFamily="18" charset="0"/>
+                                </a:rPr>
+                                <m:t>→</m:t>
+                              </m:r>
+                            </m:oMath>
+                          </a14:m>
+                          <a:r>
+                            <a:rPr lang="en-US" sz="1600" dirty="0"/>
+                            <a:t> (n:8)</a:t>
+                          </a:r>
+                        </a:p>
+                      </a:txBody>
+                      <a:tcPr/>
+                    </a:tc>
+                    <a:tc>
+                      <a:txBody>
+                        <a:bodyPr/>
+                        <a:lstStyle/>
+                        <a:p>
+                          <a:r>
+                            <a:rPr lang="en-US" dirty="0"/>
+                            <a:t>Natural numbers</a:t>
+                          </a:r>
+                        </a:p>
+                      </a:txBody>
+                      <a:tcPr/>
+                    </a:tc>
+                    <a:tc>
+                      <a:txBody>
+                        <a:bodyPr/>
+                        <a:lstStyle/>
+                        <a:p>
+                          <a:r>
+                            <a:rPr lang="en-US" dirty="0"/>
+                            <a:t>(n:0)</a:t>
+                          </a:r>
+                        </a:p>
+                      </a:txBody>
+                      <a:tcPr/>
+                    </a:tc>
+                    <a:tc>
+                      <a:txBody>
+                        <a:bodyPr/>
+                        <a:lstStyle/>
+                        <a:p>
+                          <a:r>
+                            <a:rPr lang="en-US" dirty="0"/>
+                            <a:t>F(n</a:t>
+                          </a:r>
+                          <a:r>
+                            <a:rPr lang="en-US" baseline="-25000" dirty="0"/>
+                            <a:t>1</a:t>
+                          </a:r>
+                          <a:r>
+                            <a:rPr lang="en-US" dirty="0"/>
+                            <a:t>+n</a:t>
+                          </a:r>
+                          <a:r>
+                            <a:rPr lang="en-US" baseline="-25000" dirty="0"/>
+                            <a:t>2</a:t>
+                          </a:r>
+                          <a:r>
+                            <a:rPr lang="en-US" dirty="0"/>
+                            <a:t>) = F(n</a:t>
+                          </a:r>
+                          <a:r>
+                            <a:rPr lang="en-US" baseline="-25000" dirty="0"/>
+                            <a:t>1</a:t>
+                          </a:r>
+                          <a:r>
+                            <a:rPr lang="en-US" dirty="0"/>
+                            <a:t>)+F(n</a:t>
+                          </a:r>
+                          <a:r>
+                            <a:rPr lang="en-US" baseline="-25000" dirty="0"/>
+                            <a:t>2</a:t>
+                          </a:r>
+                          <a:r>
+                            <a:rPr lang="en-US" dirty="0"/>
+                            <a:t>)</a:t>
+                          </a:r>
+                        </a:p>
+                      </a:txBody>
+                      <a:tcPr/>
+                    </a:tc>
+                    <a:extLst>
+                      <a:ext uri="{0D108BD9-81ED-4DB2-BD59-A6C34878D82A}">
+                        <a16:rowId xmlns:a16="http://schemas.microsoft.com/office/drawing/2014/main" val="426411591"/>
+                      </a:ext>
+                    </a:extLst>
+                  </a:tr>
+                  <a:tr h="505662">
+                    <a:tc>
+                      <a:txBody>
+                        <a:bodyPr/>
+                        <a:lstStyle/>
+                        <a:p>
+                          <a:r>
+                            <a:rPr lang="en-US" dirty="0"/>
+                            <a:t>prod n</a:t>
+                          </a:r>
+                        </a:p>
+                      </a:txBody>
+                      <a:tcPr/>
+                    </a:tc>
+                    <a:tc>
+                      <a:txBody>
+                        <a:bodyPr/>
+                        <a:lstStyle/>
+                        <a:p>
+                          <a:r>
+                            <a:rPr lang="en-US" sz="1600" dirty="0"/>
+                            <a:t>(n:2) (n:1) (n:5) </a:t>
+                          </a:r>
+                          <a14:m>
+                            <m:oMath xmlns:m="http://schemas.openxmlformats.org/officeDocument/2006/math">
+                              <m:r>
+                                <a:rPr lang="en-US" sz="1600" i="1" smtClean="0">
+                                  <a:latin typeface="Cambria Math" panose="02040503050406030204" pitchFamily="18" charset="0"/>
+                                  <a:ea typeface="Cambria Math" panose="02040503050406030204" pitchFamily="18" charset="0"/>
+                                </a:rPr>
+                                <m:t>→</m:t>
+                              </m:r>
+                            </m:oMath>
+                          </a14:m>
+                          <a:r>
+                            <a:rPr lang="en-US" sz="1600" dirty="0"/>
+                            <a:t> (n:10)</a:t>
+                          </a:r>
+                        </a:p>
+                      </a:txBody>
+                      <a:tcPr/>
+                    </a:tc>
+                    <a:tc>
+                      <a:txBody>
+                        <a:bodyPr/>
+                        <a:lstStyle/>
+                        <a:p>
+                          <a:r>
+                            <a:rPr lang="en-US" dirty="0"/>
+                            <a:t>Natural numbers</a:t>
+                          </a:r>
+                        </a:p>
+                      </a:txBody>
+                      <a:tcPr/>
+                    </a:tc>
+                    <a:tc>
+                      <a:txBody>
+                        <a:bodyPr/>
+                        <a:lstStyle/>
+                        <a:p>
+                          <a:r>
+                            <a:rPr lang="en-US" dirty="0"/>
+                            <a:t>(n:1)</a:t>
+                          </a:r>
+                        </a:p>
+                      </a:txBody>
+                      <a:tcPr/>
+                    </a:tc>
+                    <a:tc>
+                      <a:txBody>
+                        <a:bodyPr/>
+                        <a:lstStyle/>
+                        <a:p>
+                          <a:r>
+                            <a:rPr lang="en-US" dirty="0"/>
+                            <a:t>F(n</a:t>
+                          </a:r>
+                          <a:r>
+                            <a:rPr lang="en-US" baseline="-25000" dirty="0"/>
+                            <a:t>1 </a:t>
+                          </a:r>
+                          <a14:m>
+                            <m:oMath xmlns:m="http://schemas.openxmlformats.org/officeDocument/2006/math">
+                              <m:r>
+                                <a:rPr lang="en-US" i="1" baseline="0" smtClean="0">
+                                  <a:latin typeface="Cambria Math" panose="02040503050406030204" pitchFamily="18" charset="0"/>
+                                  <a:ea typeface="Cambria Math" panose="02040503050406030204" pitchFamily="18" charset="0"/>
+                                </a:rPr>
+                                <m:t>×</m:t>
+                              </m:r>
+                            </m:oMath>
+                          </a14:m>
+                          <a:r>
+                            <a:rPr lang="en-US" dirty="0"/>
+                            <a:t> n</a:t>
+                          </a:r>
+                          <a:r>
+                            <a:rPr lang="en-US" baseline="-25000" dirty="0"/>
+                            <a:t>2</a:t>
+                          </a:r>
+                          <a:r>
+                            <a:rPr lang="en-US" dirty="0"/>
+                            <a:t>) = F(n</a:t>
+                          </a:r>
+                          <a:r>
+                            <a:rPr lang="en-US" baseline="-25000" dirty="0"/>
+                            <a:t>1</a:t>
+                          </a:r>
+                          <a:r>
+                            <a:rPr lang="en-US" dirty="0"/>
+                            <a:t>) </a:t>
+                          </a:r>
+                          <a14:m>
+                            <m:oMath xmlns:m="http://schemas.openxmlformats.org/officeDocument/2006/math">
+                              <m:r>
+                                <a:rPr lang="en-US" i="1" smtClean="0">
+                                  <a:latin typeface="Cambria Math" panose="02040503050406030204" pitchFamily="18" charset="0"/>
+                                  <a:ea typeface="Cambria Math" panose="02040503050406030204" pitchFamily="18" charset="0"/>
+                                </a:rPr>
+                                <m:t>×</m:t>
+                              </m:r>
+                            </m:oMath>
+                          </a14:m>
+                          <a:r>
+                            <a:rPr lang="en-US" dirty="0"/>
+                            <a:t> F(n</a:t>
+                          </a:r>
+                          <a:r>
+                            <a:rPr lang="en-US" baseline="-25000" dirty="0"/>
+                            <a:t>2</a:t>
+                          </a:r>
+                          <a:r>
+                            <a:rPr lang="en-US" dirty="0"/>
+                            <a:t>)</a:t>
+                          </a:r>
+                        </a:p>
+                      </a:txBody>
+                      <a:tcPr/>
+                    </a:tc>
+                    <a:extLst>
+                      <a:ext uri="{0D108BD9-81ED-4DB2-BD59-A6C34878D82A}">
+                        <a16:rowId xmlns:a16="http://schemas.microsoft.com/office/drawing/2014/main" val="3387248326"/>
+                      </a:ext>
+                    </a:extLst>
+                  </a:tr>
+                  <a:tr h="505662">
+                    <a:tc>
+                      <a:txBody>
+                        <a:bodyPr/>
+                        <a:lstStyle/>
+                        <a:p>
+                          <a:r>
+                            <a:rPr lang="en-US" dirty="0"/>
+                            <a:t>sort n</a:t>
+                          </a:r>
+                        </a:p>
+                      </a:txBody>
+                      <a:tcPr/>
+                    </a:tc>
+                    <a:tc>
+                      <a:txBody>
+                        <a:bodyPr/>
+                        <a:lstStyle/>
+                        <a:p>
+                          <a:r>
+                            <a:rPr lang="en-US" sz="1600" dirty="0"/>
+                            <a:t>(n:2) (n:1) (n:5) </a:t>
+                          </a:r>
+                          <a14:m>
+                            <m:oMath xmlns:m="http://schemas.openxmlformats.org/officeDocument/2006/math">
+                              <m:r>
+                                <a:rPr lang="en-US" sz="1600" i="1" smtClean="0">
+                                  <a:latin typeface="Cambria Math" panose="02040503050406030204" pitchFamily="18" charset="0"/>
+                                  <a:ea typeface="Cambria Math" panose="02040503050406030204" pitchFamily="18" charset="0"/>
+                                </a:rPr>
+                                <m:t>→</m:t>
+                              </m:r>
+                            </m:oMath>
+                          </a14:m>
+                          <a:r>
+                            <a:rPr lang="en-US" sz="1600" dirty="0"/>
+                            <a:t> (n:1) (n:2) (n:5)</a:t>
+                          </a:r>
+                        </a:p>
+                      </a:txBody>
+                      <a:tcPr/>
+                    </a:tc>
+                    <a:tc>
+                      <a:txBody>
+                        <a:bodyPr/>
+                        <a:lstStyle/>
+                        <a:p>
+                          <a:r>
+                            <a:rPr lang="en-US" dirty="0"/>
+                            <a:t>Natural numbers</a:t>
+                          </a:r>
+                        </a:p>
+                      </a:txBody>
+                      <a:tcPr/>
+                    </a:tc>
+                    <a:tc>
+                      <a:txBody>
+                        <a:bodyPr/>
+                        <a:lstStyle/>
+                        <a:p>
+                          <a:r>
+                            <a:rPr lang="en-US" dirty="0"/>
+                            <a:t>()</a:t>
+                          </a:r>
+                        </a:p>
+                      </a:txBody>
+                      <a:tcPr/>
+                    </a:tc>
+                    <a:tc>
+                      <a:txBody>
+                        <a:bodyPr/>
+                        <a:lstStyle/>
+                        <a:p>
+                          <a:r>
+                            <a:rPr lang="en-US" dirty="0"/>
+                            <a:t>n</a:t>
+                          </a:r>
+                          <a:r>
+                            <a:rPr lang="en-US" baseline="-25000" dirty="0"/>
+                            <a:t>1</a:t>
+                          </a:r>
+                          <a14:m>
+                            <m:oMath xmlns:m="http://schemas.openxmlformats.org/officeDocument/2006/math">
+                              <m:r>
+                                <a:rPr lang="en-US" i="1" smtClean="0">
+                                  <a:latin typeface="Cambria Math" panose="02040503050406030204" pitchFamily="18" charset="0"/>
+                                  <a:ea typeface="Cambria Math" panose="02040503050406030204" pitchFamily="18" charset="0"/>
+                                </a:rPr>
+                                <m:t>≤</m:t>
+                              </m:r>
+                            </m:oMath>
+                          </a14:m>
+                          <a:r>
+                            <a:rPr lang="en-US" dirty="0"/>
+                            <a:t> n</a:t>
+                          </a:r>
+                          <a:r>
+                            <a:rPr lang="en-US" baseline="-25000" dirty="0"/>
+                            <a:t>2</a:t>
+                          </a:r>
+                          <a:r>
+                            <a:rPr lang="en-US" dirty="0"/>
+                            <a:t> implies F(n</a:t>
+                          </a:r>
+                          <a:r>
+                            <a:rPr lang="en-US" baseline="-25000" dirty="0"/>
+                            <a:t>1</a:t>
+                          </a:r>
+                          <a:r>
+                            <a:rPr lang="en-US" dirty="0"/>
+                            <a:t>)</a:t>
+                          </a:r>
+                          <a:r>
+                            <a:rPr lang="en-US" dirty="0">
+                              <a:ea typeface="Cambria Math" panose="02040503050406030204" pitchFamily="18" charset="0"/>
+                            </a:rPr>
+                            <a:t> </a:t>
+                          </a:r>
+                          <a14:m>
+                            <m:oMath xmlns:m="http://schemas.openxmlformats.org/officeDocument/2006/math">
+                              <m:r>
+                                <a:rPr lang="en-US" i="1" smtClean="0">
+                                  <a:latin typeface="Cambria Math" panose="02040503050406030204" pitchFamily="18" charset="0"/>
+                                  <a:ea typeface="Cambria Math" panose="02040503050406030204" pitchFamily="18" charset="0"/>
+                                </a:rPr>
+                                <m:t>≤</m:t>
+                              </m:r>
+                            </m:oMath>
+                          </a14:m>
+                          <a:r>
+                            <a:rPr lang="en-US" dirty="0"/>
+                            <a:t>F(n</a:t>
+                          </a:r>
+                          <a:r>
+                            <a:rPr lang="en-US" baseline="-25000" dirty="0"/>
+                            <a:t>2</a:t>
+                          </a:r>
+                          <a:r>
+                            <a:rPr lang="en-US" dirty="0"/>
+                            <a:t>)</a:t>
+                          </a:r>
+                        </a:p>
+                      </a:txBody>
+                      <a:tcPr/>
+                    </a:tc>
+                    <a:extLst>
+                      <a:ext uri="{0D108BD9-81ED-4DB2-BD59-A6C34878D82A}">
+                        <a16:rowId xmlns:a16="http://schemas.microsoft.com/office/drawing/2014/main" val="845147950"/>
+                      </a:ext>
+                    </a:extLst>
+                  </a:tr>
+                  <a:tr h="722375">
+                    <a:tc>
+                      <a:txBody>
+                        <a:bodyPr/>
+                        <a:lstStyle/>
+                        <a:p>
+                          <a:r>
+                            <a:rPr lang="en-US" dirty="0"/>
+                            <a:t>End sum n</a:t>
+                          </a:r>
+                        </a:p>
+                      </a:txBody>
+                      <a:tcPr/>
+                    </a:tc>
+                    <a:tc>
+                      <a:txBody>
+                        <a:bodyPr/>
+                        <a:lstStyle/>
+                        <a:p>
+                          <a:r>
+                            <a:rPr lang="en-US" dirty="0"/>
+                            <a:t>F</a:t>
+                          </a:r>
+                          <a:r>
+                            <a:rPr lang="en-US" baseline="-25000" dirty="0"/>
+                            <a:t>1</a:t>
+                          </a:r>
+                          <a:r>
+                            <a:rPr lang="en-US" dirty="0"/>
+                            <a:t> F</a:t>
+                          </a:r>
+                          <a:r>
+                            <a:rPr lang="en-US" baseline="-25000" dirty="0"/>
+                            <a:t>2</a:t>
+                          </a:r>
+                          <a:r>
+                            <a:rPr lang="en-US" dirty="0"/>
+                            <a:t>…</a:t>
+                          </a:r>
+                          <a:r>
+                            <a:rPr lang="en-US" dirty="0" err="1"/>
+                            <a:t>F</a:t>
+                          </a:r>
+                          <a:r>
+                            <a:rPr lang="en-US" baseline="-25000" dirty="0" err="1"/>
+                            <a:t>n</a:t>
+                          </a:r>
+                          <a:r>
+                            <a:rPr lang="en-US" dirty="0"/>
+                            <a:t> </a:t>
+                          </a:r>
+                          <a14:m>
+                            <m:oMath xmlns:m="http://schemas.openxmlformats.org/officeDocument/2006/math">
+                              <m:r>
+                                <a:rPr lang="en-US" i="1" smtClean="0">
+                                  <a:latin typeface="Cambria Math" panose="02040503050406030204" pitchFamily="18" charset="0"/>
+                                  <a:ea typeface="Cambria Math" panose="02040503050406030204" pitchFamily="18" charset="0"/>
+                                </a:rPr>
+                                <m:t>→</m:t>
+                              </m:r>
+                            </m:oMath>
+                          </a14:m>
+                          <a:r>
+                            <a:rPr lang="en-US" dirty="0"/>
+                            <a:t> F</a:t>
+                          </a:r>
+                          <a:r>
+                            <a:rPr lang="en-US" baseline="-25000" dirty="0"/>
+                            <a:t>1</a:t>
+                          </a:r>
+                          <a:r>
+                            <a:rPr lang="en-US" dirty="0"/>
+                            <a:t>*F</a:t>
+                          </a:r>
+                          <a:r>
+                            <a:rPr lang="en-US" baseline="-25000" dirty="0"/>
+                            <a:t>2</a:t>
+                          </a:r>
+                          <a:r>
+                            <a:rPr lang="en-US" dirty="0"/>
+                            <a:t>*…*</a:t>
+                          </a:r>
+                          <a:r>
+                            <a:rPr lang="en-US" dirty="0" err="1"/>
+                            <a:t>F</a:t>
+                          </a:r>
+                          <a:r>
+                            <a:rPr lang="en-US" baseline="-25000" dirty="0" err="1"/>
+                            <a:t>n</a:t>
+                          </a:r>
+                          <a:endParaRPr lang="en-US" baseline="-25000" dirty="0"/>
+                        </a:p>
+                      </a:txBody>
+                      <a:tcPr/>
+                    </a:tc>
+                    <a:tc>
+                      <a:txBody>
+                        <a:bodyPr/>
+                        <a:lstStyle/>
+                        <a:p>
+                          <a:r>
+                            <a:rPr lang="en-US" dirty="0"/>
+                            <a:t>Morphisms from sum n to sum n</a:t>
+                          </a:r>
+                        </a:p>
+                      </a:txBody>
+                      <a:tcPr/>
+                    </a:tc>
+                    <a:tc>
+                      <a:txBody>
+                        <a:bodyPr/>
+                        <a:lstStyle/>
+                        <a:p>
+                          <a:r>
+                            <a:rPr lang="en-US" dirty="0"/>
+                            <a:t>pass</a:t>
+                          </a:r>
+                        </a:p>
+                      </a:txBody>
+                      <a:tcPr/>
+                    </a:tc>
+                    <a:tc>
+                      <a:txBody>
+                        <a:bodyPr/>
+                        <a:lstStyle/>
+                        <a:p>
+                          <a:r>
+                            <a:rPr lang="en-US" dirty="0"/>
+                            <a:t>F preserves associative composition</a:t>
+                          </a:r>
+                        </a:p>
+                      </a:txBody>
+                      <a:tcPr/>
+                    </a:tc>
+                    <a:extLst>
+                      <a:ext uri="{0D108BD9-81ED-4DB2-BD59-A6C34878D82A}">
+                        <a16:rowId xmlns:a16="http://schemas.microsoft.com/office/drawing/2014/main" val="346802511"/>
+                      </a:ext>
+                    </a:extLst>
+                  </a:tr>
+                  <a:tr h="1155800">
+                    <a:tc>
+                      <a:txBody>
+                        <a:bodyPr/>
+                        <a:lstStyle/>
+                        <a:p>
+                          <a:r>
+                            <a:rPr lang="en-US" dirty="0" err="1"/>
+                            <a:t>Hom</a:t>
+                          </a:r>
+                          <a:r>
+                            <a:rPr lang="en-US" dirty="0"/>
+                            <a:t> Sum</a:t>
+                          </a:r>
+                        </a:p>
+                      </a:txBody>
+                      <a:tcPr/>
+                    </a:tc>
+                    <a:tc>
+                      <a:txBody>
+                        <a:bodyPr/>
+                        <a:lstStyle/>
+                        <a:p>
+                          <a:pPr marL="0" marR="0" lvl="0" indent="0" algn="l" defTabSz="914400" rtl="0" eaLnBrk="1" fontAlgn="auto" latinLnBrk="0" hangingPunct="1">
+                            <a:lnSpc>
+                              <a:spcPct val="100000"/>
+                            </a:lnSpc>
+                            <a:spcBef>
+                              <a:spcPts val="0"/>
+                            </a:spcBef>
+                            <a:spcAft>
+                              <a:spcPts val="0"/>
+                            </a:spcAft>
+                            <a:buClrTx/>
+                            <a:buSzTx/>
+                            <a:buFontTx/>
+                            <a:buNone/>
+                            <a:tabLst/>
+                            <a:defRPr/>
+                          </a:pPr>
+                          <a:r>
+                            <a:rPr lang="en-US" dirty="0"/>
+                            <a:t>F</a:t>
+                          </a:r>
+                          <a:r>
+                            <a:rPr lang="en-US" baseline="-25000" dirty="0"/>
+                            <a:t>1</a:t>
+                          </a:r>
+                          <a:r>
+                            <a:rPr lang="en-US" dirty="0"/>
+                            <a:t> F</a:t>
+                          </a:r>
+                          <a:r>
+                            <a:rPr lang="en-US" baseline="-25000" dirty="0"/>
+                            <a:t>2</a:t>
+                          </a:r>
+                          <a:r>
+                            <a:rPr lang="en-US" dirty="0"/>
+                            <a:t>…</a:t>
+                          </a:r>
+                          <a:r>
+                            <a:rPr lang="en-US" dirty="0" err="1"/>
+                            <a:t>F</a:t>
+                          </a:r>
+                          <a:r>
+                            <a:rPr lang="en-US" baseline="-25000" dirty="0" err="1"/>
+                            <a:t>n</a:t>
+                          </a:r>
+                          <a:r>
+                            <a:rPr lang="en-US" dirty="0"/>
+                            <a:t> </a:t>
+                          </a:r>
+                          <a14:m>
+                            <m:oMath xmlns:m="http://schemas.openxmlformats.org/officeDocument/2006/math">
+                              <m:r>
+                                <a:rPr lang="en-US" i="1" smtClean="0">
+                                  <a:latin typeface="Cambria Math" panose="02040503050406030204" pitchFamily="18" charset="0"/>
+                                  <a:ea typeface="Cambria Math" panose="02040503050406030204" pitchFamily="18" charset="0"/>
+                                </a:rPr>
+                                <m:t>→</m:t>
+                              </m:r>
+                            </m:oMath>
+                          </a14:m>
+                          <a:r>
+                            <a:rPr lang="en-US" dirty="0"/>
+                            <a:t> F</a:t>
+                          </a:r>
+                          <a:r>
+                            <a:rPr lang="en-US" baseline="-25000" dirty="0"/>
+                            <a:t>1</a:t>
+                          </a:r>
+                          <a:r>
+                            <a:rPr lang="en-US" dirty="0"/>
+                            <a:t>*F</a:t>
+                          </a:r>
+                          <a:r>
+                            <a:rPr lang="en-US" baseline="-25000" dirty="0"/>
+                            <a:t>2</a:t>
+                          </a:r>
+                          <a:r>
+                            <a:rPr lang="en-US" dirty="0"/>
+                            <a:t>*…*</a:t>
+                          </a:r>
+                          <a:r>
+                            <a:rPr lang="en-US" dirty="0" err="1"/>
+                            <a:t>F</a:t>
+                          </a:r>
+                          <a:r>
+                            <a:rPr lang="en-US" baseline="-25000" dirty="0" err="1"/>
+                            <a:t>n</a:t>
+                          </a:r>
+                          <a:endParaRPr lang="en-US" baseline="-25000" dirty="0"/>
+                        </a:p>
+                        <a:p>
+                          <a:endParaRPr lang="en-US" dirty="0"/>
+                        </a:p>
+                      </a:txBody>
+                      <a:tcPr/>
+                    </a:tc>
+                    <a:tc>
+                      <a:txBody>
+                        <a:bodyPr/>
+                        <a:lstStyle/>
+                        <a:p>
+                          <a:r>
+                            <a:rPr lang="en-US" dirty="0"/>
+                            <a:t>Morphisms from one abelian space to another</a:t>
+                          </a:r>
+                        </a:p>
+                      </a:txBody>
+                      <a:tcPr/>
+                    </a:tc>
+                    <a:tc>
+                      <a:txBody>
+                        <a:bodyPr/>
+                        <a:lstStyle/>
+                        <a:p>
+                          <a:r>
+                            <a:rPr lang="en-US" dirty="0"/>
+                            <a:t>pass</a:t>
+                          </a:r>
+                        </a:p>
+                      </a:txBody>
+                      <a:tcPr/>
+                    </a:tc>
+                    <a:tc>
+                      <a:txBody>
+                        <a:bodyPr/>
+                        <a:lstStyle/>
+                        <a:p>
+                          <a:r>
+                            <a:rPr lang="en-US" dirty="0"/>
+                            <a:t>F preserves associative composition of abelian space morphisms, i.e. F is a </a:t>
+                          </a:r>
+                          <a:r>
+                            <a:rPr lang="en-US" dirty="0" err="1"/>
+                            <a:t>functor</a:t>
+                          </a:r>
+                          <a:endParaRPr lang="en-US" dirty="0"/>
+                        </a:p>
+                      </a:txBody>
+                      <a:tcPr/>
+                    </a:tc>
+                    <a:extLst>
+                      <a:ext uri="{0D108BD9-81ED-4DB2-BD59-A6C34878D82A}">
+                        <a16:rowId xmlns:a16="http://schemas.microsoft.com/office/drawing/2014/main" val="3928066106"/>
+                      </a:ext>
+                    </a:extLst>
+                  </a:tr>
+                </a:tbl>
+              </a:graphicData>
+            </a:graphic>
+          </p:graphicFrame>
+        </mc:Choice>
+        <mc:Fallback>
+          <p:graphicFrame>
+            <p:nvGraphicFramePr>
+              <p:cNvPr id="4" name="Table 3">
+                <a:extLst>
+                  <a:ext uri="{FF2B5EF4-FFF2-40B4-BE49-F238E27FC236}">
+                    <a16:creationId xmlns:a16="http://schemas.microsoft.com/office/drawing/2014/main" id="{7727A50A-7D57-EF4F-9E08-4D47A6C0E71A}"/>
+                  </a:ext>
+                </a:extLst>
+              </p:cNvPr>
+              <p:cNvGraphicFramePr>
+                <a:graphicFrameLocks noGrp="1"/>
+              </p:cNvGraphicFramePr>
+              <p:nvPr>
+                <p:extLst>
+                  <p:ext uri="{D42A27DB-BD31-4B8C-83A1-F6EECF244321}">
+                    <p14:modId xmlns:p14="http://schemas.microsoft.com/office/powerpoint/2010/main" val="2695902671"/>
+                  </p:ext>
+                </p:extLst>
+              </p:nvPr>
+            </p:nvGraphicFramePr>
+            <p:xfrm>
+              <a:off x="175097" y="253845"/>
+              <a:ext cx="11799651" cy="6270413"/>
+            </p:xfrm>
+            <a:graphic>
+              <a:graphicData uri="http://schemas.openxmlformats.org/drawingml/2006/table">
+                <a:tbl>
+                  <a:tblPr firstRow="1" bandRow="1">
+                    <a:tableStyleId>{5C22544A-7EE6-4342-B048-85BDC9FD1C3A}</a:tableStyleId>
+                  </a:tblPr>
+                  <a:tblGrid>
+                    <a:gridCol w="1312159">
+                      <a:extLst>
+                        <a:ext uri="{9D8B030D-6E8A-4147-A177-3AD203B41FA5}">
+                          <a16:colId xmlns:a16="http://schemas.microsoft.com/office/drawing/2014/main" val="3425095875"/>
+                        </a:ext>
+                      </a:extLst>
+                    </a:gridCol>
+                    <a:gridCol w="3025803">
+                      <a:extLst>
+                        <a:ext uri="{9D8B030D-6E8A-4147-A177-3AD203B41FA5}">
+                          <a16:colId xmlns:a16="http://schemas.microsoft.com/office/drawing/2014/main" val="1728314954"/>
+                        </a:ext>
+                      </a:extLst>
+                    </a:gridCol>
+                    <a:gridCol w="2551200">
+                      <a:extLst>
+                        <a:ext uri="{9D8B030D-6E8A-4147-A177-3AD203B41FA5}">
+                          <a16:colId xmlns:a16="http://schemas.microsoft.com/office/drawing/2014/main" val="583303923"/>
+                        </a:ext>
+                      </a:extLst>
+                    </a:gridCol>
+                    <a:gridCol w="1320984">
+                      <a:extLst>
+                        <a:ext uri="{9D8B030D-6E8A-4147-A177-3AD203B41FA5}">
+                          <a16:colId xmlns:a16="http://schemas.microsoft.com/office/drawing/2014/main" val="2462071841"/>
+                        </a:ext>
+                      </a:extLst>
+                    </a:gridCol>
+                    <a:gridCol w="3589505">
+                      <a:extLst>
+                        <a:ext uri="{9D8B030D-6E8A-4147-A177-3AD203B41FA5}">
+                          <a16:colId xmlns:a16="http://schemas.microsoft.com/office/drawing/2014/main" val="862408566"/>
+                        </a:ext>
+                      </a:extLst>
+                    </a:gridCol>
+                  </a:tblGrid>
+                  <a:tr h="636155">
+                    <a:tc>
+                      <a:txBody>
+                        <a:bodyPr/>
+                        <a:lstStyle/>
+                        <a:p>
+                          <a:r>
+                            <a:rPr lang="en-US" dirty="0"/>
+                            <a:t>Space</a:t>
+                          </a:r>
+                        </a:p>
+                      </a:txBody>
+                      <a:tcPr/>
+                    </a:tc>
+                    <a:tc>
+                      <a:txBody>
+                        <a:bodyPr/>
+                        <a:lstStyle/>
+                        <a:p>
+                          <a:r>
+                            <a:rPr lang="en-US" dirty="0"/>
+                            <a:t>Action</a:t>
+                          </a:r>
+                        </a:p>
+                      </a:txBody>
+                      <a:tcPr/>
+                    </a:tc>
+                    <a:tc>
+                      <a:txBody>
+                        <a:bodyPr/>
+                        <a:lstStyle/>
+                        <a:p>
+                          <a:r>
+                            <a:rPr lang="en-US" dirty="0"/>
+                            <a:t>Data</a:t>
+                          </a:r>
+                        </a:p>
+                      </a:txBody>
+                      <a:tcPr/>
+                    </a:tc>
+                    <a:tc>
+                      <a:txBody>
+                        <a:bodyPr/>
+                        <a:lstStyle/>
+                        <a:p>
+                          <a:r>
+                            <a:rPr lang="en-US" dirty="0"/>
+                            <a:t>Space</a:t>
+                          </a:r>
+                          <a:r>
+                            <a:rPr lang="en-US" dirty="0">
+                              <a:sym typeface="Wingdings" pitchFamily="2" charset="2"/>
+                            </a:rPr>
+                            <a:t>:()</a:t>
+                          </a:r>
+                          <a:endParaRPr lang="en-US" dirty="0"/>
+                        </a:p>
+                      </a:txBody>
+                      <a:tcPr/>
+                    </a:tc>
+                    <a:tc>
+                      <a:txBody>
+                        <a:bodyPr/>
+                        <a:lstStyle/>
+                        <a:p>
+                          <a:r>
+                            <a:rPr lang="en-US" dirty="0"/>
+                            <a:t>F*Space = Space*F</a:t>
+                          </a:r>
+                        </a:p>
+                      </a:txBody>
+                      <a:tcPr/>
+                    </a:tc>
+                    <a:extLst>
+                      <a:ext uri="{0D108BD9-81ED-4DB2-BD59-A6C34878D82A}">
+                        <a16:rowId xmlns:a16="http://schemas.microsoft.com/office/drawing/2014/main" val="252941521"/>
+                      </a:ext>
+                    </a:extLst>
+                  </a:tr>
+                  <a:tr h="365760">
+                    <a:tc>
+                      <a:txBody>
+                        <a:bodyPr/>
+                        <a:lstStyle/>
+                        <a:p>
+                          <a:r>
+                            <a:rPr lang="en-US" dirty="0"/>
+                            <a:t>pass</a:t>
+                          </a:r>
+                        </a:p>
+                      </a:txBody>
+                      <a:tcPr/>
+                    </a:tc>
+                    <a:tc>
+                      <a:txBody>
+                        <a:bodyPr/>
+                        <a:lstStyle/>
+                        <a:p>
+                          <a:endParaRPr lang="en-US"/>
+                        </a:p>
+                      </a:txBody>
+                      <a:tcPr>
+                        <a:blipFill>
+                          <a:blip r:embed="rId2"/>
+                          <a:stretch>
+                            <a:fillRect l="-43515" t="-179310" r="-246862" b="-1437931"/>
+                          </a:stretch>
+                        </a:blipFill>
+                      </a:tcPr>
+                    </a:tc>
+                    <a:tc>
+                      <a:txBody>
+                        <a:bodyPr/>
+                        <a:lstStyle/>
+                        <a:p>
+                          <a:r>
+                            <a:rPr lang="en-US" dirty="0"/>
+                            <a:t>All data</a:t>
+                          </a:r>
+                        </a:p>
+                      </a:txBody>
+                      <a:tcPr/>
+                    </a:tc>
+                    <a:tc>
+                      <a:txBody>
+                        <a:bodyPr/>
+                        <a:lstStyle/>
+                        <a:p>
+                          <a:r>
+                            <a:rPr lang="en-US" dirty="0"/>
+                            <a:t>()</a:t>
+                          </a:r>
+                        </a:p>
+                      </a:txBody>
+                      <a:tcPr/>
+                    </a:tc>
+                    <a:tc>
+                      <a:txBody>
+                        <a:bodyPr/>
+                        <a:lstStyle/>
+                        <a:p>
+                          <a:r>
+                            <a:rPr lang="en-US" dirty="0"/>
+                            <a:t>F distributive</a:t>
+                          </a:r>
+                        </a:p>
+                      </a:txBody>
+                      <a:tcPr/>
+                    </a:tc>
+                    <a:extLst>
+                      <a:ext uri="{0D108BD9-81ED-4DB2-BD59-A6C34878D82A}">
+                        <a16:rowId xmlns:a16="http://schemas.microsoft.com/office/drawing/2014/main" val="1798670295"/>
+                      </a:ext>
+                    </a:extLst>
+                  </a:tr>
+                  <a:tr h="365760">
+                    <a:tc>
+                      <a:txBody>
+                        <a:bodyPr/>
+                        <a:lstStyle/>
+                        <a:p>
+                          <a:r>
+                            <a:rPr lang="en-US" dirty="0"/>
+                            <a:t>null</a:t>
+                          </a:r>
+                        </a:p>
+                      </a:txBody>
+                      <a:tcPr/>
+                    </a:tc>
+                    <a:tc>
+                      <a:txBody>
+                        <a:bodyPr/>
+                        <a:lstStyle/>
+                        <a:p>
+                          <a:endParaRPr lang="en-US"/>
+                        </a:p>
+                      </a:txBody>
+                      <a:tcPr>
+                        <a:blipFill>
+                          <a:blip r:embed="rId2"/>
+                          <a:stretch>
+                            <a:fillRect l="-43515" t="-279310" r="-246862" b="-1337931"/>
+                          </a:stretch>
+                        </a:blipFill>
+                      </a:tcPr>
+                    </a:tc>
+                    <a:tc>
+                      <a:txBody>
+                        <a:bodyPr/>
+                        <a:lstStyle/>
+                        <a:p>
+                          <a:r>
+                            <a:rPr lang="en-US" dirty="0"/>
+                            <a:t>() only </a:t>
+                          </a:r>
+                        </a:p>
+                      </a:txBody>
+                      <a:tcPr/>
+                    </a:tc>
+                    <a:tc>
+                      <a:txBody>
+                        <a:bodyPr/>
+                        <a:lstStyle/>
+                        <a:p>
+                          <a:r>
+                            <a:rPr lang="en-US" dirty="0"/>
+                            <a:t>()</a:t>
+                          </a:r>
+                        </a:p>
+                      </a:txBody>
+                      <a:tcPr/>
+                    </a:tc>
+                    <a:tc>
+                      <a:txBody>
+                        <a:bodyPr/>
+                        <a:lstStyle/>
+                        <a:p>
+                          <a:r>
+                            <a:rPr lang="en-US" dirty="0"/>
+                            <a:t>F:X = ()</a:t>
+                          </a:r>
+                        </a:p>
+                      </a:txBody>
+                      <a:tcPr/>
+                    </a:tc>
+                    <a:extLst>
+                      <a:ext uri="{0D108BD9-81ED-4DB2-BD59-A6C34878D82A}">
+                        <a16:rowId xmlns:a16="http://schemas.microsoft.com/office/drawing/2014/main" val="1039888401"/>
+                      </a:ext>
+                    </a:extLst>
+                  </a:tr>
+                  <a:tr h="505662">
+                    <a:tc>
+                      <a:txBody>
+                        <a:bodyPr/>
+                        <a:lstStyle/>
+                        <a:p>
+                          <a:r>
+                            <a:rPr lang="en-US" dirty="0"/>
+                            <a:t>first</a:t>
+                          </a:r>
+                        </a:p>
+                      </a:txBody>
+                      <a:tcPr/>
+                    </a:tc>
+                    <a:tc>
+                      <a:txBody>
+                        <a:bodyPr/>
+                        <a:lstStyle/>
+                        <a:p>
+                          <a:endParaRPr lang="en-US"/>
+                        </a:p>
+                      </a:txBody>
+                      <a:tcPr>
+                        <a:blipFill>
+                          <a:blip r:embed="rId2"/>
+                          <a:stretch>
+                            <a:fillRect l="-43515" t="-275000" r="-246862" b="-870000"/>
+                          </a:stretch>
+                        </a:blipFill>
+                      </a:tcPr>
+                    </a:tc>
+                    <a:tc>
+                      <a:txBody>
+                        <a:bodyPr/>
+                        <a:lstStyle/>
+                        <a:p>
+                          <a:r>
+                            <a:rPr lang="en-US" dirty="0"/>
+                            <a:t>Single atoms</a:t>
+                          </a:r>
+                        </a:p>
+                      </a:txBody>
+                      <a:tcPr/>
+                    </a:tc>
+                    <a:tc>
+                      <a:txBody>
+                        <a:bodyPr/>
+                        <a:lstStyle/>
+                        <a:p>
+                          <a:r>
+                            <a:rPr lang="en-US" dirty="0"/>
+                            <a:t>()</a:t>
+                          </a:r>
+                        </a:p>
+                      </a:txBody>
+                      <a:tcPr/>
+                    </a:tc>
+                    <a:tc>
+                      <a:txBody>
+                        <a:bodyPr/>
+                        <a:lstStyle/>
+                        <a:p>
+                          <a:r>
+                            <a:rPr lang="en-US" dirty="0"/>
+                            <a:t>F dependent only on the first atom</a:t>
+                          </a:r>
+                        </a:p>
+                      </a:txBody>
+                      <a:tcPr/>
+                    </a:tc>
+                    <a:extLst>
+                      <a:ext uri="{0D108BD9-81ED-4DB2-BD59-A6C34878D82A}">
+                        <a16:rowId xmlns:a16="http://schemas.microsoft.com/office/drawing/2014/main" val="1104856656"/>
+                      </a:ext>
+                    </a:extLst>
+                  </a:tr>
+                  <a:tr h="365760">
+                    <a:tc>
+                      <a:txBody>
+                        <a:bodyPr/>
+                        <a:lstStyle/>
+                        <a:p>
+                          <a:r>
+                            <a:rPr lang="en-US" dirty="0"/>
+                            <a:t>bool</a:t>
+                          </a:r>
+                        </a:p>
+                      </a:txBody>
+                      <a:tcPr/>
+                    </a:tc>
+                    <a:tc>
+                      <a:txBody>
+                        <a:bodyPr/>
+                        <a:lstStyle/>
+                        <a:p>
+                          <a:endParaRPr lang="en-US"/>
+                        </a:p>
+                      </a:txBody>
+                      <a:tcPr>
+                        <a:blipFill>
+                          <a:blip r:embed="rId2"/>
+                          <a:stretch>
+                            <a:fillRect l="-43515" t="-517241" r="-246862" b="-1100000"/>
+                          </a:stretch>
+                        </a:blipFill>
+                      </a:tcPr>
+                    </a:tc>
+                    <a:tc>
+                      <a:txBody>
+                        <a:bodyPr/>
+                        <a:lstStyle/>
+                        <a:p>
+                          <a:r>
+                            <a:rPr lang="en-US" dirty="0"/>
+                            <a:t>True/false</a:t>
+                          </a:r>
+                        </a:p>
+                      </a:txBody>
+                      <a:tcPr/>
+                    </a:tc>
+                    <a:tc>
+                      <a:txBody>
+                        <a:bodyPr/>
+                        <a:lstStyle/>
+                        <a:p>
+                          <a:r>
+                            <a:rPr lang="en-US" dirty="0"/>
+                            <a:t>()</a:t>
+                          </a:r>
+                        </a:p>
+                      </a:txBody>
+                      <a:tcPr/>
+                    </a:tc>
+                    <a:tc>
+                      <a:txBody>
+                        <a:bodyPr/>
+                        <a:lstStyle/>
+                        <a:p>
+                          <a:r>
+                            <a:rPr lang="en-US" dirty="0"/>
+                            <a:t>F:X preserves </a:t>
+                          </a:r>
+                          <a:r>
+                            <a:rPr lang="en-US" dirty="0" err="1"/>
+                            <a:t>bool:X</a:t>
+                          </a:r>
+                          <a:endParaRPr lang="en-US" dirty="0"/>
+                        </a:p>
+                      </a:txBody>
+                      <a:tcPr/>
+                    </a:tc>
+                    <a:extLst>
+                      <a:ext uri="{0D108BD9-81ED-4DB2-BD59-A6C34878D82A}">
+                        <a16:rowId xmlns:a16="http://schemas.microsoft.com/office/drawing/2014/main" val="472330938"/>
+                      </a:ext>
+                    </a:extLst>
+                  </a:tr>
+                  <a:tr h="636155">
+                    <a:tc>
+                      <a:txBody>
+                        <a:bodyPr/>
+                        <a:lstStyle/>
+                        <a:p>
+                          <a:r>
+                            <a:rPr lang="en-US" dirty="0"/>
+                            <a:t>type n</a:t>
+                          </a:r>
+                        </a:p>
+                      </a:txBody>
+                      <a:tcPr/>
+                    </a:tc>
+                    <a:tc>
+                      <a:txBody>
+                        <a:bodyPr/>
+                        <a:lstStyle/>
+                        <a:p>
+                          <a:r>
+                            <a:rPr lang="en-US" sz="1600" dirty="0"/>
+                            <a:t>A -&gt; (n:2) (n:1) (n:5) </a:t>
+                          </a:r>
+                        </a:p>
+                      </a:txBody>
+                      <a:tcPr/>
+                    </a:tc>
+                    <a:tc>
+                      <a:txBody>
+                        <a:bodyPr/>
+                        <a:lstStyle/>
+                        <a:p>
+                          <a:r>
+                            <a:rPr lang="en-US" dirty="0"/>
+                            <a:t>Natural numbers</a:t>
+                          </a:r>
+                        </a:p>
+                      </a:txBody>
+                      <a:tcPr/>
+                    </a:tc>
+                    <a:tc>
+                      <a:txBody>
+                        <a:bodyPr/>
+                        <a:lstStyle/>
+                        <a:p>
+                          <a:r>
+                            <a:rPr lang="en-US" dirty="0"/>
+                            <a:t>(n:0)</a:t>
+                          </a:r>
+                        </a:p>
+                      </a:txBody>
+                      <a:tcPr/>
+                    </a:tc>
+                    <a:tc>
+                      <a:txBody>
+                        <a:bodyPr/>
+                        <a:lstStyle/>
+                        <a:p>
+                          <a:r>
+                            <a:rPr lang="en-US" dirty="0"/>
+                            <a:t>(type n) * F * (type n) for any F</a:t>
+                          </a:r>
+                        </a:p>
+                      </a:txBody>
+                      <a:tcPr/>
+                    </a:tc>
+                    <a:extLst>
+                      <a:ext uri="{0D108BD9-81ED-4DB2-BD59-A6C34878D82A}">
+                        <a16:rowId xmlns:a16="http://schemas.microsoft.com/office/drawing/2014/main" val="219725921"/>
+                      </a:ext>
+                    </a:extLst>
+                  </a:tr>
+                  <a:tr h="505662">
+                    <a:tc>
+                      <a:txBody>
+                        <a:bodyPr/>
+                        <a:lstStyle/>
+                        <a:p>
+                          <a:r>
+                            <a:rPr lang="en-US" dirty="0"/>
+                            <a:t>sum n</a:t>
+                          </a:r>
+                        </a:p>
+                      </a:txBody>
+                      <a:tcPr/>
+                    </a:tc>
+                    <a:tc>
+                      <a:txBody>
+                        <a:bodyPr/>
+                        <a:lstStyle/>
+                        <a:p>
+                          <a:endParaRPr lang="en-US"/>
+                        </a:p>
+                      </a:txBody>
+                      <a:tcPr>
+                        <a:blipFill>
+                          <a:blip r:embed="rId2"/>
+                          <a:stretch>
+                            <a:fillRect l="-43515" t="-572500" r="-246862" b="-572500"/>
+                          </a:stretch>
+                        </a:blipFill>
+                      </a:tcPr>
+                    </a:tc>
+                    <a:tc>
+                      <a:txBody>
+                        <a:bodyPr/>
+                        <a:lstStyle/>
+                        <a:p>
+                          <a:r>
+                            <a:rPr lang="en-US" dirty="0"/>
+                            <a:t>Natural numbers</a:t>
+                          </a:r>
+                        </a:p>
+                      </a:txBody>
+                      <a:tcPr/>
+                    </a:tc>
+                    <a:tc>
+                      <a:txBody>
+                        <a:bodyPr/>
+                        <a:lstStyle/>
+                        <a:p>
+                          <a:r>
+                            <a:rPr lang="en-US" dirty="0"/>
+                            <a:t>(n:0)</a:t>
+                          </a:r>
+                        </a:p>
+                      </a:txBody>
+                      <a:tcPr/>
+                    </a:tc>
+                    <a:tc>
+                      <a:txBody>
+                        <a:bodyPr/>
+                        <a:lstStyle/>
+                        <a:p>
+                          <a:r>
+                            <a:rPr lang="en-US" dirty="0"/>
+                            <a:t>F(n</a:t>
+                          </a:r>
+                          <a:r>
+                            <a:rPr lang="en-US" baseline="-25000" dirty="0"/>
+                            <a:t>1</a:t>
+                          </a:r>
+                          <a:r>
+                            <a:rPr lang="en-US" dirty="0"/>
+                            <a:t>+n</a:t>
+                          </a:r>
+                          <a:r>
+                            <a:rPr lang="en-US" baseline="-25000" dirty="0"/>
+                            <a:t>2</a:t>
+                          </a:r>
+                          <a:r>
+                            <a:rPr lang="en-US" dirty="0"/>
+                            <a:t>) = F(n</a:t>
+                          </a:r>
+                          <a:r>
+                            <a:rPr lang="en-US" baseline="-25000" dirty="0"/>
+                            <a:t>1</a:t>
+                          </a:r>
+                          <a:r>
+                            <a:rPr lang="en-US" dirty="0"/>
+                            <a:t>)+F(n</a:t>
+                          </a:r>
+                          <a:r>
+                            <a:rPr lang="en-US" baseline="-25000" dirty="0"/>
+                            <a:t>2</a:t>
+                          </a:r>
+                          <a:r>
+                            <a:rPr lang="en-US" dirty="0"/>
+                            <a:t>)</a:t>
+                          </a:r>
+                        </a:p>
+                      </a:txBody>
+                      <a:tcPr/>
+                    </a:tc>
+                    <a:extLst>
+                      <a:ext uri="{0D108BD9-81ED-4DB2-BD59-A6C34878D82A}">
+                        <a16:rowId xmlns:a16="http://schemas.microsoft.com/office/drawing/2014/main" val="426411591"/>
+                      </a:ext>
+                    </a:extLst>
+                  </a:tr>
+                  <a:tr h="505662">
+                    <a:tc>
+                      <a:txBody>
+                        <a:bodyPr/>
+                        <a:lstStyle/>
+                        <a:p>
+                          <a:r>
+                            <a:rPr lang="en-US" dirty="0"/>
+                            <a:t>prod n</a:t>
+                          </a:r>
+                        </a:p>
+                      </a:txBody>
+                      <a:tcPr/>
+                    </a:tc>
+                    <a:tc>
+                      <a:txBody>
+                        <a:bodyPr/>
+                        <a:lstStyle/>
+                        <a:p>
+                          <a:endParaRPr lang="en-US"/>
+                        </a:p>
+                      </a:txBody>
+                      <a:tcPr>
+                        <a:blipFill>
+                          <a:blip r:embed="rId2"/>
+                          <a:stretch>
+                            <a:fillRect l="-43515" t="-672500" r="-246862" b="-472500"/>
+                          </a:stretch>
+                        </a:blipFill>
+                      </a:tcPr>
+                    </a:tc>
+                    <a:tc>
+                      <a:txBody>
+                        <a:bodyPr/>
+                        <a:lstStyle/>
+                        <a:p>
+                          <a:r>
+                            <a:rPr lang="en-US" dirty="0"/>
+                            <a:t>Natural numbers</a:t>
+                          </a:r>
+                        </a:p>
+                      </a:txBody>
+                      <a:tcPr/>
+                    </a:tc>
+                    <a:tc>
+                      <a:txBody>
+                        <a:bodyPr/>
+                        <a:lstStyle/>
+                        <a:p>
+                          <a:r>
+                            <a:rPr lang="en-US" dirty="0"/>
+                            <a:t>(n:1)</a:t>
+                          </a:r>
+                        </a:p>
+                      </a:txBody>
+                      <a:tcPr/>
+                    </a:tc>
+                    <a:tc>
+                      <a:txBody>
+                        <a:bodyPr/>
+                        <a:lstStyle/>
+                        <a:p>
+                          <a:endParaRPr lang="en-US"/>
+                        </a:p>
+                      </a:txBody>
+                      <a:tcPr>
+                        <a:blipFill>
+                          <a:blip r:embed="rId2"/>
+                          <a:stretch>
+                            <a:fillRect l="-228975" t="-672500" r="-707" b="-472500"/>
+                          </a:stretch>
+                        </a:blipFill>
+                      </a:tcPr>
+                    </a:tc>
+                    <a:extLst>
+                      <a:ext uri="{0D108BD9-81ED-4DB2-BD59-A6C34878D82A}">
+                        <a16:rowId xmlns:a16="http://schemas.microsoft.com/office/drawing/2014/main" val="3387248326"/>
+                      </a:ext>
+                    </a:extLst>
+                  </a:tr>
+                  <a:tr h="505662">
+                    <a:tc>
+                      <a:txBody>
+                        <a:bodyPr/>
+                        <a:lstStyle/>
+                        <a:p>
+                          <a:r>
+                            <a:rPr lang="en-US" dirty="0"/>
+                            <a:t>sort n</a:t>
+                          </a:r>
+                        </a:p>
+                      </a:txBody>
+                      <a:tcPr/>
+                    </a:tc>
+                    <a:tc>
+                      <a:txBody>
+                        <a:bodyPr/>
+                        <a:lstStyle/>
+                        <a:p>
+                          <a:endParaRPr lang="en-US"/>
+                        </a:p>
+                      </a:txBody>
+                      <a:tcPr>
+                        <a:blipFill>
+                          <a:blip r:embed="rId2"/>
+                          <a:stretch>
+                            <a:fillRect l="-43515" t="-772500" r="-246862" b="-372500"/>
+                          </a:stretch>
+                        </a:blipFill>
+                      </a:tcPr>
+                    </a:tc>
+                    <a:tc>
+                      <a:txBody>
+                        <a:bodyPr/>
+                        <a:lstStyle/>
+                        <a:p>
+                          <a:r>
+                            <a:rPr lang="en-US" dirty="0"/>
+                            <a:t>Natural numbers</a:t>
+                          </a:r>
+                        </a:p>
+                      </a:txBody>
+                      <a:tcPr/>
+                    </a:tc>
+                    <a:tc>
+                      <a:txBody>
+                        <a:bodyPr/>
+                        <a:lstStyle/>
+                        <a:p>
+                          <a:r>
+                            <a:rPr lang="en-US" dirty="0"/>
+                            <a:t>()</a:t>
+                          </a:r>
+                        </a:p>
+                      </a:txBody>
+                      <a:tcPr/>
+                    </a:tc>
+                    <a:tc>
+                      <a:txBody>
+                        <a:bodyPr/>
+                        <a:lstStyle/>
+                        <a:p>
+                          <a:endParaRPr lang="en-US"/>
+                        </a:p>
+                      </a:txBody>
+                      <a:tcPr>
+                        <a:blipFill>
+                          <a:blip r:embed="rId2"/>
+                          <a:stretch>
+                            <a:fillRect l="-228975" t="-772500" r="-707" b="-372500"/>
+                          </a:stretch>
+                        </a:blipFill>
+                      </a:tcPr>
+                    </a:tc>
+                    <a:extLst>
+                      <a:ext uri="{0D108BD9-81ED-4DB2-BD59-A6C34878D82A}">
+                        <a16:rowId xmlns:a16="http://schemas.microsoft.com/office/drawing/2014/main" val="845147950"/>
+                      </a:ext>
+                    </a:extLst>
+                  </a:tr>
+                  <a:tr h="722375">
+                    <a:tc>
+                      <a:txBody>
+                        <a:bodyPr/>
+                        <a:lstStyle/>
+                        <a:p>
+                          <a:r>
+                            <a:rPr lang="en-US" dirty="0"/>
+                            <a:t>End sum n</a:t>
+                          </a:r>
+                        </a:p>
+                      </a:txBody>
+                      <a:tcPr/>
+                    </a:tc>
+                    <a:tc>
+                      <a:txBody>
+                        <a:bodyPr/>
+                        <a:lstStyle/>
+                        <a:p>
+                          <a:endParaRPr lang="en-US"/>
+                        </a:p>
+                      </a:txBody>
+                      <a:tcPr>
+                        <a:blipFill>
+                          <a:blip r:embed="rId2"/>
+                          <a:stretch>
+                            <a:fillRect l="-43515" t="-612281" r="-246862" b="-161404"/>
+                          </a:stretch>
+                        </a:blipFill>
+                      </a:tcPr>
+                    </a:tc>
+                    <a:tc>
+                      <a:txBody>
+                        <a:bodyPr/>
+                        <a:lstStyle/>
+                        <a:p>
+                          <a:r>
+                            <a:rPr lang="en-US" dirty="0"/>
+                            <a:t>Morphisms from sum n to sum n</a:t>
+                          </a:r>
+                        </a:p>
+                      </a:txBody>
+                      <a:tcPr/>
+                    </a:tc>
+                    <a:tc>
+                      <a:txBody>
+                        <a:bodyPr/>
+                        <a:lstStyle/>
+                        <a:p>
+                          <a:r>
+                            <a:rPr lang="en-US" dirty="0"/>
+                            <a:t>pass</a:t>
+                          </a:r>
+                        </a:p>
+                      </a:txBody>
+                      <a:tcPr/>
+                    </a:tc>
+                    <a:tc>
+                      <a:txBody>
+                        <a:bodyPr/>
+                        <a:lstStyle/>
+                        <a:p>
+                          <a:r>
+                            <a:rPr lang="en-US" dirty="0"/>
+                            <a:t>F preserves associative composition</a:t>
+                          </a:r>
+                        </a:p>
+                      </a:txBody>
+                      <a:tcPr/>
+                    </a:tc>
+                    <a:extLst>
+                      <a:ext uri="{0D108BD9-81ED-4DB2-BD59-A6C34878D82A}">
+                        <a16:rowId xmlns:a16="http://schemas.microsoft.com/office/drawing/2014/main" val="346802511"/>
+                      </a:ext>
+                    </a:extLst>
+                  </a:tr>
+                  <a:tr h="1155800">
+                    <a:tc>
+                      <a:txBody>
+                        <a:bodyPr/>
+                        <a:lstStyle/>
+                        <a:p>
+                          <a:r>
+                            <a:rPr lang="en-US" dirty="0" err="1"/>
+                            <a:t>Hom</a:t>
+                          </a:r>
+                          <a:r>
+                            <a:rPr lang="en-US" dirty="0"/>
+                            <a:t> Sum</a:t>
+                          </a:r>
+                        </a:p>
+                      </a:txBody>
+                      <a:tcPr/>
+                    </a:tc>
+                    <a:tc>
+                      <a:txBody>
+                        <a:bodyPr/>
+                        <a:lstStyle/>
+                        <a:p>
+                          <a:endParaRPr lang="en-US"/>
+                        </a:p>
+                      </a:txBody>
+                      <a:tcPr>
+                        <a:blipFill>
+                          <a:blip r:embed="rId2"/>
+                          <a:stretch>
+                            <a:fillRect l="-43515" t="-446154" r="-246862" b="-1099"/>
+                          </a:stretch>
+                        </a:blipFill>
+                      </a:tcPr>
+                    </a:tc>
+                    <a:tc>
+                      <a:txBody>
+                        <a:bodyPr/>
+                        <a:lstStyle/>
+                        <a:p>
+                          <a:r>
+                            <a:rPr lang="en-US" dirty="0"/>
+                            <a:t>Morphisms from one abelian space to another</a:t>
+                          </a:r>
+                        </a:p>
+                      </a:txBody>
+                      <a:tcPr/>
+                    </a:tc>
+                    <a:tc>
+                      <a:txBody>
+                        <a:bodyPr/>
+                        <a:lstStyle/>
+                        <a:p>
+                          <a:r>
+                            <a:rPr lang="en-US" dirty="0"/>
+                            <a:t>pass</a:t>
+                          </a:r>
+                        </a:p>
+                      </a:txBody>
+                      <a:tcPr/>
+                    </a:tc>
+                    <a:tc>
+                      <a:txBody>
+                        <a:bodyPr/>
+                        <a:lstStyle/>
+                        <a:p>
+                          <a:r>
+                            <a:rPr lang="en-US" dirty="0"/>
+                            <a:t>F preserves associative composition of abelian space morphisms, i.e. F is a </a:t>
+                          </a:r>
+                          <a:r>
+                            <a:rPr lang="en-US" dirty="0" err="1"/>
+                            <a:t>functor</a:t>
+                          </a:r>
+                          <a:endParaRPr lang="en-US" dirty="0"/>
+                        </a:p>
+                      </a:txBody>
+                      <a:tcPr/>
+                    </a:tc>
+                    <a:extLst>
+                      <a:ext uri="{0D108BD9-81ED-4DB2-BD59-A6C34878D82A}">
+                        <a16:rowId xmlns:a16="http://schemas.microsoft.com/office/drawing/2014/main" val="3928066106"/>
+                      </a:ext>
+                    </a:extLst>
+                  </a:tr>
+                </a:tbl>
+              </a:graphicData>
+            </a:graphic>
+          </p:graphicFrame>
+        </mc:Fallback>
+      </mc:AlternateContent>
+    </p:spTree>
+    <p:extLst>
+      <p:ext uri="{BB962C8B-B14F-4D97-AF65-F5344CB8AC3E}">
+        <p14:creationId xmlns:p14="http://schemas.microsoft.com/office/powerpoint/2010/main" val="3594652426"/>
+      </p:ext>
+    </p:extLst>
+  </p:cSld>
+  <p:clrMapOvr>
+    <a:masterClrMapping/>
+  </p:clrMapOvr>
+</p:sld>
+</file>
+
+<file path=ppt/slides/slide26.xml><?xml version="1.0" encoding="utf-8"?>
+<p:sld xmlns:a="http://schemas.openxmlformats.org/drawingml/2006/main" xmlns:r="http://schemas.openxmlformats.org/officeDocument/2006/relationships" xmlns:p="http://schemas.openxmlformats.org/presentationml/2006/main">
+  <p:cSld>
+    <p:spTree>
+      <p:nvGrpSpPr>
+        <p:cNvPr id="1" name=""/>
+        <p:cNvGrpSpPr/>
+        <p:nvPr/>
+      </p:nvGrpSpPr>
+      <p:grpSpPr>
+        <a:xfrm>
+          <a:off x="0" y="0"/>
+          <a:ext cx="0" cy="0"/>
+          <a:chOff x="0" y="0"/>
+          <a:chExt cx="0" cy="0"/>
+        </a:xfrm>
+      </p:grpSpPr>
       <p:sp>
         <p:nvSpPr>
           <p:cNvPr id="2" name="TextBox 1">
@@ -11887,8 +14103,8 @@
         </p:nvSpPr>
         <p:spPr>
           <a:xfrm>
-            <a:off x="0" y="240526"/>
-            <a:ext cx="12192000" cy="769441"/>
+            <a:off x="0" y="768311"/>
+            <a:ext cx="12192000" cy="646331"/>
           </a:xfrm>
           <a:prstGeom prst="rect">
             <a:avLst/>
@@ -11903,16 +14119,16 @@
           <a:p>
             <a:pPr algn="ctr"/>
             <a:r>
-              <a:rPr lang="en-US" sz="4400" dirty="0">
-                <a:latin typeface="+mj-lt"/>
-              </a:rPr>
-              <a:t>Spaces are categories</a:t>
+              <a:rPr lang="en-US" sz="3600" dirty="0">
+                <a:latin typeface="+mj-lt"/>
+              </a:rPr>
+              <a:t>Compare “spaces” with categories in category theory</a:t>
             </a:r>
           </a:p>
         </p:txBody>
       </p:sp>
-      <mc:AlternateContent xmlns:mc="http://schemas.openxmlformats.org/markup-compatibility/2006" xmlns:a14="http://schemas.microsoft.com/office/drawing/2010/main">
-        <mc:Choice Requires="a14">
+      <mc:AlternateContent xmlns:mc="http://schemas.openxmlformats.org/markup-compatibility/2006">
+        <mc:Choice xmlns:a14="http://schemas.microsoft.com/office/drawing/2010/main" Requires="a14">
           <p:sp>
             <p:nvSpPr>
               <p:cNvPr id="4" name="TextBox 3">
@@ -11927,7 +14143,7 @@
             </p:nvSpPr>
             <p:spPr>
               <a:xfrm>
-                <a:off x="619379" y="1286608"/>
+                <a:off x="762463" y="1811903"/>
                 <a:ext cx="10842172" cy="3416320"/>
               </a:xfrm>
               <a:prstGeom prst="rect">
@@ -11940,14 +14156,6 @@
                 <a:spAutoFit/>
               </a:bodyPr>
               <a:lstStyle/>
-              <a:p>
-                <a:r>
-                  <a:rPr lang="en-US" sz="2400" dirty="0">
-                    <a:latin typeface="+mj-lt"/>
-                  </a:rPr>
-                  <a:t>…but not exactly.  The difference is very interesting.</a:t>
-                </a:r>
-              </a:p>
               <a:p>
                 <a:pPr marL="342900" indent="-342900">
                   <a:buFont typeface="Arial" panose="020B0604020202020204" pitchFamily="34" charset="0"/>
@@ -11998,7 +14206,19 @@
                   <a:rPr lang="en-US" sz="2400" dirty="0">
                     <a:latin typeface="+mj-lt"/>
                   </a:rPr>
-                  <a:t>The categorical properties of morphisms is determined by the category.  This is not true in standard category theory where, for instance, you can have a category of real vector spaces with ordinary, non-linear maps. </a:t>
+                  <a:t>The categorical properties of morphisms is determined by the space.  This is not true in standard category theory where, for instance, you can have a category of real vector spaces with ordinary, non-linear maps. </a:t>
+                </a:r>
+              </a:p>
+              <a:p>
+                <a:pPr marL="342900" indent="-342900">
+                  <a:buFont typeface="Arial" panose="020B0604020202020204" pitchFamily="34" charset="0"/>
+                  <a:buChar char="•"/>
+                </a:pPr>
+                <a:r>
+                  <a:rPr lang="en-US" sz="2400" dirty="0">
+                    <a:latin typeface="+mj-lt"/>
+                  </a:rPr>
+                  <a:t>Associativity happens a lot, due to concatenation of sequences being associative.</a:t>
                 </a:r>
               </a:p>
               <a:p>
@@ -12033,7 +14253,7 @@
             </p:txBody>
           </p:sp>
         </mc:Choice>
-        <mc:Fallback xmlns="">
+        <mc:Fallback>
           <p:sp>
             <p:nvSpPr>
               <p:cNvPr id="4" name="TextBox 3">
@@ -12050,7 +14270,7 @@
             </p:nvSpPr>
             <p:spPr>
               <a:xfrm>
-                <a:off x="619379" y="1286608"/>
+                <a:off x="762463" y="1811903"/>
                 <a:ext cx="10842172" cy="3416320"/>
               </a:xfrm>
               <a:prstGeom prst="rect">
@@ -12059,7 +14279,7 @@
               <a:blipFill>
                 <a:blip r:embed="rId2"/>
                 <a:stretch>
-                  <a:fillRect l="-820" t="-1111" r="-1171" b="-2963"/>
+                  <a:fillRect l="-820" t="-1481" r="-1171" b="-2963"/>
                 </a:stretch>
               </a:blipFill>
             </p:spPr>
@@ -12078,223 +14298,6 @@
           </p:sp>
         </mc:Fallback>
       </mc:AlternateContent>
-      <p:sp>
-        <p:nvSpPr>
-          <p:cNvPr id="5" name="TextBox 4">
-            <a:extLst>
-              <a:ext uri="{FF2B5EF4-FFF2-40B4-BE49-F238E27FC236}">
-                <a16:creationId xmlns:a16="http://schemas.microsoft.com/office/drawing/2014/main" id="{24D27BE4-49AB-C246-BC12-E4398B5920DC}"/>
-              </a:ext>
-            </a:extLst>
-          </p:cNvPr>
-          <p:cNvSpPr txBox="1"/>
-          <p:nvPr/>
-        </p:nvSpPr>
-        <p:spPr>
-          <a:xfrm>
-            <a:off x="-284551" y="4961418"/>
-            <a:ext cx="12192000" cy="646331"/>
-          </a:xfrm>
-          <a:prstGeom prst="rect">
-            <a:avLst/>
-          </a:prstGeom>
-          <a:noFill/>
-        </p:spPr>
-        <p:txBody>
-          <a:bodyPr wrap="square" rtlCol="0">
-            <a:spAutoFit/>
-          </a:bodyPr>
-          <a:lstStyle/>
-          <a:p>
-            <a:pPr algn="ctr"/>
-            <a:r>
-              <a:rPr lang="en-US" sz="3600" dirty="0">
-                <a:latin typeface="+mj-lt"/>
-              </a:rPr>
-              <a:t>Distributive spaces are types</a:t>
-            </a:r>
-          </a:p>
-        </p:txBody>
-      </p:sp>
-      <p:sp>
-        <p:nvSpPr>
-          <p:cNvPr id="7" name="Rectangle 6">
-            <a:extLst>
-              <a:ext uri="{FF2B5EF4-FFF2-40B4-BE49-F238E27FC236}">
-                <a16:creationId xmlns:a16="http://schemas.microsoft.com/office/drawing/2014/main" id="{37814EE8-E483-3A48-9D81-4E10F86A3DE4}"/>
-              </a:ext>
-            </a:extLst>
-          </p:cNvPr>
-          <p:cNvSpPr/>
-          <p:nvPr/>
-        </p:nvSpPr>
-        <p:spPr>
-          <a:xfrm>
-            <a:off x="3448594" y="223826"/>
-            <a:ext cx="5294811" cy="819794"/>
-          </a:xfrm>
-          <a:prstGeom prst="rect">
-            <a:avLst/>
-          </a:prstGeom>
-          <a:noFill/>
-        </p:spPr>
-        <p:style>
-          <a:lnRef idx="2">
-            <a:schemeClr val="accent1">
-              <a:shade val="50000"/>
-            </a:schemeClr>
-          </a:lnRef>
-          <a:fillRef idx="1">
-            <a:schemeClr val="accent1"/>
-          </a:fillRef>
-          <a:effectRef idx="0">
-            <a:schemeClr val="accent1"/>
-          </a:effectRef>
-          <a:fontRef idx="minor">
-            <a:schemeClr val="lt1"/>
-          </a:fontRef>
-        </p:style>
-        <p:txBody>
-          <a:bodyPr rtlCol="0" anchor="ctr"/>
-          <a:lstStyle/>
-          <a:p>
-            <a:pPr algn="ctr"/>
-            <a:endParaRPr lang="en-US" dirty="0"/>
-          </a:p>
-        </p:txBody>
-      </p:sp>
-      <p:sp>
-        <p:nvSpPr>
-          <p:cNvPr id="9" name="Rectangle 8">
-            <a:extLst>
-              <a:ext uri="{FF2B5EF4-FFF2-40B4-BE49-F238E27FC236}">
-                <a16:creationId xmlns:a16="http://schemas.microsoft.com/office/drawing/2014/main" id="{110F9145-5B2B-D943-B07A-2994233A66EC}"/>
-              </a:ext>
-            </a:extLst>
-          </p:cNvPr>
-          <p:cNvSpPr/>
-          <p:nvPr/>
-        </p:nvSpPr>
-        <p:spPr>
-          <a:xfrm>
-            <a:off x="2750950" y="4961418"/>
-            <a:ext cx="6214820" cy="727971"/>
-          </a:xfrm>
-          <a:prstGeom prst="rect">
-            <a:avLst/>
-          </a:prstGeom>
-          <a:noFill/>
-        </p:spPr>
-        <p:style>
-          <a:lnRef idx="2">
-            <a:schemeClr val="accent1">
-              <a:shade val="50000"/>
-            </a:schemeClr>
-          </a:lnRef>
-          <a:fillRef idx="1">
-            <a:schemeClr val="accent1"/>
-          </a:fillRef>
-          <a:effectRef idx="0">
-            <a:schemeClr val="accent1"/>
-          </a:effectRef>
-          <a:fontRef idx="minor">
-            <a:schemeClr val="lt1"/>
-          </a:fontRef>
-        </p:style>
-        <p:txBody>
-          <a:bodyPr rtlCol="0" anchor="ctr"/>
-          <a:lstStyle/>
-          <a:p>
-            <a:pPr algn="ctr"/>
-            <a:endParaRPr lang="en-US" dirty="0"/>
-          </a:p>
-        </p:txBody>
-      </p:sp>
-      <p:sp>
-        <p:nvSpPr>
-          <p:cNvPr id="10" name="Rectangle 9">
-            <a:extLst>
-              <a:ext uri="{FF2B5EF4-FFF2-40B4-BE49-F238E27FC236}">
-                <a16:creationId xmlns:a16="http://schemas.microsoft.com/office/drawing/2014/main" id="{E5C81F4D-A692-3A43-A77F-3F99996F570F}"/>
-              </a:ext>
-            </a:extLst>
-          </p:cNvPr>
-          <p:cNvSpPr/>
-          <p:nvPr/>
-        </p:nvSpPr>
-        <p:spPr>
-          <a:xfrm>
-            <a:off x="1123628" y="5850737"/>
-            <a:ext cx="9833674" cy="727971"/>
-          </a:xfrm>
-          <a:prstGeom prst="rect">
-            <a:avLst/>
-          </a:prstGeom>
-          <a:noFill/>
-        </p:spPr>
-        <p:style>
-          <a:lnRef idx="2">
-            <a:schemeClr val="accent1">
-              <a:shade val="50000"/>
-            </a:schemeClr>
-          </a:lnRef>
-          <a:fillRef idx="1">
-            <a:schemeClr val="accent1"/>
-          </a:fillRef>
-          <a:effectRef idx="0">
-            <a:schemeClr val="accent1"/>
-          </a:effectRef>
-          <a:fontRef idx="minor">
-            <a:schemeClr val="lt1"/>
-          </a:fontRef>
-        </p:style>
-        <p:txBody>
-          <a:bodyPr rtlCol="0" anchor="ctr"/>
-          <a:lstStyle/>
-          <a:p>
-            <a:pPr algn="ctr"/>
-            <a:endParaRPr lang="en-US" dirty="0"/>
-          </a:p>
-        </p:txBody>
-      </p:sp>
-      <p:sp>
-        <p:nvSpPr>
-          <p:cNvPr id="11" name="TextBox 10">
-            <a:extLst>
-              <a:ext uri="{FF2B5EF4-FFF2-40B4-BE49-F238E27FC236}">
-                <a16:creationId xmlns:a16="http://schemas.microsoft.com/office/drawing/2014/main" id="{09013DCF-9790-0C4D-8A90-0CD98B4B26A6}"/>
-              </a:ext>
-            </a:extLst>
-          </p:cNvPr>
-          <p:cNvSpPr txBox="1"/>
-          <p:nvPr/>
-        </p:nvSpPr>
-        <p:spPr>
-          <a:xfrm>
-            <a:off x="-129568" y="5891556"/>
-            <a:ext cx="12192000" cy="646331"/>
-          </a:xfrm>
-          <a:prstGeom prst="rect">
-            <a:avLst/>
-          </a:prstGeom>
-          <a:noFill/>
-        </p:spPr>
-        <p:txBody>
-          <a:bodyPr wrap="square" rtlCol="0">
-            <a:spAutoFit/>
-          </a:bodyPr>
-          <a:lstStyle/>
-          <a:p>
-            <a:pPr algn="ctr"/>
-            <a:r>
-              <a:rPr lang="en-US" sz="3600" dirty="0">
-                <a:latin typeface="+mj-lt"/>
-              </a:rPr>
-              <a:t>Both categories and types naturally appear in coda</a:t>
-            </a:r>
-          </a:p>
-        </p:txBody>
-      </p:sp>
     </p:spTree>
     <p:extLst>
       <p:ext uri="{BB962C8B-B14F-4D97-AF65-F5344CB8AC3E}">
@@ -12308,7 +14311,508 @@
 </p:sld>
 </file>
 
-<file path=ppt/slides/slide26.xml><?xml version="1.0" encoding="utf-8"?>
+<file path=ppt/slides/slide27.xml><?xml version="1.0" encoding="utf-8"?>
+<p:sld xmlns:a="http://schemas.openxmlformats.org/drawingml/2006/main" xmlns:r="http://schemas.openxmlformats.org/officeDocument/2006/relationships" xmlns:p="http://schemas.openxmlformats.org/presentationml/2006/main">
+  <p:cSld>
+    <p:spTree>
+      <p:nvGrpSpPr>
+        <p:cNvPr id="1" name=""/>
+        <p:cNvGrpSpPr/>
+        <p:nvPr/>
+      </p:nvGrpSpPr>
+      <p:grpSpPr>
+        <a:xfrm>
+          <a:off x="0" y="0"/>
+          <a:ext cx="0" cy="0"/>
+          <a:chOff x="0" y="0"/>
+          <a:chExt cx="0" cy="0"/>
+        </a:xfrm>
+      </p:grpSpPr>
+      <p:sp>
+        <p:nvSpPr>
+          <p:cNvPr id="3" name="TextBox 2">
+            <a:extLst>
+              <a:ext uri="{FF2B5EF4-FFF2-40B4-BE49-F238E27FC236}">
+                <a16:creationId xmlns:a16="http://schemas.microsoft.com/office/drawing/2014/main" id="{33C487D3-0C7C-3A42-918B-D3BC5620699F}"/>
+              </a:ext>
+            </a:extLst>
+          </p:cNvPr>
+          <p:cNvSpPr txBox="1"/>
+          <p:nvPr/>
+        </p:nvSpPr>
+        <p:spPr>
+          <a:xfrm>
+            <a:off x="894080" y="784999"/>
+            <a:ext cx="9794240" cy="5262979"/>
+          </a:xfrm>
+          <a:prstGeom prst="rect">
+            <a:avLst/>
+          </a:prstGeom>
+          <a:noFill/>
+        </p:spPr>
+        <p:txBody>
+          <a:bodyPr wrap="square" rtlCol="0">
+            <a:spAutoFit/>
+          </a:bodyPr>
+          <a:lstStyle/>
+          <a:p>
+            <a:r>
+              <a:rPr lang="en-US" sz="2400" dirty="0">
+                <a:latin typeface="+mj-lt"/>
+              </a:rPr>
+              <a:t>Data is a </a:t>
+            </a:r>
+            <a:r>
+              <a:rPr lang="en-US" sz="2400" b="1" dirty="0">
+                <a:solidFill>
+                  <a:srgbClr val="FF0000"/>
+                </a:solidFill>
+                <a:latin typeface="+mj-lt"/>
+              </a:rPr>
+              <a:t>space</a:t>
+            </a:r>
+            <a:r>
+              <a:rPr lang="en-US" sz="2400" dirty="0">
+                <a:latin typeface="+mj-lt"/>
+              </a:rPr>
+              <a:t> if</a:t>
+            </a:r>
+          </a:p>
+          <a:p>
+            <a:pPr lvl="1"/>
+            <a:r>
+              <a:rPr lang="en-US" sz="2400" dirty="0">
+                <a:latin typeface="+mj-lt"/>
+              </a:rPr>
+              <a:t>A : (A:X) (A:Y) = A : X Y</a:t>
+            </a:r>
+          </a:p>
+          <a:p>
+            <a:r>
+              <a:rPr lang="en-US" sz="2400" dirty="0">
+                <a:latin typeface="+mj-lt"/>
+              </a:rPr>
+              <a:t>A space is </a:t>
+            </a:r>
+            <a:r>
+              <a:rPr lang="en-US" sz="2400" b="1" dirty="0">
+                <a:solidFill>
+                  <a:srgbClr val="FF0000"/>
+                </a:solidFill>
+                <a:latin typeface="+mj-lt"/>
+              </a:rPr>
+              <a:t>idempotent</a:t>
+            </a:r>
+            <a:r>
+              <a:rPr lang="en-US" sz="2400" dirty="0">
+                <a:latin typeface="+mj-lt"/>
+              </a:rPr>
+              <a:t> if </a:t>
+            </a:r>
+          </a:p>
+          <a:p>
+            <a:pPr lvl="1"/>
+            <a:r>
+              <a:rPr lang="en-US" sz="2400" dirty="0">
+                <a:latin typeface="+mj-lt"/>
+              </a:rPr>
+              <a:t>A : A : X = A : X</a:t>
+            </a:r>
+          </a:p>
+          <a:p>
+            <a:r>
+              <a:rPr lang="en-US" sz="2400" dirty="0">
+                <a:latin typeface="+mj-lt"/>
+              </a:rPr>
+              <a:t>A space is </a:t>
+            </a:r>
+            <a:r>
+              <a:rPr lang="en-US" sz="2400" b="1" dirty="0">
+                <a:solidFill>
+                  <a:srgbClr val="FF0000"/>
+                </a:solidFill>
+                <a:latin typeface="+mj-lt"/>
+              </a:rPr>
+              <a:t>abelian</a:t>
+            </a:r>
+            <a:r>
+              <a:rPr lang="en-US" sz="2400" dirty="0">
+                <a:latin typeface="+mj-lt"/>
+              </a:rPr>
+              <a:t> if </a:t>
+            </a:r>
+          </a:p>
+          <a:p>
+            <a:pPr lvl="1"/>
+            <a:r>
+              <a:rPr lang="en-US" sz="2400" dirty="0">
+                <a:latin typeface="+mj-lt"/>
+              </a:rPr>
+              <a:t>A : X Y = A : Y X </a:t>
+            </a:r>
+          </a:p>
+          <a:p>
+            <a:r>
+              <a:rPr lang="en-US" sz="2400" dirty="0">
+                <a:latin typeface="+mj-lt"/>
+              </a:rPr>
+              <a:t>A </a:t>
+            </a:r>
+            <a:r>
+              <a:rPr lang="en-US" sz="2400" b="1" dirty="0">
+                <a:solidFill>
+                  <a:srgbClr val="FF0000"/>
+                </a:solidFill>
+                <a:latin typeface="+mj-lt"/>
+              </a:rPr>
+              <a:t>distributive</a:t>
+            </a:r>
+            <a:r>
+              <a:rPr lang="en-US" sz="2400" dirty="0">
+                <a:latin typeface="+mj-lt"/>
+              </a:rPr>
+              <a:t> space is a </a:t>
+            </a:r>
+            <a:r>
+              <a:rPr lang="en-US" sz="2400" b="1" dirty="0">
+                <a:solidFill>
+                  <a:srgbClr val="FF0000"/>
+                </a:solidFill>
+                <a:latin typeface="+mj-lt"/>
+              </a:rPr>
+              <a:t>type</a:t>
+            </a:r>
+            <a:r>
+              <a:rPr lang="en-US" sz="2400" dirty="0">
+                <a:latin typeface="+mj-lt"/>
+              </a:rPr>
+              <a:t> </a:t>
+            </a:r>
+          </a:p>
+          <a:p>
+            <a:pPr lvl="1"/>
+            <a:r>
+              <a:rPr lang="en-US" sz="2400" dirty="0">
+                <a:latin typeface="+mj-lt"/>
+              </a:rPr>
+              <a:t>A : X Y = (A:X) (A:Y) </a:t>
+            </a:r>
+          </a:p>
+          <a:p>
+            <a:r>
+              <a:rPr lang="en-US" sz="2400" dirty="0">
+                <a:latin typeface="+mj-lt"/>
+              </a:rPr>
+              <a:t>A </a:t>
+            </a:r>
+            <a:r>
+              <a:rPr lang="en-US" sz="2400" b="1" dirty="0">
+                <a:solidFill>
+                  <a:srgbClr val="FF0000"/>
+                </a:solidFill>
+                <a:latin typeface="+mj-lt"/>
+              </a:rPr>
+              <a:t>morphism</a:t>
+            </a:r>
+            <a:r>
+              <a:rPr lang="en-US" sz="2400" dirty="0">
+                <a:latin typeface="+mj-lt"/>
+              </a:rPr>
+              <a:t> from space A to space B is distributive data F where </a:t>
+            </a:r>
+          </a:p>
+          <a:p>
+            <a:pPr lvl="1"/>
+            <a:r>
+              <a:rPr lang="en-US" sz="2400" dirty="0">
+                <a:latin typeface="+mj-lt"/>
+              </a:rPr>
+              <a:t>F : A : X = B : F : X </a:t>
+            </a:r>
+          </a:p>
+          <a:p>
+            <a:r>
+              <a:rPr lang="en-US" sz="2400" dirty="0">
+                <a:latin typeface="+mj-lt"/>
+              </a:rPr>
+              <a:t>A space A has an </a:t>
+            </a:r>
+            <a:r>
+              <a:rPr lang="en-US" sz="2400" b="1" dirty="0" err="1">
+                <a:solidFill>
+                  <a:srgbClr val="FF0000"/>
+                </a:solidFill>
+                <a:latin typeface="+mj-lt"/>
+              </a:rPr>
+              <a:t>antispace</a:t>
+            </a:r>
+            <a:r>
+              <a:rPr lang="en-US" sz="2400" dirty="0">
+                <a:latin typeface="+mj-lt"/>
+              </a:rPr>
+              <a:t> B if </a:t>
+            </a:r>
+          </a:p>
+          <a:p>
+            <a:pPr lvl="1"/>
+            <a:r>
+              <a:rPr lang="en-US" sz="2400" dirty="0">
+                <a:latin typeface="+mj-lt"/>
+              </a:rPr>
+              <a:t>A : (A:X) (B:X) = A:</a:t>
+            </a:r>
+          </a:p>
+          <a:p>
+            <a:pPr lvl="1"/>
+            <a:r>
+              <a:rPr lang="en-US" sz="2400" dirty="0">
+                <a:latin typeface="+mj-lt"/>
+              </a:rPr>
+              <a:t>A : (B:X) (A:X) = A:</a:t>
+            </a:r>
+          </a:p>
+          <a:p>
+            <a:r>
+              <a:rPr lang="en-US" sz="2400" dirty="0">
+                <a:latin typeface="+mj-lt"/>
+              </a:rPr>
+              <a:t>A </a:t>
+            </a:r>
+            <a:r>
+              <a:rPr lang="en-US" sz="2400" b="1" dirty="0">
+                <a:solidFill>
+                  <a:srgbClr val="FF0000"/>
+                </a:solidFill>
+                <a:latin typeface="+mj-lt"/>
+              </a:rPr>
+              <a:t>pure group</a:t>
+            </a:r>
+            <a:r>
+              <a:rPr lang="en-US" sz="2400" dirty="0">
+                <a:latin typeface="+mj-lt"/>
+              </a:rPr>
+              <a:t> is a space with an </a:t>
+            </a:r>
+            <a:r>
+              <a:rPr lang="en-US" sz="2400" dirty="0" err="1">
+                <a:latin typeface="+mj-lt"/>
+              </a:rPr>
+              <a:t>antispace</a:t>
+            </a:r>
+            <a:r>
+              <a:rPr lang="en-US" sz="2400" dirty="0">
+                <a:latin typeface="+mj-lt"/>
+              </a:rPr>
+              <a:t>. </a:t>
+            </a:r>
+          </a:p>
+        </p:txBody>
+      </p:sp>
+      <p:sp>
+        <p:nvSpPr>
+          <p:cNvPr id="4" name="TextBox 3">
+            <a:extLst>
+              <a:ext uri="{FF2B5EF4-FFF2-40B4-BE49-F238E27FC236}">
+                <a16:creationId xmlns:a16="http://schemas.microsoft.com/office/drawing/2014/main" id="{8895B34A-FA77-5642-A0E1-8DDFB6F6E54C}"/>
+              </a:ext>
+            </a:extLst>
+          </p:cNvPr>
+          <p:cNvSpPr txBox="1"/>
+          <p:nvPr/>
+        </p:nvSpPr>
+        <p:spPr>
+          <a:xfrm>
+            <a:off x="0" y="138668"/>
+            <a:ext cx="12080240" cy="646331"/>
+          </a:xfrm>
+          <a:prstGeom prst="rect">
+            <a:avLst/>
+          </a:prstGeom>
+          <a:noFill/>
+        </p:spPr>
+        <p:txBody>
+          <a:bodyPr wrap="square" rtlCol="0">
+            <a:spAutoFit/>
+          </a:bodyPr>
+          <a:lstStyle/>
+          <a:p>
+            <a:pPr algn="ctr"/>
+            <a:r>
+              <a:rPr lang="en-US" sz="3600" dirty="0">
+                <a:latin typeface="+mj-lt"/>
+              </a:rPr>
+              <a:t>There is an abstract theory of Spaces</a:t>
+            </a:r>
+          </a:p>
+        </p:txBody>
+      </p:sp>
+      <mc:AlternateContent xmlns:mc="http://schemas.openxmlformats.org/markup-compatibility/2006">
+        <mc:Choice xmlns:a14="http://schemas.microsoft.com/office/drawing/2010/main" Requires="a14">
+          <p:sp>
+            <p:nvSpPr>
+              <p:cNvPr id="5" name="TextBox 4">
+                <a:extLst>
+                  <a:ext uri="{FF2B5EF4-FFF2-40B4-BE49-F238E27FC236}">
+                    <a16:creationId xmlns:a16="http://schemas.microsoft.com/office/drawing/2014/main" id="{133556DE-9687-724A-AB17-0091A312DAC5}"/>
+                  </a:ext>
+                </a:extLst>
+              </p:cNvPr>
+              <p:cNvSpPr txBox="1"/>
+              <p:nvPr/>
+            </p:nvSpPr>
+            <p:spPr>
+              <a:xfrm>
+                <a:off x="822960" y="6119098"/>
+                <a:ext cx="9794240" cy="646331"/>
+              </a:xfrm>
+              <a:prstGeom prst="rect">
+                <a:avLst/>
+              </a:prstGeom>
+              <a:noFill/>
+            </p:spPr>
+            <p:txBody>
+              <a:bodyPr wrap="square" rtlCol="0">
+                <a:spAutoFit/>
+              </a:bodyPr>
+              <a:lstStyle/>
+              <a:p>
+                <a:r>
+                  <a:rPr lang="en-US" b="1" dirty="0"/>
+                  <a:t>Lemma</a:t>
+                </a:r>
+                <a:r>
+                  <a:rPr lang="en-US" dirty="0"/>
+                  <a:t>:  </a:t>
+                </a:r>
+                <a:r>
+                  <a:rPr lang="en-US" i="1" dirty="0"/>
+                  <a:t>A pure group G is a group</a:t>
+                </a:r>
+                <a:r>
+                  <a:rPr lang="en-US" dirty="0"/>
+                  <a:t>. Let set {(G:X)}, group multiplication (G:X) x (G:Y) </a:t>
+                </a:r>
+                <a14:m>
+                  <m:oMath xmlns:m="http://schemas.openxmlformats.org/officeDocument/2006/math">
+                    <m:r>
+                      <a:rPr lang="en-US" i="1" smtClean="0">
+                        <a:latin typeface="Cambria Math" panose="02040503050406030204" pitchFamily="18" charset="0"/>
+                        <a:ea typeface="Cambria Math" panose="02040503050406030204" pitchFamily="18" charset="0"/>
+                      </a:rPr>
+                      <m:t>→</m:t>
+                    </m:r>
+                  </m:oMath>
+                </a14:m>
+                <a:r>
+                  <a:rPr lang="en-US" dirty="0"/>
+                  <a:t> G:(G:X) (G:Y). Then (G</a:t>
+                </a:r>
+                <a:r>
+                  <a:rPr lang="en-US" dirty="0">
+                    <a:sym typeface="Wingdings" pitchFamily="2" charset="2"/>
+                  </a:rPr>
+                  <a:t>:) is the identity and (G</a:t>
+                </a:r>
+                <a:r>
+                  <a:rPr lang="en-US" baseline="30000" dirty="0">
+                    <a:sym typeface="Wingdings" pitchFamily="2" charset="2"/>
+                  </a:rPr>
+                  <a:t>-1</a:t>
+                </a:r>
+                <a:r>
+                  <a:rPr lang="en-US" dirty="0">
+                    <a:sym typeface="Wingdings" pitchFamily="2" charset="2"/>
+                  </a:rPr>
+                  <a:t>:X) is the inverse of (G:X) where if G</a:t>
+                </a:r>
+                <a:r>
+                  <a:rPr lang="en-US" baseline="30000" dirty="0">
+                    <a:sym typeface="Wingdings" pitchFamily="2" charset="2"/>
+                  </a:rPr>
+                  <a:t>-1</a:t>
+                </a:r>
+                <a:r>
+                  <a:rPr lang="en-US" dirty="0">
+                    <a:sym typeface="Wingdings" pitchFamily="2" charset="2"/>
+                  </a:rPr>
+                  <a:t> is the promised </a:t>
+                </a:r>
+                <a:r>
+                  <a:rPr lang="en-US" dirty="0" err="1">
+                    <a:sym typeface="Wingdings" pitchFamily="2" charset="2"/>
+                  </a:rPr>
+                  <a:t>antispace</a:t>
+                </a:r>
+                <a:r>
+                  <a:rPr lang="en-US" dirty="0">
+                    <a:sym typeface="Wingdings" pitchFamily="2" charset="2"/>
+                  </a:rPr>
+                  <a:t> of G.</a:t>
+                </a:r>
+                <a:endParaRPr lang="en-US" dirty="0"/>
+              </a:p>
+            </p:txBody>
+          </p:sp>
+        </mc:Choice>
+        <mc:Fallback>
+          <p:sp>
+            <p:nvSpPr>
+              <p:cNvPr id="5" name="TextBox 4">
+                <a:extLst>
+                  <a:ext uri="{FF2B5EF4-FFF2-40B4-BE49-F238E27FC236}">
+                    <a16:creationId xmlns:a16="http://schemas.microsoft.com/office/drawing/2014/main" id="{133556DE-9687-724A-AB17-0091A312DAC5}"/>
+                  </a:ext>
+                </a:extLst>
+              </p:cNvPr>
+              <p:cNvSpPr txBox="1">
+                <a:spLocks noRot="1" noChangeAspect="1" noMove="1" noResize="1" noEditPoints="1" noAdjustHandles="1" noChangeArrowheads="1" noChangeShapeType="1" noTextEdit="1"/>
+              </p:cNvSpPr>
+              <p:nvPr/>
+            </p:nvSpPr>
+            <p:spPr>
+              <a:xfrm>
+                <a:off x="822960" y="6119098"/>
+                <a:ext cx="9794240" cy="646331"/>
+              </a:xfrm>
+              <a:prstGeom prst="rect">
+                <a:avLst/>
+              </a:prstGeom>
+              <a:blipFill>
+                <a:blip r:embed="rId2"/>
+                <a:stretch>
+                  <a:fillRect l="-518" t="-3846" b="-11538"/>
+                </a:stretch>
+              </a:blipFill>
+            </p:spPr>
+            <p:txBody>
+              <a:bodyPr/>
+              <a:lstStyle/>
+              <a:p>
+                <a:r>
+                  <a:rPr lang="en-US">
+                    <a:noFill/>
+                  </a:rPr>
+                  <a:t> </a:t>
+                </a:r>
+              </a:p>
+            </p:txBody>
+          </p:sp>
+        </mc:Fallback>
+      </mc:AlternateContent>
+    </p:spTree>
+    <p:extLst>
+      <p:ext uri="{BB962C8B-B14F-4D97-AF65-F5344CB8AC3E}">
+        <p14:creationId xmlns:p14="http://schemas.microsoft.com/office/powerpoint/2010/main" val="1403480413"/>
+      </p:ext>
+    </p:extLst>
+  </p:cSld>
+  <p:clrMapOvr>
+    <a:masterClrMapping/>
+  </p:clrMapOvr>
+</p:sld>
+</file>
+
+<file path=ppt/slides/slide28.xml><?xml version="1.0" encoding="utf-8"?>
 <p:sld xmlns:a="http://schemas.openxmlformats.org/drawingml/2006/main" xmlns:r="http://schemas.openxmlformats.org/officeDocument/2006/relationships" xmlns:p="http://schemas.openxmlformats.org/presentationml/2006/main">
   <p:cSld>
     <p:spTree>
@@ -12574,37 +15078,7 @@
 </p:sld>
 </file>
 
-<file path=ppt/slides/slide27.xml><?xml version="1.0" encoding="utf-8"?>
-<p:sld xmlns:a="http://schemas.openxmlformats.org/drawingml/2006/main" xmlns:r="http://schemas.openxmlformats.org/officeDocument/2006/relationships" xmlns:p="http://schemas.openxmlformats.org/presentationml/2006/main">
-  <p:cSld>
-    <p:spTree>
-      <p:nvGrpSpPr>
-        <p:cNvPr id="1" name=""/>
-        <p:cNvGrpSpPr/>
-        <p:nvPr/>
-      </p:nvGrpSpPr>
-      <p:grpSpPr>
-        <a:xfrm>
-          <a:off x="0" y="0"/>
-          <a:ext cx="0" cy="0"/>
-          <a:chOff x="0" y="0"/>
-          <a:chExt cx="0" cy="0"/>
-        </a:xfrm>
-      </p:grpSpPr>
-    </p:spTree>
-    <p:extLst>
-      <p:ext uri="{BB962C8B-B14F-4D97-AF65-F5344CB8AC3E}">
-        <p14:creationId xmlns:p14="http://schemas.microsoft.com/office/powerpoint/2010/main" val="1403480413"/>
-      </p:ext>
-    </p:extLst>
-  </p:cSld>
-  <p:clrMapOvr>
-    <a:masterClrMapping/>
-  </p:clrMapOvr>
-</p:sld>
-</file>
-
-<file path=ppt/slides/slide28.xml><?xml version="1.0" encoding="utf-8"?>
+<file path=ppt/slides/slide29.xml><?xml version="1.0" encoding="utf-8"?>
 <p:sld xmlns:a="http://schemas.openxmlformats.org/drawingml/2006/main" xmlns:r="http://schemas.openxmlformats.org/officeDocument/2006/relationships" xmlns:p="http://schemas.openxmlformats.org/presentationml/2006/main">
   <p:cSld>
     <p:spTree>
@@ -12654,7 +15128,7 @@
               <a:rPr lang="en-US" sz="3600" dirty="0">
                 <a:latin typeface="+mj-lt"/>
               </a:rPr>
-              <a:t>Search for some mathematical thing A…</a:t>
+              <a:t>Search for a “classifying space” A…</a:t>
             </a:r>
           </a:p>
         </p:txBody>
@@ -12681,7 +15155,7 @@
         </p:blipFill>
         <p:spPr>
           <a:xfrm>
-            <a:off x="370016" y="1000632"/>
+            <a:off x="370016" y="932180"/>
             <a:ext cx="7670800" cy="5803900"/>
           </a:xfrm>
           <a:prstGeom prst="rect">
@@ -12756,235 +15230,6 @@
     <p:extLst>
       <p:ext uri="{BB962C8B-B14F-4D97-AF65-F5344CB8AC3E}">
         <p14:creationId xmlns:p14="http://schemas.microsoft.com/office/powerpoint/2010/main" val="142072506"/>
-      </p:ext>
-    </p:extLst>
-  </p:cSld>
-  <p:clrMapOvr>
-    <a:masterClrMapping/>
-  </p:clrMapOvr>
-</p:sld>
-</file>
-
-<file path=ppt/slides/slide29.xml><?xml version="1.0" encoding="utf-8"?>
-<p:sld xmlns:a="http://schemas.openxmlformats.org/drawingml/2006/main" xmlns:r="http://schemas.openxmlformats.org/officeDocument/2006/relationships" xmlns:p="http://schemas.openxmlformats.org/presentationml/2006/main">
-  <p:cSld>
-    <p:spTree>
-      <p:nvGrpSpPr>
-        <p:cNvPr id="1" name=""/>
-        <p:cNvGrpSpPr/>
-        <p:nvPr/>
-      </p:nvGrpSpPr>
-      <p:grpSpPr>
-        <a:xfrm>
-          <a:off x="0" y="0"/>
-          <a:ext cx="0" cy="0"/>
-          <a:chOff x="0" y="0"/>
-          <a:chExt cx="0" cy="0"/>
-        </a:xfrm>
-      </p:grpSpPr>
-      <p:sp>
-        <p:nvSpPr>
-          <p:cNvPr id="2" name="TextBox 1">
-            <a:extLst>
-              <a:ext uri="{FF2B5EF4-FFF2-40B4-BE49-F238E27FC236}">
-                <a16:creationId xmlns:a16="http://schemas.microsoft.com/office/drawing/2014/main" id="{EDF650CA-652A-9949-B0CA-5A4F96B87323}"/>
-              </a:ext>
-            </a:extLst>
-          </p:cNvPr>
-          <p:cNvSpPr txBox="1"/>
-          <p:nvPr/>
-        </p:nvSpPr>
-        <p:spPr>
-          <a:xfrm>
-            <a:off x="766119" y="407773"/>
-            <a:ext cx="10181967" cy="954107"/>
-          </a:xfrm>
-          <a:prstGeom prst="rect">
-            <a:avLst/>
-          </a:prstGeom>
-          <a:noFill/>
-        </p:spPr>
-        <p:txBody>
-          <a:bodyPr wrap="square" rtlCol="0">
-            <a:spAutoFit/>
-          </a:bodyPr>
-          <a:lstStyle/>
-          <a:p>
-            <a:r>
-              <a:rPr lang="en-US" sz="2800" dirty="0">
-                <a:latin typeface="+mj-lt"/>
-              </a:rPr>
-              <a:t>Three of these data successfully distinguish the two samples.  One of these is… </a:t>
-            </a:r>
-          </a:p>
-        </p:txBody>
-      </p:sp>
-      <p:sp>
-        <p:nvSpPr>
-          <p:cNvPr id="3" name="TextBox 2">
-            <a:extLst>
-              <a:ext uri="{FF2B5EF4-FFF2-40B4-BE49-F238E27FC236}">
-                <a16:creationId xmlns:a16="http://schemas.microsoft.com/office/drawing/2014/main" id="{C240BF66-2D9C-EE40-854F-0A7BDBB46D94}"/>
-              </a:ext>
-            </a:extLst>
-          </p:cNvPr>
-          <p:cNvSpPr txBox="1"/>
-          <p:nvPr/>
-        </p:nvSpPr>
-        <p:spPr>
-          <a:xfrm>
-            <a:off x="0" y="1283555"/>
-            <a:ext cx="12192000" cy="1107996"/>
-          </a:xfrm>
-          <a:prstGeom prst="rect">
-            <a:avLst/>
-          </a:prstGeom>
-          <a:noFill/>
-        </p:spPr>
-        <p:txBody>
-          <a:bodyPr wrap="square" rtlCol="0">
-            <a:spAutoFit/>
-          </a:bodyPr>
-          <a:lstStyle/>
-          <a:p>
-            <a:pPr algn="ctr"/>
-            <a:r>
-              <a:rPr lang="en-US" sz="6600" dirty="0">
-                <a:latin typeface="+mj-lt"/>
-              </a:rPr>
-              <a:t>aps not </a:t>
-            </a:r>
-          </a:p>
-        </p:txBody>
-      </p:sp>
-      <p:sp>
-        <p:nvSpPr>
-          <p:cNvPr id="4" name="TextBox 3">
-            <a:extLst>
-              <a:ext uri="{FF2B5EF4-FFF2-40B4-BE49-F238E27FC236}">
-                <a16:creationId xmlns:a16="http://schemas.microsoft.com/office/drawing/2014/main" id="{A3896E8D-106F-3547-B407-9CDC81FE9502}"/>
-              </a:ext>
-            </a:extLst>
-          </p:cNvPr>
-          <p:cNvSpPr txBox="1"/>
-          <p:nvPr/>
-        </p:nvSpPr>
-        <p:spPr>
-          <a:xfrm>
-            <a:off x="1680519" y="2607276"/>
-            <a:ext cx="3768811" cy="923330"/>
-          </a:xfrm>
-          <a:prstGeom prst="rect">
-            <a:avLst/>
-          </a:prstGeom>
-          <a:noFill/>
-        </p:spPr>
-        <p:txBody>
-          <a:bodyPr wrap="square" rtlCol="0">
-            <a:spAutoFit/>
-          </a:bodyPr>
-          <a:lstStyle/>
-          <a:p>
-            <a:r>
-              <a:rPr lang="en-US" dirty="0"/>
-              <a:t>Combinatorial operator that turns binary operations like (+ A : B) to a sequential sum like </a:t>
-            </a:r>
-            <a:r>
-              <a:rPr lang="en-US" dirty="0" err="1"/>
-              <a:t>a+b+c+d</a:t>
-            </a:r>
-            <a:r>
-              <a:rPr lang="en-US" dirty="0"/>
-              <a:t>…</a:t>
-            </a:r>
-          </a:p>
-        </p:txBody>
-      </p:sp>
-      <p:sp>
-        <p:nvSpPr>
-          <p:cNvPr id="5" name="TextBox 4">
-            <a:extLst>
-              <a:ext uri="{FF2B5EF4-FFF2-40B4-BE49-F238E27FC236}">
-                <a16:creationId xmlns:a16="http://schemas.microsoft.com/office/drawing/2014/main" id="{214E4D2B-02D1-6A41-84C4-28DC737C17D0}"/>
-              </a:ext>
-            </a:extLst>
-          </p:cNvPr>
-          <p:cNvSpPr txBox="1"/>
-          <p:nvPr/>
-        </p:nvSpPr>
-        <p:spPr>
-          <a:xfrm>
-            <a:off x="6886833" y="2607276"/>
-            <a:ext cx="3768811" cy="923330"/>
-          </a:xfrm>
-          <a:prstGeom prst="rect">
-            <a:avLst/>
-          </a:prstGeom>
-          <a:noFill/>
-        </p:spPr>
-        <p:txBody>
-          <a:bodyPr wrap="square" rtlCol="0">
-            <a:spAutoFit/>
-          </a:bodyPr>
-          <a:lstStyle/>
-          <a:p>
-            <a:r>
-              <a:rPr lang="en-US" dirty="0"/>
-              <a:t>Logical negation operation.  </a:t>
-            </a:r>
-            <a:r>
-              <a:rPr lang="en-US" dirty="0" err="1"/>
-              <a:t>not:X</a:t>
-            </a:r>
-            <a:r>
-              <a:rPr lang="en-US" dirty="0"/>
-              <a:t> is atomic if X is empty and </a:t>
-            </a:r>
-            <a:r>
-              <a:rPr lang="en-US" dirty="0" err="1"/>
-              <a:t>not:X</a:t>
-            </a:r>
-            <a:r>
-              <a:rPr lang="en-US" dirty="0"/>
-              <a:t> is empty if X is atomic.</a:t>
-            </a:r>
-          </a:p>
-        </p:txBody>
-      </p:sp>
-      <p:pic>
-        <p:nvPicPr>
-          <p:cNvPr id="7" name="Picture 6">
-            <a:extLst>
-              <a:ext uri="{FF2B5EF4-FFF2-40B4-BE49-F238E27FC236}">
-                <a16:creationId xmlns:a16="http://schemas.microsoft.com/office/drawing/2014/main" id="{AA3F868D-C203-CA43-A835-D7CAE5BDDE6D}"/>
-              </a:ext>
-            </a:extLst>
-          </p:cNvPr>
-          <p:cNvPicPr>
-            <a:picLocks noChangeAspect="1"/>
-          </p:cNvPicPr>
-          <p:nvPr/>
-        </p:nvPicPr>
-        <p:blipFill>
-          <a:blip r:embed="rId2"/>
-          <a:stretch>
-            <a:fillRect/>
-          </a:stretch>
-        </p:blipFill>
-        <p:spPr>
-          <a:xfrm>
-            <a:off x="3046627" y="3962057"/>
-            <a:ext cx="5283200" cy="2616200"/>
-          </a:xfrm>
-          <a:prstGeom prst="rect">
-            <a:avLst/>
-          </a:prstGeom>
-        </p:spPr>
-      </p:pic>
-    </p:spTree>
-    <p:extLst>
-      <p:ext uri="{BB962C8B-B14F-4D97-AF65-F5344CB8AC3E}">
-        <p14:creationId xmlns:p14="http://schemas.microsoft.com/office/powerpoint/2010/main" val="1546831680"/>
       </p:ext>
     </p:extLst>
   </p:cSld>
@@ -13427,7 +15672,7 @@
             </a:pPr>
             <a:r>
               <a:rPr lang="en-US" dirty="0"/>
-              <a:t>A theory of categories and types appears naturally.</a:t>
+              <a:t>Analogue of categories and types appears naturally.</a:t>
             </a:r>
           </a:p>
           <a:p>
@@ -13534,7 +15779,7 @@
           <p:cNvPr id="2" name="TextBox 1">
             <a:extLst>
               <a:ext uri="{FF2B5EF4-FFF2-40B4-BE49-F238E27FC236}">
-                <a16:creationId xmlns:a16="http://schemas.microsoft.com/office/drawing/2014/main" id="{16E62909-859D-4C4E-8DFF-6EB75AD8C446}"/>
+                <a16:creationId xmlns:a16="http://schemas.microsoft.com/office/drawing/2014/main" id="{EDF650CA-652A-9949-B0CA-5A4F96B87323}"/>
               </a:ext>
             </a:extLst>
           </p:cNvPr>
@@ -13543,8 +15788,8 @@
         </p:nvSpPr>
         <p:spPr>
           <a:xfrm>
-            <a:off x="568410" y="691978"/>
-            <a:ext cx="10181968" cy="584775"/>
+            <a:off x="766119" y="407773"/>
+            <a:ext cx="10181967" cy="954107"/>
           </a:xfrm>
           <a:prstGeom prst="rect">
             <a:avLst/>
@@ -13558,10 +15803,10 @@
           <a:lstStyle/>
           <a:p>
             <a:r>
-              <a:rPr lang="en-US" sz="3200" dirty="0">
-                <a:latin typeface="+mj-lt"/>
-              </a:rPr>
-              <a:t>Conclusions which hopefully generalize…</a:t>
+              <a:rPr lang="en-US" sz="2800" dirty="0">
+                <a:latin typeface="+mj-lt"/>
+              </a:rPr>
+              <a:t>Three of these data successfully distinguish the two samples.  One of these is… </a:t>
             </a:r>
           </a:p>
         </p:txBody>
@@ -13571,7 +15816,7 @@
           <p:cNvPr id="3" name="TextBox 2">
             <a:extLst>
               <a:ext uri="{FF2B5EF4-FFF2-40B4-BE49-F238E27FC236}">
-                <a16:creationId xmlns:a16="http://schemas.microsoft.com/office/drawing/2014/main" id="{1E235EA4-82C7-7349-98CA-B7EF3B9FA8A1}"/>
+                <a16:creationId xmlns:a16="http://schemas.microsoft.com/office/drawing/2014/main" id="{C240BF66-2D9C-EE40-854F-0A7BDBB46D94}"/>
               </a:ext>
             </a:extLst>
           </p:cNvPr>
@@ -13580,8 +15825,8 @@
         </p:nvSpPr>
         <p:spPr>
           <a:xfrm>
-            <a:off x="1173891" y="1556952"/>
-            <a:ext cx="10144897" cy="3539430"/>
+            <a:off x="0" y="939059"/>
+            <a:ext cx="12192000" cy="1107996"/>
           </a:xfrm>
           <a:prstGeom prst="rect">
             <a:avLst/>
@@ -13594,139 +15839,408 @@
           </a:bodyPr>
           <a:lstStyle/>
           <a:p>
-            <a:pPr marL="457200" indent="-457200">
-              <a:buFont typeface="+mj-lt"/>
-              <a:buAutoNum type="arabicPeriod"/>
-            </a:pPr>
-            <a:r>
-              <a:rPr lang="en-US" sz="2800" dirty="0">
-                <a:latin typeface="+mj-lt"/>
-              </a:rPr>
-              <a:t>The solution is clever.  </a:t>
-            </a:r>
-            <a:r>
-              <a:rPr lang="en-US" sz="2800" b="1" dirty="0">
-                <a:solidFill>
-                  <a:srgbClr val="FF0000"/>
-                </a:solidFill>
-                <a:latin typeface="+mj-lt"/>
-              </a:rPr>
-              <a:t>aps not</a:t>
-            </a:r>
-            <a:r>
-              <a:rPr lang="en-US" sz="2800" dirty="0">
-                <a:solidFill>
-                  <a:srgbClr val="FF0000"/>
-                </a:solidFill>
+            <a:pPr algn="ctr"/>
+            <a:r>
+              <a:rPr lang="en-US" sz="5400" dirty="0">
+                <a:latin typeface="+mj-lt"/>
+              </a:rPr>
+              <a:t>aps</a:t>
+            </a:r>
+            <a:r>
+              <a:rPr lang="en-US" sz="6600" dirty="0">
                 <a:latin typeface="+mj-lt"/>
               </a:rPr>
               <a:t> </a:t>
             </a:r>
             <a:r>
-              <a:rPr lang="en-US" sz="2800" dirty="0">
-                <a:latin typeface="+mj-lt"/>
-              </a:rPr>
-              <a:t>combines a combinatorial operator with a logical operator in a way that I did not think of beforehand. </a:t>
-            </a:r>
-          </a:p>
-          <a:p>
-            <a:pPr marL="457200" indent="-457200">
-              <a:buFont typeface="+mj-lt"/>
-              <a:buAutoNum type="arabicPeriod"/>
-            </a:pPr>
-            <a:r>
-              <a:rPr lang="en-US" sz="2800" dirty="0">
-                <a:latin typeface="+mj-lt"/>
-              </a:rPr>
-              <a:t>The solution generalizes.  The solution distinguishes the atomic parity of any data, not just sequences of (</a:t>
-            </a:r>
-            <a:r>
-              <a:rPr lang="en-US" sz="2800" dirty="0">
-                <a:latin typeface="+mj-lt"/>
-                <a:sym typeface="Wingdings" pitchFamily="2" charset="2"/>
-              </a:rPr>
-              <a:t>:).</a:t>
-            </a:r>
-          </a:p>
-          <a:p>
-            <a:pPr marL="457200" indent="-457200">
-              <a:buFont typeface="+mj-lt"/>
-              <a:buAutoNum type="arabicPeriod"/>
-            </a:pPr>
-            <a:r>
-              <a:rPr lang="en-US" sz="2800" dirty="0">
-                <a:latin typeface="+mj-lt"/>
-                <a:sym typeface="Wingdings" pitchFamily="2" charset="2"/>
-              </a:rPr>
-              <a:t>A slightly modification: </a:t>
-            </a:r>
-            <a:r>
-              <a:rPr lang="en-US" sz="2800" b="1" dirty="0">
-                <a:solidFill>
-                  <a:srgbClr val="FF0000"/>
-                </a:solidFill>
-                <a:latin typeface="+mj-lt"/>
-                <a:sym typeface="Wingdings" pitchFamily="2" charset="2"/>
-              </a:rPr>
-              <a:t>logic * aps not</a:t>
-            </a:r>
-            <a:r>
-              <a:rPr lang="en-US" sz="2800" dirty="0">
-                <a:latin typeface="+mj-lt"/>
-                <a:sym typeface="Wingdings" pitchFamily="2" charset="2"/>
-              </a:rPr>
-              <a:t> is a category, so we are “getting a mathematical structure for free.”</a:t>
-            </a:r>
-          </a:p>
-          <a:p>
-            <a:pPr marL="457200" indent="-457200">
-              <a:buFont typeface="+mj-lt"/>
-              <a:buAutoNum type="arabicPeriod"/>
-            </a:pPr>
-            <a:r>
-              <a:rPr lang="en-US" sz="2800" dirty="0">
-                <a:latin typeface="+mj-lt"/>
-                <a:sym typeface="Wingdings" pitchFamily="2" charset="2"/>
-              </a:rPr>
-              <a:t>The morphisms of the category </a:t>
-            </a:r>
-            <a:r>
-              <a:rPr lang="en-US" sz="2800" b="1" dirty="0">
-                <a:solidFill>
-                  <a:srgbClr val="FF0000"/>
-                </a:solidFill>
-                <a:latin typeface="+mj-lt"/>
-                <a:sym typeface="Wingdings" pitchFamily="2" charset="2"/>
-              </a:rPr>
-              <a:t>logic * aps no</a:t>
-            </a:r>
-            <a:r>
-              <a:rPr lang="en-US" sz="2800" dirty="0">
-                <a:solidFill>
-                  <a:srgbClr val="FF0000"/>
-                </a:solidFill>
-                <a:latin typeface="+mj-lt"/>
-                <a:sym typeface="Wingdings" pitchFamily="2" charset="2"/>
-              </a:rPr>
-              <a:t>t </a:t>
-            </a:r>
-            <a:r>
-              <a:rPr lang="en-US" sz="2800" dirty="0">
-                <a:latin typeface="+mj-lt"/>
-                <a:sym typeface="Wingdings" pitchFamily="2" charset="2"/>
-              </a:rPr>
-              <a:t>are interesting.  They are functions which preserve the atomic parity of data.  </a:t>
-            </a:r>
-            <a:endParaRPr lang="en-US" sz="2800" dirty="0">
+              <a:rPr lang="en-US" sz="5400" dirty="0">
+                <a:latin typeface="+mj-lt"/>
+              </a:rPr>
+              <a:t>not </a:t>
+            </a:r>
+            <a:endParaRPr lang="en-US" sz="6600" dirty="0">
               <a:latin typeface="+mj-lt"/>
             </a:endParaRPr>
+          </a:p>
+        </p:txBody>
+      </p:sp>
+      <p:sp>
+        <p:nvSpPr>
+          <p:cNvPr id="4" name="TextBox 3">
+            <a:extLst>
+              <a:ext uri="{FF2B5EF4-FFF2-40B4-BE49-F238E27FC236}">
+                <a16:creationId xmlns:a16="http://schemas.microsoft.com/office/drawing/2014/main" id="{A3896E8D-106F-3547-B407-9CDC81FE9502}"/>
+              </a:ext>
+            </a:extLst>
+          </p:cNvPr>
+          <p:cNvSpPr txBox="1"/>
+          <p:nvPr/>
+        </p:nvSpPr>
+        <p:spPr>
+          <a:xfrm>
+            <a:off x="1056641" y="2284478"/>
+            <a:ext cx="4037090" cy="1015663"/>
+          </a:xfrm>
+          <a:prstGeom prst="rect">
+            <a:avLst/>
+          </a:prstGeom>
+          <a:noFill/>
+        </p:spPr>
+        <p:txBody>
+          <a:bodyPr wrap="square" rtlCol="0">
+            <a:spAutoFit/>
+          </a:bodyPr>
+          <a:lstStyle/>
+          <a:p>
+            <a:r>
+              <a:rPr lang="en-US" sz="2000" dirty="0"/>
+              <a:t>Combinatorial operator that turns binary operations like (+ A : B) to a sequential sum like </a:t>
+            </a:r>
+            <a:r>
+              <a:rPr lang="en-US" sz="2000" dirty="0" err="1"/>
+              <a:t>a+b+c+d</a:t>
+            </a:r>
+            <a:r>
+              <a:rPr lang="en-US" sz="2000" dirty="0"/>
+              <a:t>…</a:t>
+            </a:r>
+          </a:p>
+        </p:txBody>
+      </p:sp>
+      <p:sp>
+        <p:nvSpPr>
+          <p:cNvPr id="5" name="TextBox 4">
+            <a:extLst>
+              <a:ext uri="{FF2B5EF4-FFF2-40B4-BE49-F238E27FC236}">
+                <a16:creationId xmlns:a16="http://schemas.microsoft.com/office/drawing/2014/main" id="{214E4D2B-02D1-6A41-84C4-28DC737C17D0}"/>
+              </a:ext>
+            </a:extLst>
+          </p:cNvPr>
+          <p:cNvSpPr txBox="1"/>
+          <p:nvPr/>
+        </p:nvSpPr>
+        <p:spPr>
+          <a:xfrm>
+            <a:off x="7142480" y="2369424"/>
+            <a:ext cx="3805606" cy="1015663"/>
+          </a:xfrm>
+          <a:prstGeom prst="rect">
+            <a:avLst/>
+          </a:prstGeom>
+          <a:noFill/>
+        </p:spPr>
+        <p:txBody>
+          <a:bodyPr wrap="square" rtlCol="0">
+            <a:spAutoFit/>
+          </a:bodyPr>
+          <a:lstStyle/>
+          <a:p>
+            <a:r>
+              <a:rPr lang="en-US" sz="2000" dirty="0"/>
+              <a:t>Logical negation operation.  </a:t>
+            </a:r>
+            <a:r>
+              <a:rPr lang="en-US" sz="2000" dirty="0" err="1"/>
+              <a:t>not:X</a:t>
+            </a:r>
+            <a:r>
+              <a:rPr lang="en-US" sz="2000" dirty="0"/>
+              <a:t> is atomic if X is empty and </a:t>
+            </a:r>
+            <a:r>
+              <a:rPr lang="en-US" sz="2000" dirty="0" err="1"/>
+              <a:t>not:X</a:t>
+            </a:r>
+            <a:r>
+              <a:rPr lang="en-US" sz="2000" dirty="0"/>
+              <a:t> is empty if X is atomic.</a:t>
+            </a:r>
+          </a:p>
+        </p:txBody>
+      </p:sp>
+      <p:pic>
+        <p:nvPicPr>
+          <p:cNvPr id="7" name="Picture 6">
+            <a:extLst>
+              <a:ext uri="{FF2B5EF4-FFF2-40B4-BE49-F238E27FC236}">
+                <a16:creationId xmlns:a16="http://schemas.microsoft.com/office/drawing/2014/main" id="{AA3F868D-C203-CA43-A835-D7CAE5BDDE6D}"/>
+              </a:ext>
+            </a:extLst>
+          </p:cNvPr>
+          <p:cNvPicPr>
+            <a:picLocks noChangeAspect="1"/>
+          </p:cNvPicPr>
+          <p:nvPr/>
+        </p:nvPicPr>
+        <p:blipFill>
+          <a:blip r:embed="rId2"/>
+          <a:stretch>
+            <a:fillRect/>
+          </a:stretch>
+        </p:blipFill>
+        <p:spPr>
+          <a:xfrm>
+            <a:off x="2411284" y="3647440"/>
+            <a:ext cx="5918543" cy="2930817"/>
+          </a:xfrm>
+          <a:prstGeom prst="rect">
+            <a:avLst/>
+          </a:prstGeom>
+        </p:spPr>
+      </p:pic>
+      <p:sp>
+        <p:nvSpPr>
+          <p:cNvPr id="8" name="Rectangle 7">
+            <a:extLst>
+              <a:ext uri="{FF2B5EF4-FFF2-40B4-BE49-F238E27FC236}">
+                <a16:creationId xmlns:a16="http://schemas.microsoft.com/office/drawing/2014/main" id="{BC180D73-0A7A-AA45-B4FA-CBCF58A7857A}"/>
+              </a:ext>
+            </a:extLst>
+          </p:cNvPr>
+          <p:cNvSpPr/>
+          <p:nvPr/>
+        </p:nvSpPr>
+        <p:spPr>
+          <a:xfrm flipV="1">
+            <a:off x="4460240" y="1107437"/>
+            <a:ext cx="3302000" cy="914688"/>
+          </a:xfrm>
+          <a:prstGeom prst="rect">
+            <a:avLst/>
+          </a:prstGeom>
+          <a:noFill/>
+        </p:spPr>
+        <p:style>
+          <a:lnRef idx="2">
+            <a:schemeClr val="accent1">
+              <a:shade val="50000"/>
+            </a:schemeClr>
+          </a:lnRef>
+          <a:fillRef idx="1">
+            <a:schemeClr val="accent1"/>
+          </a:fillRef>
+          <a:effectRef idx="0">
+            <a:schemeClr val="accent1"/>
+          </a:effectRef>
+          <a:fontRef idx="minor">
+            <a:schemeClr val="lt1"/>
+          </a:fontRef>
+        </p:style>
+        <p:txBody>
+          <a:bodyPr rtlCol="0" anchor="ctr"/>
+          <a:lstStyle/>
+          <a:p>
+            <a:pPr algn="ctr"/>
+            <a:endParaRPr lang="en-US" dirty="0"/>
+          </a:p>
+        </p:txBody>
+      </p:sp>
+      <p:sp>
+        <p:nvSpPr>
+          <p:cNvPr id="6" name="Freeform 5">
+            <a:extLst>
+              <a:ext uri="{FF2B5EF4-FFF2-40B4-BE49-F238E27FC236}">
+                <a16:creationId xmlns:a16="http://schemas.microsoft.com/office/drawing/2014/main" id="{D60E5FDE-1711-5240-970E-837247F0B91F}"/>
+              </a:ext>
+            </a:extLst>
+          </p:cNvPr>
+          <p:cNvSpPr/>
+          <p:nvPr/>
+        </p:nvSpPr>
+        <p:spPr>
+          <a:xfrm>
+            <a:off x="4897120" y="2082800"/>
+            <a:ext cx="600751" cy="665346"/>
+          </a:xfrm>
+          <a:custGeom>
+            <a:avLst/>
+            <a:gdLst>
+              <a:gd name="connsiteX0" fmla="*/ 0 w 600751"/>
+              <a:gd name="connsiteY0" fmla="*/ 660400 h 665346"/>
+              <a:gd name="connsiteX1" fmla="*/ 386080 w 600751"/>
+              <a:gd name="connsiteY1" fmla="*/ 629920 h 665346"/>
+              <a:gd name="connsiteX2" fmla="*/ 568960 w 600751"/>
+              <a:gd name="connsiteY2" fmla="*/ 396240 h 665346"/>
+              <a:gd name="connsiteX3" fmla="*/ 599440 w 600751"/>
+              <a:gd name="connsiteY3" fmla="*/ 0 h 665346"/>
+            </a:gdLst>
+            <a:ahLst/>
+            <a:cxnLst>
+              <a:cxn ang="0">
+                <a:pos x="connsiteX0" y="connsiteY0"/>
+              </a:cxn>
+              <a:cxn ang="0">
+                <a:pos x="connsiteX1" y="connsiteY1"/>
+              </a:cxn>
+              <a:cxn ang="0">
+                <a:pos x="connsiteX2" y="connsiteY2"/>
+              </a:cxn>
+              <a:cxn ang="0">
+                <a:pos x="connsiteX3" y="connsiteY3"/>
+              </a:cxn>
+            </a:cxnLst>
+            <a:rect l="l" t="t" r="r" b="b"/>
+            <a:pathLst>
+              <a:path w="600751" h="665346">
+                <a:moveTo>
+                  <a:pt x="0" y="660400"/>
+                </a:moveTo>
+                <a:cubicBezTo>
+                  <a:pt x="145627" y="667173"/>
+                  <a:pt x="291254" y="673947"/>
+                  <a:pt x="386080" y="629920"/>
+                </a:cubicBezTo>
+                <a:cubicBezTo>
+                  <a:pt x="480906" y="585893"/>
+                  <a:pt x="533400" y="501227"/>
+                  <a:pt x="568960" y="396240"/>
+                </a:cubicBezTo>
+                <a:cubicBezTo>
+                  <a:pt x="604520" y="291253"/>
+                  <a:pt x="601980" y="145626"/>
+                  <a:pt x="599440" y="0"/>
+                </a:cubicBezTo>
+              </a:path>
+            </a:pathLst>
+          </a:custGeom>
+          <a:noFill/>
+          <a:ln w="47625">
+            <a:solidFill>
+              <a:schemeClr val="tx1"/>
+            </a:solidFill>
+            <a:tailEnd type="arrow"/>
+          </a:ln>
+        </p:spPr>
+        <p:style>
+          <a:lnRef idx="2">
+            <a:schemeClr val="accent1">
+              <a:shade val="50000"/>
+            </a:schemeClr>
+          </a:lnRef>
+          <a:fillRef idx="1">
+            <a:schemeClr val="accent1"/>
+          </a:fillRef>
+          <a:effectRef idx="0">
+            <a:schemeClr val="accent1"/>
+          </a:effectRef>
+          <a:fontRef idx="minor">
+            <a:schemeClr val="lt1"/>
+          </a:fontRef>
+        </p:style>
+        <p:txBody>
+          <a:bodyPr rtlCol="0" anchor="ctr"/>
+          <a:lstStyle/>
+          <a:p>
+            <a:pPr algn="ctr"/>
+            <a:endParaRPr lang="en-US" dirty="0"/>
+          </a:p>
+        </p:txBody>
+      </p:sp>
+      <p:sp>
+        <p:nvSpPr>
+          <p:cNvPr id="9" name="Freeform 8">
+            <a:extLst>
+              <a:ext uri="{FF2B5EF4-FFF2-40B4-BE49-F238E27FC236}">
+                <a16:creationId xmlns:a16="http://schemas.microsoft.com/office/drawing/2014/main" id="{B140D985-7E75-C44A-9E73-841CE098E0CC}"/>
+              </a:ext>
+            </a:extLst>
+          </p:cNvPr>
+          <p:cNvSpPr/>
+          <p:nvPr/>
+        </p:nvSpPr>
+        <p:spPr>
+          <a:xfrm flipH="1">
+            <a:off x="6561162" y="2038103"/>
+            <a:ext cx="506751" cy="710043"/>
+          </a:xfrm>
+          <a:custGeom>
+            <a:avLst/>
+            <a:gdLst>
+              <a:gd name="connsiteX0" fmla="*/ 0 w 600751"/>
+              <a:gd name="connsiteY0" fmla="*/ 660400 h 665346"/>
+              <a:gd name="connsiteX1" fmla="*/ 386080 w 600751"/>
+              <a:gd name="connsiteY1" fmla="*/ 629920 h 665346"/>
+              <a:gd name="connsiteX2" fmla="*/ 568960 w 600751"/>
+              <a:gd name="connsiteY2" fmla="*/ 396240 h 665346"/>
+              <a:gd name="connsiteX3" fmla="*/ 599440 w 600751"/>
+              <a:gd name="connsiteY3" fmla="*/ 0 h 665346"/>
+            </a:gdLst>
+            <a:ahLst/>
+            <a:cxnLst>
+              <a:cxn ang="0">
+                <a:pos x="connsiteX0" y="connsiteY0"/>
+              </a:cxn>
+              <a:cxn ang="0">
+                <a:pos x="connsiteX1" y="connsiteY1"/>
+              </a:cxn>
+              <a:cxn ang="0">
+                <a:pos x="connsiteX2" y="connsiteY2"/>
+              </a:cxn>
+              <a:cxn ang="0">
+                <a:pos x="connsiteX3" y="connsiteY3"/>
+              </a:cxn>
+            </a:cxnLst>
+            <a:rect l="l" t="t" r="r" b="b"/>
+            <a:pathLst>
+              <a:path w="600751" h="665346">
+                <a:moveTo>
+                  <a:pt x="0" y="660400"/>
+                </a:moveTo>
+                <a:cubicBezTo>
+                  <a:pt x="145627" y="667173"/>
+                  <a:pt x="291254" y="673947"/>
+                  <a:pt x="386080" y="629920"/>
+                </a:cubicBezTo>
+                <a:cubicBezTo>
+                  <a:pt x="480906" y="585893"/>
+                  <a:pt x="533400" y="501227"/>
+                  <a:pt x="568960" y="396240"/>
+                </a:cubicBezTo>
+                <a:cubicBezTo>
+                  <a:pt x="604520" y="291253"/>
+                  <a:pt x="601980" y="145626"/>
+                  <a:pt x="599440" y="0"/>
+                </a:cubicBezTo>
+              </a:path>
+            </a:pathLst>
+          </a:custGeom>
+          <a:noFill/>
+          <a:ln w="47625">
+            <a:solidFill>
+              <a:schemeClr val="tx1"/>
+            </a:solidFill>
+            <a:tailEnd type="arrow"/>
+          </a:ln>
+        </p:spPr>
+        <p:style>
+          <a:lnRef idx="2">
+            <a:schemeClr val="accent1">
+              <a:shade val="50000"/>
+            </a:schemeClr>
+          </a:lnRef>
+          <a:fillRef idx="1">
+            <a:schemeClr val="accent1"/>
+          </a:fillRef>
+          <a:effectRef idx="0">
+            <a:schemeClr val="accent1"/>
+          </a:effectRef>
+          <a:fontRef idx="minor">
+            <a:schemeClr val="lt1"/>
+          </a:fontRef>
+        </p:style>
+        <p:txBody>
+          <a:bodyPr rtlCol="0" anchor="ctr"/>
+          <a:lstStyle/>
+          <a:p>
+            <a:pPr algn="ctr"/>
+            <a:endParaRPr lang="en-US" dirty="0"/>
           </a:p>
         </p:txBody>
       </p:sp>
     </p:spTree>
     <p:extLst>
       <p:ext uri="{BB962C8B-B14F-4D97-AF65-F5344CB8AC3E}">
-        <p14:creationId xmlns:p14="http://schemas.microsoft.com/office/powerpoint/2010/main" val="2031155758"/>
+        <p14:creationId xmlns:p14="http://schemas.microsoft.com/office/powerpoint/2010/main" val="1546831680"/>
       </p:ext>
     </p:extLst>
   </p:cSld>
@@ -13758,7 +16272,7 @@
           <p:cNvPr id="2" name="TextBox 1">
             <a:extLst>
               <a:ext uri="{FF2B5EF4-FFF2-40B4-BE49-F238E27FC236}">
-                <a16:creationId xmlns:a16="http://schemas.microsoft.com/office/drawing/2014/main" id="{F7FDCF70-3168-1E4C-A181-5F637780B010}"/>
+                <a16:creationId xmlns:a16="http://schemas.microsoft.com/office/drawing/2014/main" id="{16E62909-859D-4C4E-8DFF-6EB75AD8C446}"/>
               </a:ext>
             </a:extLst>
           </p:cNvPr>
@@ -13767,8 +16281,8 @@
         </p:nvSpPr>
         <p:spPr>
           <a:xfrm>
-            <a:off x="-1" y="401742"/>
-            <a:ext cx="12192000" cy="769441"/>
+            <a:off x="568410" y="691978"/>
+            <a:ext cx="10181968" cy="584775"/>
           </a:xfrm>
           <a:prstGeom prst="rect">
             <a:avLst/>
@@ -13781,22 +16295,21 @@
           </a:bodyPr>
           <a:lstStyle/>
           <a:p>
-            <a:pPr algn="ctr"/>
-            <a:r>
-              <a:rPr lang="en-US" sz="4400" dirty="0">
-                <a:latin typeface="+mj-lt"/>
-              </a:rPr>
-              <a:t>Is Mathematics Consistent?</a:t>
+            <a:r>
+              <a:rPr lang="en-US" sz="3200" dirty="0">
+                <a:latin typeface="+mj-lt"/>
+              </a:rPr>
+              <a:t>Conclusions which hopefully generalize…</a:t>
             </a:r>
           </a:p>
         </p:txBody>
       </p:sp>
       <p:sp>
         <p:nvSpPr>
-          <p:cNvPr id="4" name="TextBox 3">
+          <p:cNvPr id="3" name="TextBox 2">
             <a:extLst>
               <a:ext uri="{FF2B5EF4-FFF2-40B4-BE49-F238E27FC236}">
-                <a16:creationId xmlns:a16="http://schemas.microsoft.com/office/drawing/2014/main" id="{4EF79E6E-5D0D-AA46-BEB6-F23B3483C6DA}"/>
+                <a16:creationId xmlns:a16="http://schemas.microsoft.com/office/drawing/2014/main" id="{1E235EA4-82C7-7349-98CA-B7EF3B9FA8A1}"/>
               </a:ext>
             </a:extLst>
           </p:cNvPr>
@@ -13805,8 +16318,8 @@
         </p:nvSpPr>
         <p:spPr>
           <a:xfrm>
-            <a:off x="646669" y="1359243"/>
-            <a:ext cx="10898659" cy="4401205"/>
+            <a:off x="1173891" y="1556952"/>
+            <a:ext cx="10144897" cy="3539430"/>
           </a:xfrm>
           <a:prstGeom prst="rect">
             <a:avLst/>
@@ -13819,19 +16332,6 @@
           </a:bodyPr>
           <a:lstStyle/>
           <a:p>
-            <a:r>
-              <a:rPr lang="en-US" sz="2800" dirty="0">
-                <a:latin typeface="+mj-lt"/>
-              </a:rPr>
-              <a:t>Here is a potential criticism….</a:t>
-            </a:r>
-          </a:p>
-          <a:p>
-            <a:endParaRPr lang="en-US" sz="2800" dirty="0">
-              <a:latin typeface="+mj-lt"/>
-            </a:endParaRPr>
-          </a:p>
-          <a:p>
             <a:pPr marL="457200" indent="-457200">
               <a:buFont typeface="+mj-lt"/>
               <a:buAutoNum type="arabicPeriod"/>
@@ -13840,7 +16340,31 @@
               <a:rPr lang="en-US" sz="2800" dirty="0">
                 <a:latin typeface="+mj-lt"/>
               </a:rPr>
-              <a:t>I am claiming that empty data is “true” data and atomic data is “false” data and that should be the logic that we use for reasoning.</a:t>
+              <a:t>The solution is clever.  </a:t>
+            </a:r>
+            <a:r>
+              <a:rPr lang="en-US" sz="2800" b="1" dirty="0">
+                <a:solidFill>
+                  <a:srgbClr val="FF0000"/>
+                </a:solidFill>
+                <a:latin typeface="+mj-lt"/>
+              </a:rPr>
+              <a:t>aps not</a:t>
+            </a:r>
+            <a:r>
+              <a:rPr lang="en-US" sz="2800" dirty="0">
+                <a:solidFill>
+                  <a:srgbClr val="FF0000"/>
+                </a:solidFill>
+                <a:latin typeface="+mj-lt"/>
+              </a:rPr>
+              <a:t> </a:t>
+            </a:r>
+            <a:r>
+              <a:rPr lang="en-US" sz="2800" dirty="0">
+                <a:latin typeface="+mj-lt"/>
+              </a:rPr>
+              <a:t>combines a combinatorial operator with a logical operator in a way that I did not think of beforehand. </a:t>
             </a:r>
           </a:p>
           <a:p>
@@ -13852,7 +16376,14 @@
               <a:rPr lang="en-US" sz="2800" dirty="0">
                 <a:latin typeface="+mj-lt"/>
               </a:rPr>
-              <a:t>Since atoms cannot be changed by a definition, no data can be both true (empty) and false (atomic).</a:t>
+              <a:t>The solution generalizes.  The solution distinguishes the atomic parity of any data, not just sequences of (</a:t>
+            </a:r>
+            <a:r>
+              <a:rPr lang="en-US" sz="2800" dirty="0">
+                <a:latin typeface="+mj-lt"/>
+                <a:sym typeface="Wingdings" pitchFamily="2" charset="2"/>
+              </a:rPr>
+              <a:t>:).</a:t>
             </a:r>
           </a:p>
           <a:p>
@@ -13863,8 +16394,26 @@
             <a:r>
               <a:rPr lang="en-US" sz="2800" dirty="0">
                 <a:latin typeface="+mj-lt"/>
-              </a:rPr>
-              <a:t>If coda is all of mathematics, this appears to prove that mathematics is consistent.</a:t>
+                <a:sym typeface="Wingdings" pitchFamily="2" charset="2"/>
+              </a:rPr>
+              <a:t>A slightly modification: </a:t>
+            </a:r>
+            <a:r>
+              <a:rPr lang="en-US" sz="2800" b="1" dirty="0">
+                <a:solidFill>
+                  <a:srgbClr val="FF0000"/>
+                </a:solidFill>
+                <a:latin typeface="+mj-lt"/>
+                <a:sym typeface="Wingdings" pitchFamily="2" charset="2"/>
+              </a:rPr>
+              <a:t>bool * aps not</a:t>
+            </a:r>
+            <a:r>
+              <a:rPr lang="en-US" sz="2800" dirty="0">
+                <a:latin typeface="+mj-lt"/>
+                <a:sym typeface="Wingdings" pitchFamily="2" charset="2"/>
+              </a:rPr>
+              <a:t> is a space, so we are “getting a mathematical structure for free.”</a:t>
             </a:r>
           </a:p>
           <a:p>
@@ -13875,28 +16424,47 @@
             <a:r>
               <a:rPr lang="en-US" sz="2800" dirty="0">
                 <a:latin typeface="+mj-lt"/>
-              </a:rPr>
-              <a:t>But this contradicts </a:t>
-            </a:r>
-            <a:r>
-              <a:rPr lang="en-US" sz="2800" dirty="0" err="1">
-                <a:latin typeface="+mj-lt"/>
-              </a:rPr>
-              <a:t>Godel</a:t>
+                <a:sym typeface="Wingdings" pitchFamily="2" charset="2"/>
+              </a:rPr>
+              <a:t>The morphisms of the category </a:t>
+            </a:r>
+            <a:r>
+              <a:rPr lang="en-US" sz="2800" b="1" dirty="0">
+                <a:solidFill>
+                  <a:srgbClr val="FF0000"/>
+                </a:solidFill>
+                <a:latin typeface="+mj-lt"/>
+                <a:sym typeface="Wingdings" pitchFamily="2" charset="2"/>
+              </a:rPr>
+              <a:t>bool * aps no</a:t>
             </a:r>
             <a:r>
               <a:rPr lang="en-US" sz="2800" dirty="0">
-                <a:latin typeface="+mj-lt"/>
-              </a:rPr>
-              <a:t>, who showed that axiomatic systems stronger than arithmetic cannot prove their own consistency.</a:t>
-            </a:r>
+                <a:solidFill>
+                  <a:srgbClr val="FF0000"/>
+                </a:solidFill>
+                <a:latin typeface="+mj-lt"/>
+                <a:sym typeface="Wingdings" pitchFamily="2" charset="2"/>
+              </a:rPr>
+              <a:t>t </a:t>
+            </a:r>
+            <a:r>
+              <a:rPr lang="en-US" sz="2800" dirty="0">
+                <a:latin typeface="+mj-lt"/>
+                <a:sym typeface="Wingdings" pitchFamily="2" charset="2"/>
+              </a:rPr>
+              <a:t>are interesting.  They are functions which preserve the atomic parity of data.  </a:t>
+            </a:r>
+            <a:endParaRPr lang="en-US" sz="2800" dirty="0">
+              <a:latin typeface="+mj-lt"/>
+            </a:endParaRPr>
           </a:p>
         </p:txBody>
       </p:sp>
     </p:spTree>
     <p:extLst>
       <p:ext uri="{BB962C8B-B14F-4D97-AF65-F5344CB8AC3E}">
-        <p14:creationId xmlns:p14="http://schemas.microsoft.com/office/powerpoint/2010/main" val="4086309303"/>
+        <p14:creationId xmlns:p14="http://schemas.microsoft.com/office/powerpoint/2010/main" val="2031155758"/>
       </p:ext>
     </p:extLst>
   </p:cSld>
@@ -13925,10 +16493,10 @@
       </p:grpSpPr>
       <p:sp>
         <p:nvSpPr>
-          <p:cNvPr id="2" name="TextBox 1">
+          <p:cNvPr id="5" name="TextBox 4">
             <a:extLst>
               <a:ext uri="{FF2B5EF4-FFF2-40B4-BE49-F238E27FC236}">
-                <a16:creationId xmlns:a16="http://schemas.microsoft.com/office/drawing/2014/main" id="{F7FDCF70-3168-1E4C-A181-5F637780B010}"/>
+                <a16:creationId xmlns:a16="http://schemas.microsoft.com/office/drawing/2014/main" id="{05C7BAA1-6C68-E842-90D7-F8D25EBD23ED}"/>
               </a:ext>
             </a:extLst>
           </p:cNvPr>
@@ -13937,8 +16505,8 @@
         </p:nvSpPr>
         <p:spPr>
           <a:xfrm>
-            <a:off x="0" y="226250"/>
-            <a:ext cx="12192000" cy="769441"/>
+            <a:off x="0" y="471638"/>
+            <a:ext cx="12192000" cy="923330"/>
           </a:xfrm>
           <a:prstGeom prst="rect">
             <a:avLst/>
@@ -13953,303 +16521,143 @@
           <a:p>
             <a:pPr algn="ctr"/>
             <a:r>
-              <a:rPr lang="en-US" sz="4400" dirty="0">
-                <a:latin typeface="+mj-lt"/>
-              </a:rPr>
-              <a:t>Answer:</a:t>
+              <a:rPr lang="en-US" sz="5400" dirty="0">
+                <a:latin typeface="+mj-lt"/>
+              </a:rPr>
+              <a:t>But does this contradict </a:t>
+            </a:r>
+            <a:r>
+              <a:rPr lang="en-US" sz="5400" dirty="0" err="1">
+                <a:latin typeface="+mj-lt"/>
+              </a:rPr>
+              <a:t>Godel</a:t>
+            </a:r>
+            <a:r>
+              <a:rPr lang="en-US" sz="5400" dirty="0">
+                <a:latin typeface="+mj-lt"/>
+              </a:rPr>
+              <a:t>?</a:t>
             </a:r>
           </a:p>
         </p:txBody>
       </p:sp>
-      <mc:AlternateContent xmlns:mc="http://schemas.openxmlformats.org/markup-compatibility/2006">
-        <mc:Choice xmlns:a14="http://schemas.microsoft.com/office/drawing/2010/main" Requires="a14">
-          <p:sp>
-            <p:nvSpPr>
-              <p:cNvPr id="3" name="TextBox 2">
-                <a:extLst>
-                  <a:ext uri="{FF2B5EF4-FFF2-40B4-BE49-F238E27FC236}">
-                    <a16:creationId xmlns:a16="http://schemas.microsoft.com/office/drawing/2014/main" id="{8537E771-2E4D-174C-9553-976CA2ABB9E1}"/>
-                  </a:ext>
-                </a:extLst>
-              </p:cNvPr>
-              <p:cNvSpPr txBox="1"/>
-              <p:nvPr/>
-            </p:nvSpPr>
-            <p:spPr>
-              <a:xfrm>
-                <a:off x="782158" y="1097291"/>
-                <a:ext cx="10886302" cy="3785652"/>
-              </a:xfrm>
-              <a:prstGeom prst="rect">
-                <a:avLst/>
-              </a:prstGeom>
-              <a:noFill/>
-            </p:spPr>
-            <p:txBody>
-              <a:bodyPr wrap="square" rtlCol="0">
-                <a:spAutoFit/>
-              </a:bodyPr>
-              <a:lstStyle/>
-              <a:p>
-                <a:r>
-                  <a:rPr lang="en-US" sz="2400" dirty="0">
-                    <a:latin typeface="+mj-lt"/>
-                  </a:rPr>
-                  <a:t>Since </a:t>
-                </a:r>
-                <a14:m>
-                  <m:oMath xmlns:m="http://schemas.openxmlformats.org/officeDocument/2006/math">
-                    <m:r>
-                      <a:rPr lang="en-US" sz="2400" b="0" i="1" smtClean="0">
-                        <a:latin typeface="Cambria Math" panose="02040503050406030204" pitchFamily="18" charset="0"/>
-                      </a:rPr>
-                      <m:t>𝑠</m:t>
-                    </m:r>
-                    <m:r>
-                      <a:rPr lang="en-US" sz="2400" b="0" i="1" smtClean="0">
-                        <a:latin typeface="Cambria Math" panose="02040503050406030204" pitchFamily="18" charset="0"/>
-                        <a:ea typeface="Cambria Math" panose="02040503050406030204" pitchFamily="18" charset="0"/>
-                      </a:rPr>
-                      <m:t>→</m:t>
-                    </m:r>
-                  </m:oMath>
-                </a14:m>
-                <a:r>
-                  <a:rPr lang="en-US" sz="2400" dirty="0">
-                    <a:latin typeface="+mj-lt"/>
-                  </a:rPr>
-                  <a:t> (</a:t>
-                </a:r>
-                <a:r>
-                  <a:rPr lang="en-US" sz="2400" dirty="0" err="1">
-                    <a:latin typeface="+mj-lt"/>
-                  </a:rPr>
-                  <a:t>coda:s</a:t>
-                </a:r>
-                <a:r>
-                  <a:rPr lang="en-US" sz="2400" dirty="0">
-                    <a:latin typeface="+mj-lt"/>
-                  </a:rPr>
-                  <a:t>) is an onto mapping to all of pure data, the following data express “coda is consistent.”  </a:t>
-                </a:r>
-              </a:p>
-              <a:p>
-                <a:endParaRPr lang="en-US" sz="2400" dirty="0">
-                  <a:latin typeface="+mj-lt"/>
-                </a:endParaRPr>
-              </a:p>
-              <a:p>
-                <a:r>
-                  <a:rPr lang="en-US" sz="2400" dirty="0">
-                    <a:latin typeface="+mj-lt"/>
-                  </a:rPr>
-                  <a:t>let CONSISTENT? : </a:t>
-                </a:r>
-                <a:r>
-                  <a:rPr lang="en-US" sz="2400" b="1" dirty="0" err="1">
-                    <a:solidFill>
-                      <a:schemeClr val="accent1"/>
-                    </a:solidFill>
-                    <a:latin typeface="+mj-lt"/>
-                  </a:rPr>
-                  <a:t>ap</a:t>
-                </a:r>
-                <a:r>
-                  <a:rPr lang="en-US" sz="2400" b="1" dirty="0">
-                    <a:solidFill>
-                      <a:schemeClr val="accent1"/>
-                    </a:solidFill>
-                    <a:latin typeface="+mj-lt"/>
-                  </a:rPr>
-                  <a:t> { </a:t>
-                </a:r>
-                <a:r>
-                  <a:rPr lang="en-US" sz="2400" b="1" dirty="0" err="1">
-                    <a:solidFill>
-                      <a:schemeClr val="accent1"/>
-                    </a:solidFill>
-                    <a:latin typeface="+mj-lt"/>
-                  </a:rPr>
-                  <a:t>xor</a:t>
-                </a:r>
-                <a:r>
-                  <a:rPr lang="en-US" sz="2400" b="1" dirty="0">
-                    <a:solidFill>
-                      <a:schemeClr val="accent1"/>
-                    </a:solidFill>
-                    <a:latin typeface="+mj-lt"/>
-                  </a:rPr>
-                  <a:t> (</a:t>
-                </a:r>
-                <a:r>
-                  <a:rPr lang="en-US" sz="2400" b="1" dirty="0" err="1">
-                    <a:solidFill>
-                      <a:schemeClr val="accent1"/>
-                    </a:solidFill>
-                    <a:latin typeface="+mj-lt"/>
-                  </a:rPr>
-                  <a:t>coda:B</a:t>
-                </a:r>
-                <a:r>
-                  <a:rPr lang="en-US" sz="2400" b="1" dirty="0">
-                    <a:solidFill>
-                      <a:schemeClr val="accent1"/>
-                    </a:solidFill>
-                    <a:latin typeface="+mj-lt"/>
-                  </a:rPr>
-                  <a:t>) : (</a:t>
-                </a:r>
-                <a:r>
-                  <a:rPr lang="en-US" sz="2400" b="1" dirty="0" err="1">
-                    <a:solidFill>
-                      <a:schemeClr val="accent1"/>
-                    </a:solidFill>
-                    <a:latin typeface="+mj-lt"/>
-                  </a:rPr>
-                  <a:t>not:coda:B</a:t>
-                </a:r>
-                <a:r>
-                  <a:rPr lang="en-US" sz="2400" b="1" dirty="0">
-                    <a:solidFill>
-                      <a:schemeClr val="accent1"/>
-                    </a:solidFill>
-                    <a:latin typeface="+mj-lt"/>
-                  </a:rPr>
-                  <a:t>) } : </a:t>
-                </a:r>
-                <a:r>
-                  <a:rPr lang="en-US" sz="2400" b="1" dirty="0" err="1">
-                    <a:solidFill>
-                      <a:schemeClr val="accent1"/>
-                    </a:solidFill>
-                    <a:latin typeface="+mj-lt"/>
-                  </a:rPr>
-                  <a:t>allByteSequences</a:t>
-                </a:r>
-                <a:r>
-                  <a:rPr lang="en-US" sz="2400" b="1" dirty="0">
-                    <a:solidFill>
-                      <a:schemeClr val="accent1"/>
-                    </a:solidFill>
-                    <a:latin typeface="+mj-lt"/>
-                  </a:rPr>
-                  <a:t> : </a:t>
-                </a:r>
-              </a:p>
-              <a:p>
-                <a:endParaRPr lang="en-US" sz="2400" dirty="0">
-                  <a:latin typeface="+mj-lt"/>
-                </a:endParaRPr>
-              </a:p>
-              <a:p>
-                <a:r>
-                  <a:rPr lang="en-US" sz="2400" dirty="0">
-                    <a:latin typeface="+mj-lt"/>
-                  </a:rPr>
-                  <a:t>If coda is inconsistent, </a:t>
-                </a:r>
-                <a:r>
-                  <a:rPr lang="en-US" sz="2400" dirty="0" err="1">
-                    <a:latin typeface="+mj-lt"/>
-                  </a:rPr>
-                  <a:t>xor</a:t>
-                </a:r>
-                <a:r>
-                  <a:rPr lang="en-US" sz="2400" dirty="0">
-                    <a:latin typeface="+mj-lt"/>
-                  </a:rPr>
-                  <a:t> A : (</a:t>
-                </a:r>
-                <a:r>
-                  <a:rPr lang="en-US" sz="2400" dirty="0" err="1">
-                    <a:latin typeface="+mj-lt"/>
-                  </a:rPr>
-                  <a:t>not:A</a:t>
-                </a:r>
-                <a:r>
-                  <a:rPr lang="en-US" sz="2400" dirty="0">
-                    <a:latin typeface="+mj-lt"/>
-                  </a:rPr>
-                  <a:t>) is false for some data A, and so, if coda is inconsistent, the above data is false.  You can easily show, however that the argument to </a:t>
-                </a:r>
-                <a:r>
-                  <a:rPr lang="en-US" sz="2400" dirty="0" err="1">
-                    <a:latin typeface="+mj-lt"/>
-                  </a:rPr>
-                  <a:t>ap</a:t>
-                </a:r>
-                <a:r>
-                  <a:rPr lang="en-US" sz="2400" dirty="0">
-                    <a:latin typeface="+mj-lt"/>
-                  </a:rPr>
-                  <a:t> can never be false. </a:t>
-                </a:r>
-              </a:p>
-              <a:p>
-                <a:endParaRPr lang="en-US" sz="2400" dirty="0">
-                  <a:latin typeface="+mj-lt"/>
-                </a:endParaRPr>
-              </a:p>
-              <a:p>
-                <a:r>
-                  <a:rPr lang="en-US" sz="2400" dirty="0">
-                    <a:latin typeface="+mj-lt"/>
-                  </a:rPr>
-                  <a:t>Does this prove that coda is consistent?   </a:t>
-                </a:r>
-              </a:p>
-            </p:txBody>
-          </p:sp>
-        </mc:Choice>
-        <mc:Fallback>
-          <p:sp>
-            <p:nvSpPr>
-              <p:cNvPr id="3" name="TextBox 2">
-                <a:extLst>
-                  <a:ext uri="{FF2B5EF4-FFF2-40B4-BE49-F238E27FC236}">
-                    <a16:creationId xmlns:a16="http://schemas.microsoft.com/office/drawing/2014/main" id="{8537E771-2E4D-174C-9553-976CA2ABB9E1}"/>
-                  </a:ext>
-                </a:extLst>
-              </p:cNvPr>
-              <p:cNvSpPr txBox="1">
-                <a:spLocks noRot="1" noChangeAspect="1" noMove="1" noResize="1" noEditPoints="1" noAdjustHandles="1" noChangeArrowheads="1" noChangeShapeType="1" noTextEdit="1"/>
-              </p:cNvSpPr>
-              <p:nvPr/>
-            </p:nvSpPr>
-            <p:spPr>
-              <a:xfrm>
-                <a:off x="782158" y="1097291"/>
-                <a:ext cx="10886302" cy="3785652"/>
-              </a:xfrm>
-              <a:prstGeom prst="rect">
-                <a:avLst/>
-              </a:prstGeom>
-              <a:blipFill>
-                <a:blip r:embed="rId2"/>
-                <a:stretch>
-                  <a:fillRect l="-816" t="-669" b="-2676"/>
-                </a:stretch>
-              </a:blipFill>
-            </p:spPr>
-            <p:txBody>
-              <a:bodyPr/>
-              <a:lstStyle/>
-              <a:p>
-                <a:r>
-                  <a:rPr lang="en-US">
-                    <a:noFill/>
-                  </a:rPr>
-                  <a:t> </a:t>
-                </a:r>
-              </a:p>
-            </p:txBody>
-          </p:sp>
-        </mc:Fallback>
-      </mc:AlternateContent>
+      <p:sp>
+        <p:nvSpPr>
+          <p:cNvPr id="6" name="TextBox 5">
+            <a:extLst>
+              <a:ext uri="{FF2B5EF4-FFF2-40B4-BE49-F238E27FC236}">
+                <a16:creationId xmlns:a16="http://schemas.microsoft.com/office/drawing/2014/main" id="{61A379DD-D049-0D40-9B9C-FDC51A2E6A4C}"/>
+              </a:ext>
+            </a:extLst>
+          </p:cNvPr>
+          <p:cNvSpPr txBox="1"/>
+          <p:nvPr/>
+        </p:nvSpPr>
+        <p:spPr>
+          <a:xfrm>
+            <a:off x="898358" y="1636296"/>
+            <a:ext cx="10395284" cy="3970318"/>
+          </a:xfrm>
+          <a:prstGeom prst="rect">
+            <a:avLst/>
+          </a:prstGeom>
+          <a:noFill/>
+        </p:spPr>
+        <p:txBody>
+          <a:bodyPr wrap="square" rtlCol="0">
+            <a:spAutoFit/>
+          </a:bodyPr>
+          <a:lstStyle/>
+          <a:p>
+            <a:pPr marL="514350" indent="-514350">
+              <a:buFont typeface="+mj-lt"/>
+              <a:buAutoNum type="arabicPeriod"/>
+            </a:pPr>
+            <a:r>
+              <a:rPr lang="en-US" sz="2800" dirty="0">
+                <a:latin typeface="+mj-lt"/>
+              </a:rPr>
+              <a:t>We are claiming that empty data is “true” and atomic data is “false.”</a:t>
+            </a:r>
+          </a:p>
+          <a:p>
+            <a:pPr marL="514350" indent="-514350">
+              <a:buFont typeface="+mj-lt"/>
+              <a:buAutoNum type="arabicPeriod"/>
+            </a:pPr>
+            <a:r>
+              <a:rPr lang="en-US" sz="2800" dirty="0">
+                <a:latin typeface="+mj-lt"/>
+              </a:rPr>
+              <a:t>Since atoms cannot be changed by a definition, no data can be both true and false. </a:t>
+            </a:r>
+          </a:p>
+          <a:p>
+            <a:pPr marL="514350" indent="-514350">
+              <a:buFont typeface="+mj-lt"/>
+              <a:buAutoNum type="arabicPeriod"/>
+            </a:pPr>
+            <a:r>
+              <a:rPr lang="en-US" sz="2800" dirty="0">
+                <a:latin typeface="+mj-lt"/>
+              </a:rPr>
+              <a:t>If coda and mathematics are supposed to be the same thing, this appears to prove that mathematics is consistent.</a:t>
+            </a:r>
+          </a:p>
+          <a:p>
+            <a:pPr marL="514350" indent="-514350">
+              <a:buFont typeface="+mj-lt"/>
+              <a:buAutoNum type="arabicPeriod"/>
+            </a:pPr>
+            <a:r>
+              <a:rPr lang="en-US" sz="2800" dirty="0">
+                <a:latin typeface="+mj-lt"/>
+              </a:rPr>
+              <a:t>But this contradicts </a:t>
+            </a:r>
+            <a:r>
+              <a:rPr lang="en-US" sz="2800" dirty="0" err="1">
+                <a:latin typeface="+mj-lt"/>
+              </a:rPr>
+              <a:t>Godel</a:t>
+            </a:r>
+            <a:r>
+              <a:rPr lang="en-US" sz="2800" dirty="0">
+                <a:latin typeface="+mj-lt"/>
+              </a:rPr>
+              <a:t>, who showed that an axiomatic system at least as strong as </a:t>
+            </a:r>
+            <a:r>
+              <a:rPr lang="en-US" sz="2800" dirty="0" err="1">
+                <a:latin typeface="+mj-lt"/>
+              </a:rPr>
+              <a:t>Peano</a:t>
+            </a:r>
+            <a:r>
+              <a:rPr lang="en-US" sz="2800" dirty="0">
+                <a:latin typeface="+mj-lt"/>
+              </a:rPr>
+              <a:t> arithmetic cannot prove it’s own consistency.</a:t>
+            </a:r>
+          </a:p>
+          <a:p>
+            <a:pPr marL="514350" indent="-514350">
+              <a:buFont typeface="+mj-lt"/>
+              <a:buAutoNum type="arabicPeriod"/>
+            </a:pPr>
+            <a:r>
+              <a:rPr lang="en-US" sz="2800" dirty="0">
+                <a:latin typeface="+mj-lt"/>
+              </a:rPr>
+              <a:t>?</a:t>
+            </a:r>
+          </a:p>
+        </p:txBody>
+      </p:sp>
     </p:spTree>
     <p:extLst>
       <p:ext uri="{BB962C8B-B14F-4D97-AF65-F5344CB8AC3E}">
-        <p14:creationId xmlns:p14="http://schemas.microsoft.com/office/powerpoint/2010/main" val="3330148518"/>
+        <p14:creationId xmlns:p14="http://schemas.microsoft.com/office/powerpoint/2010/main" val="2214389088"/>
       </p:ext>
     </p:extLst>
   </p:cSld>
@@ -14290,8 +16698,8 @@
         </p:nvSpPr>
         <p:spPr>
           <a:xfrm>
-            <a:off x="0" y="309378"/>
-            <a:ext cx="12192000" cy="769441"/>
+            <a:off x="652849" y="784516"/>
+            <a:ext cx="10950341" cy="584775"/>
           </a:xfrm>
           <a:prstGeom prst="rect">
             <a:avLst/>
@@ -14304,378 +16712,138 @@
           </a:bodyPr>
           <a:lstStyle/>
           <a:p>
-            <a:pPr algn="ctr"/>
-            <a:r>
-              <a:rPr lang="en-US" sz="4400" dirty="0">
-                <a:latin typeface="+mj-lt"/>
-              </a:rPr>
-              <a:t>Answer:</a:t>
+            <a:r>
+              <a:rPr lang="en-US" sz="3200" dirty="0">
+                <a:latin typeface="+mj-lt"/>
+              </a:rPr>
+              <a:t>To see the answer, express “coda is consistent” in coda…</a:t>
             </a:r>
           </a:p>
         </p:txBody>
       </p:sp>
-      <mc:AlternateContent xmlns:mc="http://schemas.openxmlformats.org/markup-compatibility/2006" xmlns:a14="http://schemas.microsoft.com/office/drawing/2010/main">
-        <mc:Choice Requires="a14">
-          <p:sp>
-            <p:nvSpPr>
-              <p:cNvPr id="3" name="TextBox 2">
-                <a:extLst>
-                  <a:ext uri="{FF2B5EF4-FFF2-40B4-BE49-F238E27FC236}">
-                    <a16:creationId xmlns:a16="http://schemas.microsoft.com/office/drawing/2014/main" id="{8537E771-2E4D-174C-9553-976CA2ABB9E1}"/>
-                  </a:ext>
-                </a:extLst>
-              </p:cNvPr>
-              <p:cNvSpPr txBox="1"/>
-              <p:nvPr/>
-            </p:nvSpPr>
-            <p:spPr>
-              <a:xfrm>
-                <a:off x="754449" y="1235837"/>
-                <a:ext cx="10886302" cy="4524315"/>
-              </a:xfrm>
-              <a:prstGeom prst="rect">
-                <a:avLst/>
-              </a:prstGeom>
-              <a:noFill/>
-            </p:spPr>
-            <p:txBody>
-              <a:bodyPr wrap="square" rtlCol="0">
-                <a:spAutoFit/>
-              </a:bodyPr>
-              <a:lstStyle/>
-              <a:p>
-                <a:r>
-                  <a:rPr lang="en-US" sz="2400" dirty="0">
-                    <a:latin typeface="+mj-lt"/>
-                  </a:rPr>
-                  <a:t>Since </a:t>
-                </a:r>
-                <a14:m>
-                  <m:oMath xmlns:m="http://schemas.openxmlformats.org/officeDocument/2006/math">
-                    <m:r>
-                      <a:rPr lang="en-US" sz="2400" b="0" i="1" smtClean="0">
-                        <a:latin typeface="Cambria Math" panose="02040503050406030204" pitchFamily="18" charset="0"/>
-                      </a:rPr>
-                      <m:t>𝑠</m:t>
-                    </m:r>
-                    <m:r>
-                      <a:rPr lang="en-US" sz="2400" b="0" i="1" smtClean="0">
-                        <a:latin typeface="Cambria Math" panose="02040503050406030204" pitchFamily="18" charset="0"/>
-                        <a:ea typeface="Cambria Math" panose="02040503050406030204" pitchFamily="18" charset="0"/>
-                      </a:rPr>
-                      <m:t>→</m:t>
-                    </m:r>
-                  </m:oMath>
-                </a14:m>
-                <a:r>
-                  <a:rPr lang="en-US" sz="2400" dirty="0">
-                    <a:latin typeface="+mj-lt"/>
-                  </a:rPr>
-                  <a:t> (</a:t>
-                </a:r>
-                <a:r>
-                  <a:rPr lang="en-US" sz="2400" dirty="0" err="1">
-                    <a:latin typeface="+mj-lt"/>
-                  </a:rPr>
-                  <a:t>coda:s</a:t>
-                </a:r>
-                <a:r>
-                  <a:rPr lang="en-US" sz="2400" dirty="0">
-                    <a:latin typeface="+mj-lt"/>
-                  </a:rPr>
-                  <a:t>) is an onto mapping to all of pure data, the following data express “coda is consistent.”  </a:t>
-                </a:r>
-              </a:p>
-              <a:p>
-                <a:endParaRPr lang="en-US" sz="2400" dirty="0">
-                  <a:latin typeface="+mj-lt"/>
-                </a:endParaRPr>
-              </a:p>
-              <a:p>
-                <a:r>
-                  <a:rPr lang="en-US" sz="2400" dirty="0">
-                    <a:latin typeface="+mj-lt"/>
-                  </a:rPr>
-                  <a:t>let CONSISTENT : </a:t>
-                </a:r>
-                <a:r>
-                  <a:rPr lang="en-US" sz="2400" b="1" dirty="0" err="1">
-                    <a:solidFill>
-                      <a:schemeClr val="accent1"/>
-                    </a:solidFill>
-                    <a:latin typeface="+mj-lt"/>
-                  </a:rPr>
-                  <a:t>ap</a:t>
-                </a:r>
-                <a:r>
-                  <a:rPr lang="en-US" sz="2400" b="1" dirty="0">
-                    <a:solidFill>
-                      <a:schemeClr val="accent1"/>
-                    </a:solidFill>
-                    <a:latin typeface="+mj-lt"/>
-                  </a:rPr>
-                  <a:t> { XOR (</a:t>
-                </a:r>
-                <a:r>
-                  <a:rPr lang="en-US" sz="2400" b="1" dirty="0" err="1">
-                    <a:solidFill>
-                      <a:schemeClr val="accent1"/>
-                    </a:solidFill>
-                    <a:latin typeface="+mj-lt"/>
-                  </a:rPr>
-                  <a:t>coda:B</a:t>
-                </a:r>
-                <a:r>
-                  <a:rPr lang="en-US" sz="2400" b="1" dirty="0">
-                    <a:solidFill>
-                      <a:schemeClr val="accent1"/>
-                    </a:solidFill>
-                    <a:latin typeface="+mj-lt"/>
-                  </a:rPr>
-                  <a:t>) : (</a:t>
-                </a:r>
-                <a:r>
-                  <a:rPr lang="en-US" sz="2400" b="1" dirty="0" err="1">
-                    <a:solidFill>
-                      <a:schemeClr val="accent1"/>
-                    </a:solidFill>
-                    <a:latin typeface="+mj-lt"/>
-                  </a:rPr>
-                  <a:t>not:coda:B</a:t>
-                </a:r>
-                <a:r>
-                  <a:rPr lang="en-US" sz="2400" b="1" dirty="0">
-                    <a:solidFill>
-                      <a:schemeClr val="accent1"/>
-                    </a:solidFill>
-                    <a:latin typeface="+mj-lt"/>
-                  </a:rPr>
-                  <a:t>) } : </a:t>
-                </a:r>
-                <a:r>
-                  <a:rPr lang="en-US" sz="2400" b="1" dirty="0" err="1">
-                    <a:solidFill>
-                      <a:schemeClr val="accent1"/>
-                    </a:solidFill>
-                    <a:latin typeface="+mj-lt"/>
-                  </a:rPr>
-                  <a:t>allByteSequences</a:t>
-                </a:r>
-                <a:r>
-                  <a:rPr lang="en-US" sz="2400" b="1" dirty="0">
-                    <a:solidFill>
-                      <a:schemeClr val="accent1"/>
-                    </a:solidFill>
-                    <a:latin typeface="+mj-lt"/>
-                  </a:rPr>
-                  <a:t> : </a:t>
-                </a:r>
-              </a:p>
-              <a:p>
-                <a:endParaRPr lang="en-US" sz="2400" dirty="0">
-                  <a:latin typeface="+mj-lt"/>
-                </a:endParaRPr>
-              </a:p>
-              <a:p>
-                <a:r>
-                  <a:rPr lang="en-US" sz="2400" dirty="0">
-                    <a:latin typeface="+mj-lt"/>
-                  </a:rPr>
-                  <a:t>If coda is inconsistent, XOR A : (</a:t>
-                </a:r>
-                <a:r>
-                  <a:rPr lang="en-US" sz="2400" dirty="0" err="1">
-                    <a:latin typeface="+mj-lt"/>
-                  </a:rPr>
-                  <a:t>not:A</a:t>
-                </a:r>
-                <a:r>
-                  <a:rPr lang="en-US" sz="2400" dirty="0">
-                    <a:latin typeface="+mj-lt"/>
-                  </a:rPr>
-                  <a:t>) is false for some data A, and so, if coda is inconsistent, the above data is false.  You can easily show, however that the argument to </a:t>
-                </a:r>
-                <a:r>
-                  <a:rPr lang="en-US" sz="2400" dirty="0" err="1">
-                    <a:latin typeface="+mj-lt"/>
-                  </a:rPr>
-                  <a:t>ap</a:t>
-                </a:r>
-                <a:r>
-                  <a:rPr lang="en-US" sz="2400" dirty="0">
-                    <a:latin typeface="+mj-lt"/>
-                  </a:rPr>
-                  <a:t> can never be false.  </a:t>
-                </a:r>
-              </a:p>
-              <a:p>
-                <a:endParaRPr lang="en-US" sz="2400" dirty="0">
-                  <a:latin typeface="+mj-lt"/>
-                </a:endParaRPr>
-              </a:p>
-              <a:p>
-                <a:r>
-                  <a:rPr lang="en-US" sz="2400" dirty="0">
-                    <a:latin typeface="+mj-lt"/>
-                  </a:rPr>
-                  <a:t>Not quite, because </a:t>
-                </a:r>
-                <a:r>
-                  <a:rPr lang="en-US" sz="2400" b="1" dirty="0" err="1">
-                    <a:solidFill>
-                      <a:schemeClr val="accent1"/>
-                    </a:solidFill>
-                    <a:latin typeface="+mj-lt"/>
-                  </a:rPr>
-                  <a:t>allByteSequences</a:t>
-                </a:r>
-                <a:r>
-                  <a:rPr lang="en-US" sz="2400" b="1" dirty="0">
-                    <a:solidFill>
-                      <a:schemeClr val="accent1"/>
-                    </a:solidFill>
-                    <a:latin typeface="+mj-lt"/>
-                  </a:rPr>
-                  <a:t> : </a:t>
-                </a:r>
-                <a:r>
-                  <a:rPr lang="en-US" sz="2400" dirty="0">
-                    <a:latin typeface="+mj-lt"/>
-                  </a:rPr>
-                  <a:t>will eventually produce the byte sequence </a:t>
-                </a:r>
-                <a:r>
-                  <a:rPr lang="en-US" sz="2400" dirty="0">
-                    <a:solidFill>
-                      <a:schemeClr val="accent1"/>
-                    </a:solidFill>
-                    <a:latin typeface="+mj-lt"/>
-                  </a:rPr>
-                  <a:t>“</a:t>
-                </a:r>
-                <a:r>
-                  <a:rPr lang="en-US" sz="2400" dirty="0" err="1">
-                    <a:solidFill>
-                      <a:schemeClr val="accent1"/>
-                    </a:solidFill>
-                  </a:rPr>
-                  <a:t>ap</a:t>
-                </a:r>
-                <a:r>
-                  <a:rPr lang="en-US" sz="2400" dirty="0">
-                    <a:solidFill>
-                      <a:schemeClr val="accent1"/>
-                    </a:solidFill>
-                  </a:rPr>
-                  <a:t> { XOR (</a:t>
-                </a:r>
-                <a:r>
-                  <a:rPr lang="en-US" sz="2400" dirty="0" err="1">
-                    <a:solidFill>
-                      <a:schemeClr val="accent1"/>
-                    </a:solidFill>
-                  </a:rPr>
-                  <a:t>coda:B</a:t>
-                </a:r>
-                <a:r>
-                  <a:rPr lang="en-US" sz="2400" dirty="0">
-                    <a:solidFill>
-                      <a:schemeClr val="accent1"/>
-                    </a:solidFill>
-                  </a:rPr>
-                  <a:t>) : (</a:t>
-                </a:r>
-                <a:r>
-                  <a:rPr lang="en-US" sz="2400" dirty="0" err="1">
-                    <a:solidFill>
-                      <a:schemeClr val="accent1"/>
-                    </a:solidFill>
-                  </a:rPr>
-                  <a:t>not:coda:B</a:t>
-                </a:r>
-                <a:r>
-                  <a:rPr lang="en-US" sz="2400" dirty="0">
-                    <a:solidFill>
-                      <a:schemeClr val="accent1"/>
-                    </a:solidFill>
-                  </a:rPr>
-                  <a:t>) } : </a:t>
-                </a:r>
-                <a:r>
-                  <a:rPr lang="en-US" sz="2400" dirty="0" err="1">
-                    <a:solidFill>
-                      <a:schemeClr val="accent1"/>
-                    </a:solidFill>
-                  </a:rPr>
-                  <a:t>allByteSequences</a:t>
-                </a:r>
-                <a:r>
-                  <a:rPr lang="en-US" sz="2400" dirty="0">
-                    <a:solidFill>
-                      <a:schemeClr val="accent1"/>
-                    </a:solidFill>
-                  </a:rPr>
-                  <a:t> : “ </a:t>
-                </a:r>
-                <a:r>
-                  <a:rPr lang="en-US" sz="2400" dirty="0">
-                    <a:latin typeface="+mj-lt"/>
-                  </a:rPr>
-                  <a:t>and so, CONSISTENT? recursively never quite becomes ``true’’ in the coda sense.</a:t>
-                </a:r>
-              </a:p>
-            </p:txBody>
-          </p:sp>
-        </mc:Choice>
-        <mc:Fallback xmlns="">
-          <p:sp>
-            <p:nvSpPr>
-              <p:cNvPr id="3" name="TextBox 2">
-                <a:extLst>
-                  <a:ext uri="{FF2B5EF4-FFF2-40B4-BE49-F238E27FC236}">
-                    <a16:creationId xmlns:a16="http://schemas.microsoft.com/office/drawing/2014/main" id="{8537E771-2E4D-174C-9553-976CA2ABB9E1}"/>
-                  </a:ext>
-                </a:extLst>
-              </p:cNvPr>
-              <p:cNvSpPr txBox="1">
-                <a:spLocks noRot="1" noChangeAspect="1" noMove="1" noResize="1" noEditPoints="1" noAdjustHandles="1" noChangeArrowheads="1" noChangeShapeType="1" noTextEdit="1"/>
-              </p:cNvSpPr>
-              <p:nvPr/>
-            </p:nvSpPr>
-            <p:spPr>
-              <a:xfrm>
-                <a:off x="754449" y="1235837"/>
-                <a:ext cx="10886302" cy="4524315"/>
-              </a:xfrm>
-              <a:prstGeom prst="rect">
-                <a:avLst/>
-              </a:prstGeom>
-              <a:blipFill>
-                <a:blip r:embed="rId2"/>
-                <a:stretch>
-                  <a:fillRect l="-815" t="-559" b="-1676"/>
-                </a:stretch>
-              </a:blipFill>
-            </p:spPr>
-            <p:txBody>
-              <a:bodyPr/>
-              <a:lstStyle/>
-              <a:p>
-                <a:r>
-                  <a:rPr lang="en-US">
-                    <a:noFill/>
-                  </a:rPr>
-                  <a:t> </a:t>
-                </a:r>
-              </a:p>
-            </p:txBody>
-          </p:sp>
-        </mc:Fallback>
-      </mc:AlternateContent>
+      <p:sp>
+        <p:nvSpPr>
+          <p:cNvPr id="5" name="TextBox 4">
+            <a:extLst>
+              <a:ext uri="{FF2B5EF4-FFF2-40B4-BE49-F238E27FC236}">
+                <a16:creationId xmlns:a16="http://schemas.microsoft.com/office/drawing/2014/main" id="{CB113016-2473-DE47-BA7C-2BD0AFCF688B}"/>
+              </a:ext>
+            </a:extLst>
+          </p:cNvPr>
+          <p:cNvSpPr txBox="1"/>
+          <p:nvPr/>
+        </p:nvSpPr>
+        <p:spPr>
+          <a:xfrm>
+            <a:off x="716888" y="1751798"/>
+            <a:ext cx="10886302" cy="3046988"/>
+          </a:xfrm>
+          <a:prstGeom prst="rect">
+            <a:avLst/>
+          </a:prstGeom>
+          <a:noFill/>
+        </p:spPr>
+        <p:txBody>
+          <a:bodyPr wrap="square" rtlCol="0">
+            <a:spAutoFit/>
+          </a:bodyPr>
+          <a:lstStyle/>
+          <a:p>
+            <a:r>
+              <a:rPr lang="en-US" sz="3200" dirty="0">
+                <a:latin typeface="+mj-lt"/>
+              </a:rPr>
+              <a:t>let CONSISTENT : </a:t>
+            </a:r>
+          </a:p>
+          <a:p>
+            <a:r>
+              <a:rPr lang="en-US" sz="3200" dirty="0">
+                <a:latin typeface="+mj-lt"/>
+              </a:rPr>
+              <a:t>        </a:t>
+            </a:r>
+            <a:r>
+              <a:rPr lang="en-US" sz="3200" dirty="0" err="1">
+                <a:latin typeface="+mj-lt"/>
+              </a:rPr>
+              <a:t>ap</a:t>
+            </a:r>
+            <a:r>
+              <a:rPr lang="en-US" sz="3200" dirty="0">
+                <a:latin typeface="+mj-lt"/>
+              </a:rPr>
+              <a:t> { XOR (</a:t>
+            </a:r>
+            <a:r>
+              <a:rPr lang="en-US" sz="3200" dirty="0" err="1">
+                <a:latin typeface="+mj-lt"/>
+              </a:rPr>
+              <a:t>coda:B</a:t>
+            </a:r>
+            <a:r>
+              <a:rPr lang="en-US" sz="3200" dirty="0">
+                <a:latin typeface="+mj-lt"/>
+              </a:rPr>
+              <a:t>) : (</a:t>
+            </a:r>
+            <a:r>
+              <a:rPr lang="en-US" sz="3200" dirty="0" err="1">
+                <a:latin typeface="+mj-lt"/>
+              </a:rPr>
+              <a:t>not:coda:B</a:t>
+            </a:r>
+            <a:r>
+              <a:rPr lang="en-US" sz="3200" dirty="0">
+                <a:latin typeface="+mj-lt"/>
+              </a:rPr>
+              <a:t>) } : </a:t>
+            </a:r>
+            <a:r>
+              <a:rPr lang="en-US" sz="3200" dirty="0" err="1">
+                <a:latin typeface="+mj-lt"/>
+              </a:rPr>
+              <a:t>allByteSequences</a:t>
+            </a:r>
+            <a:r>
+              <a:rPr lang="en-US" sz="3200" dirty="0">
+                <a:latin typeface="+mj-lt"/>
+              </a:rPr>
+              <a:t>:</a:t>
+            </a:r>
+          </a:p>
+          <a:p>
+            <a:endParaRPr lang="en-US" sz="3200" dirty="0">
+              <a:latin typeface="+mj-lt"/>
+            </a:endParaRPr>
+          </a:p>
+          <a:p>
+            <a:r>
+              <a:rPr lang="en-US" sz="3200" dirty="0">
+                <a:latin typeface="+mj-lt"/>
+              </a:rPr>
+              <a:t>Then the answer is…</a:t>
+            </a:r>
+          </a:p>
+          <a:p>
+            <a:endParaRPr lang="en-US" sz="3200" dirty="0">
+              <a:latin typeface="+mj-lt"/>
+            </a:endParaRPr>
+          </a:p>
+          <a:p>
+            <a:r>
+              <a:rPr lang="en-US" sz="3200" dirty="0">
+                <a:latin typeface="+mj-lt"/>
+              </a:rPr>
+              <a:t>CONSISTENT?</a:t>
+            </a:r>
+          </a:p>
+        </p:txBody>
+      </p:sp>
     </p:spTree>
     <p:extLst>
       <p:ext uri="{BB962C8B-B14F-4D97-AF65-F5344CB8AC3E}">
-        <p14:creationId xmlns:p14="http://schemas.microsoft.com/office/powerpoint/2010/main" val="933515691"/>
+        <p14:creationId xmlns:p14="http://schemas.microsoft.com/office/powerpoint/2010/main" val="3330148518"/>
       </p:ext>
     </p:extLst>
   </p:cSld>
@@ -14716,8 +16884,8 @@
         </p:nvSpPr>
         <p:spPr>
           <a:xfrm>
-            <a:off x="0" y="309378"/>
-            <a:ext cx="12192000" cy="769441"/>
+            <a:off x="652849" y="784516"/>
+            <a:ext cx="10950341" cy="584775"/>
           </a:xfrm>
           <a:prstGeom prst="rect">
             <a:avLst/>
@@ -14730,22 +16898,21 @@
           </a:bodyPr>
           <a:lstStyle/>
           <a:p>
-            <a:pPr algn="ctr"/>
-            <a:r>
-              <a:rPr lang="en-US" sz="4400" dirty="0">
-                <a:latin typeface="+mj-lt"/>
-              </a:rPr>
-              <a:t>In a bit more detail</a:t>
+            <a:r>
+              <a:rPr lang="en-US" sz="3200" dirty="0">
+                <a:latin typeface="+mj-lt"/>
+              </a:rPr>
+              <a:t>To see the answer, express “coda is consistent” in coda…</a:t>
             </a:r>
           </a:p>
         </p:txBody>
       </p:sp>
       <p:sp>
         <p:nvSpPr>
-          <p:cNvPr id="3" name="TextBox 2">
+          <p:cNvPr id="5" name="TextBox 4">
             <a:extLst>
               <a:ext uri="{FF2B5EF4-FFF2-40B4-BE49-F238E27FC236}">
-                <a16:creationId xmlns:a16="http://schemas.microsoft.com/office/drawing/2014/main" id="{8537E771-2E4D-174C-9553-976CA2ABB9E1}"/>
+                <a16:creationId xmlns:a16="http://schemas.microsoft.com/office/drawing/2014/main" id="{CB113016-2473-DE47-BA7C-2BD0AFCF688B}"/>
               </a:ext>
             </a:extLst>
           </p:cNvPr>
@@ -14754,8 +16921,8 @@
         </p:nvSpPr>
         <p:spPr>
           <a:xfrm>
-            <a:off x="526473" y="1365146"/>
-            <a:ext cx="11086569" cy="3785652"/>
+            <a:off x="716888" y="1751798"/>
+            <a:ext cx="10886302" cy="4031873"/>
           </a:xfrm>
           <a:prstGeom prst="rect">
             <a:avLst/>
@@ -14769,117 +16936,264 @@
           <a:lstStyle/>
           <a:p>
             <a:r>
-              <a:rPr lang="en-US" sz="2400" dirty="0">
-                <a:latin typeface="+mj-lt"/>
-              </a:rPr>
-              <a:t>By definition, data A is </a:t>
-            </a:r>
-            <a:r>
-              <a:rPr lang="en-US" sz="2400" b="1" dirty="0">
-                <a:latin typeface="+mj-lt"/>
-              </a:rPr>
-              <a:t>true </a:t>
-            </a:r>
-            <a:r>
-              <a:rPr lang="en-US" sz="2400" dirty="0">
-                <a:latin typeface="+mj-lt"/>
-              </a:rPr>
-              <a:t>if A=() where ”=“ is context equality.  This is true if there is a </a:t>
-            </a:r>
-            <a:r>
-              <a:rPr lang="en-US" sz="2400" i="1" dirty="0">
-                <a:latin typeface="+mj-lt"/>
-              </a:rPr>
-              <a:t>finite</a:t>
-            </a:r>
-            <a:r>
-              <a:rPr lang="en-US" sz="2400" dirty="0">
-                <a:latin typeface="+mj-lt"/>
-              </a:rPr>
-              <a:t> sequence A=A</a:t>
-            </a:r>
-            <a:r>
-              <a:rPr lang="en-US" sz="2400" baseline="-25000" dirty="0">
-                <a:latin typeface="+mj-lt"/>
-              </a:rPr>
-              <a:t>1</a:t>
-            </a:r>
-            <a:r>
-              <a:rPr lang="en-US" sz="2400" dirty="0">
-                <a:latin typeface="+mj-lt"/>
-              </a:rPr>
-              <a:t>=A</a:t>
-            </a:r>
-            <a:r>
-              <a:rPr lang="en-US" sz="2400" baseline="-25000" dirty="0">
-                <a:latin typeface="+mj-lt"/>
-              </a:rPr>
-              <a:t>2</a:t>
-            </a:r>
-            <a:r>
-              <a:rPr lang="en-US" sz="2400" dirty="0">
-                <a:latin typeface="+mj-lt"/>
-              </a:rPr>
-              <a:t>=…=A</a:t>
-            </a:r>
-            <a:r>
-              <a:rPr lang="en-US" sz="2400" baseline="-25000" dirty="0">
-                <a:latin typeface="+mj-lt"/>
-              </a:rPr>
-              <a:t>n</a:t>
-            </a:r>
-            <a:r>
-              <a:rPr lang="en-US" sz="2400" dirty="0">
-                <a:latin typeface="+mj-lt"/>
-              </a:rPr>
-              <a:t>=() where each equality is a relation the the equivalence relation of “=“, which is defined by the definitions of the context. </a:t>
-            </a:r>
-          </a:p>
-          <a:p>
-            <a:endParaRPr lang="en-US" sz="2400" dirty="0">
+              <a:rPr lang="en-US" sz="3200" dirty="0">
+                <a:latin typeface="+mj-lt"/>
+              </a:rPr>
+              <a:t>let CONSISTENT : </a:t>
+            </a:r>
+          </a:p>
+          <a:p>
+            <a:r>
+              <a:rPr lang="en-US" sz="3200" dirty="0">
+                <a:latin typeface="+mj-lt"/>
+              </a:rPr>
+              <a:t>        </a:t>
+            </a:r>
+            <a:r>
+              <a:rPr lang="en-US" sz="3200" dirty="0" err="1">
+                <a:latin typeface="+mj-lt"/>
+              </a:rPr>
+              <a:t>ap</a:t>
+            </a:r>
+            <a:r>
+              <a:rPr lang="en-US" sz="3200" dirty="0">
+                <a:latin typeface="+mj-lt"/>
+              </a:rPr>
+              <a:t> { XOR (</a:t>
+            </a:r>
+            <a:r>
+              <a:rPr lang="en-US" sz="3200" dirty="0" err="1">
+                <a:latin typeface="+mj-lt"/>
+              </a:rPr>
+              <a:t>coda:B</a:t>
+            </a:r>
+            <a:r>
+              <a:rPr lang="en-US" sz="3200" dirty="0">
+                <a:latin typeface="+mj-lt"/>
+              </a:rPr>
+              <a:t>) : (</a:t>
+            </a:r>
+            <a:r>
+              <a:rPr lang="en-US" sz="3200" dirty="0" err="1">
+                <a:latin typeface="+mj-lt"/>
+              </a:rPr>
+              <a:t>not:coda:B</a:t>
+            </a:r>
+            <a:r>
+              <a:rPr lang="en-US" sz="3200" dirty="0">
+                <a:latin typeface="+mj-lt"/>
+              </a:rPr>
+              <a:t>) } : </a:t>
+            </a:r>
+            <a:r>
+              <a:rPr lang="en-US" sz="3200" dirty="0" err="1">
+                <a:latin typeface="+mj-lt"/>
+              </a:rPr>
+              <a:t>allByteSequences</a:t>
+            </a:r>
+            <a:r>
+              <a:rPr lang="en-US" sz="3200" dirty="0">
+                <a:latin typeface="+mj-lt"/>
+              </a:rPr>
+              <a:t>:</a:t>
+            </a:r>
+          </a:p>
+          <a:p>
+            <a:endParaRPr lang="en-US" sz="3200" dirty="0">
               <a:latin typeface="+mj-lt"/>
             </a:endParaRPr>
           </a:p>
           <a:p>
             <a:r>
-              <a:rPr lang="en-US" sz="2400" dirty="0">
-                <a:latin typeface="+mj-lt"/>
-              </a:rPr>
-              <a:t>What we have is a situation </a:t>
-            </a:r>
-          </a:p>
-          <a:p>
-            <a:endParaRPr lang="en-US" sz="2400" dirty="0">
+              <a:rPr lang="en-US" sz="3200" dirty="0">
+                <a:latin typeface="+mj-lt"/>
+              </a:rPr>
+              <a:t>Then the answer is…</a:t>
+            </a:r>
+          </a:p>
+          <a:p>
+            <a:endParaRPr lang="en-US" sz="3200" dirty="0">
               <a:latin typeface="+mj-lt"/>
             </a:endParaRPr>
           </a:p>
           <a:p>
             <a:r>
-              <a:rPr lang="en-US" sz="2400" dirty="0">
-                <a:latin typeface="+mj-lt"/>
-              </a:rPr>
-              <a:t>CONSISTENT?  = () () () () () () (…some undecided data which we can further evaluate…)</a:t>
-            </a:r>
-          </a:p>
-          <a:p>
-            <a:endParaRPr lang="en-US" sz="2400" dirty="0">
+              <a:rPr lang="en-US" sz="3200" dirty="0">
+                <a:latin typeface="+mj-lt"/>
+              </a:rPr>
+              <a:t>CONSISTENT?</a:t>
+            </a:r>
+          </a:p>
+          <a:p>
+            <a:endParaRPr lang="en-US" sz="3200" dirty="0">
               <a:latin typeface="+mj-lt"/>
             </a:endParaRPr>
           </a:p>
           <a:p>
             <a:r>
-              <a:rPr lang="en-US" sz="2400" dirty="0">
-                <a:latin typeface="+mj-lt"/>
-              </a:rPr>
-              <a:t>Thus, we have not quite proved that coda is consistent from within coda.   In the coda sense, CONSISTENT? is undecidable. </a:t>
-            </a:r>
+              <a:rPr lang="en-US" sz="3200" dirty="0">
+                <a:latin typeface="+mj-lt"/>
+              </a:rPr>
+              <a:t>() () () () () () … (…undecided…)</a:t>
+            </a:r>
+          </a:p>
+        </p:txBody>
+      </p:sp>
+      <p:sp>
+        <p:nvSpPr>
+          <p:cNvPr id="3" name="TextBox 2">
+            <a:extLst>
+              <a:ext uri="{FF2B5EF4-FFF2-40B4-BE49-F238E27FC236}">
+                <a16:creationId xmlns:a16="http://schemas.microsoft.com/office/drawing/2014/main" id="{72A3288E-126D-8E41-8DAD-966BE716B30E}"/>
+              </a:ext>
+            </a:extLst>
+          </p:cNvPr>
+          <p:cNvSpPr txBox="1"/>
+          <p:nvPr/>
+        </p:nvSpPr>
+        <p:spPr>
+          <a:xfrm>
+            <a:off x="6294921" y="3378467"/>
+            <a:ext cx="5072514" cy="1815882"/>
+          </a:xfrm>
+          <a:prstGeom prst="rect">
+            <a:avLst/>
+          </a:prstGeom>
+          <a:noFill/>
+        </p:spPr>
+        <p:txBody>
+          <a:bodyPr wrap="square" rtlCol="0">
+            <a:spAutoFit/>
+          </a:bodyPr>
+          <a:lstStyle/>
+          <a:p>
+            <a:r>
+              <a:rPr lang="en-US" sz="3600" dirty="0">
+                <a:latin typeface="Papyrus Condensed" panose="020B0602040200020303" pitchFamily="34" charset="77"/>
+              </a:rPr>
+              <a:t>If you accept Coda as “mathematics”, then mathematics </a:t>
+            </a:r>
+            <a:r>
+              <a:rPr lang="en-US" sz="4000" b="1" dirty="0">
+                <a:solidFill>
+                  <a:srgbClr val="FF0000"/>
+                </a:solidFill>
+                <a:latin typeface="Papyrus Condensed" panose="020B0602040200020303" pitchFamily="34" charset="77"/>
+              </a:rPr>
+              <a:t>is</a:t>
+            </a:r>
+            <a:r>
+              <a:rPr lang="en-US" sz="3600" dirty="0">
+                <a:latin typeface="Papyrus Condensed" panose="020B0602040200020303" pitchFamily="34" charset="77"/>
+              </a:rPr>
+              <a:t> consistent in this sense.  </a:t>
+            </a:r>
+          </a:p>
+        </p:txBody>
+      </p:sp>
+      <p:sp>
+        <p:nvSpPr>
+          <p:cNvPr id="6" name="Freeform 5">
+            <a:extLst>
+              <a:ext uri="{FF2B5EF4-FFF2-40B4-BE49-F238E27FC236}">
+                <a16:creationId xmlns:a16="http://schemas.microsoft.com/office/drawing/2014/main" id="{72D15476-A31A-8B4B-B6FA-3C11610E0042}"/>
+              </a:ext>
+            </a:extLst>
+          </p:cNvPr>
+          <p:cNvSpPr/>
+          <p:nvPr/>
+        </p:nvSpPr>
+        <p:spPr>
+          <a:xfrm>
+            <a:off x="6015789" y="5072514"/>
+            <a:ext cx="2136809" cy="654551"/>
+          </a:xfrm>
+          <a:custGeom>
+            <a:avLst/>
+            <a:gdLst>
+              <a:gd name="connsiteX0" fmla="*/ 2136809 w 2136809"/>
+              <a:gd name="connsiteY0" fmla="*/ 0 h 654551"/>
+              <a:gd name="connsiteX1" fmla="*/ 1886552 w 2136809"/>
+              <a:gd name="connsiteY1" fmla="*/ 490888 h 654551"/>
+              <a:gd name="connsiteX2" fmla="*/ 1145407 w 2136809"/>
+              <a:gd name="connsiteY2" fmla="*/ 654518 h 654551"/>
+              <a:gd name="connsiteX3" fmla="*/ 0 w 2136809"/>
+              <a:gd name="connsiteY3" fmla="*/ 481263 h 654551"/>
+            </a:gdLst>
+            <a:ahLst/>
+            <a:cxnLst>
+              <a:cxn ang="0">
+                <a:pos x="connsiteX0" y="connsiteY0"/>
+              </a:cxn>
+              <a:cxn ang="0">
+                <a:pos x="connsiteX1" y="connsiteY1"/>
+              </a:cxn>
+              <a:cxn ang="0">
+                <a:pos x="connsiteX2" y="connsiteY2"/>
+              </a:cxn>
+              <a:cxn ang="0">
+                <a:pos x="connsiteX3" y="connsiteY3"/>
+              </a:cxn>
+            </a:cxnLst>
+            <a:rect l="l" t="t" r="r" b="b"/>
+            <a:pathLst>
+              <a:path w="2136809" h="654551">
+                <a:moveTo>
+                  <a:pt x="2136809" y="0"/>
+                </a:moveTo>
+                <a:cubicBezTo>
+                  <a:pt x="2094297" y="190901"/>
+                  <a:pt x="2051786" y="381802"/>
+                  <a:pt x="1886552" y="490888"/>
+                </a:cubicBezTo>
+                <a:cubicBezTo>
+                  <a:pt x="1721318" y="599974"/>
+                  <a:pt x="1459832" y="656122"/>
+                  <a:pt x="1145407" y="654518"/>
+                </a:cubicBezTo>
+                <a:cubicBezTo>
+                  <a:pt x="830982" y="652914"/>
+                  <a:pt x="415491" y="567088"/>
+                  <a:pt x="0" y="481263"/>
+                </a:cubicBezTo>
+              </a:path>
+            </a:pathLst>
+          </a:custGeom>
+          <a:noFill/>
+          <a:ln w="47625">
+            <a:headEnd type="none"/>
+            <a:tailEnd type="stealth"/>
+          </a:ln>
+        </p:spPr>
+        <p:style>
+          <a:lnRef idx="2">
+            <a:schemeClr val="accent1">
+              <a:shade val="50000"/>
+            </a:schemeClr>
+          </a:lnRef>
+          <a:fillRef idx="1">
+            <a:schemeClr val="accent1"/>
+          </a:fillRef>
+          <a:effectRef idx="0">
+            <a:schemeClr val="accent1"/>
+          </a:effectRef>
+          <a:fontRef idx="minor">
+            <a:schemeClr val="lt1"/>
+          </a:fontRef>
+        </p:style>
+        <p:txBody>
+          <a:bodyPr rtlCol="0" anchor="ctr"/>
+          <a:lstStyle/>
+          <a:p>
+            <a:pPr algn="ctr"/>
+            <a:endParaRPr lang="en-US"/>
           </a:p>
         </p:txBody>
       </p:sp>
     </p:spTree>
     <p:extLst>
       <p:ext uri="{BB962C8B-B14F-4D97-AF65-F5344CB8AC3E}">
-        <p14:creationId xmlns:p14="http://schemas.microsoft.com/office/powerpoint/2010/main" val="1017895871"/>
+        <p14:creationId xmlns:p14="http://schemas.microsoft.com/office/powerpoint/2010/main" val="1597776384"/>
       </p:ext>
     </p:extLst>
   </p:cSld>
@@ -15026,10 +17340,307 @@
           <a:chExt cx="0" cy="0"/>
         </a:xfrm>
       </p:grpSpPr>
+      <p:sp>
+        <p:nvSpPr>
+          <p:cNvPr id="3" name="TextBox 2">
+            <a:extLst>
+              <a:ext uri="{FF2B5EF4-FFF2-40B4-BE49-F238E27FC236}">
+                <a16:creationId xmlns:a16="http://schemas.microsoft.com/office/drawing/2014/main" id="{F3EE0266-1EA1-4C4B-B47D-FC900462C740}"/>
+              </a:ext>
+            </a:extLst>
+          </p:cNvPr>
+          <p:cNvSpPr txBox="1"/>
+          <p:nvPr/>
+        </p:nvSpPr>
+        <p:spPr>
+          <a:xfrm>
+            <a:off x="903170" y="798897"/>
+            <a:ext cx="10385659" cy="5632311"/>
+          </a:xfrm>
+          <a:prstGeom prst="rect">
+            <a:avLst/>
+          </a:prstGeom>
+          <a:noFill/>
+        </p:spPr>
+        <p:txBody>
+          <a:bodyPr wrap="square" rtlCol="0">
+            <a:spAutoFit/>
+          </a:bodyPr>
+          <a:lstStyle/>
+          <a:p>
+            <a:pPr marL="342900" indent="-342900">
+              <a:buFont typeface="Arial" panose="020B0604020202020204" pitchFamily="34" charset="0"/>
+              <a:buChar char="•"/>
+            </a:pPr>
+            <a:r>
+              <a:rPr lang="en-US" dirty="0"/>
+              <a:t>Axiomatic formal system aimed at mathematics in general. </a:t>
+            </a:r>
+          </a:p>
+          <a:p>
+            <a:pPr marL="800100" lvl="1" indent="-342900">
+              <a:buFont typeface="Arial" panose="020B0604020202020204" pitchFamily="34" charset="0"/>
+              <a:buChar char="•"/>
+            </a:pPr>
+            <a:r>
+              <a:rPr lang="en-US" dirty="0"/>
+              <a:t>Pure data with natural algebra A B, A:B</a:t>
+            </a:r>
+          </a:p>
+          <a:p>
+            <a:pPr marL="800100" lvl="1" indent="-342900">
+              <a:buFont typeface="Arial" panose="020B0604020202020204" pitchFamily="34" charset="0"/>
+              <a:buChar char="•"/>
+            </a:pPr>
+            <a:r>
+              <a:rPr lang="en-US" dirty="0"/>
+              <a:t>Definitions added to a “context”</a:t>
+            </a:r>
+          </a:p>
+          <a:p>
+            <a:pPr marL="800100" lvl="1" indent="-342900">
+              <a:buFont typeface="Arial" panose="020B0604020202020204" pitchFamily="34" charset="0"/>
+              <a:buChar char="•"/>
+            </a:pPr>
+            <a:r>
+              <a:rPr lang="en-US" dirty="0"/>
+              <a:t>Only one axiom: The Axiom of Definition</a:t>
+            </a:r>
+          </a:p>
+          <a:p>
+            <a:pPr marL="800100" lvl="1" indent="-342900">
+              <a:buFont typeface="Arial" panose="020B0604020202020204" pitchFamily="34" charset="0"/>
+              <a:buChar char="•"/>
+            </a:pPr>
+            <a:r>
+              <a:rPr lang="en-US" dirty="0"/>
+              <a:t>Mathematical objects are different types of pure data</a:t>
+            </a:r>
+          </a:p>
+          <a:p>
+            <a:pPr marL="800100" lvl="1" indent="-342900">
+              <a:buFont typeface="Arial" panose="020B0604020202020204" pitchFamily="34" charset="0"/>
+              <a:buChar char="•"/>
+            </a:pPr>
+            <a:r>
+              <a:rPr lang="en-US" dirty="0"/>
+              <a:t>Context determines equality which determines mathematical meaning</a:t>
+            </a:r>
+          </a:p>
+          <a:p>
+            <a:pPr marL="342900" indent="-342900">
+              <a:buFont typeface="Arial" panose="020B0604020202020204" pitchFamily="34" charset="0"/>
+              <a:buChar char="•"/>
+            </a:pPr>
+            <a:r>
+              <a:rPr lang="en-US" dirty="0"/>
+              <a:t>Internal Logic</a:t>
+            </a:r>
+          </a:p>
+          <a:p>
+            <a:pPr marL="800100" lvl="1" indent="-342900">
+              <a:buFont typeface="Arial" panose="020B0604020202020204" pitchFamily="34" charset="0"/>
+              <a:buChar char="•"/>
+            </a:pPr>
+            <a:r>
+              <a:rPr lang="en-US" dirty="0"/>
+              <a:t>True/false/undecided </a:t>
+            </a:r>
+            <a:r>
+              <a:rPr lang="en-US" dirty="0">
+                <a:sym typeface="Wingdings" pitchFamily="2" charset="2"/>
+              </a:rPr>
+              <a:t> empty/atomic/neither data</a:t>
+            </a:r>
+          </a:p>
+          <a:p>
+            <a:pPr marL="342900" indent="-342900">
+              <a:buFont typeface="Arial" panose="020B0604020202020204" pitchFamily="34" charset="0"/>
+              <a:buChar char="•"/>
+            </a:pPr>
+            <a:r>
+              <a:rPr lang="en-US" dirty="0">
+                <a:sym typeface="Wingdings" pitchFamily="2" charset="2"/>
+              </a:rPr>
+              <a:t>Internal language</a:t>
+            </a:r>
+          </a:p>
+          <a:p>
+            <a:pPr marL="800100" lvl="1" indent="-342900">
+              <a:buFont typeface="Arial" panose="020B0604020202020204" pitchFamily="34" charset="0"/>
+              <a:buChar char="•"/>
+            </a:pPr>
+            <a:r>
+              <a:rPr lang="en-US" dirty="0">
+                <a:sym typeface="Wingdings" pitchFamily="2" charset="2"/>
+              </a:rPr>
+              <a:t>Language is a definition like any other</a:t>
+            </a:r>
+          </a:p>
+          <a:p>
+            <a:pPr marL="800100" lvl="1" indent="-342900">
+              <a:buFont typeface="Arial" panose="020B0604020202020204" pitchFamily="34" charset="0"/>
+              <a:buChar char="•"/>
+            </a:pPr>
+            <a:r>
+              <a:rPr lang="en-US" dirty="0">
+                <a:sym typeface="Wingdings" pitchFamily="2" charset="2"/>
+              </a:rPr>
+              <a:t>Language expressions freely mix during “evaluation”</a:t>
+            </a:r>
+          </a:p>
+          <a:p>
+            <a:pPr marL="342900" indent="-342900">
+              <a:buFont typeface="Arial" panose="020B0604020202020204" pitchFamily="34" charset="0"/>
+              <a:buChar char="•"/>
+            </a:pPr>
+            <a:r>
+              <a:rPr lang="en-US" dirty="0">
+                <a:sym typeface="Wingdings" pitchFamily="2" charset="2"/>
+              </a:rPr>
+              <a:t>Proof and computation</a:t>
+            </a:r>
+          </a:p>
+          <a:p>
+            <a:pPr marL="800100" lvl="1" indent="-342900">
+              <a:buFont typeface="Arial" panose="020B0604020202020204" pitchFamily="34" charset="0"/>
+              <a:buChar char="•"/>
+            </a:pPr>
+            <a:r>
+              <a:rPr lang="en-US" dirty="0">
+                <a:sym typeface="Wingdings" pitchFamily="2" charset="2"/>
+              </a:rPr>
+              <a:t>All proofs are computations.  All computations are proofs. </a:t>
+            </a:r>
+          </a:p>
+          <a:p>
+            <a:pPr marL="342900" indent="-342900">
+              <a:buFont typeface="Arial" panose="020B0604020202020204" pitchFamily="34" charset="0"/>
+              <a:buChar char="•"/>
+            </a:pPr>
+            <a:r>
+              <a:rPr lang="en-US" dirty="0">
+                <a:sym typeface="Wingdings" pitchFamily="2" charset="2"/>
+              </a:rPr>
+              <a:t>Abstract spaces</a:t>
+            </a:r>
+          </a:p>
+          <a:p>
+            <a:pPr marL="800100" lvl="1" indent="-342900">
+              <a:buFont typeface="Arial" panose="020B0604020202020204" pitchFamily="34" charset="0"/>
+              <a:buChar char="•"/>
+            </a:pPr>
+            <a:r>
+              <a:rPr lang="en-US" dirty="0">
+                <a:sym typeface="Wingdings" pitchFamily="2" charset="2"/>
+              </a:rPr>
+              <a:t>Analogues of types in type theory and categories in category theory naturally appear as “spaces”.</a:t>
+            </a:r>
+          </a:p>
+          <a:p>
+            <a:pPr marL="800100" lvl="1" indent="-342900">
+              <a:buFont typeface="Arial" panose="020B0604020202020204" pitchFamily="34" charset="0"/>
+              <a:buChar char="•"/>
+            </a:pPr>
+            <a:r>
+              <a:rPr lang="en-US" dirty="0">
+                <a:sym typeface="Wingdings" pitchFamily="2" charset="2"/>
+              </a:rPr>
+              <a:t>There appears to be an interesting abstract theory of spaces.</a:t>
+            </a:r>
+          </a:p>
+          <a:p>
+            <a:pPr marL="800100" lvl="1" indent="-342900">
+              <a:buFont typeface="Arial" panose="020B0604020202020204" pitchFamily="34" charset="0"/>
+              <a:buChar char="•"/>
+            </a:pPr>
+            <a:r>
+              <a:rPr lang="en-US" dirty="0">
+                <a:sym typeface="Wingdings" pitchFamily="2" charset="2"/>
+              </a:rPr>
+              <a:t>First tries at “Mathematical machine learning” yields interesting results.</a:t>
+            </a:r>
+          </a:p>
+          <a:p>
+            <a:pPr marL="342900" indent="-342900">
+              <a:buFont typeface="Arial" panose="020B0604020202020204" pitchFamily="34" charset="0"/>
+              <a:buChar char="•"/>
+            </a:pPr>
+            <a:r>
+              <a:rPr lang="en-US" dirty="0">
+                <a:sym typeface="Wingdings" pitchFamily="2" charset="2"/>
+              </a:rPr>
+              <a:t>Global issues</a:t>
+            </a:r>
+          </a:p>
+          <a:p>
+            <a:pPr marL="800100" lvl="1" indent="-342900">
+              <a:buFont typeface="Arial" panose="020B0604020202020204" pitchFamily="34" charset="0"/>
+              <a:buChar char="•"/>
+            </a:pPr>
+            <a:r>
+              <a:rPr lang="en-US" dirty="0">
+                <a:sym typeface="Wingdings" pitchFamily="2" charset="2"/>
+              </a:rPr>
+              <a:t>Mathematics is “consistent” in a specific described sense.</a:t>
+            </a:r>
+          </a:p>
+          <a:p>
+            <a:pPr marL="800100" lvl="1" indent="-342900">
+              <a:buFont typeface="Arial" panose="020B0604020202020204" pitchFamily="34" charset="0"/>
+              <a:buChar char="•"/>
+            </a:pPr>
+            <a:r>
+              <a:rPr lang="en-US" dirty="0">
+                <a:sym typeface="Wingdings" pitchFamily="2" charset="2"/>
+              </a:rPr>
+              <a:t>Direct computation of “paradoxes” gains confidence in logic.</a:t>
+            </a:r>
+          </a:p>
+        </p:txBody>
+      </p:sp>
+      <p:sp>
+        <p:nvSpPr>
+          <p:cNvPr id="4" name="TextBox 3">
+            <a:extLst>
+              <a:ext uri="{FF2B5EF4-FFF2-40B4-BE49-F238E27FC236}">
+                <a16:creationId xmlns:a16="http://schemas.microsoft.com/office/drawing/2014/main" id="{145CA865-6AEA-764B-AB19-60CE121312E3}"/>
+              </a:ext>
+            </a:extLst>
+          </p:cNvPr>
+          <p:cNvSpPr txBox="1"/>
+          <p:nvPr/>
+        </p:nvSpPr>
+        <p:spPr>
+          <a:xfrm>
+            <a:off x="0" y="86625"/>
+            <a:ext cx="12192000" cy="707886"/>
+          </a:xfrm>
+          <a:prstGeom prst="rect">
+            <a:avLst/>
+          </a:prstGeom>
+          <a:noFill/>
+        </p:spPr>
+        <p:txBody>
+          <a:bodyPr wrap="square" rtlCol="0">
+            <a:spAutoFit/>
+          </a:bodyPr>
+          <a:lstStyle/>
+          <a:p>
+            <a:pPr algn="ctr"/>
+            <a:r>
+              <a:rPr lang="en-US" sz="4000" dirty="0">
+                <a:latin typeface="+mj-lt"/>
+              </a:rPr>
+              <a:t>Summary</a:t>
+            </a:r>
+          </a:p>
+        </p:txBody>
+      </p:sp>
     </p:spTree>
     <p:extLst>
       <p:ext uri="{BB962C8B-B14F-4D97-AF65-F5344CB8AC3E}">
-        <p14:creationId xmlns:p14="http://schemas.microsoft.com/office/powerpoint/2010/main" val="2214389088"/>
+        <p14:creationId xmlns:p14="http://schemas.microsoft.com/office/powerpoint/2010/main" val="2272362929"/>
       </p:ext>
     </p:extLst>
   </p:cSld>
@@ -15059,7 +17670,7 @@
     </p:spTree>
     <p:extLst>
       <p:ext uri="{BB962C8B-B14F-4D97-AF65-F5344CB8AC3E}">
-        <p14:creationId xmlns:p14="http://schemas.microsoft.com/office/powerpoint/2010/main" val="3594652426"/>
+        <p14:creationId xmlns:p14="http://schemas.microsoft.com/office/powerpoint/2010/main" val="3510782627"/>
       </p:ext>
     </p:extLst>
   </p:cSld>
@@ -15089,7 +17700,7 @@
     </p:spTree>
     <p:extLst>
       <p:ext uri="{BB962C8B-B14F-4D97-AF65-F5344CB8AC3E}">
-        <p14:creationId xmlns:p14="http://schemas.microsoft.com/office/powerpoint/2010/main" val="2272362929"/>
+        <p14:creationId xmlns:p14="http://schemas.microsoft.com/office/powerpoint/2010/main" val="2862050862"/>
       </p:ext>
     </p:extLst>
   </p:cSld>
@@ -15816,89 +18427,10 @@
           <a:chExt cx="0" cy="0"/>
         </a:xfrm>
       </p:grpSpPr>
-      <p:sp>
-        <p:nvSpPr>
-          <p:cNvPr id="2" name="TextBox 1">
-            <a:extLst>
-              <a:ext uri="{FF2B5EF4-FFF2-40B4-BE49-F238E27FC236}">
-                <a16:creationId xmlns:a16="http://schemas.microsoft.com/office/drawing/2014/main" id="{43CBD3FA-DBEE-4745-BD00-150285E431D5}"/>
-              </a:ext>
-            </a:extLst>
-          </p:cNvPr>
-          <p:cNvSpPr txBox="1"/>
-          <p:nvPr/>
-        </p:nvSpPr>
-        <p:spPr>
-          <a:xfrm>
-            <a:off x="1010653" y="356135"/>
-            <a:ext cx="9721515" cy="2862322"/>
-          </a:xfrm>
-          <a:prstGeom prst="rect">
-            <a:avLst/>
-          </a:prstGeom>
-          <a:noFill/>
-        </p:spPr>
-        <p:txBody>
-          <a:bodyPr wrap="square" rtlCol="0">
-            <a:spAutoFit/>
-          </a:bodyPr>
-          <a:lstStyle/>
-          <a:p>
-            <a:r>
-              <a:rPr lang="en-US" dirty="0"/>
-              <a:t>Typical Mathematical Questions</a:t>
-            </a:r>
-          </a:p>
-          <a:p>
-            <a:endParaRPr lang="en-US" dirty="0"/>
-          </a:p>
-          <a:p>
-            <a:endParaRPr lang="en-US" dirty="0"/>
-          </a:p>
-          <a:p>
-            <a:r>
-              <a:rPr lang="en-US" dirty="0"/>
-              <a:t>skip n? : prime : </a:t>
-            </a:r>
-            <a:r>
-              <a:rPr lang="en-US" dirty="0" err="1"/>
-              <a:t>nat</a:t>
-            </a:r>
-            <a:r>
-              <a:rPr lang="en-US" dirty="0"/>
-              <a:t> : 0 </a:t>
-            </a:r>
-          </a:p>
-          <a:p>
-            <a:endParaRPr lang="en-US" dirty="0"/>
-          </a:p>
-          <a:p>
-            <a:r>
-              <a:rPr lang="en-US" dirty="0"/>
-              <a:t>sum n : X? Y? = sum n : Y? X? </a:t>
-            </a:r>
-          </a:p>
-          <a:p>
-            <a:endParaRPr lang="en-US" dirty="0"/>
-          </a:p>
-          <a:p>
-            <a:r>
-              <a:rPr lang="en-US" dirty="0"/>
-              <a:t>Coda is consistent </a:t>
-            </a:r>
-          </a:p>
-          <a:p>
-            <a:endParaRPr lang="en-US" dirty="0"/>
-          </a:p>
-          <a:p>
-            <a:endParaRPr lang="en-US" dirty="0"/>
-          </a:p>
-        </p:txBody>
-      </p:sp>
     </p:spTree>
     <p:extLst>
       <p:ext uri="{BB962C8B-B14F-4D97-AF65-F5344CB8AC3E}">
-        <p14:creationId xmlns:p14="http://schemas.microsoft.com/office/powerpoint/2010/main" val="527397035"/>
+        <p14:creationId xmlns:p14="http://schemas.microsoft.com/office/powerpoint/2010/main" val="1462925287"/>
       </p:ext>
     </p:extLst>
   </p:cSld>
@@ -15925,40 +18457,123 @@
           <a:chExt cx="0" cy="0"/>
         </a:xfrm>
       </p:grpSpPr>
-      <p:pic>
-        <p:nvPicPr>
-          <p:cNvPr id="3" name="Picture 2">
+      <p:sp>
+        <p:nvSpPr>
+          <p:cNvPr id="2" name="TextBox 1">
             <a:extLst>
               <a:ext uri="{FF2B5EF4-FFF2-40B4-BE49-F238E27FC236}">
-                <a16:creationId xmlns:a16="http://schemas.microsoft.com/office/drawing/2014/main" id="{69171ABC-8D5B-0F48-BD7D-C0EA1F74E774}"/>
+                <a16:creationId xmlns:a16="http://schemas.microsoft.com/office/drawing/2014/main" id="{43CBD3FA-DBEE-4745-BD00-150285E431D5}"/>
               </a:ext>
             </a:extLst>
           </p:cNvPr>
-          <p:cNvPicPr>
-            <a:picLocks noChangeAspect="1"/>
-          </p:cNvPicPr>
+          <p:cNvSpPr txBox="1"/>
           <p:nvPr/>
-        </p:nvPicPr>
-        <p:blipFill>
-          <a:blip r:embed="rId2"/>
-          <a:stretch>
-            <a:fillRect/>
-          </a:stretch>
-        </p:blipFill>
+        </p:nvSpPr>
         <p:spPr>
           <a:xfrm>
-            <a:off x="3803650" y="2057400"/>
-            <a:ext cx="4584700" cy="2743200"/>
+            <a:off x="1010653" y="356135"/>
+            <a:ext cx="9721515" cy="3970318"/>
           </a:xfrm>
           <a:prstGeom prst="rect">
             <a:avLst/>
           </a:prstGeom>
+          <a:noFill/>
         </p:spPr>
-      </p:pic>
+        <p:txBody>
+          <a:bodyPr wrap="square" rtlCol="0">
+            <a:spAutoFit/>
+          </a:bodyPr>
+          <a:lstStyle/>
+          <a:p>
+            <a:r>
+              <a:rPr lang="en-US" dirty="0"/>
+              <a:t>Typical Mathematical Questions</a:t>
+            </a:r>
+          </a:p>
+          <a:p>
+            <a:endParaRPr lang="en-US" dirty="0"/>
+          </a:p>
+          <a:p>
+            <a:endParaRPr lang="en-US" dirty="0"/>
+          </a:p>
+          <a:p>
+            <a:r>
+              <a:rPr lang="en-US" dirty="0"/>
+              <a:t>skip n? : prime : </a:t>
+            </a:r>
+            <a:r>
+              <a:rPr lang="en-US" dirty="0" err="1"/>
+              <a:t>nat</a:t>
+            </a:r>
+            <a:r>
+              <a:rPr lang="en-US" dirty="0"/>
+              <a:t> : 0 </a:t>
+            </a:r>
+          </a:p>
+          <a:p>
+            <a:endParaRPr lang="en-US" dirty="0"/>
+          </a:p>
+          <a:p>
+            <a:r>
+              <a:rPr lang="en-US" dirty="0"/>
+              <a:t>sum n : X? Y? = sum n : Y? X? </a:t>
+            </a:r>
+          </a:p>
+          <a:p>
+            <a:endParaRPr lang="en-US" dirty="0"/>
+          </a:p>
+          <a:p>
+            <a:r>
+              <a:rPr lang="en-US" dirty="0"/>
+              <a:t>Coda is consistent </a:t>
+            </a:r>
+          </a:p>
+          <a:p>
+            <a:endParaRPr lang="en-US" dirty="0"/>
+          </a:p>
+          <a:p>
+            <a:r>
+              <a:rPr lang="en-US" dirty="0"/>
+              <a:t>def Space : { B : X? Y? = B : (B:X?) (B:Y?) } </a:t>
+            </a:r>
+          </a:p>
+          <a:p>
+            <a:endParaRPr lang="en-US" dirty="0"/>
+          </a:p>
+          <a:p>
+            <a:r>
+              <a:rPr lang="en-US" dirty="0"/>
+              <a:t>def Group : { (</a:t>
+            </a:r>
+            <a:r>
+              <a:rPr lang="en-US" dirty="0" err="1"/>
+              <a:t>Space:B</a:t>
+            </a:r>
+            <a:r>
+              <a:rPr lang="en-US" dirty="0"/>
+              <a:t>) (</a:t>
+            </a:r>
+            <a:r>
+              <a:rPr lang="en-US" dirty="0" err="1"/>
+              <a:t>Antispace</a:t>
+            </a:r>
+            <a:r>
+              <a:rPr lang="en-US" dirty="0"/>
+              <a:t> A : B) } </a:t>
+            </a:r>
+          </a:p>
+          <a:p>
+            <a:endParaRPr lang="en-US" dirty="0"/>
+          </a:p>
+          <a:p>
+            <a:endParaRPr lang="en-US" dirty="0"/>
+          </a:p>
+        </p:txBody>
+      </p:sp>
     </p:spTree>
     <p:extLst>
       <p:ext uri="{BB962C8B-B14F-4D97-AF65-F5344CB8AC3E}">
-        <p14:creationId xmlns:p14="http://schemas.microsoft.com/office/powerpoint/2010/main" val="3510782627"/>
+        <p14:creationId xmlns:p14="http://schemas.microsoft.com/office/powerpoint/2010/main" val="527397035"/>
       </p:ext>
     </p:extLst>
   </p:cSld>
